--- a/wy/王焰硕士论文答辩.pptx
+++ b/wy/王焰硕士论文答辩.pptx
@@ -5,10 +5,10 @@
     <p:sldMasterId id="2147483681" r:id="rId1"/>
   </p:sldMasterIdLst>
   <p:notesMasterIdLst>
-    <p:notesMasterId r:id="rId19"/>
+    <p:notesMasterId r:id="rId25"/>
   </p:notesMasterIdLst>
   <p:handoutMasterIdLst>
-    <p:handoutMasterId r:id="rId20"/>
+    <p:handoutMasterId r:id="rId26"/>
   </p:handoutMasterIdLst>
   <p:sldIdLst>
     <p:sldId id="256" r:id="rId2"/>
@@ -25,9 +25,15 @@
     <p:sldId id="386" r:id="rId13"/>
     <p:sldId id="387" r:id="rId14"/>
     <p:sldId id="388" r:id="rId15"/>
-    <p:sldId id="349" r:id="rId16"/>
-    <p:sldId id="350" r:id="rId17"/>
-    <p:sldId id="273" r:id="rId18"/>
+    <p:sldId id="389" r:id="rId16"/>
+    <p:sldId id="390" r:id="rId17"/>
+    <p:sldId id="391" r:id="rId18"/>
+    <p:sldId id="392" r:id="rId19"/>
+    <p:sldId id="393" r:id="rId20"/>
+    <p:sldId id="395" r:id="rId21"/>
+    <p:sldId id="349" r:id="rId22"/>
+    <p:sldId id="350" r:id="rId23"/>
+    <p:sldId id="273" r:id="rId24"/>
   </p:sldIdLst>
   <p:sldSz cx="9144000" cy="6858000" type="screen4x3"/>
   <p:notesSz cx="6858000" cy="9144000"/>
@@ -942,32 +948,53 @@
               <a:rPr lang="zh-CN" altLang="en-US" dirty="0" smtClean="0">
                 <a:latin typeface="Arial" panose="020B0604020202020204" pitchFamily="34" charset="0"/>
               </a:rPr>
-              <a:t>各位老师，上午好，我的名字是邵波，是计算机学院</a:t>
+              <a:t>各位老师，上午好，我的名字</a:t>
+            </a:r>
+            <a:r>
+              <a:rPr lang="zh-CN" altLang="en-US" dirty="0" smtClean="0">
+                <a:latin typeface="Arial" panose="020B0604020202020204" pitchFamily="34" charset="0"/>
+              </a:rPr>
+              <a:t>是王焰，</a:t>
+            </a:r>
+            <a:r>
+              <a:rPr lang="zh-CN" altLang="en-US" dirty="0" smtClean="0">
+                <a:latin typeface="Arial" panose="020B0604020202020204" pitchFamily="34" charset="0"/>
+              </a:rPr>
+              <a:t>是计算机</a:t>
+            </a:r>
+            <a:r>
+              <a:rPr lang="zh-CN" altLang="en-US" dirty="0" smtClean="0">
+                <a:latin typeface="Arial" panose="020B0604020202020204" pitchFamily="34" charset="0"/>
+              </a:rPr>
+              <a:t>学院</a:t>
             </a:r>
             <a:r>
               <a:rPr lang="en-US" altLang="zh-CN" dirty="0" smtClean="0">
                 <a:latin typeface="Arial" panose="020B0604020202020204" pitchFamily="34" charset="0"/>
               </a:rPr>
-              <a:t>10</a:t>
+              <a:t>2015</a:t>
             </a:r>
             <a:r>
               <a:rPr lang="zh-CN" altLang="en-US" dirty="0" smtClean="0">
                 <a:latin typeface="Arial" panose="020B0604020202020204" pitchFamily="34" charset="0"/>
               </a:rPr>
-              <a:t>级的硕士，我的论文题目是</a:t>
-            </a:r>
-            <a:r>
-              <a:rPr lang="en-US" altLang="zh-CN" dirty="0" smtClean="0">
-                <a:latin typeface="Arial" panose="020B0604020202020204" pitchFamily="34" charset="0"/>
-              </a:rPr>
-              <a:t>API</a:t>
+              <a:t>级</a:t>
             </a:r>
             <a:r>
               <a:rPr lang="zh-CN" altLang="en-US" dirty="0" smtClean="0">
                 <a:latin typeface="Arial" panose="020B0604020202020204" pitchFamily="34" charset="0"/>
               </a:rPr>
-              <a:t>服务推荐方法研究，</a:t>
-            </a:r>
+              <a:t>的硕士，我的论文</a:t>
+            </a:r>
+            <a:r>
+              <a:rPr lang="zh-CN" altLang="en-US" dirty="0" smtClean="0">
+                <a:latin typeface="Arial" panose="020B0604020202020204" pitchFamily="34" charset="0"/>
+              </a:rPr>
+              <a:t>题目是基于大数据分析的广告精准投放研究</a:t>
+            </a:r>
+            <a:endParaRPr lang="zh-CN" altLang="en-US" dirty="0" smtClean="0">
+              <a:latin typeface="Arial" panose="020B0604020202020204" pitchFamily="34" charset="0"/>
+            </a:endParaRPr>
           </a:p>
         </p:txBody>
       </p:sp>
@@ -1714,6 +1741,39 @@
           <a:bodyPr/>
           <a:lstStyle/>
           <a:p>
+            <a:r>
+              <a:rPr lang="zh-CN" altLang="en-US" dirty="0" smtClean="0"/>
+              <a:t>当我们在淘宝浏览商品或购买商品后，淘宝总是能够给我们推荐称心如意商品。</a:t>
+            </a:r>
+            <a:endParaRPr lang="en-US" altLang="zh-CN" dirty="0" smtClean="0"/>
+          </a:p>
+          <a:p>
+            <a:r>
+              <a:rPr lang="zh-CN" altLang="en-US" dirty="0" smtClean="0"/>
+              <a:t>亚马逊会根据我们的购买记录，为我们推荐下一本挚爱读物</a:t>
+            </a:r>
+            <a:endParaRPr lang="en-US" altLang="zh-CN" dirty="0" smtClean="0"/>
+          </a:p>
+          <a:p>
+            <a:r>
+              <a:rPr lang="zh-CN" altLang="en-US" dirty="0" smtClean="0"/>
+              <a:t>今日头条等咨询类的</a:t>
+            </a:r>
+            <a:r>
+              <a:rPr lang="en-US" altLang="zh-CN" dirty="0" smtClean="0"/>
+              <a:t>APP</a:t>
+            </a:r>
+            <a:r>
+              <a:rPr lang="zh-CN" altLang="en-US" dirty="0" smtClean="0"/>
+              <a:t>，更是打出了你关心的才是头条</a:t>
+            </a:r>
+            <a:endParaRPr lang="en-US" altLang="zh-CN" dirty="0" smtClean="0"/>
+          </a:p>
+          <a:p>
+            <a:r>
+              <a:rPr lang="zh-CN" altLang="en-US" dirty="0" smtClean="0"/>
+              <a:t>他们都是根据用户的行为来做精准的推荐</a:t>
+            </a:r>
             <a:endParaRPr lang="zh-CN" altLang="en-US" dirty="0"/>
           </a:p>
         </p:txBody>
@@ -6630,11 +6690,18 @@
               <a:t>学生姓名： </a:t>
             </a:r>
             <a:r>
+              <a:rPr lang="zh-CN" altLang="en-US" dirty="0" smtClean="0">
+                <a:latin typeface="黑体" panose="02010609060101010101" pitchFamily="49" charset="-122"/>
+                <a:ea typeface="黑体" panose="02010609060101010101" pitchFamily="49" charset="-122"/>
+              </a:rPr>
+              <a:t>  王</a:t>
+            </a:r>
+            <a:r>
               <a:rPr lang="zh-CN" altLang="en-US" dirty="0">
                 <a:latin typeface="黑体" panose="02010609060101010101" pitchFamily="49" charset="-122"/>
                 <a:ea typeface="黑体" panose="02010609060101010101" pitchFamily="49" charset="-122"/>
               </a:rPr>
-              <a:t>王焰</a:t>
+              <a:t>焰</a:t>
             </a:r>
             <a:endParaRPr lang="zh-CN" altLang="en-US" sz="1200" dirty="0" smtClean="0">
               <a:latin typeface="黑体" panose="02010609060101010101" pitchFamily="49" charset="-122"/>
@@ -6648,21 +6715,7 @@
                 <a:latin typeface="黑体" panose="02010609060101010101" pitchFamily="49" charset="-122"/>
                 <a:ea typeface="黑体" panose="02010609060101010101" pitchFamily="49" charset="-122"/>
               </a:rPr>
-              <a:t>指导教师： </a:t>
-            </a:r>
-            <a:r>
-              <a:rPr lang="zh-CN" altLang="en-US" dirty="0" smtClean="0">
-                <a:latin typeface="黑体" panose="02010609060101010101" pitchFamily="49" charset="-122"/>
-                <a:ea typeface="黑体" panose="02010609060101010101" pitchFamily="49" charset="-122"/>
-              </a:rPr>
-              <a:t>郑宏</a:t>
-            </a:r>
-            <a:r>
-              <a:rPr lang="zh-CN" altLang="en-US" dirty="0" smtClean="0">
-                <a:latin typeface="黑体" panose="02010609060101010101" pitchFamily="49" charset="-122"/>
-                <a:ea typeface="黑体" panose="02010609060101010101" pitchFamily="49" charset="-122"/>
-              </a:rPr>
-              <a:t>教授</a:t>
+              <a:t>指导教师： 郑宏教授</a:t>
             </a:r>
             <a:endParaRPr lang="en-US" altLang="zh-CN" dirty="0" smtClean="0">
               <a:latin typeface="黑体" panose="02010609060101010101" pitchFamily="49" charset="-122"/>
@@ -7082,15 +7135,6 @@
               </a:rPr>
               <a:t>结果展示</a:t>
             </a:r>
-            <a:endParaRPr lang="zh-CN" altLang="en-US" dirty="0" smtClean="0">
-              <a:effectLst>
-                <a:outerShdw blurRad="38100" dist="38100" dir="2700000" algn="tl">
-                  <a:srgbClr val="C0C0C0"/>
-                </a:outerShdw>
-              </a:effectLst>
-              <a:latin typeface="黑体" panose="02010609060101010101" pitchFamily="49" charset="-122"/>
-              <a:ea typeface="黑体" panose="02010609060101010101" pitchFamily="49" charset="-122"/>
-            </a:endParaRPr>
           </a:p>
         </p:txBody>
       </p:sp>
@@ -8048,25 +8092,1335 @@
           </a:p>
         </p:txBody>
       </p:sp>
-      <p:sp>
-        <p:nvSpPr>
-          <p:cNvPr id="3" name="内容占位符 2"/>
-          <p:cNvSpPr>
-            <a:spLocks noGrp="1"/>
-          </p:cNvSpPr>
+      <p:graphicFrame>
+        <p:nvGraphicFramePr>
+          <p:cNvPr id="5" name="内容占位符 4"/>
+          <p:cNvGraphicFramePr>
+            <a:graphicFrameLocks noGrp="1"/>
+          </p:cNvGraphicFramePr>
           <p:nvPr>
             <p:ph idx="1"/>
+            <p:extLst>
+              <p:ext uri="{D42A27DB-BD31-4B8C-83A1-F6EECF244321}">
+                <p14:modId xmlns:p14="http://schemas.microsoft.com/office/powerpoint/2010/main" val="2105319097"/>
+              </p:ext>
+            </p:extLst>
           </p:nvPr>
-        </p:nvSpPr>
-        <p:spPr/>
-        <p:txBody>
-          <a:bodyPr/>
-          <a:lstStyle/>
-          <a:p>
-            <a:endParaRPr lang="zh-CN" altLang="en-US"/>
-          </a:p>
-        </p:txBody>
-      </p:sp>
+        </p:nvGraphicFramePr>
+        <p:xfrm>
+          <a:off x="228600" y="1563982"/>
+          <a:ext cx="4572000" cy="4534898"/>
+        </p:xfrm>
+        <a:graphic>
+          <a:graphicData uri="http://schemas.openxmlformats.org/drawingml/2006/table">
+            <a:tbl>
+              <a:tblPr firstRow="1" firstCol="1" bandRow="1">
+                <a:tableStyleId>{5C22544A-7EE6-4342-B048-85BDC9FD1C3A}</a:tableStyleId>
+              </a:tblPr>
+              <a:tblGrid>
+                <a:gridCol w="639230">
+                  <a:extLst>
+                    <a:ext uri="{9D8B030D-6E8A-4147-A177-3AD203B41FA5}">
+                      <a16:colId xmlns:a16="http://schemas.microsoft.com/office/drawing/2014/main" val="3126780672"/>
+                    </a:ext>
+                  </a:extLst>
+                </a:gridCol>
+                <a:gridCol w="401431">
+                  <a:extLst>
+                    <a:ext uri="{9D8B030D-6E8A-4147-A177-3AD203B41FA5}">
+                      <a16:colId xmlns:a16="http://schemas.microsoft.com/office/drawing/2014/main" val="2207622437"/>
+                    </a:ext>
+                  </a:extLst>
+                </a:gridCol>
+                <a:gridCol w="1845785">
+                  <a:extLst>
+                    <a:ext uri="{9D8B030D-6E8A-4147-A177-3AD203B41FA5}">
+                      <a16:colId xmlns:a16="http://schemas.microsoft.com/office/drawing/2014/main" val="2280006402"/>
+                    </a:ext>
+                  </a:extLst>
+                </a:gridCol>
+                <a:gridCol w="1685554">
+                  <a:extLst>
+                    <a:ext uri="{9D8B030D-6E8A-4147-A177-3AD203B41FA5}">
+                      <a16:colId xmlns:a16="http://schemas.microsoft.com/office/drawing/2014/main" val="1167013280"/>
+                    </a:ext>
+                  </a:extLst>
+                </a:gridCol>
+              </a:tblGrid>
+              <a:tr h="173730">
+                <a:tc>
+                  <a:txBody>
+                    <a:bodyPr/>
+                    <a:lstStyle/>
+                    <a:p>
+                      <a:pPr algn="ctr">
+                        <a:spcAft>
+                          <a:spcPts val="0"/>
+                        </a:spcAft>
+                      </a:pPr>
+                      <a:r>
+                        <a:rPr lang="zh-CN" sz="700" kern="0">
+                          <a:effectLst/>
+                        </a:rPr>
+                        <a:t>用户行为</a:t>
+                      </a:r>
+                      <a:endParaRPr lang="zh-CN" sz="700" kern="100">
+                        <a:effectLst/>
+                        <a:latin typeface="等线" panose="02010600030101010101" pitchFamily="2" charset="-122"/>
+                        <a:ea typeface="等线" panose="02010600030101010101" pitchFamily="2" charset="-122"/>
+                        <a:cs typeface="Times New Roman" panose="02020603050405020304" pitchFamily="18" charset="0"/>
+                      </a:endParaRPr>
+                    </a:p>
+                  </a:txBody>
+                  <a:tcPr marL="30586" marR="30586" marT="30586" marB="30586" anchor="ctr"/>
+                </a:tc>
+                <a:tc>
+                  <a:txBody>
+                    <a:bodyPr/>
+                    <a:lstStyle/>
+                    <a:p>
+                      <a:pPr algn="ctr">
+                        <a:spcAft>
+                          <a:spcPts val="0"/>
+                        </a:spcAft>
+                      </a:pPr>
+                      <a:r>
+                        <a:rPr lang="zh-CN" sz="700" kern="0">
+                          <a:effectLst/>
+                        </a:rPr>
+                        <a:t>类型</a:t>
+                      </a:r>
+                      <a:endParaRPr lang="zh-CN" sz="700" kern="100">
+                        <a:effectLst/>
+                        <a:latin typeface="等线" panose="02010600030101010101" pitchFamily="2" charset="-122"/>
+                        <a:ea typeface="等线" panose="02010600030101010101" pitchFamily="2" charset="-122"/>
+                        <a:cs typeface="Times New Roman" panose="02020603050405020304" pitchFamily="18" charset="0"/>
+                      </a:endParaRPr>
+                    </a:p>
+                  </a:txBody>
+                  <a:tcPr marL="30586" marR="30586" marT="30586" marB="30586" anchor="ctr"/>
+                </a:tc>
+                <a:tc>
+                  <a:txBody>
+                    <a:bodyPr/>
+                    <a:lstStyle/>
+                    <a:p>
+                      <a:pPr algn="ctr">
+                        <a:spcAft>
+                          <a:spcPts val="0"/>
+                        </a:spcAft>
+                      </a:pPr>
+                      <a:r>
+                        <a:rPr lang="zh-CN" sz="700" kern="0">
+                          <a:effectLst/>
+                        </a:rPr>
+                        <a:t>特征</a:t>
+                      </a:r>
+                      <a:endParaRPr lang="zh-CN" sz="700" kern="100">
+                        <a:effectLst/>
+                        <a:latin typeface="等线" panose="02010600030101010101" pitchFamily="2" charset="-122"/>
+                        <a:ea typeface="等线" panose="02010600030101010101" pitchFamily="2" charset="-122"/>
+                        <a:cs typeface="Times New Roman" panose="02020603050405020304" pitchFamily="18" charset="0"/>
+                      </a:endParaRPr>
+                    </a:p>
+                  </a:txBody>
+                  <a:tcPr marL="30586" marR="30586" marT="30586" marB="30586" anchor="ctr"/>
+                </a:tc>
+                <a:tc>
+                  <a:txBody>
+                    <a:bodyPr/>
+                    <a:lstStyle/>
+                    <a:p>
+                      <a:pPr algn="ctr">
+                        <a:spcAft>
+                          <a:spcPts val="0"/>
+                        </a:spcAft>
+                      </a:pPr>
+                      <a:r>
+                        <a:rPr lang="zh-CN" sz="700" kern="0">
+                          <a:effectLst/>
+                        </a:rPr>
+                        <a:t>作用</a:t>
+                      </a:r>
+                      <a:endParaRPr lang="zh-CN" sz="700" kern="100">
+                        <a:effectLst/>
+                        <a:latin typeface="等线" panose="02010600030101010101" pitchFamily="2" charset="-122"/>
+                        <a:ea typeface="等线" panose="02010600030101010101" pitchFamily="2" charset="-122"/>
+                        <a:cs typeface="Times New Roman" panose="02020603050405020304" pitchFamily="18" charset="0"/>
+                      </a:endParaRPr>
+                    </a:p>
+                  </a:txBody>
+                  <a:tcPr marL="30586" marR="30586" marT="30586" marB="30586" anchor="ctr"/>
+                </a:tc>
+                <a:extLst>
+                  <a:ext uri="{0D108BD9-81ED-4DB2-BD59-A6C34878D82A}">
+                    <a16:rowId xmlns:a16="http://schemas.microsoft.com/office/drawing/2014/main" val="2108557713"/>
+                  </a:ext>
+                </a:extLst>
+              </a:tr>
+              <a:tr h="574208">
+                <a:tc>
+                  <a:txBody>
+                    <a:bodyPr/>
+                    <a:lstStyle/>
+                    <a:p>
+                      <a:pPr algn="ctr">
+                        <a:spcAft>
+                          <a:spcPts val="0"/>
+                        </a:spcAft>
+                      </a:pPr>
+                      <a:r>
+                        <a:rPr lang="zh-CN" sz="800" kern="0">
+                          <a:effectLst/>
+                        </a:rPr>
+                        <a:t>评分</a:t>
+                      </a:r>
+                      <a:endParaRPr lang="zh-CN" sz="700" kern="100">
+                        <a:effectLst/>
+                        <a:latin typeface="等线" panose="02010600030101010101" pitchFamily="2" charset="-122"/>
+                        <a:ea typeface="等线" panose="02010600030101010101" pitchFamily="2" charset="-122"/>
+                        <a:cs typeface="Times New Roman" panose="02020603050405020304" pitchFamily="18" charset="0"/>
+                      </a:endParaRPr>
+                    </a:p>
+                  </a:txBody>
+                  <a:tcPr marL="30586" marR="30586" marT="30586" marB="30586" anchor="ctr"/>
+                </a:tc>
+                <a:tc>
+                  <a:txBody>
+                    <a:bodyPr/>
+                    <a:lstStyle/>
+                    <a:p>
+                      <a:pPr algn="ctr">
+                        <a:spcAft>
+                          <a:spcPts val="0"/>
+                        </a:spcAft>
+                      </a:pPr>
+                      <a:r>
+                        <a:rPr lang="zh-CN" sz="800" kern="0">
+                          <a:effectLst/>
+                        </a:rPr>
+                        <a:t>显式</a:t>
+                      </a:r>
+                      <a:endParaRPr lang="zh-CN" sz="700" kern="100">
+                        <a:effectLst/>
+                        <a:latin typeface="等线" panose="02010600030101010101" pitchFamily="2" charset="-122"/>
+                        <a:ea typeface="等线" panose="02010600030101010101" pitchFamily="2" charset="-122"/>
+                        <a:cs typeface="Times New Roman" panose="02020603050405020304" pitchFamily="18" charset="0"/>
+                      </a:endParaRPr>
+                    </a:p>
+                  </a:txBody>
+                  <a:tcPr marL="30586" marR="30586" marT="30586" marB="30586" anchor="ctr"/>
+                </a:tc>
+                <a:tc>
+                  <a:txBody>
+                    <a:bodyPr/>
+                    <a:lstStyle/>
+                    <a:p>
+                      <a:pPr algn="l">
+                        <a:spcAft>
+                          <a:spcPts val="0"/>
+                        </a:spcAft>
+                      </a:pPr>
+                      <a:r>
+                        <a:rPr lang="zh-CN" sz="800" kern="0">
+                          <a:effectLst/>
+                        </a:rPr>
+                        <a:t>整数量化的偏好，可能的取值是</a:t>
+                      </a:r>
+                      <a:r>
+                        <a:rPr lang="en-US" sz="800" kern="0">
+                          <a:effectLst/>
+                        </a:rPr>
+                        <a:t> [0, n]</a:t>
+                      </a:r>
+                      <a:r>
+                        <a:rPr lang="zh-CN" sz="800" kern="0">
+                          <a:effectLst/>
+                        </a:rPr>
+                        <a:t>；</a:t>
+                      </a:r>
+                      <a:r>
+                        <a:rPr lang="en-US" sz="800" kern="0">
+                          <a:effectLst/>
+                        </a:rPr>
+                        <a:t>n </a:t>
+                      </a:r>
+                      <a:r>
+                        <a:rPr lang="zh-CN" sz="800" kern="0">
+                          <a:effectLst/>
+                        </a:rPr>
+                        <a:t>一般取值为</a:t>
+                      </a:r>
+                      <a:r>
+                        <a:rPr lang="en-US" sz="800" kern="0">
+                          <a:effectLst/>
+                        </a:rPr>
+                        <a:t> 5 </a:t>
+                      </a:r>
+                      <a:r>
+                        <a:rPr lang="zh-CN" sz="800" kern="0">
+                          <a:effectLst/>
+                        </a:rPr>
+                        <a:t>或者是</a:t>
+                      </a:r>
+                      <a:r>
+                        <a:rPr lang="en-US" sz="800" kern="0">
+                          <a:effectLst/>
+                        </a:rPr>
+                        <a:t> 10</a:t>
+                      </a:r>
+                      <a:endParaRPr lang="zh-CN" sz="700" kern="100">
+                        <a:effectLst/>
+                        <a:latin typeface="等线" panose="02010600030101010101" pitchFamily="2" charset="-122"/>
+                        <a:ea typeface="等线" panose="02010600030101010101" pitchFamily="2" charset="-122"/>
+                        <a:cs typeface="Times New Roman" panose="02020603050405020304" pitchFamily="18" charset="0"/>
+                      </a:endParaRPr>
+                    </a:p>
+                  </a:txBody>
+                  <a:tcPr marL="30586" marR="30586" marT="30586" marB="30586" anchor="ctr"/>
+                </a:tc>
+                <a:tc>
+                  <a:txBody>
+                    <a:bodyPr/>
+                    <a:lstStyle/>
+                    <a:p>
+                      <a:pPr algn="l">
+                        <a:spcAft>
+                          <a:spcPts val="0"/>
+                        </a:spcAft>
+                      </a:pPr>
+                      <a:r>
+                        <a:rPr lang="zh-CN" sz="800" kern="0">
+                          <a:effectLst/>
+                        </a:rPr>
+                        <a:t>通过用户对物品的评分，可以精确的得到用户的偏好</a:t>
+                      </a:r>
+                      <a:endParaRPr lang="zh-CN" sz="700" kern="100">
+                        <a:effectLst/>
+                        <a:latin typeface="等线" panose="02010600030101010101" pitchFamily="2" charset="-122"/>
+                        <a:ea typeface="等线" panose="02010600030101010101" pitchFamily="2" charset="-122"/>
+                        <a:cs typeface="Times New Roman" panose="02020603050405020304" pitchFamily="18" charset="0"/>
+                      </a:endParaRPr>
+                    </a:p>
+                  </a:txBody>
+                  <a:tcPr marL="30586" marR="30586" marT="30586" marB="30586" anchor="ctr"/>
+                </a:tc>
+                <a:extLst>
+                  <a:ext uri="{0D108BD9-81ED-4DB2-BD59-A6C34878D82A}">
+                    <a16:rowId xmlns:a16="http://schemas.microsoft.com/office/drawing/2014/main" val="1737164140"/>
+                  </a:ext>
+                </a:extLst>
+              </a:tr>
+              <a:tr h="413527">
+                <a:tc>
+                  <a:txBody>
+                    <a:bodyPr/>
+                    <a:lstStyle/>
+                    <a:p>
+                      <a:pPr algn="ctr">
+                        <a:spcAft>
+                          <a:spcPts val="0"/>
+                        </a:spcAft>
+                      </a:pPr>
+                      <a:r>
+                        <a:rPr lang="zh-CN" sz="800" kern="0">
+                          <a:effectLst/>
+                        </a:rPr>
+                        <a:t>投票</a:t>
+                      </a:r>
+                      <a:endParaRPr lang="zh-CN" sz="700" kern="100">
+                        <a:effectLst/>
+                        <a:latin typeface="等线" panose="02010600030101010101" pitchFamily="2" charset="-122"/>
+                        <a:ea typeface="等线" panose="02010600030101010101" pitchFamily="2" charset="-122"/>
+                        <a:cs typeface="Times New Roman" panose="02020603050405020304" pitchFamily="18" charset="0"/>
+                      </a:endParaRPr>
+                    </a:p>
+                  </a:txBody>
+                  <a:tcPr marL="30586" marR="30586" marT="30586" marB="30586" anchor="ctr"/>
+                </a:tc>
+                <a:tc>
+                  <a:txBody>
+                    <a:bodyPr/>
+                    <a:lstStyle/>
+                    <a:p>
+                      <a:pPr algn="ctr">
+                        <a:spcAft>
+                          <a:spcPts val="0"/>
+                        </a:spcAft>
+                      </a:pPr>
+                      <a:r>
+                        <a:rPr lang="zh-CN" sz="800" kern="0">
+                          <a:effectLst/>
+                        </a:rPr>
+                        <a:t>显式</a:t>
+                      </a:r>
+                      <a:endParaRPr lang="zh-CN" sz="700" kern="100">
+                        <a:effectLst/>
+                        <a:latin typeface="等线" panose="02010600030101010101" pitchFamily="2" charset="-122"/>
+                        <a:ea typeface="等线" panose="02010600030101010101" pitchFamily="2" charset="-122"/>
+                        <a:cs typeface="Times New Roman" panose="02020603050405020304" pitchFamily="18" charset="0"/>
+                      </a:endParaRPr>
+                    </a:p>
+                  </a:txBody>
+                  <a:tcPr marL="30586" marR="30586" marT="30586" marB="30586" anchor="ctr"/>
+                </a:tc>
+                <a:tc>
+                  <a:txBody>
+                    <a:bodyPr/>
+                    <a:lstStyle/>
+                    <a:p>
+                      <a:pPr algn="l">
+                        <a:spcAft>
+                          <a:spcPts val="0"/>
+                        </a:spcAft>
+                      </a:pPr>
+                      <a:r>
+                        <a:rPr lang="zh-CN" sz="800" kern="0">
+                          <a:effectLst/>
+                        </a:rPr>
+                        <a:t>布尔量化的偏好，取值是</a:t>
+                      </a:r>
+                      <a:r>
+                        <a:rPr lang="en-US" sz="800" kern="0">
+                          <a:effectLst/>
+                        </a:rPr>
+                        <a:t> 0 </a:t>
+                      </a:r>
+                      <a:r>
+                        <a:rPr lang="zh-CN" sz="800" kern="0">
+                          <a:effectLst/>
+                        </a:rPr>
+                        <a:t>或</a:t>
+                      </a:r>
+                      <a:r>
+                        <a:rPr lang="en-US" sz="800" kern="0">
+                          <a:effectLst/>
+                        </a:rPr>
+                        <a:t> 1</a:t>
+                      </a:r>
+                      <a:endParaRPr lang="zh-CN" sz="700" kern="100">
+                        <a:effectLst/>
+                        <a:latin typeface="等线" panose="02010600030101010101" pitchFamily="2" charset="-122"/>
+                        <a:ea typeface="等线" panose="02010600030101010101" pitchFamily="2" charset="-122"/>
+                        <a:cs typeface="Times New Roman" panose="02020603050405020304" pitchFamily="18" charset="0"/>
+                      </a:endParaRPr>
+                    </a:p>
+                  </a:txBody>
+                  <a:tcPr marL="30586" marR="30586" marT="30586" marB="30586" anchor="ctr"/>
+                </a:tc>
+                <a:tc>
+                  <a:txBody>
+                    <a:bodyPr/>
+                    <a:lstStyle/>
+                    <a:p>
+                      <a:pPr algn="l">
+                        <a:spcAft>
+                          <a:spcPts val="0"/>
+                        </a:spcAft>
+                      </a:pPr>
+                      <a:r>
+                        <a:rPr lang="zh-CN" sz="800" kern="0">
+                          <a:effectLst/>
+                        </a:rPr>
+                        <a:t>通过用户对物品的投票，可以较精确的得到用户的偏好</a:t>
+                      </a:r>
+                      <a:endParaRPr lang="zh-CN" sz="700" kern="100">
+                        <a:effectLst/>
+                        <a:latin typeface="等线" panose="02010600030101010101" pitchFamily="2" charset="-122"/>
+                        <a:ea typeface="等线" panose="02010600030101010101" pitchFamily="2" charset="-122"/>
+                        <a:cs typeface="Times New Roman" panose="02020603050405020304" pitchFamily="18" charset="0"/>
+                      </a:endParaRPr>
+                    </a:p>
+                  </a:txBody>
+                  <a:tcPr marL="30586" marR="30586" marT="30586" marB="30586" anchor="ctr"/>
+                </a:tc>
+                <a:extLst>
+                  <a:ext uri="{0D108BD9-81ED-4DB2-BD59-A6C34878D82A}">
+                    <a16:rowId xmlns:a16="http://schemas.microsoft.com/office/drawing/2014/main" val="3484303667"/>
+                  </a:ext>
+                </a:extLst>
+              </a:tr>
+              <a:tr h="648430">
+                <a:tc>
+                  <a:txBody>
+                    <a:bodyPr/>
+                    <a:lstStyle/>
+                    <a:p>
+                      <a:pPr algn="ctr">
+                        <a:spcAft>
+                          <a:spcPts val="0"/>
+                        </a:spcAft>
+                      </a:pPr>
+                      <a:r>
+                        <a:rPr lang="zh-CN" sz="800" kern="0">
+                          <a:effectLst/>
+                        </a:rPr>
+                        <a:t>转发</a:t>
+                      </a:r>
+                      <a:endParaRPr lang="zh-CN" sz="700" kern="100">
+                        <a:effectLst/>
+                        <a:latin typeface="等线" panose="02010600030101010101" pitchFamily="2" charset="-122"/>
+                        <a:ea typeface="等线" panose="02010600030101010101" pitchFamily="2" charset="-122"/>
+                        <a:cs typeface="Times New Roman" panose="02020603050405020304" pitchFamily="18" charset="0"/>
+                      </a:endParaRPr>
+                    </a:p>
+                  </a:txBody>
+                  <a:tcPr marL="30586" marR="30586" marT="30586" marB="30586" anchor="ctr"/>
+                </a:tc>
+                <a:tc>
+                  <a:txBody>
+                    <a:bodyPr/>
+                    <a:lstStyle/>
+                    <a:p>
+                      <a:pPr algn="ctr">
+                        <a:spcAft>
+                          <a:spcPts val="0"/>
+                        </a:spcAft>
+                      </a:pPr>
+                      <a:r>
+                        <a:rPr lang="zh-CN" sz="800" kern="0">
+                          <a:effectLst/>
+                        </a:rPr>
+                        <a:t>显式</a:t>
+                      </a:r>
+                      <a:endParaRPr lang="zh-CN" sz="700" kern="100">
+                        <a:effectLst/>
+                        <a:latin typeface="等线" panose="02010600030101010101" pitchFamily="2" charset="-122"/>
+                        <a:ea typeface="等线" panose="02010600030101010101" pitchFamily="2" charset="-122"/>
+                        <a:cs typeface="Times New Roman" panose="02020603050405020304" pitchFamily="18" charset="0"/>
+                      </a:endParaRPr>
+                    </a:p>
+                  </a:txBody>
+                  <a:tcPr marL="30586" marR="30586" marT="30586" marB="30586" anchor="ctr"/>
+                </a:tc>
+                <a:tc>
+                  <a:txBody>
+                    <a:bodyPr/>
+                    <a:lstStyle/>
+                    <a:p>
+                      <a:pPr algn="l">
+                        <a:spcAft>
+                          <a:spcPts val="0"/>
+                        </a:spcAft>
+                      </a:pPr>
+                      <a:r>
+                        <a:rPr lang="zh-CN" sz="800" kern="0" dirty="0">
+                          <a:effectLst/>
+                        </a:rPr>
+                        <a:t>布尔量化的偏好，取值是</a:t>
+                      </a:r>
+                      <a:r>
+                        <a:rPr lang="en-US" sz="800" kern="0" dirty="0">
+                          <a:effectLst/>
+                        </a:rPr>
+                        <a:t> 0 </a:t>
+                      </a:r>
+                      <a:r>
+                        <a:rPr lang="zh-CN" sz="800" kern="0" dirty="0">
+                          <a:effectLst/>
+                        </a:rPr>
+                        <a:t>或</a:t>
+                      </a:r>
+                      <a:r>
+                        <a:rPr lang="en-US" sz="800" kern="0" dirty="0">
+                          <a:effectLst/>
+                        </a:rPr>
+                        <a:t> 1</a:t>
+                      </a:r>
+                      <a:endParaRPr lang="zh-CN" sz="700" kern="100" dirty="0">
+                        <a:effectLst/>
+                        <a:latin typeface="等线" panose="02010600030101010101" pitchFamily="2" charset="-122"/>
+                        <a:ea typeface="等线" panose="02010600030101010101" pitchFamily="2" charset="-122"/>
+                        <a:cs typeface="Times New Roman" panose="02020603050405020304" pitchFamily="18" charset="0"/>
+                      </a:endParaRPr>
+                    </a:p>
+                  </a:txBody>
+                  <a:tcPr marL="30586" marR="30586" marT="30586" marB="30586" anchor="ctr"/>
+                </a:tc>
+                <a:tc>
+                  <a:txBody>
+                    <a:bodyPr/>
+                    <a:lstStyle/>
+                    <a:p>
+                      <a:pPr algn="l">
+                        <a:spcAft>
+                          <a:spcPts val="0"/>
+                        </a:spcAft>
+                      </a:pPr>
+                      <a:r>
+                        <a:rPr lang="zh-CN" sz="800" kern="0">
+                          <a:effectLst/>
+                        </a:rPr>
+                        <a:t>通过用户对物品的投票，可以精确的得到用户的偏好。如果是站内，同时可以推理得到被转发人的偏好（不精确）</a:t>
+                      </a:r>
+                      <a:endParaRPr lang="zh-CN" sz="700" kern="100">
+                        <a:effectLst/>
+                        <a:latin typeface="等线" panose="02010600030101010101" pitchFamily="2" charset="-122"/>
+                        <a:ea typeface="等线" panose="02010600030101010101" pitchFamily="2" charset="-122"/>
+                        <a:cs typeface="Times New Roman" panose="02020603050405020304" pitchFamily="18" charset="0"/>
+                      </a:endParaRPr>
+                    </a:p>
+                  </a:txBody>
+                  <a:tcPr marL="30586" marR="30586" marT="30586" marB="30586" anchor="ctr"/>
+                </a:tc>
+                <a:extLst>
+                  <a:ext uri="{0D108BD9-81ED-4DB2-BD59-A6C34878D82A}">
+                    <a16:rowId xmlns:a16="http://schemas.microsoft.com/office/drawing/2014/main" val="3162025601"/>
+                  </a:ext>
+                </a:extLst>
+              </a:tr>
+              <a:tr h="413527">
+                <a:tc>
+                  <a:txBody>
+                    <a:bodyPr/>
+                    <a:lstStyle/>
+                    <a:p>
+                      <a:pPr algn="ctr">
+                        <a:spcAft>
+                          <a:spcPts val="0"/>
+                        </a:spcAft>
+                      </a:pPr>
+                      <a:r>
+                        <a:rPr lang="zh-CN" sz="800" kern="0">
+                          <a:effectLst/>
+                        </a:rPr>
+                        <a:t>保存书签</a:t>
+                      </a:r>
+                      <a:endParaRPr lang="zh-CN" sz="700" kern="100">
+                        <a:effectLst/>
+                        <a:latin typeface="等线" panose="02010600030101010101" pitchFamily="2" charset="-122"/>
+                        <a:ea typeface="等线" panose="02010600030101010101" pitchFamily="2" charset="-122"/>
+                        <a:cs typeface="Times New Roman" panose="02020603050405020304" pitchFamily="18" charset="0"/>
+                      </a:endParaRPr>
+                    </a:p>
+                  </a:txBody>
+                  <a:tcPr marL="30586" marR="30586" marT="30586" marB="30586" anchor="ctr"/>
+                </a:tc>
+                <a:tc>
+                  <a:txBody>
+                    <a:bodyPr/>
+                    <a:lstStyle/>
+                    <a:p>
+                      <a:pPr algn="ctr">
+                        <a:spcAft>
+                          <a:spcPts val="0"/>
+                        </a:spcAft>
+                      </a:pPr>
+                      <a:r>
+                        <a:rPr lang="zh-CN" sz="800" kern="0">
+                          <a:effectLst/>
+                        </a:rPr>
+                        <a:t>显示</a:t>
+                      </a:r>
+                      <a:endParaRPr lang="zh-CN" sz="700" kern="100">
+                        <a:effectLst/>
+                        <a:latin typeface="等线" panose="02010600030101010101" pitchFamily="2" charset="-122"/>
+                        <a:ea typeface="等线" panose="02010600030101010101" pitchFamily="2" charset="-122"/>
+                        <a:cs typeface="Times New Roman" panose="02020603050405020304" pitchFamily="18" charset="0"/>
+                      </a:endParaRPr>
+                    </a:p>
+                  </a:txBody>
+                  <a:tcPr marL="30586" marR="30586" marT="30586" marB="30586" anchor="ctr"/>
+                </a:tc>
+                <a:tc>
+                  <a:txBody>
+                    <a:bodyPr/>
+                    <a:lstStyle/>
+                    <a:p>
+                      <a:pPr algn="l">
+                        <a:spcAft>
+                          <a:spcPts val="0"/>
+                        </a:spcAft>
+                      </a:pPr>
+                      <a:r>
+                        <a:rPr lang="zh-CN" sz="800" kern="0">
+                          <a:effectLst/>
+                        </a:rPr>
+                        <a:t>布尔量化的偏好，取值是</a:t>
+                      </a:r>
+                      <a:r>
+                        <a:rPr lang="en-US" sz="800" kern="0">
+                          <a:effectLst/>
+                        </a:rPr>
+                        <a:t> 0 </a:t>
+                      </a:r>
+                      <a:r>
+                        <a:rPr lang="zh-CN" sz="800" kern="0">
+                          <a:effectLst/>
+                        </a:rPr>
+                        <a:t>或</a:t>
+                      </a:r>
+                      <a:r>
+                        <a:rPr lang="en-US" sz="800" kern="0">
+                          <a:effectLst/>
+                        </a:rPr>
+                        <a:t> 1</a:t>
+                      </a:r>
+                      <a:endParaRPr lang="zh-CN" sz="700" kern="100">
+                        <a:effectLst/>
+                        <a:latin typeface="等线" panose="02010600030101010101" pitchFamily="2" charset="-122"/>
+                        <a:ea typeface="等线" panose="02010600030101010101" pitchFamily="2" charset="-122"/>
+                        <a:cs typeface="Times New Roman" panose="02020603050405020304" pitchFamily="18" charset="0"/>
+                      </a:endParaRPr>
+                    </a:p>
+                  </a:txBody>
+                  <a:tcPr marL="30586" marR="30586" marT="30586" marB="30586" anchor="ctr"/>
+                </a:tc>
+                <a:tc>
+                  <a:txBody>
+                    <a:bodyPr/>
+                    <a:lstStyle/>
+                    <a:p>
+                      <a:pPr algn="l">
+                        <a:spcAft>
+                          <a:spcPts val="0"/>
+                        </a:spcAft>
+                      </a:pPr>
+                      <a:r>
+                        <a:rPr lang="zh-CN" sz="800" kern="0">
+                          <a:effectLst/>
+                        </a:rPr>
+                        <a:t>通过用户对物品的投票，可以精确的得到用户的偏好。</a:t>
+                      </a:r>
+                      <a:endParaRPr lang="zh-CN" sz="700" kern="100">
+                        <a:effectLst/>
+                        <a:latin typeface="等线" panose="02010600030101010101" pitchFamily="2" charset="-122"/>
+                        <a:ea typeface="等线" panose="02010600030101010101" pitchFamily="2" charset="-122"/>
+                        <a:cs typeface="Times New Roman" panose="02020603050405020304" pitchFamily="18" charset="0"/>
+                      </a:endParaRPr>
+                    </a:p>
+                  </a:txBody>
+                  <a:tcPr marL="30586" marR="30586" marT="30586" marB="30586" anchor="ctr"/>
+                </a:tc>
+                <a:extLst>
+                  <a:ext uri="{0D108BD9-81ED-4DB2-BD59-A6C34878D82A}">
+                    <a16:rowId xmlns:a16="http://schemas.microsoft.com/office/drawing/2014/main" val="4246589130"/>
+                  </a:ext>
+                </a:extLst>
+              </a:tr>
+              <a:tr h="530979">
+                <a:tc>
+                  <a:txBody>
+                    <a:bodyPr/>
+                    <a:lstStyle/>
+                    <a:p>
+                      <a:pPr algn="ctr">
+                        <a:spcAft>
+                          <a:spcPts val="0"/>
+                        </a:spcAft>
+                      </a:pPr>
+                      <a:r>
+                        <a:rPr lang="zh-CN" sz="800" kern="0">
+                          <a:effectLst/>
+                        </a:rPr>
+                        <a:t>标记标签</a:t>
+                      </a:r>
+                      <a:r>
+                        <a:rPr lang="en-US" sz="800" kern="0">
+                          <a:effectLst/>
+                        </a:rPr>
+                        <a:t/>
+                      </a:r>
+                      <a:br>
+                        <a:rPr lang="en-US" sz="800" kern="0">
+                          <a:effectLst/>
+                        </a:rPr>
+                      </a:br>
+                      <a:r>
+                        <a:rPr lang="en-US" sz="800" kern="0">
+                          <a:effectLst/>
+                        </a:rPr>
+                        <a:t>(Tag)</a:t>
+                      </a:r>
+                      <a:endParaRPr lang="zh-CN" sz="700" kern="100">
+                        <a:effectLst/>
+                        <a:latin typeface="等线" panose="02010600030101010101" pitchFamily="2" charset="-122"/>
+                        <a:ea typeface="等线" panose="02010600030101010101" pitchFamily="2" charset="-122"/>
+                        <a:cs typeface="Times New Roman" panose="02020603050405020304" pitchFamily="18" charset="0"/>
+                      </a:endParaRPr>
+                    </a:p>
+                  </a:txBody>
+                  <a:tcPr marL="30586" marR="30586" marT="30586" marB="30586" anchor="ctr"/>
+                </a:tc>
+                <a:tc>
+                  <a:txBody>
+                    <a:bodyPr/>
+                    <a:lstStyle/>
+                    <a:p>
+                      <a:pPr algn="ctr">
+                        <a:spcAft>
+                          <a:spcPts val="0"/>
+                        </a:spcAft>
+                      </a:pPr>
+                      <a:r>
+                        <a:rPr lang="zh-CN" sz="800" kern="0">
+                          <a:effectLst/>
+                        </a:rPr>
+                        <a:t>显示</a:t>
+                      </a:r>
+                      <a:endParaRPr lang="zh-CN" sz="700" kern="100">
+                        <a:effectLst/>
+                        <a:latin typeface="等线" panose="02010600030101010101" pitchFamily="2" charset="-122"/>
+                        <a:ea typeface="等线" panose="02010600030101010101" pitchFamily="2" charset="-122"/>
+                        <a:cs typeface="Times New Roman" panose="02020603050405020304" pitchFamily="18" charset="0"/>
+                      </a:endParaRPr>
+                    </a:p>
+                  </a:txBody>
+                  <a:tcPr marL="30586" marR="30586" marT="30586" marB="30586" anchor="ctr"/>
+                </a:tc>
+                <a:tc>
+                  <a:txBody>
+                    <a:bodyPr/>
+                    <a:lstStyle/>
+                    <a:p>
+                      <a:pPr algn="l">
+                        <a:spcAft>
+                          <a:spcPts val="0"/>
+                        </a:spcAft>
+                      </a:pPr>
+                      <a:r>
+                        <a:rPr lang="zh-CN" sz="800" kern="0">
+                          <a:effectLst/>
+                        </a:rPr>
+                        <a:t>一些单词，需要对单词进行分析，得到偏好</a:t>
+                      </a:r>
+                      <a:endParaRPr lang="zh-CN" sz="700" kern="100">
+                        <a:effectLst/>
+                        <a:latin typeface="等线" panose="02010600030101010101" pitchFamily="2" charset="-122"/>
+                        <a:ea typeface="等线" panose="02010600030101010101" pitchFamily="2" charset="-122"/>
+                        <a:cs typeface="Times New Roman" panose="02020603050405020304" pitchFamily="18" charset="0"/>
+                      </a:endParaRPr>
+                    </a:p>
+                  </a:txBody>
+                  <a:tcPr marL="30586" marR="30586" marT="30586" marB="30586" anchor="ctr"/>
+                </a:tc>
+                <a:tc>
+                  <a:txBody>
+                    <a:bodyPr/>
+                    <a:lstStyle/>
+                    <a:p>
+                      <a:pPr algn="l">
+                        <a:spcAft>
+                          <a:spcPts val="0"/>
+                        </a:spcAft>
+                      </a:pPr>
+                      <a:r>
+                        <a:rPr lang="zh-CN" sz="800" kern="0">
+                          <a:effectLst/>
+                        </a:rPr>
+                        <a:t>通过分析用户的标签，可以得到用户对项目的理解，同时可以分析出用户的情感：喜欢还是讨厌</a:t>
+                      </a:r>
+                      <a:endParaRPr lang="zh-CN" sz="700" kern="100">
+                        <a:effectLst/>
+                        <a:latin typeface="等线" panose="02010600030101010101" pitchFamily="2" charset="-122"/>
+                        <a:ea typeface="等线" panose="02010600030101010101" pitchFamily="2" charset="-122"/>
+                        <a:cs typeface="Times New Roman" panose="02020603050405020304" pitchFamily="18" charset="0"/>
+                      </a:endParaRPr>
+                    </a:p>
+                  </a:txBody>
+                  <a:tcPr marL="30586" marR="30586" marT="30586" marB="30586" anchor="ctr"/>
+                </a:tc>
+                <a:extLst>
+                  <a:ext uri="{0D108BD9-81ED-4DB2-BD59-A6C34878D82A}">
+                    <a16:rowId xmlns:a16="http://schemas.microsoft.com/office/drawing/2014/main" val="3881126500"/>
+                  </a:ext>
+                </a:extLst>
+              </a:tr>
+              <a:tr h="413527">
+                <a:tc>
+                  <a:txBody>
+                    <a:bodyPr/>
+                    <a:lstStyle/>
+                    <a:p>
+                      <a:pPr algn="ctr">
+                        <a:spcAft>
+                          <a:spcPts val="0"/>
+                        </a:spcAft>
+                      </a:pPr>
+                      <a:r>
+                        <a:rPr lang="zh-CN" sz="800" kern="0">
+                          <a:effectLst/>
+                        </a:rPr>
+                        <a:t>评论</a:t>
+                      </a:r>
+                      <a:endParaRPr lang="zh-CN" sz="700" kern="100">
+                        <a:effectLst/>
+                        <a:latin typeface="等线" panose="02010600030101010101" pitchFamily="2" charset="-122"/>
+                        <a:ea typeface="等线" panose="02010600030101010101" pitchFamily="2" charset="-122"/>
+                        <a:cs typeface="Times New Roman" panose="02020603050405020304" pitchFamily="18" charset="0"/>
+                      </a:endParaRPr>
+                    </a:p>
+                  </a:txBody>
+                  <a:tcPr marL="30586" marR="30586" marT="30586" marB="30586" anchor="ctr"/>
+                </a:tc>
+                <a:tc>
+                  <a:txBody>
+                    <a:bodyPr/>
+                    <a:lstStyle/>
+                    <a:p>
+                      <a:pPr algn="ctr">
+                        <a:spcAft>
+                          <a:spcPts val="0"/>
+                        </a:spcAft>
+                      </a:pPr>
+                      <a:r>
+                        <a:rPr lang="zh-CN" sz="800" kern="0">
+                          <a:effectLst/>
+                        </a:rPr>
+                        <a:t>显示</a:t>
+                      </a:r>
+                      <a:endParaRPr lang="zh-CN" sz="700" kern="100">
+                        <a:effectLst/>
+                        <a:latin typeface="等线" panose="02010600030101010101" pitchFamily="2" charset="-122"/>
+                        <a:ea typeface="等线" panose="02010600030101010101" pitchFamily="2" charset="-122"/>
+                        <a:cs typeface="Times New Roman" panose="02020603050405020304" pitchFamily="18" charset="0"/>
+                      </a:endParaRPr>
+                    </a:p>
+                  </a:txBody>
+                  <a:tcPr marL="30586" marR="30586" marT="30586" marB="30586" anchor="ctr"/>
+                </a:tc>
+                <a:tc>
+                  <a:txBody>
+                    <a:bodyPr/>
+                    <a:lstStyle/>
+                    <a:p>
+                      <a:pPr algn="l">
+                        <a:spcAft>
+                          <a:spcPts val="0"/>
+                        </a:spcAft>
+                      </a:pPr>
+                      <a:r>
+                        <a:rPr lang="zh-CN" sz="800" kern="0">
+                          <a:effectLst/>
+                        </a:rPr>
+                        <a:t>一段文字，需要进行文本分析，得到偏好</a:t>
+                      </a:r>
+                      <a:endParaRPr lang="zh-CN" sz="700" kern="100">
+                        <a:effectLst/>
+                        <a:latin typeface="等线" panose="02010600030101010101" pitchFamily="2" charset="-122"/>
+                        <a:ea typeface="等线" panose="02010600030101010101" pitchFamily="2" charset="-122"/>
+                        <a:cs typeface="Times New Roman" panose="02020603050405020304" pitchFamily="18" charset="0"/>
+                      </a:endParaRPr>
+                    </a:p>
+                  </a:txBody>
+                  <a:tcPr marL="30586" marR="30586" marT="30586" marB="30586" anchor="ctr"/>
+                </a:tc>
+                <a:tc>
+                  <a:txBody>
+                    <a:bodyPr/>
+                    <a:lstStyle/>
+                    <a:p>
+                      <a:pPr algn="l">
+                        <a:spcAft>
+                          <a:spcPts val="0"/>
+                        </a:spcAft>
+                      </a:pPr>
+                      <a:r>
+                        <a:rPr lang="zh-CN" sz="800" kern="0">
+                          <a:effectLst/>
+                        </a:rPr>
+                        <a:t>通过分析用户的评论，可以得到用户的情感：喜欢还是讨厌</a:t>
+                      </a:r>
+                      <a:endParaRPr lang="zh-CN" sz="700" kern="100">
+                        <a:effectLst/>
+                        <a:latin typeface="等线" panose="02010600030101010101" pitchFamily="2" charset="-122"/>
+                        <a:ea typeface="等线" panose="02010600030101010101" pitchFamily="2" charset="-122"/>
+                        <a:cs typeface="Times New Roman" panose="02020603050405020304" pitchFamily="18" charset="0"/>
+                      </a:endParaRPr>
+                    </a:p>
+                  </a:txBody>
+                  <a:tcPr marL="30586" marR="30586" marT="30586" marB="30586" anchor="ctr"/>
+                </a:tc>
+                <a:extLst>
+                  <a:ext uri="{0D108BD9-81ED-4DB2-BD59-A6C34878D82A}">
+                    <a16:rowId xmlns:a16="http://schemas.microsoft.com/office/drawing/2014/main" val="2508485437"/>
+                  </a:ext>
+                </a:extLst>
+              </a:tr>
+              <a:tr h="530979">
+                <a:tc>
+                  <a:txBody>
+                    <a:bodyPr/>
+                    <a:lstStyle/>
+                    <a:p>
+                      <a:pPr algn="ctr">
+                        <a:spcAft>
+                          <a:spcPts val="0"/>
+                        </a:spcAft>
+                      </a:pPr>
+                      <a:r>
+                        <a:rPr lang="zh-CN" sz="800" kern="0">
+                          <a:effectLst/>
+                        </a:rPr>
+                        <a:t>点击流</a:t>
+                      </a:r>
+                      <a:r>
+                        <a:rPr lang="en-US" sz="800" kern="0">
+                          <a:effectLst/>
+                        </a:rPr>
+                        <a:t/>
+                      </a:r>
+                      <a:br>
+                        <a:rPr lang="en-US" sz="800" kern="0">
+                          <a:effectLst/>
+                        </a:rPr>
+                      </a:br>
+                      <a:r>
+                        <a:rPr lang="en-US" sz="800" kern="0">
+                          <a:effectLst/>
+                        </a:rPr>
+                        <a:t>( </a:t>
+                      </a:r>
+                      <a:r>
+                        <a:rPr lang="zh-CN" sz="800" kern="0">
+                          <a:effectLst/>
+                        </a:rPr>
+                        <a:t>查看</a:t>
+                      </a:r>
+                      <a:r>
+                        <a:rPr lang="en-US" sz="800" kern="0">
+                          <a:effectLst/>
+                        </a:rPr>
+                        <a:t> )</a:t>
+                      </a:r>
+                      <a:endParaRPr lang="zh-CN" sz="700" kern="100">
+                        <a:effectLst/>
+                        <a:latin typeface="等线" panose="02010600030101010101" pitchFamily="2" charset="-122"/>
+                        <a:ea typeface="等线" panose="02010600030101010101" pitchFamily="2" charset="-122"/>
+                        <a:cs typeface="Times New Roman" panose="02020603050405020304" pitchFamily="18" charset="0"/>
+                      </a:endParaRPr>
+                    </a:p>
+                  </a:txBody>
+                  <a:tcPr marL="30586" marR="30586" marT="30586" marB="30586" anchor="ctr"/>
+                </a:tc>
+                <a:tc>
+                  <a:txBody>
+                    <a:bodyPr/>
+                    <a:lstStyle/>
+                    <a:p>
+                      <a:pPr algn="ctr">
+                        <a:spcAft>
+                          <a:spcPts val="0"/>
+                        </a:spcAft>
+                      </a:pPr>
+                      <a:r>
+                        <a:rPr lang="zh-CN" sz="800" kern="0">
+                          <a:effectLst/>
+                        </a:rPr>
+                        <a:t>隐式</a:t>
+                      </a:r>
+                      <a:endParaRPr lang="zh-CN" sz="700" kern="100">
+                        <a:effectLst/>
+                        <a:latin typeface="等线" panose="02010600030101010101" pitchFamily="2" charset="-122"/>
+                        <a:ea typeface="等线" panose="02010600030101010101" pitchFamily="2" charset="-122"/>
+                        <a:cs typeface="Times New Roman" panose="02020603050405020304" pitchFamily="18" charset="0"/>
+                      </a:endParaRPr>
+                    </a:p>
+                  </a:txBody>
+                  <a:tcPr marL="30586" marR="30586" marT="30586" marB="30586" anchor="ctr"/>
+                </a:tc>
+                <a:tc>
+                  <a:txBody>
+                    <a:bodyPr/>
+                    <a:lstStyle/>
+                    <a:p>
+                      <a:pPr algn="l">
+                        <a:spcAft>
+                          <a:spcPts val="0"/>
+                        </a:spcAft>
+                      </a:pPr>
+                      <a:r>
+                        <a:rPr lang="zh-CN" sz="800" kern="0">
+                          <a:effectLst/>
+                        </a:rPr>
+                        <a:t>一组用户的点击，用户对物品感兴趣，需要进行分析，得到偏好</a:t>
+                      </a:r>
+                      <a:endParaRPr lang="zh-CN" sz="700" kern="100">
+                        <a:effectLst/>
+                        <a:latin typeface="等线" panose="02010600030101010101" pitchFamily="2" charset="-122"/>
+                        <a:ea typeface="等线" panose="02010600030101010101" pitchFamily="2" charset="-122"/>
+                        <a:cs typeface="Times New Roman" panose="02020603050405020304" pitchFamily="18" charset="0"/>
+                      </a:endParaRPr>
+                    </a:p>
+                  </a:txBody>
+                  <a:tcPr marL="30586" marR="30586" marT="30586" marB="30586" anchor="ctr"/>
+                </a:tc>
+                <a:tc>
+                  <a:txBody>
+                    <a:bodyPr/>
+                    <a:lstStyle/>
+                    <a:p>
+                      <a:pPr algn="l">
+                        <a:spcAft>
+                          <a:spcPts val="0"/>
+                        </a:spcAft>
+                      </a:pPr>
+                      <a:r>
+                        <a:rPr lang="zh-CN" sz="800" kern="0">
+                          <a:effectLst/>
+                        </a:rPr>
+                        <a:t>用户的点击一定程度上反映了用户的注意力，所以它也可以从一定程度上反映用户的喜好。</a:t>
+                      </a:r>
+                      <a:endParaRPr lang="zh-CN" sz="700" kern="100">
+                        <a:effectLst/>
+                        <a:latin typeface="等线" panose="02010600030101010101" pitchFamily="2" charset="-122"/>
+                        <a:ea typeface="等线" panose="02010600030101010101" pitchFamily="2" charset="-122"/>
+                        <a:cs typeface="Times New Roman" panose="02020603050405020304" pitchFamily="18" charset="0"/>
+                      </a:endParaRPr>
+                    </a:p>
+                  </a:txBody>
+                  <a:tcPr marL="30586" marR="30586" marT="30586" marB="30586" anchor="ctr"/>
+                </a:tc>
+                <a:extLst>
+                  <a:ext uri="{0D108BD9-81ED-4DB2-BD59-A6C34878D82A}">
+                    <a16:rowId xmlns:a16="http://schemas.microsoft.com/office/drawing/2014/main" val="572896659"/>
+                  </a:ext>
+                </a:extLst>
+              </a:tr>
+              <a:tr h="530979">
+                <a:tc>
+                  <a:txBody>
+                    <a:bodyPr/>
+                    <a:lstStyle/>
+                    <a:p>
+                      <a:pPr algn="ctr">
+                        <a:spcAft>
+                          <a:spcPts val="0"/>
+                        </a:spcAft>
+                      </a:pPr>
+                      <a:r>
+                        <a:rPr lang="zh-CN" sz="800" kern="0">
+                          <a:effectLst/>
+                        </a:rPr>
+                        <a:t>页面停留时间</a:t>
+                      </a:r>
+                      <a:endParaRPr lang="zh-CN" sz="700" kern="100">
+                        <a:effectLst/>
+                        <a:latin typeface="等线" panose="02010600030101010101" pitchFamily="2" charset="-122"/>
+                        <a:ea typeface="等线" panose="02010600030101010101" pitchFamily="2" charset="-122"/>
+                        <a:cs typeface="Times New Roman" panose="02020603050405020304" pitchFamily="18" charset="0"/>
+                      </a:endParaRPr>
+                    </a:p>
+                  </a:txBody>
+                  <a:tcPr marL="30586" marR="30586" marT="30586" marB="30586" anchor="ctr"/>
+                </a:tc>
+                <a:tc>
+                  <a:txBody>
+                    <a:bodyPr/>
+                    <a:lstStyle/>
+                    <a:p>
+                      <a:pPr algn="ctr">
+                        <a:spcAft>
+                          <a:spcPts val="0"/>
+                        </a:spcAft>
+                      </a:pPr>
+                      <a:r>
+                        <a:rPr lang="zh-CN" sz="800" kern="0">
+                          <a:effectLst/>
+                        </a:rPr>
+                        <a:t>隐式</a:t>
+                      </a:r>
+                      <a:endParaRPr lang="zh-CN" sz="700" kern="100">
+                        <a:effectLst/>
+                        <a:latin typeface="等线" panose="02010600030101010101" pitchFamily="2" charset="-122"/>
+                        <a:ea typeface="等线" panose="02010600030101010101" pitchFamily="2" charset="-122"/>
+                        <a:cs typeface="Times New Roman" panose="02020603050405020304" pitchFamily="18" charset="0"/>
+                      </a:endParaRPr>
+                    </a:p>
+                  </a:txBody>
+                  <a:tcPr marL="30586" marR="30586" marT="30586" marB="30586" anchor="ctr"/>
+                </a:tc>
+                <a:tc>
+                  <a:txBody>
+                    <a:bodyPr/>
+                    <a:lstStyle/>
+                    <a:p>
+                      <a:pPr algn="l">
+                        <a:spcAft>
+                          <a:spcPts val="0"/>
+                        </a:spcAft>
+                      </a:pPr>
+                      <a:r>
+                        <a:rPr lang="zh-CN" sz="800" kern="0">
+                          <a:effectLst/>
+                        </a:rPr>
+                        <a:t>一组时间信息，噪音大，需要进行去噪，分析，得到偏好</a:t>
+                      </a:r>
+                      <a:endParaRPr lang="zh-CN" sz="700" kern="100">
+                        <a:effectLst/>
+                        <a:latin typeface="等线" panose="02010600030101010101" pitchFamily="2" charset="-122"/>
+                        <a:ea typeface="等线" panose="02010600030101010101" pitchFamily="2" charset="-122"/>
+                        <a:cs typeface="Times New Roman" panose="02020603050405020304" pitchFamily="18" charset="0"/>
+                      </a:endParaRPr>
+                    </a:p>
+                  </a:txBody>
+                  <a:tcPr marL="30586" marR="30586" marT="30586" marB="30586" anchor="ctr"/>
+                </a:tc>
+                <a:tc>
+                  <a:txBody>
+                    <a:bodyPr/>
+                    <a:lstStyle/>
+                    <a:p>
+                      <a:pPr algn="l">
+                        <a:spcAft>
+                          <a:spcPts val="0"/>
+                        </a:spcAft>
+                      </a:pPr>
+                      <a:r>
+                        <a:rPr lang="zh-CN" sz="800" kern="0">
+                          <a:effectLst/>
+                        </a:rPr>
+                        <a:t>用户的页面停留时间一定程度上反映了用户的注意力和喜好，但噪音偏大，不好利用。</a:t>
+                      </a:r>
+                      <a:endParaRPr lang="zh-CN" sz="700" kern="100">
+                        <a:effectLst/>
+                        <a:latin typeface="等线" panose="02010600030101010101" pitchFamily="2" charset="-122"/>
+                        <a:ea typeface="等线" panose="02010600030101010101" pitchFamily="2" charset="-122"/>
+                        <a:cs typeface="Times New Roman" panose="02020603050405020304" pitchFamily="18" charset="0"/>
+                      </a:endParaRPr>
+                    </a:p>
+                  </a:txBody>
+                  <a:tcPr marL="30586" marR="30586" marT="30586" marB="30586" anchor="ctr"/>
+                </a:tc>
+                <a:extLst>
+                  <a:ext uri="{0D108BD9-81ED-4DB2-BD59-A6C34878D82A}">
+                    <a16:rowId xmlns:a16="http://schemas.microsoft.com/office/drawing/2014/main" val="2231846555"/>
+                  </a:ext>
+                </a:extLst>
+              </a:tr>
+              <a:tr h="296076">
+                <a:tc>
+                  <a:txBody>
+                    <a:bodyPr/>
+                    <a:lstStyle/>
+                    <a:p>
+                      <a:pPr algn="ctr">
+                        <a:spcAft>
+                          <a:spcPts val="0"/>
+                        </a:spcAft>
+                      </a:pPr>
+                      <a:r>
+                        <a:rPr lang="zh-CN" sz="800" kern="0">
+                          <a:effectLst/>
+                        </a:rPr>
+                        <a:t>购买</a:t>
+                      </a:r>
+                      <a:endParaRPr lang="zh-CN" sz="700" kern="100">
+                        <a:effectLst/>
+                        <a:latin typeface="等线" panose="02010600030101010101" pitchFamily="2" charset="-122"/>
+                        <a:ea typeface="等线" panose="02010600030101010101" pitchFamily="2" charset="-122"/>
+                        <a:cs typeface="Times New Roman" panose="02020603050405020304" pitchFamily="18" charset="0"/>
+                      </a:endParaRPr>
+                    </a:p>
+                  </a:txBody>
+                  <a:tcPr marL="30586" marR="30586" marT="30586" marB="30586" anchor="ctr"/>
+                </a:tc>
+                <a:tc>
+                  <a:txBody>
+                    <a:bodyPr/>
+                    <a:lstStyle/>
+                    <a:p>
+                      <a:pPr algn="ctr">
+                        <a:spcAft>
+                          <a:spcPts val="0"/>
+                        </a:spcAft>
+                      </a:pPr>
+                      <a:r>
+                        <a:rPr lang="zh-CN" sz="800" kern="0">
+                          <a:effectLst/>
+                        </a:rPr>
+                        <a:t>隐式</a:t>
+                      </a:r>
+                      <a:endParaRPr lang="zh-CN" sz="700" kern="100">
+                        <a:effectLst/>
+                        <a:latin typeface="等线" panose="02010600030101010101" pitchFamily="2" charset="-122"/>
+                        <a:ea typeface="等线" panose="02010600030101010101" pitchFamily="2" charset="-122"/>
+                        <a:cs typeface="Times New Roman" panose="02020603050405020304" pitchFamily="18" charset="0"/>
+                      </a:endParaRPr>
+                    </a:p>
+                  </a:txBody>
+                  <a:tcPr marL="30586" marR="30586" marT="30586" marB="30586" anchor="ctr"/>
+                </a:tc>
+                <a:tc>
+                  <a:txBody>
+                    <a:bodyPr/>
+                    <a:lstStyle/>
+                    <a:p>
+                      <a:pPr algn="l">
+                        <a:spcAft>
+                          <a:spcPts val="0"/>
+                        </a:spcAft>
+                      </a:pPr>
+                      <a:r>
+                        <a:rPr lang="zh-CN" sz="800" kern="0">
+                          <a:effectLst/>
+                        </a:rPr>
+                        <a:t>布尔量化的偏好，取值是</a:t>
+                      </a:r>
+                      <a:r>
+                        <a:rPr lang="en-US" sz="800" kern="0">
+                          <a:effectLst/>
+                        </a:rPr>
+                        <a:t> 0 </a:t>
+                      </a:r>
+                      <a:r>
+                        <a:rPr lang="zh-CN" sz="800" kern="0">
+                          <a:effectLst/>
+                        </a:rPr>
+                        <a:t>或</a:t>
+                      </a:r>
+                      <a:r>
+                        <a:rPr lang="en-US" sz="800" kern="0">
+                          <a:effectLst/>
+                        </a:rPr>
+                        <a:t> 1</a:t>
+                      </a:r>
+                      <a:endParaRPr lang="zh-CN" sz="700" kern="100">
+                        <a:effectLst/>
+                        <a:latin typeface="等线" panose="02010600030101010101" pitchFamily="2" charset="-122"/>
+                        <a:ea typeface="等线" panose="02010600030101010101" pitchFamily="2" charset="-122"/>
+                        <a:cs typeface="Times New Roman" panose="02020603050405020304" pitchFamily="18" charset="0"/>
+                      </a:endParaRPr>
+                    </a:p>
+                  </a:txBody>
+                  <a:tcPr marL="30586" marR="30586" marT="30586" marB="30586" anchor="ctr"/>
+                </a:tc>
+                <a:tc>
+                  <a:txBody>
+                    <a:bodyPr/>
+                    <a:lstStyle/>
+                    <a:p>
+                      <a:pPr algn="l">
+                        <a:spcAft>
+                          <a:spcPts val="0"/>
+                        </a:spcAft>
+                      </a:pPr>
+                      <a:r>
+                        <a:rPr lang="zh-CN" sz="800" kern="0" dirty="0">
+                          <a:effectLst/>
+                        </a:rPr>
+                        <a:t>用户的购买是很明确的说明这个项目它感兴趣。</a:t>
+                      </a:r>
+                      <a:endParaRPr lang="zh-CN" sz="700" kern="100" dirty="0">
+                        <a:effectLst/>
+                        <a:latin typeface="等线" panose="02010600030101010101" pitchFamily="2" charset="-122"/>
+                        <a:ea typeface="等线" panose="02010600030101010101" pitchFamily="2" charset="-122"/>
+                        <a:cs typeface="Times New Roman" panose="02020603050405020304" pitchFamily="18" charset="0"/>
+                      </a:endParaRPr>
+                    </a:p>
+                  </a:txBody>
+                  <a:tcPr marL="30586" marR="30586" marT="30586" marB="30586" anchor="ctr"/>
+                </a:tc>
+                <a:extLst>
+                  <a:ext uri="{0D108BD9-81ED-4DB2-BD59-A6C34878D82A}">
+                    <a16:rowId xmlns:a16="http://schemas.microsoft.com/office/drawing/2014/main" val="227834426"/>
+                  </a:ext>
+                </a:extLst>
+              </a:tr>
+            </a:tbl>
+          </a:graphicData>
+        </a:graphic>
+      </p:graphicFrame>
       <p:sp>
         <p:nvSpPr>
           <p:cNvPr id="4" name="页脚占位符 3"/>
@@ -8093,6 +9447,108 @@
           </a:p>
         </p:txBody>
       </p:sp>
+      <p:grpSp>
+        <p:nvGrpSpPr>
+          <p:cNvPr id="7" name="组合 6"/>
+          <p:cNvGrpSpPr/>
+          <p:nvPr/>
+        </p:nvGrpSpPr>
+        <p:grpSpPr>
+          <a:xfrm>
+            <a:off x="4800600" y="1563983"/>
+            <a:ext cx="4191000" cy="4534898"/>
+            <a:chOff x="155575" y="-2803525"/>
+            <a:chExt cx="6858000" cy="5851525"/>
+          </a:xfrm>
+        </p:grpSpPr>
+        <p:pic>
+          <p:nvPicPr>
+            <p:cNvPr id="1026" name="Picture 2" descr="https://pic1.zhimg.com/80/v2-829455d5b794e79e708808de472d0441_hd.jpg"/>
+            <p:cNvPicPr>
+              <a:picLocks noChangeAspect="1" noChangeArrowheads="1"/>
+            </p:cNvPicPr>
+            <p:nvPr/>
+          </p:nvPicPr>
+          <p:blipFill>
+            <a:blip r:embed="rId2">
+              <a:extLst>
+                <a:ext uri="{28A0092B-C50C-407E-A947-70E740481C1C}">
+                  <a14:useLocalDpi xmlns:a14="http://schemas.microsoft.com/office/drawing/2010/main" val="0"/>
+                </a:ext>
+              </a:extLst>
+            </a:blip>
+            <a:srcRect/>
+            <a:stretch>
+              <a:fillRect/>
+            </a:stretch>
+          </p:blipFill>
+          <p:spPr bwMode="auto">
+            <a:xfrm>
+              <a:off x="155575" y="-2803525"/>
+              <a:ext cx="6858000" cy="5848350"/>
+            </a:xfrm>
+            <a:prstGeom prst="rect">
+              <a:avLst/>
+            </a:prstGeom>
+            <a:noFill/>
+            <a:extLst>
+              <a:ext uri="{909E8E84-426E-40DD-AFC4-6F175D3DCCD1}">
+                <a14:hiddenFill xmlns:a14="http://schemas.microsoft.com/office/drawing/2010/main">
+                  <a:solidFill>
+                    <a:srgbClr val="FFFFFF"/>
+                  </a:solidFill>
+                </a14:hiddenFill>
+              </a:ext>
+            </a:extLst>
+          </p:spPr>
+        </p:pic>
+        <p:sp>
+          <p:nvSpPr>
+            <p:cNvPr id="6" name="矩形 5"/>
+            <p:cNvSpPr/>
+            <p:nvPr/>
+          </p:nvSpPr>
+          <p:spPr bwMode="auto">
+            <a:xfrm>
+              <a:off x="4724400" y="2286000"/>
+              <a:ext cx="2286000" cy="762000"/>
+            </a:xfrm>
+            <a:prstGeom prst="rect">
+              <a:avLst/>
+            </a:prstGeom>
+            <a:solidFill>
+              <a:srgbClr val="EEEEEE"/>
+            </a:solidFill>
+            <a:ln w="9525">
+              <a:solidFill>
+                <a:srgbClr val="EEEEEE"/>
+              </a:solidFill>
+              <a:miter lim="800000"/>
+              <a:headEnd/>
+              <a:tailEnd/>
+            </a:ln>
+          </p:spPr>
+          <p:txBody>
+            <a:bodyPr rot="0" vert="horz" wrap="square" lIns="91440" tIns="45720" rIns="91440" bIns="45720" rtlCol="0" anchor="t" anchorCtr="0" upright="1">
+              <a:noAutofit/>
+            </a:bodyPr>
+            <a:lstStyle/>
+            <a:p>
+              <a:pPr algn="ctr">
+                <a:spcAft>
+                  <a:spcPts val="0"/>
+                </a:spcAft>
+              </a:pPr>
+              <a:endParaRPr lang="zh-CN" altLang="en-US" sz="2000" kern="100">
+                <a:effectLst/>
+                <a:latin typeface="微软雅黑" panose="020B0503020204020204" pitchFamily="34" charset="-122"/>
+                <a:ea typeface="微软雅黑" panose="020B0503020204020204" pitchFamily="34" charset="-122"/>
+                <a:cs typeface="Times New Roman" panose="02020603050405020304" pitchFamily="18" charset="0"/>
+              </a:endParaRPr>
+            </a:p>
+          </p:txBody>
+        </p:sp>
+      </p:grpSp>
     </p:spTree>
     <p:extLst>
       <p:ext uri="{BB962C8B-B14F-4D97-AF65-F5344CB8AC3E}">
@@ -8132,24 +9588,154 @@
       </p:grpSpPr>
       <p:sp>
         <p:nvSpPr>
-          <p:cNvPr id="79874" name="Rectangle 2"/>
+          <p:cNvPr id="2" name="标题 1"/>
           <p:cNvSpPr>
-            <a:spLocks noGrp="1" noChangeArrowheads="1"/>
+            <a:spLocks noGrp="1"/>
           </p:cNvSpPr>
           <p:nvPr>
-            <p:ph type="title" idx="4294967295"/>
+            <p:ph type="title"/>
           </p:nvPr>
         </p:nvSpPr>
+        <p:spPr/>
+        <p:txBody>
+          <a:bodyPr/>
+          <a:lstStyle/>
+          <a:p>
+            <a:r>
+              <a:rPr lang="zh-CN" altLang="en-US" dirty="0" smtClean="0"/>
+              <a:t>协同过滤</a:t>
+            </a:r>
+            <a:endParaRPr lang="zh-CN" altLang="en-US" dirty="0"/>
+          </a:p>
+        </p:txBody>
+      </p:sp>
+      <p:sp>
+        <p:nvSpPr>
+          <p:cNvPr id="3" name="内容占位符 2"/>
+          <p:cNvSpPr>
+            <a:spLocks noGrp="1"/>
+          </p:cNvSpPr>
+          <p:nvPr>
+            <p:ph idx="1"/>
+          </p:nvPr>
+        </p:nvSpPr>
+        <p:spPr/>
+        <p:txBody>
+          <a:bodyPr/>
+          <a:lstStyle/>
+          <a:p>
+            <a:endParaRPr lang="zh-CN" altLang="en-US" dirty="0"/>
+          </a:p>
+        </p:txBody>
+      </p:sp>
+      <p:sp>
+        <p:nvSpPr>
+          <p:cNvPr id="4" name="页脚占位符 3"/>
+          <p:cNvSpPr>
+            <a:spLocks noGrp="1"/>
+          </p:cNvSpPr>
+          <p:nvPr>
+            <p:ph type="ftr" sz="quarter" idx="10"/>
+          </p:nvPr>
+        </p:nvSpPr>
+        <p:spPr/>
+        <p:txBody>
+          <a:bodyPr/>
+          <a:lstStyle/>
+          <a:p>
+            <a:pPr>
+              <a:defRPr/>
+            </a:pPr>
+            <a:r>
+              <a:rPr lang="zh-CN" altLang="en-US" smtClean="0"/>
+              <a:t>武汉大学计算机学院</a:t>
+            </a:r>
+            <a:endParaRPr lang="zh-CN" altLang="en-US" dirty="0"/>
+          </a:p>
+        </p:txBody>
+      </p:sp>
+      <p:pic>
+        <p:nvPicPr>
+          <p:cNvPr id="6" name="图片 5" descr="http://img.mp.itc.cn/upload/20160323/8e613f8f202c4a82999ba32e3f52a002_th.jpg"/>
+          <p:cNvPicPr/>
+          <p:nvPr/>
+        </p:nvPicPr>
+        <p:blipFill>
+          <a:blip r:embed="rId2">
+            <a:extLst>
+              <a:ext uri="{28A0092B-C50C-407E-A947-70E740481C1C}">
+                <a14:useLocalDpi xmlns:a14="http://schemas.microsoft.com/office/drawing/2010/main" val="0"/>
+              </a:ext>
+            </a:extLst>
+          </a:blip>
+          <a:srcRect/>
+          <a:stretch>
+            <a:fillRect/>
+          </a:stretch>
+        </p:blipFill>
         <p:spPr bwMode="auto">
           <a:xfrm>
-            <a:off x="457200" y="274638"/>
-            <a:ext cx="8229600" cy="1143000"/>
+            <a:off x="5129212" y="2514600"/>
+            <a:ext cx="3810000" cy="2571750"/>
           </a:xfrm>
           <a:prstGeom prst="rect">
             <a:avLst/>
           </a:prstGeom>
           <a:noFill/>
           <a:ln>
+            <a:noFill/>
+          </a:ln>
+        </p:spPr>
+      </p:pic>
+      <p:pic>
+        <p:nvPicPr>
+          <p:cNvPr id="7" name="图片 6" descr="06"/>
+          <p:cNvPicPr/>
+          <p:nvPr/>
+        </p:nvPicPr>
+        <p:blipFill rotWithShape="1">
+          <a:blip r:embed="rId3">
+            <a:extLst>
+              <a:ext uri="{28A0092B-C50C-407E-A947-70E740481C1C}">
+                <a14:useLocalDpi xmlns:a14="http://schemas.microsoft.com/office/drawing/2010/main" val="0"/>
+              </a:ext>
+            </a:extLst>
+          </a:blip>
+          <a:srcRect t="11512"/>
+          <a:stretch/>
+        </p:blipFill>
+        <p:spPr bwMode="auto">
+          <a:xfrm>
+            <a:off x="204788" y="2655570"/>
+            <a:ext cx="4695825" cy="2430780"/>
+          </a:xfrm>
+          <a:prstGeom prst="rect">
+            <a:avLst/>
+          </a:prstGeom>
+          <a:noFill/>
+          <a:ln>
+            <a:noFill/>
+          </a:ln>
+        </p:spPr>
+      </p:pic>
+      <p:sp>
+        <p:nvSpPr>
+          <p:cNvPr id="8" name="圆角矩形 7"/>
+          <p:cNvSpPr/>
+          <p:nvPr/>
+        </p:nvSpPr>
+        <p:spPr bwMode="auto">
+          <a:xfrm>
+            <a:off x="1752600" y="5257800"/>
+            <a:ext cx="1600200" cy="381000"/>
+          </a:xfrm>
+          <a:prstGeom prst="roundRect">
+            <a:avLst/>
+          </a:prstGeom>
+          <a:solidFill>
+            <a:srgbClr val="FFFFFF"/>
+          </a:solidFill>
+          <a:ln w="9525">
             <a:solidFill>
               <a:srgbClr val="000000"/>
             </a:solidFill>
@@ -8157,78 +9743,54 @@
             <a:headEnd/>
             <a:tailEnd/>
           </a:ln>
-          <a:extLst>
-            <a:ext uri="{909E8E84-426E-40DD-AFC4-6F175D3DCCD1}">
-              <a14:hiddenFill xmlns:a14="http://schemas.microsoft.com/office/drawing/2010/main">
-                <a:solidFill>
-                  <a:srgbClr val="FFFFFF"/>
-                </a:solidFill>
-              </a14:hiddenFill>
-            </a:ext>
-          </a:extLst>
         </p:spPr>
         <p:txBody>
-          <a:bodyPr anchor="ctr"/>
+          <a:bodyPr rot="0" vert="horz" wrap="square" lIns="91440" tIns="45720" rIns="91440" bIns="45720" rtlCol="0" anchor="t" anchorCtr="0" upright="1">
+            <a:noAutofit/>
+          </a:bodyPr>
           <a:lstStyle/>
           <a:p>
-            <a:r>
-              <a:rPr lang="zh-CN" altLang="en-US" dirty="0" smtClean="0">
-                <a:latin typeface="黑体" panose="02010609060101010101" pitchFamily="49" charset="-122"/>
-                <a:ea typeface="黑体" panose="02010609060101010101" pitchFamily="49" charset="-122"/>
+            <a:pPr algn="ctr">
+              <a:spcAft>
+                <a:spcPts val="0"/>
+              </a:spcAft>
+            </a:pPr>
+            <a:r>
+              <a:rPr lang="zh-CN" altLang="en-US" sz="1800" kern="100" dirty="0" smtClean="0">
+                <a:effectLst/>
+                <a:latin typeface="微软雅黑" panose="020B0503020204020204" pitchFamily="34" charset="-122"/>
+                <a:ea typeface="微软雅黑" panose="020B0503020204020204" pitchFamily="34" charset="-122"/>
+                <a:cs typeface="Times New Roman" panose="02020603050405020304" pitchFamily="18" charset="0"/>
               </a:rPr>
-              <a:t>总结与展望（</a:t>
-            </a:r>
-            <a:r>
-              <a:rPr lang="en-US" altLang="zh-CN" dirty="0" smtClean="0">
-                <a:latin typeface="黑体" panose="02010609060101010101" pitchFamily="49" charset="-122"/>
-                <a:ea typeface="黑体" panose="02010609060101010101" pitchFamily="49" charset="-122"/>
-              </a:rPr>
-              <a:t>1/2</a:t>
-            </a:r>
-            <a:r>
-              <a:rPr lang="zh-CN" altLang="en-US" dirty="0" smtClean="0">
-                <a:latin typeface="黑体" panose="02010609060101010101" pitchFamily="49" charset="-122"/>
-                <a:ea typeface="黑体" panose="02010609060101010101" pitchFamily="49" charset="-122"/>
-              </a:rPr>
-              <a:t>）</a:t>
-            </a:r>
-            <a:r>
-              <a:rPr lang="en-US" altLang="zh-CN" dirty="0" smtClean="0">
-                <a:latin typeface="黑体" panose="02010609060101010101" pitchFamily="49" charset="-122"/>
-                <a:ea typeface="黑体" panose="02010609060101010101" pitchFamily="49" charset="-122"/>
-              </a:rPr>
-              <a:t>-</a:t>
-            </a:r>
-            <a:r>
-              <a:rPr lang="zh-CN" altLang="en-US" dirty="0" smtClean="0">
-                <a:latin typeface="黑体" panose="02010609060101010101" pitchFamily="49" charset="-122"/>
-                <a:ea typeface="黑体" panose="02010609060101010101" pitchFamily="49" charset="-122"/>
-              </a:rPr>
-              <a:t>总结</a:t>
-            </a:r>
+              <a:t>相似用户计算</a:t>
+            </a:r>
+            <a:endParaRPr lang="zh-CN" altLang="en-US" sz="1800" kern="100" dirty="0">
+              <a:effectLst/>
+              <a:latin typeface="微软雅黑" panose="020B0503020204020204" pitchFamily="34" charset="-122"/>
+              <a:ea typeface="微软雅黑" panose="020B0503020204020204" pitchFamily="34" charset="-122"/>
+              <a:cs typeface="Times New Roman" panose="02020603050405020304" pitchFamily="18" charset="0"/>
+            </a:endParaRPr>
           </a:p>
         </p:txBody>
       </p:sp>
       <p:sp>
         <p:nvSpPr>
-          <p:cNvPr id="79875" name="Rectangle 3"/>
-          <p:cNvSpPr>
-            <a:spLocks noGrp="1" noChangeArrowheads="1"/>
-          </p:cNvSpPr>
-          <p:nvPr>
-            <p:ph idx="4294967295"/>
-          </p:nvPr>
+          <p:cNvPr id="10" name="圆角矩形 9"/>
+          <p:cNvSpPr/>
+          <p:nvPr/>
         </p:nvSpPr>
         <p:spPr bwMode="auto">
           <a:xfrm>
-            <a:off x="457200" y="1600200"/>
-            <a:ext cx="8229600" cy="4525963"/>
+            <a:off x="6234112" y="5257800"/>
+            <a:ext cx="1600200" cy="381000"/>
           </a:xfrm>
-          <a:prstGeom prst="rect">
+          <a:prstGeom prst="roundRect">
             <a:avLst/>
           </a:prstGeom>
-          <a:noFill/>
-          <a:ln>
+          <a:solidFill>
+            <a:srgbClr val="FFFFFF"/>
+          </a:solidFill>
+          <a:ln w="9525">
             <a:solidFill>
               <a:srgbClr val="000000"/>
             </a:solidFill>
@@ -8236,126 +9798,42 @@
             <a:headEnd/>
             <a:tailEnd/>
           </a:ln>
-          <a:extLst>
-            <a:ext uri="{909E8E84-426E-40DD-AFC4-6F175D3DCCD1}">
-              <a14:hiddenFill xmlns:a14="http://schemas.microsoft.com/office/drawing/2010/main">
-                <a:solidFill>
-                  <a:srgbClr val="FFFFFF"/>
-                </a:solidFill>
-              </a14:hiddenFill>
-            </a:ext>
-          </a:extLst>
         </p:spPr>
         <p:txBody>
-          <a:bodyPr/>
+          <a:bodyPr rot="0" vert="horz" wrap="square" lIns="91440" tIns="45720" rIns="91440" bIns="45720" rtlCol="0" anchor="t" anchorCtr="0" upright="1">
+            <a:noAutofit/>
+          </a:bodyPr>
           <a:lstStyle/>
           <a:p>
-            <a:r>
-              <a:rPr lang="zh-CN" altLang="zh-CN" sz="2400" dirty="0"/>
-              <a:t>（</a:t>
-            </a:r>
-            <a:r>
-              <a:rPr lang="en-US" altLang="zh-CN" sz="2400" dirty="0"/>
-              <a:t>1</a:t>
-            </a:r>
-            <a:r>
-              <a:rPr lang="zh-CN" altLang="zh-CN" sz="2400" dirty="0"/>
-              <a:t>）打破了目前广告位投放市场仍保留的传统状态，实现高效的管理机制与投放信息推荐系统，实现房地产商与客户的精准对接，进而实现</a:t>
-            </a:r>
-            <a:r>
-              <a:rPr lang="en-US" altLang="zh-CN" sz="2400" dirty="0"/>
-              <a:t>“</a:t>
-            </a:r>
-            <a:r>
-              <a:rPr lang="zh-CN" altLang="zh-CN" sz="2400" dirty="0"/>
-              <a:t>去库存化</a:t>
-            </a:r>
-            <a:r>
-              <a:rPr lang="en-US" altLang="zh-CN" sz="2400" dirty="0"/>
-              <a:t>”</a:t>
-            </a:r>
-            <a:r>
-              <a:rPr lang="zh-CN" altLang="zh-CN" sz="2400" dirty="0"/>
-              <a:t>，符合我国经济发展的战略需求。</a:t>
-            </a:r>
-          </a:p>
-          <a:p>
-            <a:r>
-              <a:rPr lang="zh-CN" altLang="zh-CN" sz="2400" dirty="0"/>
-              <a:t>（</a:t>
-            </a:r>
-            <a:r>
-              <a:rPr lang="en-US" altLang="zh-CN" sz="2400" dirty="0"/>
-              <a:t>2</a:t>
-            </a:r>
-            <a:r>
-              <a:rPr lang="zh-CN" altLang="zh-CN" sz="2400" dirty="0"/>
-              <a:t>）实现了广告商广告的高效投放，减少投放资金，提高投放效果，极具市场价值。</a:t>
-            </a:r>
-          </a:p>
-          <a:p>
-            <a:r>
-              <a:rPr lang="zh-CN" altLang="zh-CN" sz="2400" dirty="0"/>
-              <a:t>（</a:t>
-            </a:r>
-            <a:r>
-              <a:rPr lang="en-US" altLang="zh-CN" sz="2400" dirty="0"/>
-              <a:t>3</a:t>
-            </a:r>
-            <a:r>
-              <a:rPr lang="zh-CN" altLang="zh-CN" sz="2400" dirty="0"/>
-              <a:t>）建立广告投放的资金分配模型，对于投资策略进行合理化的评估，降低了广告投放低回馈的风险。</a:t>
-            </a:r>
-          </a:p>
-          <a:p>
-            <a:r>
-              <a:rPr lang="zh-CN" altLang="zh-CN" sz="2400" dirty="0"/>
-              <a:t>（</a:t>
-            </a:r>
-            <a:r>
-              <a:rPr lang="en-US" altLang="zh-CN" sz="2400" dirty="0"/>
-              <a:t>4</a:t>
-            </a:r>
-            <a:r>
-              <a:rPr lang="zh-CN" altLang="zh-CN" sz="2400" dirty="0"/>
-              <a:t>）通过对受众群体的特征分析与广告商群体的特征分析，建立完整的信息模型，完成</a:t>
-            </a:r>
-            <a:r>
-              <a:rPr lang="en-US" altLang="zh-CN" sz="2400" dirty="0"/>
-              <a:t>“</a:t>
-            </a:r>
-            <a:r>
-              <a:rPr lang="zh-CN" altLang="zh-CN" sz="2400" dirty="0"/>
-              <a:t>用户画像</a:t>
-            </a:r>
-            <a:r>
-              <a:rPr lang="en-US" altLang="zh-CN" sz="2400" dirty="0"/>
-              <a:t>”</a:t>
-            </a:r>
-            <a:r>
-              <a:rPr lang="zh-CN" altLang="zh-CN" sz="2400" dirty="0"/>
-              <a:t>与</a:t>
-            </a:r>
-            <a:r>
-              <a:rPr lang="en-US" altLang="zh-CN" sz="2400" dirty="0"/>
-              <a:t>“</a:t>
-            </a:r>
-            <a:r>
-              <a:rPr lang="zh-CN" altLang="zh-CN" sz="2400" dirty="0"/>
-              <a:t>商家画像</a:t>
-            </a:r>
-            <a:r>
-              <a:rPr lang="en-US" altLang="zh-CN" sz="2400" dirty="0"/>
-              <a:t>”</a:t>
-            </a:r>
-            <a:r>
-              <a:rPr lang="zh-CN" altLang="zh-CN" sz="2400" dirty="0"/>
-              <a:t>。并基于已获得的数据建立动态立体的知识库，通过进一步研究挖掘用户群体与广告的深层次联系。</a:t>
-            </a:r>
+            <a:pPr algn="ctr">
+              <a:spcAft>
+                <a:spcPts val="0"/>
+              </a:spcAft>
+            </a:pPr>
+            <a:r>
+              <a:rPr lang="zh-CN" altLang="en-US" sz="1800" kern="100" dirty="0" smtClean="0">
+                <a:effectLst/>
+                <a:latin typeface="微软雅黑" panose="020B0503020204020204" pitchFamily="34" charset="-122"/>
+                <a:ea typeface="微软雅黑" panose="020B0503020204020204" pitchFamily="34" charset="-122"/>
+                <a:cs typeface="Times New Roman" panose="02020603050405020304" pitchFamily="18" charset="0"/>
+              </a:rPr>
+              <a:t>协同过滤推荐</a:t>
+            </a:r>
+            <a:endParaRPr lang="zh-CN" altLang="en-US" sz="1800" kern="100" dirty="0">
+              <a:effectLst/>
+              <a:latin typeface="微软雅黑" panose="020B0503020204020204" pitchFamily="34" charset="-122"/>
+              <a:ea typeface="微软雅黑" panose="020B0503020204020204" pitchFamily="34" charset="-122"/>
+              <a:cs typeface="Times New Roman" panose="02020603050405020304" pitchFamily="18" charset="0"/>
+            </a:endParaRPr>
           </a:p>
         </p:txBody>
       </p:sp>
     </p:spTree>
+    <p:extLst>
+      <p:ext uri="{BB962C8B-B14F-4D97-AF65-F5344CB8AC3E}">
+        <p14:creationId xmlns:p14="http://schemas.microsoft.com/office/powerpoint/2010/main" val="1011575183"/>
+      </p:ext>
+    </p:extLst>
   </p:cSld>
   <p:clrMapOvr>
     <a:masterClrMapping/>
@@ -8389,190 +9867,115 @@
       </p:grpSpPr>
       <p:sp>
         <p:nvSpPr>
-          <p:cNvPr id="81922" name="Rectangle 2"/>
+          <p:cNvPr id="2" name="标题 1"/>
           <p:cNvSpPr>
-            <a:spLocks noGrp="1" noChangeArrowheads="1"/>
+            <a:spLocks noGrp="1"/>
           </p:cNvSpPr>
           <p:nvPr>
-            <p:ph type="title" idx="4294967295"/>
+            <p:ph type="title"/>
           </p:nvPr>
         </p:nvSpPr>
+        <p:spPr/>
+        <p:txBody>
+          <a:bodyPr/>
+          <a:lstStyle/>
+          <a:p>
+            <a:r>
+              <a:rPr lang="zh-CN" altLang="en-US" dirty="0" smtClean="0"/>
+              <a:t>系统的设计与实现</a:t>
+            </a:r>
+            <a:endParaRPr lang="zh-CN" altLang="en-US" dirty="0"/>
+          </a:p>
+        </p:txBody>
+      </p:sp>
+      <p:sp>
+        <p:nvSpPr>
+          <p:cNvPr id="3" name="内容占位符 2"/>
+          <p:cNvSpPr>
+            <a:spLocks noGrp="1"/>
+          </p:cNvSpPr>
+          <p:nvPr>
+            <p:ph idx="1"/>
+          </p:nvPr>
+        </p:nvSpPr>
+        <p:spPr/>
+        <p:txBody>
+          <a:bodyPr/>
+          <a:lstStyle/>
+          <a:p>
+            <a:endParaRPr lang="zh-CN" altLang="en-US"/>
+          </a:p>
+        </p:txBody>
+      </p:sp>
+      <p:sp>
+        <p:nvSpPr>
+          <p:cNvPr id="4" name="页脚占位符 3"/>
+          <p:cNvSpPr>
+            <a:spLocks noGrp="1"/>
+          </p:cNvSpPr>
+          <p:nvPr>
+            <p:ph type="ftr" sz="quarter" idx="10"/>
+          </p:nvPr>
+        </p:nvSpPr>
+        <p:spPr/>
+        <p:txBody>
+          <a:bodyPr/>
+          <a:lstStyle/>
+          <a:p>
+            <a:pPr>
+              <a:defRPr/>
+            </a:pPr>
+            <a:r>
+              <a:rPr lang="zh-CN" altLang="en-US" smtClean="0"/>
+              <a:t>武汉大学计算机学院</a:t>
+            </a:r>
+            <a:endParaRPr lang="zh-CN" altLang="en-US" dirty="0"/>
+          </a:p>
+        </p:txBody>
+      </p:sp>
+      <p:pic>
+        <p:nvPicPr>
+          <p:cNvPr id="5" name="图片 4"/>
+          <p:cNvPicPr/>
+          <p:nvPr/>
+        </p:nvPicPr>
+        <p:blipFill>
+          <a:blip r:embed="rId2" cstate="print">
+            <a:extLst>
+              <a:ext uri="{28A0092B-C50C-407E-A947-70E740481C1C}">
+                <a14:useLocalDpi xmlns:a14="http://schemas.microsoft.com/office/drawing/2010/main" val="0"/>
+              </a:ext>
+            </a:extLst>
+          </a:blip>
+          <a:srcRect/>
+          <a:stretch>
+            <a:fillRect/>
+          </a:stretch>
+        </p:blipFill>
         <p:spPr bwMode="auto">
           <a:xfrm>
-            <a:off x="457200" y="274638"/>
-            <a:ext cx="8229600" cy="1143000"/>
+            <a:off x="504824" y="1536700"/>
+            <a:ext cx="8181975" cy="4864100"/>
           </a:xfrm>
           <a:prstGeom prst="rect">
             <a:avLst/>
           </a:prstGeom>
           <a:noFill/>
           <a:ln>
-            <a:solidFill>
-              <a:srgbClr val="000000"/>
-            </a:solidFill>
-            <a:miter lim="800000"/>
-            <a:headEnd/>
-            <a:tailEnd/>
+            <a:noFill/>
           </a:ln>
-          <a:extLst>
-            <a:ext uri="{909E8E84-426E-40DD-AFC4-6F175D3DCCD1}">
-              <a14:hiddenFill xmlns:a14="http://schemas.microsoft.com/office/drawing/2010/main">
-                <a:solidFill>
-                  <a:srgbClr val="FFFFFF"/>
-                </a:solidFill>
-              </a14:hiddenFill>
-            </a:ext>
-          </a:extLst>
         </p:spPr>
-        <p:txBody>
-          <a:bodyPr anchor="ctr"/>
-          <a:lstStyle/>
-          <a:p>
-            <a:r>
-              <a:rPr lang="zh-CN" altLang="en-US" dirty="0" smtClean="0">
-                <a:latin typeface="黑体" panose="02010609060101010101" pitchFamily="49" charset="-122"/>
-                <a:ea typeface="黑体" panose="02010609060101010101" pitchFamily="49" charset="-122"/>
-              </a:rPr>
-              <a:t>总结与展望（</a:t>
-            </a:r>
-            <a:r>
-              <a:rPr lang="en-US" altLang="zh-CN" dirty="0" smtClean="0">
-                <a:latin typeface="黑体" panose="02010609060101010101" pitchFamily="49" charset="-122"/>
-                <a:ea typeface="黑体" panose="02010609060101010101" pitchFamily="49" charset="-122"/>
-              </a:rPr>
-              <a:t>2/2</a:t>
-            </a:r>
-            <a:r>
-              <a:rPr lang="zh-CN" altLang="en-US" dirty="0" smtClean="0">
-                <a:latin typeface="黑体" panose="02010609060101010101" pitchFamily="49" charset="-122"/>
-                <a:ea typeface="黑体" panose="02010609060101010101" pitchFamily="49" charset="-122"/>
-              </a:rPr>
-              <a:t>）</a:t>
-            </a:r>
-            <a:r>
-              <a:rPr lang="en-US" altLang="zh-CN" dirty="0" smtClean="0">
-                <a:latin typeface="黑体" panose="02010609060101010101" pitchFamily="49" charset="-122"/>
-                <a:ea typeface="黑体" panose="02010609060101010101" pitchFamily="49" charset="-122"/>
-              </a:rPr>
-              <a:t>-</a:t>
-            </a:r>
-            <a:r>
-              <a:rPr lang="zh-CN" altLang="en-US" dirty="0" smtClean="0">
-                <a:latin typeface="黑体" panose="02010609060101010101" pitchFamily="49" charset="-122"/>
-                <a:ea typeface="黑体" panose="02010609060101010101" pitchFamily="49" charset="-122"/>
-              </a:rPr>
-              <a:t>展望</a:t>
-            </a:r>
-          </a:p>
-        </p:txBody>
-      </p:sp>
-      <p:sp>
-        <p:nvSpPr>
-          <p:cNvPr id="81923" name="Rectangle 3"/>
-          <p:cNvSpPr>
-            <a:spLocks noGrp="1" noChangeArrowheads="1"/>
-          </p:cNvSpPr>
-          <p:nvPr>
-            <p:ph idx="4294967295"/>
-          </p:nvPr>
-        </p:nvSpPr>
-        <p:spPr bwMode="auto">
-          <a:xfrm>
-            <a:off x="457200" y="1600200"/>
-            <a:ext cx="8229600" cy="4525963"/>
-          </a:xfrm>
-          <a:prstGeom prst="rect">
-            <a:avLst/>
-          </a:prstGeom>
-          <a:noFill/>
-          <a:ln>
-            <a:solidFill>
-              <a:srgbClr val="000000"/>
-            </a:solidFill>
-            <a:miter lim="800000"/>
-            <a:headEnd/>
-            <a:tailEnd/>
-          </a:ln>
-          <a:extLst>
-            <a:ext uri="{909E8E84-426E-40DD-AFC4-6F175D3DCCD1}">
-              <a14:hiddenFill xmlns:a14="http://schemas.microsoft.com/office/drawing/2010/main">
-                <a:solidFill>
-                  <a:srgbClr val="FFFFFF"/>
-                </a:solidFill>
-              </a14:hiddenFill>
-            </a:ext>
-          </a:extLst>
-        </p:spPr>
-        <p:txBody>
-          <a:bodyPr/>
-          <a:lstStyle/>
-          <a:p>
-            <a:r>
-              <a:rPr lang="zh-CN" altLang="en-US" sz="3400" dirty="0" smtClean="0">
-                <a:latin typeface="黑体" panose="02010609060101010101" pitchFamily="49" charset="-122"/>
-                <a:ea typeface="黑体" panose="02010609060101010101" pitchFamily="49" charset="-122"/>
-              </a:rPr>
-              <a:t>协同过滤算法精度有待提高，需要结合其他算法，以提高推荐的精度</a:t>
-            </a:r>
-            <a:endParaRPr lang="en-US" altLang="zh-CN" sz="3400" dirty="0" smtClean="0">
-              <a:latin typeface="黑体" panose="02010609060101010101" pitchFamily="49" charset="-122"/>
-              <a:ea typeface="黑体" panose="02010609060101010101" pitchFamily="49" charset="-122"/>
-            </a:endParaRPr>
-          </a:p>
-          <a:p>
-            <a:r>
-              <a:rPr lang="zh-CN" altLang="en-US" sz="3400" dirty="0" smtClean="0">
-                <a:latin typeface="黑体" panose="02010609060101010101" pitchFamily="49" charset="-122"/>
-                <a:ea typeface="黑体" panose="02010609060101010101" pitchFamily="49" charset="-122"/>
-              </a:rPr>
-              <a:t>用户行为数据集采集不够全面</a:t>
-            </a:r>
-            <a:endParaRPr lang="en-US" altLang="zh-CN" sz="3400" dirty="0" smtClean="0">
-              <a:latin typeface="黑体" panose="02010609060101010101" pitchFamily="49" charset="-122"/>
-              <a:ea typeface="黑体" panose="02010609060101010101" pitchFamily="49" charset="-122"/>
-            </a:endParaRPr>
-          </a:p>
-          <a:p>
-            <a:r>
-              <a:rPr lang="zh-CN" altLang="en-US" sz="3400" dirty="0">
-                <a:latin typeface="黑体" panose="02010609060101010101" pitchFamily="49" charset="-122"/>
-                <a:ea typeface="黑体" panose="02010609060101010101" pitchFamily="49" charset="-122"/>
-              </a:rPr>
-              <a:t>冷启动系统虽然可以给系统提供推荐的基础，但是数据的</a:t>
-            </a:r>
-            <a:r>
-              <a:rPr lang="zh-CN" altLang="en-US" sz="3400" dirty="0" smtClean="0">
-                <a:latin typeface="黑体" panose="02010609060101010101" pitchFamily="49" charset="-122"/>
-                <a:ea typeface="黑体" panose="02010609060101010101" pitchFamily="49" charset="-122"/>
-              </a:rPr>
-              <a:t>更新和同</a:t>
-            </a:r>
-            <a:r>
-              <a:rPr lang="zh-CN" altLang="en-US" sz="3400" dirty="0">
-                <a:latin typeface="黑体" panose="02010609060101010101" pitchFamily="49" charset="-122"/>
-                <a:ea typeface="黑体" panose="02010609060101010101" pitchFamily="49" charset="-122"/>
-              </a:rPr>
-              <a:t>部同样非常重要</a:t>
-            </a:r>
-            <a:endParaRPr lang="zh-CN" altLang="en-US" sz="3400" dirty="0" smtClean="0">
-              <a:latin typeface="黑体" panose="02010609060101010101" pitchFamily="49" charset="-122"/>
-              <a:ea typeface="黑体" panose="02010609060101010101" pitchFamily="49" charset="-122"/>
-            </a:endParaRPr>
-          </a:p>
-        </p:txBody>
-      </p:sp>
+      </p:pic>
     </p:spTree>
+    <p:extLst>
+      <p:ext uri="{BB962C8B-B14F-4D97-AF65-F5344CB8AC3E}">
+        <p14:creationId xmlns:p14="http://schemas.microsoft.com/office/powerpoint/2010/main" val="1728929905"/>
+      </p:ext>
+    </p:extLst>
   </p:cSld>
   <p:clrMapOvr>
     <a:masterClrMapping/>
   </p:clrMapOvr>
-  <p:timing>
-    <p:tnLst>
-      <p:par>
-        <p:cTn id="1" dur="indefinite" restart="never" nodeType="tmRoot"/>
-      </p:par>
-    </p:tnLst>
-  </p:timing>
 </p:sld>
 </file>
 
@@ -8595,7 +9998,252 @@
       </p:grpSpPr>
       <p:sp>
         <p:nvSpPr>
-          <p:cNvPr id="23554" name="页脚占位符 4"/>
+          <p:cNvPr id="2" name="标题 1"/>
+          <p:cNvSpPr>
+            <a:spLocks noGrp="1"/>
+          </p:cNvSpPr>
+          <p:nvPr>
+            <p:ph type="title"/>
+          </p:nvPr>
+        </p:nvSpPr>
+        <p:spPr/>
+        <p:txBody>
+          <a:bodyPr/>
+          <a:lstStyle/>
+          <a:p>
+            <a:r>
+              <a:rPr lang="zh-CN" altLang="en-US" dirty="0" smtClean="0"/>
+              <a:t>环境与软件</a:t>
+            </a:r>
+            <a:endParaRPr lang="zh-CN" altLang="en-US" dirty="0"/>
+          </a:p>
+        </p:txBody>
+      </p:sp>
+      <p:graphicFrame>
+        <p:nvGraphicFramePr>
+          <p:cNvPr id="5" name="内容占位符 4"/>
+          <p:cNvGraphicFramePr>
+            <a:graphicFrameLocks noGrp="1"/>
+          </p:cNvGraphicFramePr>
+          <p:nvPr>
+            <p:ph idx="1"/>
+            <p:extLst>
+              <p:ext uri="{D42A27DB-BD31-4B8C-83A1-F6EECF244321}">
+                <p14:modId xmlns:p14="http://schemas.microsoft.com/office/powerpoint/2010/main" val="210920497"/>
+              </p:ext>
+            </p:extLst>
+          </p:nvPr>
+        </p:nvGraphicFramePr>
+        <p:xfrm>
+          <a:off x="1828799" y="2159635"/>
+          <a:ext cx="5307965" cy="1124585"/>
+        </p:xfrm>
+        <a:graphic>
+          <a:graphicData uri="http://schemas.openxmlformats.org/drawingml/2006/table">
+            <a:tbl>
+              <a:tblPr firstRow="1" firstCol="1" bandRow="1">
+                <a:tableStyleId>{9D7B26C5-4107-4FEC-AEDC-1716B250A1EF}</a:tableStyleId>
+              </a:tblPr>
+              <a:tblGrid>
+                <a:gridCol w="1755775">
+                  <a:extLst>
+                    <a:ext uri="{9D8B030D-6E8A-4147-A177-3AD203B41FA5}">
+                      <a16:colId xmlns:a16="http://schemas.microsoft.com/office/drawing/2014/main" val="2322654709"/>
+                    </a:ext>
+                  </a:extLst>
+                </a:gridCol>
+                <a:gridCol w="3552190">
+                  <a:extLst>
+                    <a:ext uri="{9D8B030D-6E8A-4147-A177-3AD203B41FA5}">
+                      <a16:colId xmlns:a16="http://schemas.microsoft.com/office/drawing/2014/main" val="296748583"/>
+                    </a:ext>
+                  </a:extLst>
+                </a:gridCol>
+              </a:tblGrid>
+              <a:tr h="299085">
+                <a:tc>
+                  <a:txBody>
+                    <a:bodyPr/>
+                    <a:lstStyle/>
+                    <a:p>
+                      <a:pPr algn="ctr">
+                        <a:spcAft>
+                          <a:spcPts val="0"/>
+                        </a:spcAft>
+                      </a:pPr>
+                      <a:r>
+                        <a:rPr lang="zh-CN" sz="1200" kern="100">
+                          <a:effectLst/>
+                        </a:rPr>
+                        <a:t>服务器</a:t>
+                      </a:r>
+                      <a:endParaRPr lang="zh-CN" sz="1050" kern="100">
+                        <a:effectLst/>
+                        <a:latin typeface="等线" panose="02010600030101010101" pitchFamily="2" charset="-122"/>
+                        <a:ea typeface="等线" panose="02010600030101010101" pitchFamily="2" charset="-122"/>
+                        <a:cs typeface="Times New Roman" panose="02020603050405020304" pitchFamily="18" charset="0"/>
+                      </a:endParaRPr>
+                    </a:p>
+                  </a:txBody>
+                  <a:tcPr marL="68580" marR="68580" marT="0" marB="0" anchor="ctr"/>
+                </a:tc>
+                <a:tc>
+                  <a:txBody>
+                    <a:bodyPr/>
+                    <a:lstStyle/>
+                    <a:p>
+                      <a:pPr algn="ctr">
+                        <a:spcAft>
+                          <a:spcPts val="0"/>
+                        </a:spcAft>
+                      </a:pPr>
+                      <a:r>
+                        <a:rPr lang="zh-CN" sz="1200" kern="100">
+                          <a:effectLst/>
+                        </a:rPr>
+                        <a:t>功能描述</a:t>
+                      </a:r>
+                      <a:endParaRPr lang="zh-CN" sz="1050" kern="100">
+                        <a:effectLst/>
+                        <a:latin typeface="等线" panose="02010600030101010101" pitchFamily="2" charset="-122"/>
+                        <a:ea typeface="等线" panose="02010600030101010101" pitchFamily="2" charset="-122"/>
+                        <a:cs typeface="Times New Roman" panose="02020603050405020304" pitchFamily="18" charset="0"/>
+                      </a:endParaRPr>
+                    </a:p>
+                  </a:txBody>
+                  <a:tcPr marL="68580" marR="68580" marT="0" marB="0" anchor="ctr"/>
+                </a:tc>
+                <a:extLst>
+                  <a:ext uri="{0D108BD9-81ED-4DB2-BD59-A6C34878D82A}">
+                    <a16:rowId xmlns:a16="http://schemas.microsoft.com/office/drawing/2014/main" val="2256986923"/>
+                  </a:ext>
+                </a:extLst>
+              </a:tr>
+              <a:tr h="0">
+                <a:tc>
+                  <a:txBody>
+                    <a:bodyPr/>
+                    <a:lstStyle/>
+                    <a:p>
+                      <a:pPr algn="ctr">
+                        <a:spcAft>
+                          <a:spcPts val="0"/>
+                        </a:spcAft>
+                      </a:pPr>
+                      <a:r>
+                        <a:rPr lang="zh-CN" sz="1200" kern="100">
+                          <a:effectLst/>
+                        </a:rPr>
+                        <a:t>阿里云服务器</a:t>
+                      </a:r>
+                      <a:endParaRPr lang="zh-CN" sz="1050" kern="100">
+                        <a:effectLst/>
+                        <a:latin typeface="等线" panose="02010600030101010101" pitchFamily="2" charset="-122"/>
+                        <a:ea typeface="等线" panose="02010600030101010101" pitchFamily="2" charset="-122"/>
+                        <a:cs typeface="Times New Roman" panose="02020603050405020304" pitchFamily="18" charset="0"/>
+                      </a:endParaRPr>
+                    </a:p>
+                  </a:txBody>
+                  <a:tcPr marL="68580" marR="68580" marT="0" marB="0" anchor="ctr"/>
+                </a:tc>
+                <a:tc>
+                  <a:txBody>
+                    <a:bodyPr/>
+                    <a:lstStyle/>
+                    <a:p>
+                      <a:pPr algn="l">
+                        <a:spcAft>
+                          <a:spcPts val="0"/>
+                        </a:spcAft>
+                      </a:pPr>
+                      <a:r>
+                        <a:rPr lang="zh-CN" sz="1200" kern="100">
+                          <a:effectLst/>
+                        </a:rPr>
+                        <a:t>系统运行平台，用于为广告商和用户提供服务，同时监测用户行为</a:t>
+                      </a:r>
+                      <a:endParaRPr lang="zh-CN" sz="1050" kern="100">
+                        <a:effectLst/>
+                        <a:latin typeface="等线" panose="02010600030101010101" pitchFamily="2" charset="-122"/>
+                        <a:ea typeface="等线" panose="02010600030101010101" pitchFamily="2" charset="-122"/>
+                        <a:cs typeface="Times New Roman" panose="02020603050405020304" pitchFamily="18" charset="0"/>
+                      </a:endParaRPr>
+                    </a:p>
+                  </a:txBody>
+                  <a:tcPr marL="68580" marR="68580" marT="0" marB="0"/>
+                </a:tc>
+                <a:extLst>
+                  <a:ext uri="{0D108BD9-81ED-4DB2-BD59-A6C34878D82A}">
+                    <a16:rowId xmlns:a16="http://schemas.microsoft.com/office/drawing/2014/main" val="2511177580"/>
+                  </a:ext>
+                </a:extLst>
+              </a:tr>
+              <a:tr h="459740">
+                <a:tc>
+                  <a:txBody>
+                    <a:bodyPr/>
+                    <a:lstStyle/>
+                    <a:p>
+                      <a:pPr algn="ctr">
+                        <a:spcAft>
+                          <a:spcPts val="0"/>
+                        </a:spcAft>
+                      </a:pPr>
+                      <a:r>
+                        <a:rPr lang="zh-CN" sz="1200" kern="100">
+                          <a:effectLst/>
+                        </a:rPr>
+                        <a:t>百度云服务器</a:t>
+                      </a:r>
+                      <a:endParaRPr lang="zh-CN" sz="1050" kern="100">
+                        <a:effectLst/>
+                        <a:latin typeface="等线" panose="02010600030101010101" pitchFamily="2" charset="-122"/>
+                        <a:ea typeface="等线" panose="02010600030101010101" pitchFamily="2" charset="-122"/>
+                        <a:cs typeface="Times New Roman" panose="02020603050405020304" pitchFamily="18" charset="0"/>
+                      </a:endParaRPr>
+                    </a:p>
+                  </a:txBody>
+                  <a:tcPr marL="68580" marR="68580" marT="0" marB="0" anchor="ctr"/>
+                </a:tc>
+                <a:tc>
+                  <a:txBody>
+                    <a:bodyPr/>
+                    <a:lstStyle/>
+                    <a:p>
+                      <a:pPr algn="l">
+                        <a:spcAft>
+                          <a:spcPts val="0"/>
+                        </a:spcAft>
+                      </a:pPr>
+                      <a:r>
+                        <a:rPr lang="zh-CN" sz="1200" kern="100" dirty="0">
+                          <a:effectLst/>
+                        </a:rPr>
+                        <a:t>构建数据库存储环境，用于存储、整理分析需求和用户行为</a:t>
+                      </a:r>
+                      <a:endParaRPr lang="zh-CN" sz="1050" kern="100" dirty="0">
+                        <a:effectLst/>
+                        <a:latin typeface="等线" panose="02010600030101010101" pitchFamily="2" charset="-122"/>
+                        <a:ea typeface="等线" panose="02010600030101010101" pitchFamily="2" charset="-122"/>
+                        <a:cs typeface="Times New Roman" panose="02020603050405020304" pitchFamily="18" charset="0"/>
+                      </a:endParaRPr>
+                    </a:p>
+                  </a:txBody>
+                  <a:tcPr marL="68580" marR="68580" marT="0" marB="0"/>
+                </a:tc>
+                <a:extLst>
+                  <a:ext uri="{0D108BD9-81ED-4DB2-BD59-A6C34878D82A}">
+                    <a16:rowId xmlns:a16="http://schemas.microsoft.com/office/drawing/2014/main" val="44336973"/>
+                  </a:ext>
+                </a:extLst>
+              </a:tr>
+            </a:tbl>
+          </a:graphicData>
+        </a:graphic>
+      </p:graphicFrame>
+      <p:sp>
+        <p:nvSpPr>
+          <p:cNvPr id="4" name="页脚占位符 3"/>
           <p:cNvSpPr>
             <a:spLocks noGrp="1"/>
           </p:cNvSpPr>
@@ -8603,208 +10251,1167 @@
             <p:ph type="ftr" sz="quarter" idx="10"/>
           </p:nvPr>
         </p:nvSpPr>
+        <p:spPr/>
+        <p:txBody>
+          <a:bodyPr/>
+          <a:lstStyle/>
+          <a:p>
+            <a:pPr>
+              <a:defRPr/>
+            </a:pPr>
+            <a:r>
+              <a:rPr lang="zh-CN" altLang="en-US" smtClean="0"/>
+              <a:t>武汉大学计算机学院</a:t>
+            </a:r>
+            <a:endParaRPr lang="zh-CN" altLang="en-US" dirty="0"/>
+          </a:p>
+        </p:txBody>
+      </p:sp>
+      <p:graphicFrame>
+        <p:nvGraphicFramePr>
+          <p:cNvPr id="6" name="表格 5"/>
+          <p:cNvGraphicFramePr>
+            <a:graphicFrameLocks noGrp="1"/>
+          </p:cNvGraphicFramePr>
+          <p:nvPr>
+            <p:extLst>
+              <p:ext uri="{D42A27DB-BD31-4B8C-83A1-F6EECF244321}">
+                <p14:modId xmlns:p14="http://schemas.microsoft.com/office/powerpoint/2010/main" val="2336796313"/>
+              </p:ext>
+            </p:extLst>
+          </p:nvPr>
+        </p:nvGraphicFramePr>
+        <p:xfrm>
+          <a:off x="1828800" y="3733800"/>
+          <a:ext cx="5307964" cy="1645920"/>
+        </p:xfrm>
+        <a:graphic>
+          <a:graphicData uri="http://schemas.openxmlformats.org/drawingml/2006/table">
+            <a:tbl>
+              <a:tblPr firstRow="1" firstCol="1" bandRow="1">
+                <a:tableStyleId>{9D7B26C5-4107-4FEC-AEDC-1716B250A1EF}</a:tableStyleId>
+              </a:tblPr>
+              <a:tblGrid>
+                <a:gridCol w="1769108">
+                  <a:extLst>
+                    <a:ext uri="{9D8B030D-6E8A-4147-A177-3AD203B41FA5}">
+                      <a16:colId xmlns:a16="http://schemas.microsoft.com/office/drawing/2014/main" val="942236537"/>
+                    </a:ext>
+                  </a:extLst>
+                </a:gridCol>
+                <a:gridCol w="1769108">
+                  <a:extLst>
+                    <a:ext uri="{9D8B030D-6E8A-4147-A177-3AD203B41FA5}">
+                      <a16:colId xmlns:a16="http://schemas.microsoft.com/office/drawing/2014/main" val="3824057931"/>
+                    </a:ext>
+                  </a:extLst>
+                </a:gridCol>
+                <a:gridCol w="1769748">
+                  <a:extLst>
+                    <a:ext uri="{9D8B030D-6E8A-4147-A177-3AD203B41FA5}">
+                      <a16:colId xmlns:a16="http://schemas.microsoft.com/office/drawing/2014/main" val="2411673223"/>
+                    </a:ext>
+                  </a:extLst>
+                </a:gridCol>
+              </a:tblGrid>
+              <a:tr h="0">
+                <a:tc>
+                  <a:txBody>
+                    <a:bodyPr/>
+                    <a:lstStyle/>
+                    <a:p>
+                      <a:pPr algn="ctr">
+                        <a:spcAft>
+                          <a:spcPts val="0"/>
+                        </a:spcAft>
+                      </a:pPr>
+                      <a:r>
+                        <a:rPr lang="zh-CN" sz="1200" kern="100">
+                          <a:effectLst/>
+                        </a:rPr>
+                        <a:t>名称</a:t>
+                      </a:r>
+                      <a:endParaRPr lang="zh-CN" sz="1050" kern="100">
+                        <a:effectLst/>
+                        <a:latin typeface="等线" panose="02010600030101010101" pitchFamily="2" charset="-122"/>
+                        <a:ea typeface="等线" panose="02010600030101010101" pitchFamily="2" charset="-122"/>
+                        <a:cs typeface="Times New Roman" panose="02020603050405020304" pitchFamily="18" charset="0"/>
+                      </a:endParaRPr>
+                    </a:p>
+                  </a:txBody>
+                  <a:tcPr marL="68580" marR="68580" marT="0" marB="0" anchor="ctr"/>
+                </a:tc>
+                <a:tc>
+                  <a:txBody>
+                    <a:bodyPr/>
+                    <a:lstStyle/>
+                    <a:p>
+                      <a:pPr algn="ctr">
+                        <a:spcAft>
+                          <a:spcPts val="0"/>
+                        </a:spcAft>
+                      </a:pPr>
+                      <a:r>
+                        <a:rPr lang="zh-CN" sz="1200" kern="100">
+                          <a:effectLst/>
+                        </a:rPr>
+                        <a:t>版本</a:t>
+                      </a:r>
+                      <a:endParaRPr lang="zh-CN" sz="1050" kern="100">
+                        <a:effectLst/>
+                        <a:latin typeface="等线" panose="02010600030101010101" pitchFamily="2" charset="-122"/>
+                        <a:ea typeface="等线" panose="02010600030101010101" pitchFamily="2" charset="-122"/>
+                        <a:cs typeface="Times New Roman" panose="02020603050405020304" pitchFamily="18" charset="0"/>
+                      </a:endParaRPr>
+                    </a:p>
+                  </a:txBody>
+                  <a:tcPr marL="68580" marR="68580" marT="0" marB="0" anchor="ctr"/>
+                </a:tc>
+                <a:tc>
+                  <a:txBody>
+                    <a:bodyPr/>
+                    <a:lstStyle/>
+                    <a:p>
+                      <a:pPr algn="ctr">
+                        <a:spcAft>
+                          <a:spcPts val="0"/>
+                        </a:spcAft>
+                      </a:pPr>
+                      <a:r>
+                        <a:rPr lang="zh-CN" sz="1200" kern="100">
+                          <a:effectLst/>
+                        </a:rPr>
+                        <a:t>功能</a:t>
+                      </a:r>
+                      <a:endParaRPr lang="zh-CN" sz="1050" kern="100">
+                        <a:effectLst/>
+                        <a:latin typeface="等线" panose="02010600030101010101" pitchFamily="2" charset="-122"/>
+                        <a:ea typeface="等线" panose="02010600030101010101" pitchFamily="2" charset="-122"/>
+                        <a:cs typeface="Times New Roman" panose="02020603050405020304" pitchFamily="18" charset="0"/>
+                      </a:endParaRPr>
+                    </a:p>
+                  </a:txBody>
+                  <a:tcPr marL="68580" marR="68580" marT="0" marB="0" anchor="ctr"/>
+                </a:tc>
+                <a:extLst>
+                  <a:ext uri="{0D108BD9-81ED-4DB2-BD59-A6C34878D82A}">
+                    <a16:rowId xmlns:a16="http://schemas.microsoft.com/office/drawing/2014/main" val="2099744702"/>
+                  </a:ext>
+                </a:extLst>
+              </a:tr>
+              <a:tr h="0">
+                <a:tc>
+                  <a:txBody>
+                    <a:bodyPr/>
+                    <a:lstStyle/>
+                    <a:p>
+                      <a:pPr algn="ctr">
+                        <a:spcAft>
+                          <a:spcPts val="0"/>
+                        </a:spcAft>
+                      </a:pPr>
+                      <a:r>
+                        <a:rPr lang="zh-CN" sz="1200" kern="100">
+                          <a:effectLst/>
+                        </a:rPr>
+                        <a:t>系统平台</a:t>
+                      </a:r>
+                      <a:endParaRPr lang="zh-CN" sz="1050" kern="100">
+                        <a:effectLst/>
+                        <a:latin typeface="等线" panose="02010600030101010101" pitchFamily="2" charset="-122"/>
+                        <a:ea typeface="等线" panose="02010600030101010101" pitchFamily="2" charset="-122"/>
+                        <a:cs typeface="Times New Roman" panose="02020603050405020304" pitchFamily="18" charset="0"/>
+                      </a:endParaRPr>
+                    </a:p>
+                  </a:txBody>
+                  <a:tcPr marL="68580" marR="68580" marT="0" marB="0" anchor="ctr"/>
+                </a:tc>
+                <a:tc>
+                  <a:txBody>
+                    <a:bodyPr/>
+                    <a:lstStyle/>
+                    <a:p>
+                      <a:pPr algn="ctr">
+                        <a:spcAft>
+                          <a:spcPts val="0"/>
+                        </a:spcAft>
+                      </a:pPr>
+                      <a:r>
+                        <a:rPr lang="en-US" sz="1200" kern="100">
+                          <a:effectLst/>
+                        </a:rPr>
+                        <a:t>CentOS 7</a:t>
+                      </a:r>
+                      <a:endParaRPr lang="zh-CN" sz="1050" kern="100">
+                        <a:effectLst/>
+                        <a:latin typeface="等线" panose="02010600030101010101" pitchFamily="2" charset="-122"/>
+                        <a:ea typeface="等线" panose="02010600030101010101" pitchFamily="2" charset="-122"/>
+                        <a:cs typeface="Times New Roman" panose="02020603050405020304" pitchFamily="18" charset="0"/>
+                      </a:endParaRPr>
+                    </a:p>
+                  </a:txBody>
+                  <a:tcPr marL="68580" marR="68580" marT="0" marB="0" anchor="ctr"/>
+                </a:tc>
+                <a:tc>
+                  <a:txBody>
+                    <a:bodyPr/>
+                    <a:lstStyle/>
+                    <a:p>
+                      <a:pPr algn="just">
+                        <a:spcAft>
+                          <a:spcPts val="0"/>
+                        </a:spcAft>
+                      </a:pPr>
+                      <a:r>
+                        <a:rPr lang="zh-CN" sz="1200" kern="100">
+                          <a:effectLst/>
+                        </a:rPr>
+                        <a:t>系统环境</a:t>
+                      </a:r>
+                      <a:endParaRPr lang="zh-CN" sz="1050" kern="100">
+                        <a:effectLst/>
+                        <a:latin typeface="等线" panose="02010600030101010101" pitchFamily="2" charset="-122"/>
+                        <a:ea typeface="等线" panose="02010600030101010101" pitchFamily="2" charset="-122"/>
+                        <a:cs typeface="Times New Roman" panose="02020603050405020304" pitchFamily="18" charset="0"/>
+                      </a:endParaRPr>
+                    </a:p>
+                  </a:txBody>
+                  <a:tcPr marL="68580" marR="68580" marT="0" marB="0" anchor="ctr"/>
+                </a:tc>
+                <a:extLst>
+                  <a:ext uri="{0D108BD9-81ED-4DB2-BD59-A6C34878D82A}">
+                    <a16:rowId xmlns:a16="http://schemas.microsoft.com/office/drawing/2014/main" val="3976580005"/>
+                  </a:ext>
+                </a:extLst>
+              </a:tr>
+              <a:tr h="0">
+                <a:tc>
+                  <a:txBody>
+                    <a:bodyPr/>
+                    <a:lstStyle/>
+                    <a:p>
+                      <a:pPr algn="ctr">
+                        <a:spcAft>
+                          <a:spcPts val="0"/>
+                        </a:spcAft>
+                      </a:pPr>
+                      <a:r>
+                        <a:rPr lang="en-US" sz="1200" kern="100">
+                          <a:effectLst/>
+                        </a:rPr>
+                        <a:t>JDK</a:t>
+                      </a:r>
+                      <a:endParaRPr lang="zh-CN" sz="1050" kern="100">
+                        <a:effectLst/>
+                        <a:latin typeface="等线" panose="02010600030101010101" pitchFamily="2" charset="-122"/>
+                        <a:ea typeface="等线" panose="02010600030101010101" pitchFamily="2" charset="-122"/>
+                        <a:cs typeface="Times New Roman" panose="02020603050405020304" pitchFamily="18" charset="0"/>
+                      </a:endParaRPr>
+                    </a:p>
+                  </a:txBody>
+                  <a:tcPr marL="68580" marR="68580" marT="0" marB="0" anchor="ctr"/>
+                </a:tc>
+                <a:tc>
+                  <a:txBody>
+                    <a:bodyPr/>
+                    <a:lstStyle/>
+                    <a:p>
+                      <a:pPr algn="ctr">
+                        <a:spcAft>
+                          <a:spcPts val="0"/>
+                        </a:spcAft>
+                      </a:pPr>
+                      <a:r>
+                        <a:rPr lang="en-US" sz="1200" kern="100">
+                          <a:effectLst/>
+                        </a:rPr>
+                        <a:t>JDK 1.8</a:t>
+                      </a:r>
+                      <a:endParaRPr lang="zh-CN" sz="1050" kern="100">
+                        <a:effectLst/>
+                        <a:latin typeface="等线" panose="02010600030101010101" pitchFamily="2" charset="-122"/>
+                        <a:ea typeface="等线" panose="02010600030101010101" pitchFamily="2" charset="-122"/>
+                        <a:cs typeface="Times New Roman" panose="02020603050405020304" pitchFamily="18" charset="0"/>
+                      </a:endParaRPr>
+                    </a:p>
+                  </a:txBody>
+                  <a:tcPr marL="68580" marR="68580" marT="0" marB="0" anchor="ctr"/>
+                </a:tc>
+                <a:tc>
+                  <a:txBody>
+                    <a:bodyPr/>
+                    <a:lstStyle/>
+                    <a:p>
+                      <a:pPr algn="just">
+                        <a:spcAft>
+                          <a:spcPts val="0"/>
+                        </a:spcAft>
+                      </a:pPr>
+                      <a:r>
+                        <a:rPr lang="en-US" sz="1200" kern="100">
+                          <a:effectLst/>
+                        </a:rPr>
+                        <a:t>Java </a:t>
+                      </a:r>
+                      <a:r>
+                        <a:rPr lang="zh-CN" sz="1200" kern="100">
+                          <a:effectLst/>
+                        </a:rPr>
+                        <a:t>开发环境</a:t>
+                      </a:r>
+                      <a:endParaRPr lang="zh-CN" sz="1050" kern="100">
+                        <a:effectLst/>
+                        <a:latin typeface="等线" panose="02010600030101010101" pitchFamily="2" charset="-122"/>
+                        <a:ea typeface="等线" panose="02010600030101010101" pitchFamily="2" charset="-122"/>
+                        <a:cs typeface="Times New Roman" panose="02020603050405020304" pitchFamily="18" charset="0"/>
+                      </a:endParaRPr>
+                    </a:p>
+                  </a:txBody>
+                  <a:tcPr marL="68580" marR="68580" marT="0" marB="0" anchor="ctr"/>
+                </a:tc>
+                <a:extLst>
+                  <a:ext uri="{0D108BD9-81ED-4DB2-BD59-A6C34878D82A}">
+                    <a16:rowId xmlns:a16="http://schemas.microsoft.com/office/drawing/2014/main" val="2514431049"/>
+                  </a:ext>
+                </a:extLst>
+              </a:tr>
+              <a:tr h="0">
+                <a:tc>
+                  <a:txBody>
+                    <a:bodyPr/>
+                    <a:lstStyle/>
+                    <a:p>
+                      <a:pPr algn="ctr">
+                        <a:spcAft>
+                          <a:spcPts val="0"/>
+                        </a:spcAft>
+                      </a:pPr>
+                      <a:r>
+                        <a:rPr lang="en-US" sz="1200" kern="100">
+                          <a:effectLst/>
+                        </a:rPr>
+                        <a:t>Mysql</a:t>
+                      </a:r>
+                      <a:endParaRPr lang="zh-CN" sz="1050" kern="100">
+                        <a:effectLst/>
+                        <a:latin typeface="等线" panose="02010600030101010101" pitchFamily="2" charset="-122"/>
+                        <a:ea typeface="等线" panose="02010600030101010101" pitchFamily="2" charset="-122"/>
+                        <a:cs typeface="Times New Roman" panose="02020603050405020304" pitchFamily="18" charset="0"/>
+                      </a:endParaRPr>
+                    </a:p>
+                  </a:txBody>
+                  <a:tcPr marL="68580" marR="68580" marT="0" marB="0" anchor="ctr"/>
+                </a:tc>
+                <a:tc>
+                  <a:txBody>
+                    <a:bodyPr/>
+                    <a:lstStyle/>
+                    <a:p>
+                      <a:pPr algn="ctr">
+                        <a:spcAft>
+                          <a:spcPts val="0"/>
+                        </a:spcAft>
+                      </a:pPr>
+                      <a:r>
+                        <a:rPr lang="en-US" sz="1200" kern="100">
+                          <a:effectLst/>
+                        </a:rPr>
+                        <a:t>Mysql5.6</a:t>
+                      </a:r>
+                      <a:endParaRPr lang="zh-CN" sz="1050" kern="100">
+                        <a:effectLst/>
+                        <a:latin typeface="等线" panose="02010600030101010101" pitchFamily="2" charset="-122"/>
+                        <a:ea typeface="等线" panose="02010600030101010101" pitchFamily="2" charset="-122"/>
+                        <a:cs typeface="Times New Roman" panose="02020603050405020304" pitchFamily="18" charset="0"/>
+                      </a:endParaRPr>
+                    </a:p>
+                  </a:txBody>
+                  <a:tcPr marL="68580" marR="68580" marT="0" marB="0" anchor="ctr"/>
+                </a:tc>
+                <a:tc>
+                  <a:txBody>
+                    <a:bodyPr/>
+                    <a:lstStyle/>
+                    <a:p>
+                      <a:pPr algn="just">
+                        <a:spcAft>
+                          <a:spcPts val="0"/>
+                        </a:spcAft>
+                      </a:pPr>
+                      <a:r>
+                        <a:rPr lang="zh-CN" sz="1200" kern="100">
+                          <a:effectLst/>
+                        </a:rPr>
+                        <a:t>保存关系型数据</a:t>
+                      </a:r>
+                      <a:endParaRPr lang="zh-CN" sz="1050" kern="100">
+                        <a:effectLst/>
+                        <a:latin typeface="等线" panose="02010600030101010101" pitchFamily="2" charset="-122"/>
+                        <a:ea typeface="等线" panose="02010600030101010101" pitchFamily="2" charset="-122"/>
+                        <a:cs typeface="Times New Roman" panose="02020603050405020304" pitchFamily="18" charset="0"/>
+                      </a:endParaRPr>
+                    </a:p>
+                  </a:txBody>
+                  <a:tcPr marL="68580" marR="68580" marT="0" marB="0" anchor="ctr"/>
+                </a:tc>
+                <a:extLst>
+                  <a:ext uri="{0D108BD9-81ED-4DB2-BD59-A6C34878D82A}">
+                    <a16:rowId xmlns:a16="http://schemas.microsoft.com/office/drawing/2014/main" val="260409271"/>
+                  </a:ext>
+                </a:extLst>
+              </a:tr>
+              <a:tr h="0">
+                <a:tc>
+                  <a:txBody>
+                    <a:bodyPr/>
+                    <a:lstStyle/>
+                    <a:p>
+                      <a:pPr algn="ctr">
+                        <a:spcAft>
+                          <a:spcPts val="0"/>
+                        </a:spcAft>
+                      </a:pPr>
+                      <a:r>
+                        <a:rPr lang="en-US" sz="1200" kern="100">
+                          <a:effectLst/>
+                        </a:rPr>
+                        <a:t>MongoDB</a:t>
+                      </a:r>
+                      <a:endParaRPr lang="zh-CN" sz="1050" kern="100">
+                        <a:effectLst/>
+                        <a:latin typeface="等线" panose="02010600030101010101" pitchFamily="2" charset="-122"/>
+                        <a:ea typeface="等线" panose="02010600030101010101" pitchFamily="2" charset="-122"/>
+                        <a:cs typeface="Times New Roman" panose="02020603050405020304" pitchFamily="18" charset="0"/>
+                      </a:endParaRPr>
+                    </a:p>
+                  </a:txBody>
+                  <a:tcPr marL="68580" marR="68580" marT="0" marB="0" anchor="ctr"/>
+                </a:tc>
+                <a:tc>
+                  <a:txBody>
+                    <a:bodyPr/>
+                    <a:lstStyle/>
+                    <a:p>
+                      <a:pPr algn="ctr">
+                        <a:spcAft>
+                          <a:spcPts val="0"/>
+                        </a:spcAft>
+                      </a:pPr>
+                      <a:r>
+                        <a:rPr lang="en-US" sz="1200" kern="100">
+                          <a:effectLst/>
+                        </a:rPr>
+                        <a:t>MongDB</a:t>
+                      </a:r>
+                      <a:endParaRPr lang="zh-CN" sz="1050" kern="100">
+                        <a:effectLst/>
+                        <a:latin typeface="等线" panose="02010600030101010101" pitchFamily="2" charset="-122"/>
+                        <a:ea typeface="等线" panose="02010600030101010101" pitchFamily="2" charset="-122"/>
+                        <a:cs typeface="Times New Roman" panose="02020603050405020304" pitchFamily="18" charset="0"/>
+                      </a:endParaRPr>
+                    </a:p>
+                  </a:txBody>
+                  <a:tcPr marL="68580" marR="68580" marT="0" marB="0" anchor="ctr"/>
+                </a:tc>
+                <a:tc>
+                  <a:txBody>
+                    <a:bodyPr/>
+                    <a:lstStyle/>
+                    <a:p>
+                      <a:pPr algn="just">
+                        <a:spcAft>
+                          <a:spcPts val="0"/>
+                        </a:spcAft>
+                      </a:pPr>
+                      <a:r>
+                        <a:rPr lang="zh-CN" sz="1200" kern="100">
+                          <a:effectLst/>
+                        </a:rPr>
+                        <a:t>分布式数据库</a:t>
+                      </a:r>
+                      <a:endParaRPr lang="zh-CN" sz="1050" kern="100">
+                        <a:effectLst/>
+                        <a:latin typeface="等线" panose="02010600030101010101" pitchFamily="2" charset="-122"/>
+                        <a:ea typeface="等线" panose="02010600030101010101" pitchFamily="2" charset="-122"/>
+                        <a:cs typeface="Times New Roman" panose="02020603050405020304" pitchFamily="18" charset="0"/>
+                      </a:endParaRPr>
+                    </a:p>
+                  </a:txBody>
+                  <a:tcPr marL="68580" marR="68580" marT="0" marB="0" anchor="ctr"/>
+                </a:tc>
+                <a:extLst>
+                  <a:ext uri="{0D108BD9-81ED-4DB2-BD59-A6C34878D82A}">
+                    <a16:rowId xmlns:a16="http://schemas.microsoft.com/office/drawing/2014/main" val="57189001"/>
+                  </a:ext>
+                </a:extLst>
+              </a:tr>
+              <a:tr h="0">
+                <a:tc>
+                  <a:txBody>
+                    <a:bodyPr/>
+                    <a:lstStyle/>
+                    <a:p>
+                      <a:pPr algn="ctr">
+                        <a:spcAft>
+                          <a:spcPts val="0"/>
+                        </a:spcAft>
+                      </a:pPr>
+                      <a:r>
+                        <a:rPr lang="en-US" sz="1200" kern="100">
+                          <a:effectLst/>
+                        </a:rPr>
+                        <a:t>JetBrains IDEA</a:t>
+                      </a:r>
+                      <a:endParaRPr lang="zh-CN" sz="1050" kern="100">
+                        <a:effectLst/>
+                        <a:latin typeface="等线" panose="02010600030101010101" pitchFamily="2" charset="-122"/>
+                        <a:ea typeface="等线" panose="02010600030101010101" pitchFamily="2" charset="-122"/>
+                        <a:cs typeface="Times New Roman" panose="02020603050405020304" pitchFamily="18" charset="0"/>
+                      </a:endParaRPr>
+                    </a:p>
+                  </a:txBody>
+                  <a:tcPr marL="68580" marR="68580" marT="0" marB="0" anchor="ctr"/>
+                </a:tc>
+                <a:tc>
+                  <a:txBody>
+                    <a:bodyPr/>
+                    <a:lstStyle/>
+                    <a:p>
+                      <a:pPr algn="ctr">
+                        <a:spcAft>
+                          <a:spcPts val="0"/>
+                        </a:spcAft>
+                      </a:pPr>
+                      <a:r>
+                        <a:rPr lang="en-US" sz="1200" kern="100">
+                          <a:effectLst/>
+                        </a:rPr>
+                        <a:t>2017.05</a:t>
+                      </a:r>
+                      <a:endParaRPr lang="zh-CN" sz="1050" kern="100">
+                        <a:effectLst/>
+                        <a:latin typeface="等线" panose="02010600030101010101" pitchFamily="2" charset="-122"/>
+                        <a:ea typeface="等线" panose="02010600030101010101" pitchFamily="2" charset="-122"/>
+                        <a:cs typeface="Times New Roman" panose="02020603050405020304" pitchFamily="18" charset="0"/>
+                      </a:endParaRPr>
+                    </a:p>
+                  </a:txBody>
+                  <a:tcPr marL="68580" marR="68580" marT="0" marB="0" anchor="ctr"/>
+                </a:tc>
+                <a:tc>
+                  <a:txBody>
+                    <a:bodyPr/>
+                    <a:lstStyle/>
+                    <a:p>
+                      <a:pPr algn="just">
+                        <a:spcAft>
+                          <a:spcPts val="0"/>
+                        </a:spcAft>
+                      </a:pPr>
+                      <a:r>
+                        <a:rPr lang="en-US" sz="1200" kern="100">
+                          <a:effectLst/>
+                        </a:rPr>
+                        <a:t>Java</a:t>
+                      </a:r>
+                      <a:r>
+                        <a:rPr lang="zh-CN" sz="1200" kern="100">
+                          <a:effectLst/>
+                        </a:rPr>
+                        <a:t>开发编辑器</a:t>
+                      </a:r>
+                      <a:endParaRPr lang="zh-CN" sz="1050" kern="100">
+                        <a:effectLst/>
+                        <a:latin typeface="等线" panose="02010600030101010101" pitchFamily="2" charset="-122"/>
+                        <a:ea typeface="等线" panose="02010600030101010101" pitchFamily="2" charset="-122"/>
+                        <a:cs typeface="Times New Roman" panose="02020603050405020304" pitchFamily="18" charset="0"/>
+                      </a:endParaRPr>
+                    </a:p>
+                  </a:txBody>
+                  <a:tcPr marL="68580" marR="68580" marT="0" marB="0" anchor="ctr"/>
+                </a:tc>
+                <a:extLst>
+                  <a:ext uri="{0D108BD9-81ED-4DB2-BD59-A6C34878D82A}">
+                    <a16:rowId xmlns:a16="http://schemas.microsoft.com/office/drawing/2014/main" val="192499497"/>
+                  </a:ext>
+                </a:extLst>
+              </a:tr>
+              <a:tr h="0">
+                <a:tc>
+                  <a:txBody>
+                    <a:bodyPr/>
+                    <a:lstStyle/>
+                    <a:p>
+                      <a:pPr algn="ctr">
+                        <a:spcAft>
+                          <a:spcPts val="0"/>
+                        </a:spcAft>
+                      </a:pPr>
+                      <a:r>
+                        <a:rPr lang="en-US" sz="1200" kern="100">
+                          <a:effectLst/>
+                        </a:rPr>
+                        <a:t>SSM</a:t>
+                      </a:r>
+                      <a:endParaRPr lang="zh-CN" sz="1050" kern="100">
+                        <a:effectLst/>
+                        <a:latin typeface="等线" panose="02010600030101010101" pitchFamily="2" charset="-122"/>
+                        <a:ea typeface="等线" panose="02010600030101010101" pitchFamily="2" charset="-122"/>
+                        <a:cs typeface="Times New Roman" panose="02020603050405020304" pitchFamily="18" charset="0"/>
+                      </a:endParaRPr>
+                    </a:p>
+                  </a:txBody>
+                  <a:tcPr marL="68580" marR="68580" marT="0" marB="0" anchor="ctr"/>
+                </a:tc>
+                <a:tc>
+                  <a:txBody>
+                    <a:bodyPr/>
+                    <a:lstStyle/>
+                    <a:p>
+                      <a:pPr algn="ctr">
+                        <a:spcAft>
+                          <a:spcPts val="0"/>
+                        </a:spcAft>
+                      </a:pPr>
+                      <a:r>
+                        <a:rPr lang="en-US" sz="1200" kern="100">
+                          <a:effectLst/>
+                        </a:rPr>
+                        <a:t>Spring 4</a:t>
+                      </a:r>
+                      <a:endParaRPr lang="zh-CN" sz="1050" kern="100">
+                        <a:effectLst/>
+                      </a:endParaRPr>
+                    </a:p>
+                    <a:p>
+                      <a:pPr algn="ctr">
+                        <a:spcAft>
+                          <a:spcPts val="0"/>
+                        </a:spcAft>
+                      </a:pPr>
+                      <a:r>
+                        <a:rPr lang="en-US" sz="1200" kern="100">
+                          <a:effectLst/>
+                        </a:rPr>
+                        <a:t>Spring MVC</a:t>
+                      </a:r>
+                      <a:endParaRPr lang="zh-CN" sz="1050" kern="100">
+                        <a:effectLst/>
+                      </a:endParaRPr>
+                    </a:p>
+                    <a:p>
+                      <a:pPr algn="ctr">
+                        <a:spcAft>
+                          <a:spcPts val="0"/>
+                        </a:spcAft>
+                      </a:pPr>
+                      <a:r>
+                        <a:rPr lang="en-US" sz="1200" kern="100">
+                          <a:effectLst/>
+                        </a:rPr>
+                        <a:t>Mybatis 5</a:t>
+                      </a:r>
+                      <a:endParaRPr lang="zh-CN" sz="1050" kern="100">
+                        <a:effectLst/>
+                        <a:latin typeface="等线" panose="02010600030101010101" pitchFamily="2" charset="-122"/>
+                        <a:ea typeface="等线" panose="02010600030101010101" pitchFamily="2" charset="-122"/>
+                        <a:cs typeface="Times New Roman" panose="02020603050405020304" pitchFamily="18" charset="0"/>
+                      </a:endParaRPr>
+                    </a:p>
+                  </a:txBody>
+                  <a:tcPr marL="68580" marR="68580" marT="0" marB="0" anchor="ctr"/>
+                </a:tc>
+                <a:tc>
+                  <a:txBody>
+                    <a:bodyPr/>
+                    <a:lstStyle/>
+                    <a:p>
+                      <a:pPr algn="just">
+                        <a:spcAft>
+                          <a:spcPts val="0"/>
+                        </a:spcAft>
+                      </a:pPr>
+                      <a:r>
+                        <a:rPr lang="zh-CN" sz="1200" kern="100" dirty="0">
+                          <a:effectLst/>
+                        </a:rPr>
+                        <a:t>开发框架</a:t>
+                      </a:r>
+                      <a:endParaRPr lang="zh-CN" sz="1050" kern="100" dirty="0">
+                        <a:effectLst/>
+                        <a:latin typeface="等线" panose="02010600030101010101" pitchFamily="2" charset="-122"/>
+                        <a:ea typeface="等线" panose="02010600030101010101" pitchFamily="2" charset="-122"/>
+                        <a:cs typeface="Times New Roman" panose="02020603050405020304" pitchFamily="18" charset="0"/>
+                      </a:endParaRPr>
+                    </a:p>
+                  </a:txBody>
+                  <a:tcPr marL="68580" marR="68580" marT="0" marB="0" anchor="ctr"/>
+                </a:tc>
+                <a:extLst>
+                  <a:ext uri="{0D108BD9-81ED-4DB2-BD59-A6C34878D82A}">
+                    <a16:rowId xmlns:a16="http://schemas.microsoft.com/office/drawing/2014/main" val="47417938"/>
+                  </a:ext>
+                </a:extLst>
+              </a:tr>
+            </a:tbl>
+          </a:graphicData>
+        </a:graphic>
+      </p:graphicFrame>
+      <p:sp>
+        <p:nvSpPr>
+          <p:cNvPr id="7" name="文本框 6"/>
+          <p:cNvSpPr txBox="1"/>
+          <p:nvPr/>
+        </p:nvSpPr>
         <p:spPr>
+          <a:xfrm>
+            <a:off x="2806383" y="1710055"/>
+            <a:ext cx="3581400" cy="369332"/>
+          </a:xfrm>
+          <a:prstGeom prst="rect">
+            <a:avLst/>
+          </a:prstGeom>
           <a:noFill/>
-          <a:ln/>
-          <a:extLst>
-            <a:ext uri="{909E8E84-426E-40DD-AFC4-6F175D3DCCD1}">
-              <a14:hiddenFill xmlns:a14="http://schemas.microsoft.com/office/drawing/2010/main">
-                <a:solidFill>
-                  <a:srgbClr val="FFFFFF"/>
-                </a:solidFill>
-              </a14:hiddenFill>
-            </a:ext>
-            <a:ext uri="{91240B29-F687-4F45-9708-019B960494DF}">
-              <a14:hiddenLine xmlns:a14="http://schemas.microsoft.com/office/drawing/2010/main" w="9525">
-                <a:solidFill>
-                  <a:srgbClr val="000000"/>
-                </a:solidFill>
-                <a:miter lim="800000"/>
-                <a:headEnd/>
-                <a:tailEnd/>
-              </a14:hiddenLine>
-            </a:ext>
-          </a:extLst>
         </p:spPr>
         <p:txBody>
-          <a:bodyPr/>
-          <a:lstStyle>
-            <a:lvl1pPr eaLnBrk="0" hangingPunct="0">
-              <a:defRPr sz="2400">
-                <a:solidFill>
-                  <a:schemeClr val="tx1"/>
-                </a:solidFill>
-                <a:latin typeface="Verdana" panose="020B0604030504040204" pitchFamily="34" charset="0"/>
-                <a:ea typeface="宋体" panose="02010600030101010101" pitchFamily="2" charset="-122"/>
-              </a:defRPr>
-            </a:lvl1pPr>
-            <a:lvl2pPr marL="742950" indent="-285750" eaLnBrk="0" hangingPunct="0">
-              <a:defRPr sz="2400">
-                <a:solidFill>
-                  <a:schemeClr val="tx1"/>
-                </a:solidFill>
-                <a:latin typeface="Verdana" panose="020B0604030504040204" pitchFamily="34" charset="0"/>
-                <a:ea typeface="宋体" panose="02010600030101010101" pitchFamily="2" charset="-122"/>
-              </a:defRPr>
-            </a:lvl2pPr>
-            <a:lvl3pPr marL="1143000" indent="-228600" eaLnBrk="0" hangingPunct="0">
-              <a:defRPr sz="2400">
-                <a:solidFill>
-                  <a:schemeClr val="tx1"/>
-                </a:solidFill>
-                <a:latin typeface="Verdana" panose="020B0604030504040204" pitchFamily="34" charset="0"/>
-                <a:ea typeface="宋体" panose="02010600030101010101" pitchFamily="2" charset="-122"/>
-              </a:defRPr>
-            </a:lvl3pPr>
-            <a:lvl4pPr marL="1600200" indent="-228600" eaLnBrk="0" hangingPunct="0">
-              <a:defRPr sz="2400">
-                <a:solidFill>
-                  <a:schemeClr val="tx1"/>
-                </a:solidFill>
-                <a:latin typeface="Verdana" panose="020B0604030504040204" pitchFamily="34" charset="0"/>
-                <a:ea typeface="宋体" panose="02010600030101010101" pitchFamily="2" charset="-122"/>
-              </a:defRPr>
-            </a:lvl4pPr>
-            <a:lvl5pPr marL="2057400" indent="-228600" eaLnBrk="0" hangingPunct="0">
-              <a:defRPr sz="2400">
-                <a:solidFill>
-                  <a:schemeClr val="tx1"/>
-                </a:solidFill>
-                <a:latin typeface="Verdana" panose="020B0604030504040204" pitchFamily="34" charset="0"/>
-                <a:ea typeface="宋体" panose="02010600030101010101" pitchFamily="2" charset="-122"/>
-              </a:defRPr>
-            </a:lvl5pPr>
-            <a:lvl6pPr marL="2514600" indent="-228600" eaLnBrk="0" fontAlgn="base" hangingPunct="0">
-              <a:spcBef>
-                <a:spcPct val="0"/>
-              </a:spcBef>
-              <a:spcAft>
-                <a:spcPct val="0"/>
-              </a:spcAft>
-              <a:defRPr sz="2400">
-                <a:solidFill>
-                  <a:schemeClr val="tx1"/>
-                </a:solidFill>
-                <a:latin typeface="Verdana" panose="020B0604030504040204" pitchFamily="34" charset="0"/>
-                <a:ea typeface="宋体" panose="02010600030101010101" pitchFamily="2" charset="-122"/>
-              </a:defRPr>
-            </a:lvl6pPr>
-            <a:lvl7pPr marL="2971800" indent="-228600" eaLnBrk="0" fontAlgn="base" hangingPunct="0">
-              <a:spcBef>
-                <a:spcPct val="0"/>
-              </a:spcBef>
-              <a:spcAft>
-                <a:spcPct val="0"/>
-              </a:spcAft>
-              <a:defRPr sz="2400">
-                <a:solidFill>
-                  <a:schemeClr val="tx1"/>
-                </a:solidFill>
-                <a:latin typeface="Verdana" panose="020B0604030504040204" pitchFamily="34" charset="0"/>
-                <a:ea typeface="宋体" panose="02010600030101010101" pitchFamily="2" charset="-122"/>
-              </a:defRPr>
-            </a:lvl7pPr>
-            <a:lvl8pPr marL="3429000" indent="-228600" eaLnBrk="0" fontAlgn="base" hangingPunct="0">
-              <a:spcBef>
-                <a:spcPct val="0"/>
-              </a:spcBef>
-              <a:spcAft>
-                <a:spcPct val="0"/>
-              </a:spcAft>
-              <a:defRPr sz="2400">
-                <a:solidFill>
-                  <a:schemeClr val="tx1"/>
-                </a:solidFill>
-                <a:latin typeface="Verdana" panose="020B0604030504040204" pitchFamily="34" charset="0"/>
-                <a:ea typeface="宋体" panose="02010600030101010101" pitchFamily="2" charset="-122"/>
-              </a:defRPr>
-            </a:lvl8pPr>
-            <a:lvl9pPr marL="3886200" indent="-228600" eaLnBrk="0" fontAlgn="base" hangingPunct="0">
-              <a:spcBef>
-                <a:spcPct val="0"/>
-              </a:spcBef>
-              <a:spcAft>
-                <a:spcPct val="0"/>
-              </a:spcAft>
-              <a:defRPr sz="2400">
-                <a:solidFill>
-                  <a:schemeClr val="tx1"/>
-                </a:solidFill>
-                <a:latin typeface="Verdana" panose="020B0604030504040204" pitchFamily="34" charset="0"/>
-                <a:ea typeface="宋体" panose="02010600030101010101" pitchFamily="2" charset="-122"/>
-              </a:defRPr>
-            </a:lvl9pPr>
-          </a:lstStyle>
-          <a:p>
-            <a:pPr eaLnBrk="1" hangingPunct="1"/>
-            <a:r>
-              <a:rPr lang="zh-CN" altLang="en-US" sz="1600" dirty="0" smtClean="0">
-                <a:ea typeface="华文行楷" panose="02010800040101010101" pitchFamily="2" charset="-122"/>
-              </a:rPr>
-              <a:t>武汉大学计算机学院</a:t>
-            </a:r>
+          <a:bodyPr wrap="square" rtlCol="0">
+            <a:spAutoFit/>
+          </a:bodyPr>
+          <a:lstStyle/>
+          <a:p>
+            <a:pPr algn="ctr"/>
+            <a:r>
+              <a:rPr lang="zh-CN" altLang="en-US" sz="1800" dirty="0" smtClean="0"/>
+              <a:t>系统云服务器配置</a:t>
+            </a:r>
+            <a:endParaRPr lang="zh-CN" altLang="en-US" sz="1800" dirty="0"/>
           </a:p>
         </p:txBody>
       </p:sp>
       <p:sp>
         <p:nvSpPr>
-          <p:cNvPr id="23555" name="Rectangle 3"/>
+          <p:cNvPr id="8" name="文本框 7"/>
+          <p:cNvSpPr txBox="1"/>
+          <p:nvPr/>
+        </p:nvSpPr>
+        <p:spPr>
+          <a:xfrm>
+            <a:off x="2692081" y="3324344"/>
+            <a:ext cx="3581400" cy="369332"/>
+          </a:xfrm>
+          <a:prstGeom prst="rect">
+            <a:avLst/>
+          </a:prstGeom>
+          <a:noFill/>
+        </p:spPr>
+        <p:txBody>
+          <a:bodyPr wrap="square" rtlCol="0">
+            <a:spAutoFit/>
+          </a:bodyPr>
+          <a:lstStyle/>
+          <a:p>
+            <a:pPr algn="ctr"/>
+            <a:r>
+              <a:rPr lang="zh-CN" altLang="zh-CN" sz="1800" dirty="0"/>
+              <a:t>环境和软件配置</a:t>
+            </a:r>
+            <a:endParaRPr lang="zh-CN" altLang="en-US" sz="1400" dirty="0"/>
+          </a:p>
+        </p:txBody>
+      </p:sp>
+    </p:spTree>
+    <p:extLst>
+      <p:ext uri="{BB962C8B-B14F-4D97-AF65-F5344CB8AC3E}">
+        <p14:creationId xmlns:p14="http://schemas.microsoft.com/office/powerpoint/2010/main" val="2732828108"/>
+      </p:ext>
+    </p:extLst>
+  </p:cSld>
+  <p:clrMapOvr>
+    <a:masterClrMapping/>
+  </p:clrMapOvr>
+  <p:timing>
+    <p:tnLst>
+      <p:par>
+        <p:cTn id="1" dur="indefinite" restart="never" nodeType="tmRoot"/>
+      </p:par>
+    </p:tnLst>
+  </p:timing>
+</p:sld>
+</file>
+
+<file path=ppt/slides/slide18.xml><?xml version="1.0" encoding="utf-8"?>
+<p:sld xmlns:a="http://schemas.openxmlformats.org/drawingml/2006/main" xmlns:r="http://schemas.openxmlformats.org/officeDocument/2006/relationships" xmlns:p="http://schemas.openxmlformats.org/presentationml/2006/main">
+  <p:cSld>
+    <p:spTree>
+      <p:nvGrpSpPr>
+        <p:cNvPr id="1" name=""/>
+        <p:cNvGrpSpPr/>
+        <p:nvPr/>
+      </p:nvGrpSpPr>
+      <p:grpSpPr>
+        <a:xfrm>
+          <a:off x="0" y="0"/>
+          <a:ext cx="0" cy="0"/>
+          <a:chOff x="0" y="0"/>
+          <a:chExt cx="0" cy="0"/>
+        </a:xfrm>
+      </p:grpSpPr>
+      <p:sp>
+        <p:nvSpPr>
+          <p:cNvPr id="2" name="标题 1"/>
           <p:cNvSpPr>
-            <a:spLocks noGrp="1" noChangeArrowheads="1"/>
+            <a:spLocks noGrp="1"/>
           </p:cNvSpPr>
           <p:nvPr>
-            <p:ph type="body" idx="1"/>
+            <p:ph type="title"/>
           </p:nvPr>
         </p:nvSpPr>
+        <p:spPr/>
+        <p:txBody>
+          <a:bodyPr/>
+          <a:lstStyle/>
+          <a:p>
+            <a:r>
+              <a:rPr lang="zh-CN" altLang="en-US" dirty="0" smtClean="0"/>
+              <a:t>系统界面展示</a:t>
+            </a:r>
+            <a:endParaRPr lang="zh-CN" altLang="en-US" dirty="0"/>
+          </a:p>
+        </p:txBody>
+      </p:sp>
+      <p:sp>
+        <p:nvSpPr>
+          <p:cNvPr id="3" name="内容占位符 2"/>
+          <p:cNvSpPr>
+            <a:spLocks noGrp="1"/>
+          </p:cNvSpPr>
+          <p:nvPr>
+            <p:ph idx="1"/>
+          </p:nvPr>
+        </p:nvSpPr>
+        <p:spPr/>
+        <p:txBody>
+          <a:bodyPr/>
+          <a:lstStyle/>
+          <a:p>
+            <a:endParaRPr lang="zh-CN" altLang="en-US" dirty="0"/>
+          </a:p>
+        </p:txBody>
+      </p:sp>
+      <p:sp>
+        <p:nvSpPr>
+          <p:cNvPr id="4" name="页脚占位符 3"/>
+          <p:cNvSpPr>
+            <a:spLocks noGrp="1"/>
+          </p:cNvSpPr>
+          <p:nvPr>
+            <p:ph type="ftr" sz="quarter" idx="10"/>
+          </p:nvPr>
+        </p:nvSpPr>
+        <p:spPr/>
+        <p:txBody>
+          <a:bodyPr/>
+          <a:lstStyle/>
+          <a:p>
+            <a:pPr>
+              <a:defRPr/>
+            </a:pPr>
+            <a:r>
+              <a:rPr lang="zh-CN" altLang="en-US" smtClean="0"/>
+              <a:t>武汉大学计算机学院</a:t>
+            </a:r>
+            <a:endParaRPr lang="zh-CN" altLang="en-US" dirty="0"/>
+          </a:p>
+        </p:txBody>
+      </p:sp>
+      <p:pic>
+        <p:nvPicPr>
+          <p:cNvPr id="5" name="图片 4"/>
+          <p:cNvPicPr/>
+          <p:nvPr/>
+        </p:nvPicPr>
+        <p:blipFill>
+          <a:blip r:embed="rId2"/>
+          <a:stretch>
+            <a:fillRect/>
+          </a:stretch>
+        </p:blipFill>
+        <p:spPr>
+          <a:xfrm>
+            <a:off x="457200" y="1752600"/>
+            <a:ext cx="5791200" cy="4038600"/>
+          </a:xfrm>
+          <a:prstGeom prst="rect">
+            <a:avLst/>
+          </a:prstGeom>
+        </p:spPr>
+      </p:pic>
+      <p:pic>
+        <p:nvPicPr>
+          <p:cNvPr id="6" name="图片 5"/>
+          <p:cNvPicPr/>
+          <p:nvPr/>
+        </p:nvPicPr>
+        <p:blipFill rotWithShape="1">
+          <a:blip r:embed="rId3"/>
+          <a:srcRect b="4680"/>
+          <a:stretch/>
+        </p:blipFill>
         <p:spPr bwMode="auto">
           <a:xfrm>
-            <a:off x="3276600" y="2819400"/>
-            <a:ext cx="3276600" cy="1143000"/>
+            <a:off x="2514600" y="1752600"/>
+            <a:ext cx="5543550" cy="4833937"/>
           </a:xfrm>
-          <a:noFill/>
+          <a:prstGeom prst="rect">
+            <a:avLst/>
+          </a:prstGeom>
+          <a:ln>
+            <a:noFill/>
+          </a:ln>
           <a:extLst>
-            <a:ext uri="{909E8E84-426E-40DD-AFC4-6F175D3DCCD1}">
-              <a14:hiddenFill xmlns:a14="http://schemas.microsoft.com/office/drawing/2010/main">
-                <a:solidFill>
-                  <a:srgbClr val="FFFFFF"/>
-                </a:solidFill>
-              </a14:hiddenFill>
-            </a:ext>
-            <a:ext uri="{91240B29-F687-4F45-9708-019B960494DF}">
-              <a14:hiddenLine xmlns:a14="http://schemas.microsoft.com/office/drawing/2010/main" w="9525">
-                <a:solidFill>
-                  <a:srgbClr val="000000"/>
-                </a:solidFill>
-                <a:miter lim="800000"/>
-                <a:headEnd/>
-                <a:tailEnd/>
-              </a14:hiddenLine>
+            <a:ext uri="{53640926-AAD7-44D8-BBD7-CCE9431645EC}">
+              <a14:shadowObscured xmlns:a14="http://schemas.microsoft.com/office/drawing/2010/main"/>
             </a:ext>
           </a:extLst>
         </p:spPr>
+      </p:pic>
+    </p:spTree>
+    <p:extLst>
+      <p:ext uri="{BB962C8B-B14F-4D97-AF65-F5344CB8AC3E}">
+        <p14:creationId xmlns:p14="http://schemas.microsoft.com/office/powerpoint/2010/main" val="4159897528"/>
+      </p:ext>
+    </p:extLst>
+  </p:cSld>
+  <p:clrMapOvr>
+    <a:masterClrMapping/>
+  </p:clrMapOvr>
+  <p:timing>
+    <p:tnLst>
+      <p:par>
+        <p:cTn id="1" dur="indefinite" restart="never" nodeType="tmRoot">
+          <p:childTnLst>
+            <p:seq concurrent="1" nextAc="seek">
+              <p:cTn id="2" dur="indefinite" nodeType="mainSeq">
+                <p:childTnLst>
+                  <p:par>
+                    <p:cTn id="3" fill="hold">
+                      <p:stCondLst>
+                        <p:cond delay="indefinite"/>
+                      </p:stCondLst>
+                      <p:childTnLst>
+                        <p:par>
+                          <p:cTn id="4" fill="hold">
+                            <p:stCondLst>
+                              <p:cond delay="0"/>
+                            </p:stCondLst>
+                            <p:childTnLst>
+                              <p:par>
+                                <p:cTn id="5" presetID="10" presetClass="entr" presetSubtype="0" fill="hold" nodeType="clickEffect">
+                                  <p:stCondLst>
+                                    <p:cond delay="0"/>
+                                  </p:stCondLst>
+                                  <p:childTnLst>
+                                    <p:set>
+                                      <p:cBhvr>
+                                        <p:cTn id="6" dur="1" fill="hold">
+                                          <p:stCondLst>
+                                            <p:cond delay="0"/>
+                                          </p:stCondLst>
+                                        </p:cTn>
+                                        <p:tgtEl>
+                                          <p:spTgt spid="6"/>
+                                        </p:tgtEl>
+                                        <p:attrNameLst>
+                                          <p:attrName>style.visibility</p:attrName>
+                                        </p:attrNameLst>
+                                      </p:cBhvr>
+                                      <p:to>
+                                        <p:strVal val="visible"/>
+                                      </p:to>
+                                    </p:set>
+                                    <p:animEffect transition="in" filter="fade">
+                                      <p:cBhvr>
+                                        <p:cTn id="7" dur="500"/>
+                                        <p:tgtEl>
+                                          <p:spTgt spid="6"/>
+                                        </p:tgtEl>
+                                      </p:cBhvr>
+                                    </p:animEffect>
+                                  </p:childTnLst>
+                                </p:cTn>
+                              </p:par>
+                            </p:childTnLst>
+                          </p:cTn>
+                        </p:par>
+                      </p:childTnLst>
+                    </p:cTn>
+                  </p:par>
+                </p:childTnLst>
+              </p:cTn>
+              <p:prevCondLst>
+                <p:cond evt="onPrev" delay="0">
+                  <p:tgtEl>
+                    <p:sldTgt/>
+                  </p:tgtEl>
+                </p:cond>
+              </p:prevCondLst>
+              <p:nextCondLst>
+                <p:cond evt="onNext" delay="0">
+                  <p:tgtEl>
+                    <p:sldTgt/>
+                  </p:tgtEl>
+                </p:cond>
+              </p:nextCondLst>
+            </p:seq>
+          </p:childTnLst>
+        </p:cTn>
+      </p:par>
+    </p:tnLst>
+  </p:timing>
+</p:sld>
+</file>
+
+<file path=ppt/slides/slide19.xml><?xml version="1.0" encoding="utf-8"?>
+<p:sld xmlns:a="http://schemas.openxmlformats.org/drawingml/2006/main" xmlns:r="http://schemas.openxmlformats.org/officeDocument/2006/relationships" xmlns:p="http://schemas.openxmlformats.org/presentationml/2006/main">
+  <p:cSld>
+    <p:spTree>
+      <p:nvGrpSpPr>
+        <p:cNvPr id="1" name=""/>
+        <p:cNvGrpSpPr/>
+        <p:nvPr/>
+      </p:nvGrpSpPr>
+      <p:grpSpPr>
+        <a:xfrm>
+          <a:off x="0" y="0"/>
+          <a:ext cx="0" cy="0"/>
+          <a:chOff x="0" y="0"/>
+          <a:chExt cx="0" cy="0"/>
+        </a:xfrm>
+      </p:grpSpPr>
+      <p:sp>
+        <p:nvSpPr>
+          <p:cNvPr id="2" name="标题 1"/>
+          <p:cNvSpPr>
+            <a:spLocks noGrp="1"/>
+          </p:cNvSpPr>
+          <p:nvPr>
+            <p:ph type="title"/>
+          </p:nvPr>
+        </p:nvSpPr>
+        <p:spPr/>
         <p:txBody>
-          <a:bodyPr vert="horz" wrap="square" lIns="91440" tIns="45720" rIns="91440" bIns="45720" numCol="1" anchor="t" anchorCtr="0" compatLnSpc="1">
-            <a:prstTxWarp prst="textNoShape">
-              <a:avLst/>
-            </a:prstTxWarp>
+          <a:bodyPr/>
+          <a:lstStyle/>
+          <a:p>
+            <a:r>
+              <a:rPr lang="zh-CN" altLang="en-US" dirty="0" smtClean="0"/>
+              <a:t>实验结果评估（</a:t>
+            </a:r>
+            <a:r>
+              <a:rPr lang="en-US" altLang="zh-CN" dirty="0" smtClean="0"/>
+              <a:t>1/2</a:t>
+            </a:r>
+            <a:r>
+              <a:rPr lang="zh-CN" altLang="en-US" dirty="0" smtClean="0"/>
+              <a:t>）</a:t>
+            </a:r>
+            <a:endParaRPr lang="zh-CN" altLang="en-US" dirty="0"/>
+          </a:p>
+        </p:txBody>
+      </p:sp>
+      <p:pic>
+        <p:nvPicPr>
+          <p:cNvPr id="5" name="内容占位符 4"/>
+          <p:cNvPicPr>
+            <a:picLocks noGrp="1" noChangeAspect="1"/>
+          </p:cNvPicPr>
+          <p:nvPr>
+            <p:ph idx="1"/>
+          </p:nvPr>
+        </p:nvPicPr>
+        <p:blipFill>
+          <a:blip r:embed="rId2"/>
+          <a:stretch>
+            <a:fillRect/>
+          </a:stretch>
+        </p:blipFill>
+        <p:spPr>
+          <a:xfrm>
+            <a:off x="1828800" y="2163853"/>
+            <a:ext cx="6073897" cy="4081372"/>
+          </a:xfrm>
+          <a:prstGeom prst="rect">
+            <a:avLst/>
+          </a:prstGeom>
+        </p:spPr>
+      </p:pic>
+      <p:sp>
+        <p:nvSpPr>
+          <p:cNvPr id="4" name="页脚占位符 3"/>
+          <p:cNvSpPr>
+            <a:spLocks noGrp="1"/>
+          </p:cNvSpPr>
+          <p:nvPr>
+            <p:ph type="ftr" sz="quarter" idx="10"/>
+          </p:nvPr>
+        </p:nvSpPr>
+        <p:spPr/>
+        <p:txBody>
+          <a:bodyPr/>
+          <a:lstStyle/>
+          <a:p>
+            <a:pPr>
+              <a:defRPr/>
+            </a:pPr>
+            <a:r>
+              <a:rPr lang="zh-CN" altLang="en-US" smtClean="0"/>
+              <a:t>武汉大学计算机学院</a:t>
+            </a:r>
+            <a:endParaRPr lang="zh-CN" altLang="en-US" dirty="0"/>
+          </a:p>
+        </p:txBody>
+      </p:sp>
+      <p:sp>
+        <p:nvSpPr>
+          <p:cNvPr id="6" name="文本框 5"/>
+          <p:cNvSpPr txBox="1"/>
+          <p:nvPr/>
+        </p:nvSpPr>
+        <p:spPr>
+          <a:xfrm>
+            <a:off x="2541648" y="1706653"/>
+            <a:ext cx="4648200" cy="369332"/>
+          </a:xfrm>
+          <a:prstGeom prst="rect">
+            <a:avLst/>
+          </a:prstGeom>
+          <a:noFill/>
+        </p:spPr>
+        <p:txBody>
+          <a:bodyPr wrap="square" rtlCol="0">
+            <a:spAutoFit/>
           </a:bodyPr>
           <a:lstStyle/>
           <a:p>
-            <a:pPr eaLnBrk="1" hangingPunct="1">
-              <a:buFont typeface="Wingdings" panose="05000000000000000000" pitchFamily="2" charset="2"/>
-              <a:buNone/>
-            </a:pPr>
-            <a:r>
-              <a:rPr lang="zh-CN" altLang="en-US" sz="5400" smtClean="0">
-                <a:latin typeface="黑体" panose="02010609060101010101" pitchFamily="49" charset="-122"/>
-                <a:ea typeface="黑体" panose="02010609060101010101" pitchFamily="49" charset="-122"/>
-              </a:rPr>
-              <a:t>谢 谢！</a:t>
-            </a:r>
+            <a:pPr algn="ctr"/>
+            <a:r>
+              <a:rPr lang="zh-CN" altLang="en-US" sz="1800" dirty="0"/>
+              <a:t>精</a:t>
+            </a:r>
+            <a:r>
+              <a:rPr lang="zh-CN" altLang="en-US" sz="1800" dirty="0" smtClean="0"/>
+              <a:t>准广告营销与传统广告营销点击率比较</a:t>
+            </a:r>
+            <a:endParaRPr lang="zh-CN" altLang="en-US" sz="1800" dirty="0"/>
           </a:p>
         </p:txBody>
       </p:sp>
     </p:spTree>
+    <p:extLst>
+      <p:ext uri="{BB962C8B-B14F-4D97-AF65-F5344CB8AC3E}">
+        <p14:creationId xmlns:p14="http://schemas.microsoft.com/office/powerpoint/2010/main" val="1531761465"/>
+      </p:ext>
+    </p:extLst>
   </p:cSld>
   <p:clrMapOvr>
     <a:masterClrMapping/>
@@ -9133,19 +11740,867 @@
                 <a:latin typeface="Verdana" panose="020B0604030504040204" pitchFamily="34" charset="0"/>
                 <a:ea typeface="宋体" panose="02010600030101010101" pitchFamily="2" charset="-122"/>
               </a:rPr>
-              <a:t>总结与</a:t>
-            </a:r>
-            <a:r>
-              <a:rPr lang="zh-CN" altLang="en-US" b="1" dirty="0" smtClean="0">
+              <a:t>总结与展望</a:t>
+            </a:r>
+          </a:p>
+        </p:txBody>
+      </p:sp>
+    </p:spTree>
+  </p:cSld>
+  <p:clrMapOvr>
+    <a:masterClrMapping/>
+  </p:clrMapOvr>
+  <p:timing>
+    <p:tnLst>
+      <p:par>
+        <p:cTn id="1" dur="indefinite" restart="never" nodeType="tmRoot"/>
+      </p:par>
+    </p:tnLst>
+  </p:timing>
+</p:sld>
+</file>
+
+<file path=ppt/slides/slide20.xml><?xml version="1.0" encoding="utf-8"?>
+<p:sld xmlns:a="http://schemas.openxmlformats.org/drawingml/2006/main" xmlns:r="http://schemas.openxmlformats.org/officeDocument/2006/relationships" xmlns:p="http://schemas.openxmlformats.org/presentationml/2006/main">
+  <p:cSld>
+    <p:spTree>
+      <p:nvGrpSpPr>
+        <p:cNvPr id="1" name=""/>
+        <p:cNvGrpSpPr/>
+        <p:nvPr/>
+      </p:nvGrpSpPr>
+      <p:grpSpPr>
+        <a:xfrm>
+          <a:off x="0" y="0"/>
+          <a:ext cx="0" cy="0"/>
+          <a:chOff x="0" y="0"/>
+          <a:chExt cx="0" cy="0"/>
+        </a:xfrm>
+      </p:grpSpPr>
+      <p:sp>
+        <p:nvSpPr>
+          <p:cNvPr id="2" name="标题 1"/>
+          <p:cNvSpPr>
+            <a:spLocks noGrp="1"/>
+          </p:cNvSpPr>
+          <p:nvPr>
+            <p:ph type="title"/>
+          </p:nvPr>
+        </p:nvSpPr>
+        <p:spPr/>
+        <p:txBody>
+          <a:bodyPr/>
+          <a:lstStyle/>
+          <a:p>
+            <a:r>
+              <a:rPr lang="zh-CN" altLang="en-US" dirty="0" smtClean="0"/>
+              <a:t>实验结果评估（</a:t>
+            </a:r>
+            <a:r>
+              <a:rPr lang="en-US" altLang="zh-CN" dirty="0"/>
+              <a:t>2</a:t>
+            </a:r>
+            <a:r>
+              <a:rPr lang="en-US" altLang="zh-CN" dirty="0" smtClean="0"/>
+              <a:t>/2</a:t>
+            </a:r>
+            <a:r>
+              <a:rPr lang="zh-CN" altLang="en-US" dirty="0" smtClean="0"/>
+              <a:t>）</a:t>
+            </a:r>
+            <a:endParaRPr lang="zh-CN" altLang="en-US" dirty="0"/>
+          </a:p>
+        </p:txBody>
+      </p:sp>
+      <p:sp>
+        <p:nvSpPr>
+          <p:cNvPr id="4" name="页脚占位符 3"/>
+          <p:cNvSpPr>
+            <a:spLocks noGrp="1"/>
+          </p:cNvSpPr>
+          <p:nvPr>
+            <p:ph type="ftr" sz="quarter" idx="10"/>
+          </p:nvPr>
+        </p:nvSpPr>
+        <p:spPr/>
+        <p:txBody>
+          <a:bodyPr/>
+          <a:lstStyle/>
+          <a:p>
+            <a:pPr>
+              <a:defRPr/>
+            </a:pPr>
+            <a:r>
+              <a:rPr lang="zh-CN" altLang="en-US" smtClean="0"/>
+              <a:t>武汉大学计算机学院</a:t>
+            </a:r>
+            <a:endParaRPr lang="zh-CN" altLang="en-US" dirty="0"/>
+          </a:p>
+        </p:txBody>
+      </p:sp>
+      <p:sp>
+        <p:nvSpPr>
+          <p:cNvPr id="6" name="文本框 5"/>
+          <p:cNvSpPr txBox="1"/>
+          <p:nvPr/>
+        </p:nvSpPr>
+        <p:spPr>
+          <a:xfrm>
+            <a:off x="2541648" y="1706653"/>
+            <a:ext cx="4648200" cy="369332"/>
+          </a:xfrm>
+          <a:prstGeom prst="rect">
+            <a:avLst/>
+          </a:prstGeom>
+          <a:noFill/>
+        </p:spPr>
+        <p:txBody>
+          <a:bodyPr wrap="square" rtlCol="0">
+            <a:spAutoFit/>
+          </a:bodyPr>
+          <a:lstStyle/>
+          <a:p>
+            <a:pPr algn="ctr"/>
+            <a:r>
+              <a:rPr lang="zh-CN" altLang="en-US" sz="1800" dirty="0"/>
+              <a:t>精</a:t>
+            </a:r>
+            <a:r>
+              <a:rPr lang="zh-CN" altLang="en-US" sz="1800" dirty="0" smtClean="0"/>
+              <a:t>准广告营销与传统广告营销点击率比较</a:t>
+            </a:r>
+            <a:endParaRPr lang="zh-CN" altLang="en-US" sz="1800" dirty="0"/>
+          </a:p>
+        </p:txBody>
+      </p:sp>
+      <p:pic>
+        <p:nvPicPr>
+          <p:cNvPr id="7" name="图片 6"/>
+          <p:cNvPicPr/>
+          <p:nvPr/>
+        </p:nvPicPr>
+        <p:blipFill>
+          <a:blip r:embed="rId2"/>
+          <a:stretch>
+            <a:fillRect/>
+          </a:stretch>
+        </p:blipFill>
+        <p:spPr>
+          <a:xfrm>
+            <a:off x="1489770" y="2075985"/>
+            <a:ext cx="6751955" cy="3503613"/>
+          </a:xfrm>
+          <a:prstGeom prst="rect">
+            <a:avLst/>
+          </a:prstGeom>
+        </p:spPr>
+      </p:pic>
+    </p:spTree>
+    <p:extLst>
+      <p:ext uri="{BB962C8B-B14F-4D97-AF65-F5344CB8AC3E}">
+        <p14:creationId xmlns:p14="http://schemas.microsoft.com/office/powerpoint/2010/main" val="294787355"/>
+      </p:ext>
+    </p:extLst>
+  </p:cSld>
+  <p:clrMapOvr>
+    <a:masterClrMapping/>
+  </p:clrMapOvr>
+  <p:timing>
+    <p:tnLst>
+      <p:par>
+        <p:cTn id="1" dur="indefinite" restart="never" nodeType="tmRoot"/>
+      </p:par>
+    </p:tnLst>
+  </p:timing>
+</p:sld>
+</file>
+
+<file path=ppt/slides/slide21.xml><?xml version="1.0" encoding="utf-8"?>
+<p:sld xmlns:a="http://schemas.openxmlformats.org/drawingml/2006/main" xmlns:r="http://schemas.openxmlformats.org/officeDocument/2006/relationships" xmlns:p="http://schemas.openxmlformats.org/presentationml/2006/main">
+  <p:cSld>
+    <p:spTree>
+      <p:nvGrpSpPr>
+        <p:cNvPr id="1" name=""/>
+        <p:cNvGrpSpPr/>
+        <p:nvPr/>
+      </p:nvGrpSpPr>
+      <p:grpSpPr>
+        <a:xfrm>
+          <a:off x="0" y="0"/>
+          <a:ext cx="0" cy="0"/>
+          <a:chOff x="0" y="0"/>
+          <a:chExt cx="0" cy="0"/>
+        </a:xfrm>
+      </p:grpSpPr>
+      <p:sp>
+        <p:nvSpPr>
+          <p:cNvPr id="79874" name="Rectangle 2"/>
+          <p:cNvSpPr>
+            <a:spLocks noGrp="1" noChangeArrowheads="1"/>
+          </p:cNvSpPr>
+          <p:nvPr>
+            <p:ph type="title" idx="4294967295"/>
+          </p:nvPr>
+        </p:nvSpPr>
+        <p:spPr bwMode="auto">
+          <a:xfrm>
+            <a:off x="457200" y="274638"/>
+            <a:ext cx="8229600" cy="1143000"/>
+          </a:xfrm>
+          <a:prstGeom prst="rect">
+            <a:avLst/>
+          </a:prstGeom>
+          <a:noFill/>
+          <a:ln>
+            <a:solidFill>
+              <a:srgbClr val="000000"/>
+            </a:solidFill>
+            <a:miter lim="800000"/>
+            <a:headEnd/>
+            <a:tailEnd/>
+          </a:ln>
+          <a:extLst>
+            <a:ext uri="{909E8E84-426E-40DD-AFC4-6F175D3DCCD1}">
+              <a14:hiddenFill xmlns:a14="http://schemas.microsoft.com/office/drawing/2010/main">
+                <a:solidFill>
+                  <a:srgbClr val="FFFFFF"/>
+                </a:solidFill>
+              </a14:hiddenFill>
+            </a:ext>
+          </a:extLst>
+        </p:spPr>
+        <p:txBody>
+          <a:bodyPr anchor="ctr"/>
+          <a:lstStyle/>
+          <a:p>
+            <a:r>
+              <a:rPr lang="zh-CN" altLang="en-US" dirty="0" smtClean="0">
+                <a:latin typeface="黑体" panose="02010609060101010101" pitchFamily="49" charset="-122"/>
+                <a:ea typeface="黑体" panose="02010609060101010101" pitchFamily="49" charset="-122"/>
+              </a:rPr>
+              <a:t>总结与展望（</a:t>
+            </a:r>
+            <a:r>
+              <a:rPr lang="en-US" altLang="zh-CN" dirty="0" smtClean="0">
+                <a:latin typeface="黑体" panose="02010609060101010101" pitchFamily="49" charset="-122"/>
+                <a:ea typeface="黑体" panose="02010609060101010101" pitchFamily="49" charset="-122"/>
+              </a:rPr>
+              <a:t>1/2</a:t>
+            </a:r>
+            <a:r>
+              <a:rPr lang="zh-CN" altLang="en-US" dirty="0" smtClean="0">
+                <a:latin typeface="黑体" panose="02010609060101010101" pitchFamily="49" charset="-122"/>
+                <a:ea typeface="黑体" panose="02010609060101010101" pitchFamily="49" charset="-122"/>
+              </a:rPr>
+              <a:t>）</a:t>
+            </a:r>
+            <a:r>
+              <a:rPr lang="en-US" altLang="zh-CN" dirty="0" smtClean="0">
+                <a:latin typeface="黑体" panose="02010609060101010101" pitchFamily="49" charset="-122"/>
+                <a:ea typeface="黑体" panose="02010609060101010101" pitchFamily="49" charset="-122"/>
+              </a:rPr>
+              <a:t>-</a:t>
+            </a:r>
+            <a:r>
+              <a:rPr lang="zh-CN" altLang="en-US" dirty="0" smtClean="0">
+                <a:latin typeface="黑体" panose="02010609060101010101" pitchFamily="49" charset="-122"/>
+                <a:ea typeface="黑体" panose="02010609060101010101" pitchFamily="49" charset="-122"/>
+              </a:rPr>
+              <a:t>总结</a:t>
+            </a:r>
+          </a:p>
+        </p:txBody>
+      </p:sp>
+      <p:sp>
+        <p:nvSpPr>
+          <p:cNvPr id="79875" name="Rectangle 3"/>
+          <p:cNvSpPr>
+            <a:spLocks noGrp="1" noChangeArrowheads="1"/>
+          </p:cNvSpPr>
+          <p:nvPr>
+            <p:ph idx="4294967295"/>
+          </p:nvPr>
+        </p:nvSpPr>
+        <p:spPr bwMode="auto">
+          <a:xfrm>
+            <a:off x="457200" y="1600200"/>
+            <a:ext cx="8229600" cy="4525963"/>
+          </a:xfrm>
+          <a:prstGeom prst="rect">
+            <a:avLst/>
+          </a:prstGeom>
+          <a:noFill/>
+          <a:ln>
+            <a:solidFill>
+              <a:srgbClr val="000000"/>
+            </a:solidFill>
+            <a:miter lim="800000"/>
+            <a:headEnd/>
+            <a:tailEnd/>
+          </a:ln>
+          <a:extLst>
+            <a:ext uri="{909E8E84-426E-40DD-AFC4-6F175D3DCCD1}">
+              <a14:hiddenFill xmlns:a14="http://schemas.microsoft.com/office/drawing/2010/main">
+                <a:solidFill>
+                  <a:srgbClr val="FFFFFF"/>
+                </a:solidFill>
+              </a14:hiddenFill>
+            </a:ext>
+          </a:extLst>
+        </p:spPr>
+        <p:txBody>
+          <a:bodyPr/>
+          <a:lstStyle/>
+          <a:p>
+            <a:r>
+              <a:rPr lang="zh-CN" altLang="zh-CN" sz="2400" dirty="0" smtClean="0"/>
+              <a:t>（</a:t>
+            </a:r>
+            <a:r>
+              <a:rPr lang="en-US" altLang="zh-CN" sz="2400" dirty="0" smtClean="0"/>
+              <a:t>1</a:t>
+            </a:r>
+            <a:r>
+              <a:rPr lang="zh-CN" altLang="zh-CN" sz="2400" dirty="0" smtClean="0"/>
+              <a:t>）</a:t>
+            </a:r>
+            <a:r>
+              <a:rPr lang="zh-CN" altLang="en-US" sz="2400" dirty="0" smtClean="0"/>
+              <a:t>运用大数据分析的方法，</a:t>
+            </a:r>
+            <a:r>
+              <a:rPr lang="zh-CN" altLang="zh-CN" sz="2400" dirty="0" smtClean="0"/>
+              <a:t>实现</a:t>
+            </a:r>
+            <a:r>
+              <a:rPr lang="zh-CN" altLang="zh-CN" sz="2400" dirty="0"/>
+              <a:t>了广告商广告的高效投放，减少投放资金，提高投放效果，极具市场价值。</a:t>
+            </a:r>
+          </a:p>
+          <a:p>
+            <a:r>
+              <a:rPr lang="zh-CN" altLang="zh-CN" sz="2400" dirty="0" smtClean="0"/>
+              <a:t>（</a:t>
+            </a:r>
+            <a:r>
+              <a:rPr lang="en-US" altLang="zh-CN" sz="2400" dirty="0" smtClean="0"/>
+              <a:t>2</a:t>
+            </a:r>
+            <a:r>
+              <a:rPr lang="zh-CN" altLang="zh-CN" sz="2400" dirty="0" smtClean="0"/>
+              <a:t>）</a:t>
+            </a:r>
+            <a:r>
+              <a:rPr lang="zh-CN" altLang="en-US" sz="2400" dirty="0" smtClean="0"/>
+              <a:t>通过机器学习</a:t>
+            </a:r>
+            <a:r>
+              <a:rPr lang="zh-CN" altLang="zh-CN" sz="2400" dirty="0" smtClean="0"/>
+              <a:t>建立</a:t>
+            </a:r>
+            <a:r>
+              <a:rPr lang="zh-CN" altLang="zh-CN" sz="2400" dirty="0"/>
+              <a:t>广告投放的资金分配模型，对于投资策略进行合理化的评估，降低了广告投放低回馈的风险。</a:t>
+            </a:r>
+          </a:p>
+          <a:p>
+            <a:r>
+              <a:rPr lang="zh-CN" altLang="zh-CN" sz="2400" dirty="0" smtClean="0"/>
+              <a:t>（</a:t>
+            </a:r>
+            <a:r>
+              <a:rPr lang="en-US" altLang="zh-CN" sz="2400" dirty="0" smtClean="0"/>
+              <a:t>3</a:t>
+            </a:r>
+            <a:r>
+              <a:rPr lang="zh-CN" altLang="zh-CN" sz="2400" dirty="0" smtClean="0"/>
+              <a:t>）</a:t>
+            </a:r>
+            <a:r>
+              <a:rPr lang="zh-CN" altLang="zh-CN" sz="2400" dirty="0"/>
+              <a:t>通过对受众群体的特征分析与广告商群体的特征分析，建立完整的信息模型，完成</a:t>
+            </a:r>
+            <a:r>
+              <a:rPr lang="en-US" altLang="zh-CN" sz="2400" dirty="0"/>
+              <a:t>“</a:t>
+            </a:r>
+            <a:r>
+              <a:rPr lang="zh-CN" altLang="zh-CN" sz="2400" dirty="0"/>
+              <a:t>用户画像</a:t>
+            </a:r>
+            <a:r>
+              <a:rPr lang="en-US" altLang="zh-CN" sz="2400" dirty="0"/>
+              <a:t>”</a:t>
+            </a:r>
+            <a:r>
+              <a:rPr lang="zh-CN" altLang="zh-CN" sz="2400" dirty="0"/>
+              <a:t>与</a:t>
+            </a:r>
+            <a:r>
+              <a:rPr lang="en-US" altLang="zh-CN" sz="2400" dirty="0"/>
+              <a:t>“</a:t>
+            </a:r>
+            <a:r>
+              <a:rPr lang="zh-CN" altLang="zh-CN" sz="2400" dirty="0"/>
+              <a:t>商家画像</a:t>
+            </a:r>
+            <a:r>
+              <a:rPr lang="en-US" altLang="zh-CN" sz="2400" dirty="0"/>
+              <a:t>”</a:t>
+            </a:r>
+            <a:r>
+              <a:rPr lang="zh-CN" altLang="zh-CN" sz="2400" dirty="0"/>
+              <a:t>。并基于已获得的数据建立动态立体的知识库，通过进一步研究挖掘用户群体与广告的深层次联系。</a:t>
+            </a:r>
+          </a:p>
+        </p:txBody>
+      </p:sp>
+    </p:spTree>
+  </p:cSld>
+  <p:clrMapOvr>
+    <a:masterClrMapping/>
+  </p:clrMapOvr>
+  <p:timing>
+    <p:tnLst>
+      <p:par>
+        <p:cTn id="1" dur="indefinite" restart="never" nodeType="tmRoot"/>
+      </p:par>
+    </p:tnLst>
+  </p:timing>
+</p:sld>
+</file>
+
+<file path=ppt/slides/slide22.xml><?xml version="1.0" encoding="utf-8"?>
+<p:sld xmlns:a="http://schemas.openxmlformats.org/drawingml/2006/main" xmlns:r="http://schemas.openxmlformats.org/officeDocument/2006/relationships" xmlns:p="http://schemas.openxmlformats.org/presentationml/2006/main">
+  <p:cSld>
+    <p:spTree>
+      <p:nvGrpSpPr>
+        <p:cNvPr id="1" name=""/>
+        <p:cNvGrpSpPr/>
+        <p:nvPr/>
+      </p:nvGrpSpPr>
+      <p:grpSpPr>
+        <a:xfrm>
+          <a:off x="0" y="0"/>
+          <a:ext cx="0" cy="0"/>
+          <a:chOff x="0" y="0"/>
+          <a:chExt cx="0" cy="0"/>
+        </a:xfrm>
+      </p:grpSpPr>
+      <p:sp>
+        <p:nvSpPr>
+          <p:cNvPr id="81922" name="Rectangle 2"/>
+          <p:cNvSpPr>
+            <a:spLocks noGrp="1" noChangeArrowheads="1"/>
+          </p:cNvSpPr>
+          <p:nvPr>
+            <p:ph type="title" idx="4294967295"/>
+          </p:nvPr>
+        </p:nvSpPr>
+        <p:spPr bwMode="auto">
+          <a:xfrm>
+            <a:off x="457200" y="274638"/>
+            <a:ext cx="8229600" cy="1143000"/>
+          </a:xfrm>
+          <a:prstGeom prst="rect">
+            <a:avLst/>
+          </a:prstGeom>
+          <a:noFill/>
+          <a:ln>
+            <a:solidFill>
+              <a:srgbClr val="000000"/>
+            </a:solidFill>
+            <a:miter lim="800000"/>
+            <a:headEnd/>
+            <a:tailEnd/>
+          </a:ln>
+          <a:extLst>
+            <a:ext uri="{909E8E84-426E-40DD-AFC4-6F175D3DCCD1}">
+              <a14:hiddenFill xmlns:a14="http://schemas.microsoft.com/office/drawing/2010/main">
+                <a:solidFill>
+                  <a:srgbClr val="FFFFFF"/>
+                </a:solidFill>
+              </a14:hiddenFill>
+            </a:ext>
+          </a:extLst>
+        </p:spPr>
+        <p:txBody>
+          <a:bodyPr anchor="ctr"/>
+          <a:lstStyle/>
+          <a:p>
+            <a:r>
+              <a:rPr lang="zh-CN" altLang="en-US" dirty="0" smtClean="0">
+                <a:latin typeface="黑体" panose="02010609060101010101" pitchFamily="49" charset="-122"/>
+                <a:ea typeface="黑体" panose="02010609060101010101" pitchFamily="49" charset="-122"/>
+              </a:rPr>
+              <a:t>总结与展望（</a:t>
+            </a:r>
+            <a:r>
+              <a:rPr lang="en-US" altLang="zh-CN" dirty="0" smtClean="0">
+                <a:latin typeface="黑体" panose="02010609060101010101" pitchFamily="49" charset="-122"/>
+                <a:ea typeface="黑体" panose="02010609060101010101" pitchFamily="49" charset="-122"/>
+              </a:rPr>
+              <a:t>2/2</a:t>
+            </a:r>
+            <a:r>
+              <a:rPr lang="zh-CN" altLang="en-US" dirty="0" smtClean="0">
+                <a:latin typeface="黑体" panose="02010609060101010101" pitchFamily="49" charset="-122"/>
+                <a:ea typeface="黑体" panose="02010609060101010101" pitchFamily="49" charset="-122"/>
+              </a:rPr>
+              <a:t>）</a:t>
+            </a:r>
+            <a:r>
+              <a:rPr lang="en-US" altLang="zh-CN" dirty="0" smtClean="0">
+                <a:latin typeface="黑体" panose="02010609060101010101" pitchFamily="49" charset="-122"/>
+                <a:ea typeface="黑体" panose="02010609060101010101" pitchFamily="49" charset="-122"/>
+              </a:rPr>
+              <a:t>-</a:t>
+            </a:r>
+            <a:r>
+              <a:rPr lang="zh-CN" altLang="en-US" dirty="0" smtClean="0">
+                <a:latin typeface="黑体" panose="02010609060101010101" pitchFamily="49" charset="-122"/>
+                <a:ea typeface="黑体" panose="02010609060101010101" pitchFamily="49" charset="-122"/>
+              </a:rPr>
+              <a:t>展望</a:t>
+            </a:r>
+          </a:p>
+        </p:txBody>
+      </p:sp>
+      <p:sp>
+        <p:nvSpPr>
+          <p:cNvPr id="81923" name="Rectangle 3"/>
+          <p:cNvSpPr>
+            <a:spLocks noGrp="1" noChangeArrowheads="1"/>
+          </p:cNvSpPr>
+          <p:nvPr>
+            <p:ph idx="4294967295"/>
+          </p:nvPr>
+        </p:nvSpPr>
+        <p:spPr bwMode="auto">
+          <a:xfrm>
+            <a:off x="457200" y="1600200"/>
+            <a:ext cx="8229600" cy="4525963"/>
+          </a:xfrm>
+          <a:prstGeom prst="rect">
+            <a:avLst/>
+          </a:prstGeom>
+          <a:noFill/>
+          <a:ln>
+            <a:solidFill>
+              <a:srgbClr val="000000"/>
+            </a:solidFill>
+            <a:miter lim="800000"/>
+            <a:headEnd/>
+            <a:tailEnd/>
+          </a:ln>
+          <a:extLst>
+            <a:ext uri="{909E8E84-426E-40DD-AFC4-6F175D3DCCD1}">
+              <a14:hiddenFill xmlns:a14="http://schemas.microsoft.com/office/drawing/2010/main">
+                <a:solidFill>
+                  <a:srgbClr val="FFFFFF"/>
+                </a:solidFill>
+              </a14:hiddenFill>
+            </a:ext>
+          </a:extLst>
+        </p:spPr>
+        <p:txBody>
+          <a:bodyPr/>
+          <a:lstStyle/>
+          <a:p>
+            <a:r>
+              <a:rPr lang="zh-CN" altLang="en-US" sz="3400" dirty="0" smtClean="0">
+                <a:latin typeface="黑体" panose="02010609060101010101" pitchFamily="49" charset="-122"/>
+                <a:ea typeface="黑体" panose="02010609060101010101" pitchFamily="49" charset="-122"/>
+              </a:rPr>
+              <a:t>协同过滤算法精度有待提高，需要结合其他算法，以提高推荐的精度</a:t>
+            </a:r>
+            <a:endParaRPr lang="en-US" altLang="zh-CN" sz="3400" dirty="0" smtClean="0">
+              <a:latin typeface="黑体" panose="02010609060101010101" pitchFamily="49" charset="-122"/>
+              <a:ea typeface="黑体" panose="02010609060101010101" pitchFamily="49" charset="-122"/>
+            </a:endParaRPr>
+          </a:p>
+          <a:p>
+            <a:r>
+              <a:rPr lang="zh-CN" altLang="en-US" sz="3400" dirty="0" smtClean="0">
+                <a:latin typeface="黑体" panose="02010609060101010101" pitchFamily="49" charset="-122"/>
+                <a:ea typeface="黑体" panose="02010609060101010101" pitchFamily="49" charset="-122"/>
+              </a:rPr>
+              <a:t>用户行为数据集采集不够全面</a:t>
+            </a:r>
+            <a:endParaRPr lang="en-US" altLang="zh-CN" sz="3400" dirty="0" smtClean="0">
+              <a:latin typeface="黑体" panose="02010609060101010101" pitchFamily="49" charset="-122"/>
+              <a:ea typeface="黑体" panose="02010609060101010101" pitchFamily="49" charset="-122"/>
+            </a:endParaRPr>
+          </a:p>
+          <a:p>
+            <a:r>
+              <a:rPr lang="zh-CN" altLang="en-US" sz="3400" dirty="0">
+                <a:latin typeface="黑体" panose="02010609060101010101" pitchFamily="49" charset="-122"/>
+                <a:ea typeface="黑体" panose="02010609060101010101" pitchFamily="49" charset="-122"/>
+              </a:rPr>
+              <a:t>冷启动系统虽然可以给系统提供推荐的基础，但是数据的</a:t>
+            </a:r>
+            <a:r>
+              <a:rPr lang="zh-CN" altLang="en-US" sz="3400" dirty="0" smtClean="0">
+                <a:latin typeface="黑体" panose="02010609060101010101" pitchFamily="49" charset="-122"/>
+                <a:ea typeface="黑体" panose="02010609060101010101" pitchFamily="49" charset="-122"/>
+              </a:rPr>
+              <a:t>更新和同</a:t>
+            </a:r>
+            <a:r>
+              <a:rPr lang="zh-CN" altLang="en-US" sz="3400" dirty="0">
+                <a:latin typeface="黑体" panose="02010609060101010101" pitchFamily="49" charset="-122"/>
+                <a:ea typeface="黑体" panose="02010609060101010101" pitchFamily="49" charset="-122"/>
+              </a:rPr>
+              <a:t>部同样非常重要</a:t>
+            </a:r>
+            <a:endParaRPr lang="zh-CN" altLang="en-US" sz="3400" dirty="0" smtClean="0">
+              <a:latin typeface="黑体" panose="02010609060101010101" pitchFamily="49" charset="-122"/>
+              <a:ea typeface="黑体" panose="02010609060101010101" pitchFamily="49" charset="-122"/>
+            </a:endParaRPr>
+          </a:p>
+        </p:txBody>
+      </p:sp>
+    </p:spTree>
+  </p:cSld>
+  <p:clrMapOvr>
+    <a:masterClrMapping/>
+  </p:clrMapOvr>
+  <p:timing>
+    <p:tnLst>
+      <p:par>
+        <p:cTn id="1" dur="indefinite" restart="never" nodeType="tmRoot"/>
+      </p:par>
+    </p:tnLst>
+  </p:timing>
+</p:sld>
+</file>
+
+<file path=ppt/slides/slide23.xml><?xml version="1.0" encoding="utf-8"?>
+<p:sld xmlns:a="http://schemas.openxmlformats.org/drawingml/2006/main" xmlns:r="http://schemas.openxmlformats.org/officeDocument/2006/relationships" xmlns:p="http://schemas.openxmlformats.org/presentationml/2006/main">
+  <p:cSld>
+    <p:spTree>
+      <p:nvGrpSpPr>
+        <p:cNvPr id="1" name=""/>
+        <p:cNvGrpSpPr/>
+        <p:nvPr/>
+      </p:nvGrpSpPr>
+      <p:grpSpPr>
+        <a:xfrm>
+          <a:off x="0" y="0"/>
+          <a:ext cx="0" cy="0"/>
+          <a:chOff x="0" y="0"/>
+          <a:chExt cx="0" cy="0"/>
+        </a:xfrm>
+      </p:grpSpPr>
+      <p:sp>
+        <p:nvSpPr>
+          <p:cNvPr id="23554" name="页脚占位符 4"/>
+          <p:cNvSpPr>
+            <a:spLocks noGrp="1"/>
+          </p:cNvSpPr>
+          <p:nvPr>
+            <p:ph type="ftr" sz="quarter" idx="10"/>
+          </p:nvPr>
+        </p:nvSpPr>
+        <p:spPr>
+          <a:noFill/>
+          <a:ln/>
+          <a:extLst>
+            <a:ext uri="{909E8E84-426E-40DD-AFC4-6F175D3DCCD1}">
+              <a14:hiddenFill xmlns:a14="http://schemas.microsoft.com/office/drawing/2010/main">
+                <a:solidFill>
+                  <a:srgbClr val="FFFFFF"/>
+                </a:solidFill>
+              </a14:hiddenFill>
+            </a:ext>
+            <a:ext uri="{91240B29-F687-4F45-9708-019B960494DF}">
+              <a14:hiddenLine xmlns:a14="http://schemas.microsoft.com/office/drawing/2010/main" w="9525">
+                <a:solidFill>
+                  <a:srgbClr val="000000"/>
+                </a:solidFill>
+                <a:miter lim="800000"/>
+                <a:headEnd/>
+                <a:tailEnd/>
+              </a14:hiddenLine>
+            </a:ext>
+          </a:extLst>
+        </p:spPr>
+        <p:txBody>
+          <a:bodyPr/>
+          <a:lstStyle>
+            <a:lvl1pPr eaLnBrk="0" hangingPunct="0">
+              <a:defRPr sz="2400">
+                <a:solidFill>
+                  <a:schemeClr val="tx1"/>
+                </a:solidFill>
                 <a:latin typeface="Verdana" panose="020B0604030504040204" pitchFamily="34" charset="0"/>
                 <a:ea typeface="宋体" panose="02010600030101010101" pitchFamily="2" charset="-122"/>
+              </a:defRPr>
+            </a:lvl1pPr>
+            <a:lvl2pPr marL="742950" indent="-285750" eaLnBrk="0" hangingPunct="0">
+              <a:defRPr sz="2400">
+                <a:solidFill>
+                  <a:schemeClr val="tx1"/>
+                </a:solidFill>
+                <a:latin typeface="Verdana" panose="020B0604030504040204" pitchFamily="34" charset="0"/>
+                <a:ea typeface="宋体" panose="02010600030101010101" pitchFamily="2" charset="-122"/>
+              </a:defRPr>
+            </a:lvl2pPr>
+            <a:lvl3pPr marL="1143000" indent="-228600" eaLnBrk="0" hangingPunct="0">
+              <a:defRPr sz="2400">
+                <a:solidFill>
+                  <a:schemeClr val="tx1"/>
+                </a:solidFill>
+                <a:latin typeface="Verdana" panose="020B0604030504040204" pitchFamily="34" charset="0"/>
+                <a:ea typeface="宋体" panose="02010600030101010101" pitchFamily="2" charset="-122"/>
+              </a:defRPr>
+            </a:lvl3pPr>
+            <a:lvl4pPr marL="1600200" indent="-228600" eaLnBrk="0" hangingPunct="0">
+              <a:defRPr sz="2400">
+                <a:solidFill>
+                  <a:schemeClr val="tx1"/>
+                </a:solidFill>
+                <a:latin typeface="Verdana" panose="020B0604030504040204" pitchFamily="34" charset="0"/>
+                <a:ea typeface="宋体" panose="02010600030101010101" pitchFamily="2" charset="-122"/>
+              </a:defRPr>
+            </a:lvl4pPr>
+            <a:lvl5pPr marL="2057400" indent="-228600" eaLnBrk="0" hangingPunct="0">
+              <a:defRPr sz="2400">
+                <a:solidFill>
+                  <a:schemeClr val="tx1"/>
+                </a:solidFill>
+                <a:latin typeface="Verdana" panose="020B0604030504040204" pitchFamily="34" charset="0"/>
+                <a:ea typeface="宋体" panose="02010600030101010101" pitchFamily="2" charset="-122"/>
+              </a:defRPr>
+            </a:lvl5pPr>
+            <a:lvl6pPr marL="2514600" indent="-228600" eaLnBrk="0" fontAlgn="base" hangingPunct="0">
+              <a:spcBef>
+                <a:spcPct val="0"/>
+              </a:spcBef>
+              <a:spcAft>
+                <a:spcPct val="0"/>
+              </a:spcAft>
+              <a:defRPr sz="2400">
+                <a:solidFill>
+                  <a:schemeClr val="tx1"/>
+                </a:solidFill>
+                <a:latin typeface="Verdana" panose="020B0604030504040204" pitchFamily="34" charset="0"/>
+                <a:ea typeface="宋体" panose="02010600030101010101" pitchFamily="2" charset="-122"/>
+              </a:defRPr>
+            </a:lvl6pPr>
+            <a:lvl7pPr marL="2971800" indent="-228600" eaLnBrk="0" fontAlgn="base" hangingPunct="0">
+              <a:spcBef>
+                <a:spcPct val="0"/>
+              </a:spcBef>
+              <a:spcAft>
+                <a:spcPct val="0"/>
+              </a:spcAft>
+              <a:defRPr sz="2400">
+                <a:solidFill>
+                  <a:schemeClr val="tx1"/>
+                </a:solidFill>
+                <a:latin typeface="Verdana" panose="020B0604030504040204" pitchFamily="34" charset="0"/>
+                <a:ea typeface="宋体" panose="02010600030101010101" pitchFamily="2" charset="-122"/>
+              </a:defRPr>
+            </a:lvl7pPr>
+            <a:lvl8pPr marL="3429000" indent="-228600" eaLnBrk="0" fontAlgn="base" hangingPunct="0">
+              <a:spcBef>
+                <a:spcPct val="0"/>
+              </a:spcBef>
+              <a:spcAft>
+                <a:spcPct val="0"/>
+              </a:spcAft>
+              <a:defRPr sz="2400">
+                <a:solidFill>
+                  <a:schemeClr val="tx1"/>
+                </a:solidFill>
+                <a:latin typeface="Verdana" panose="020B0604030504040204" pitchFamily="34" charset="0"/>
+                <a:ea typeface="宋体" panose="02010600030101010101" pitchFamily="2" charset="-122"/>
+              </a:defRPr>
+            </a:lvl8pPr>
+            <a:lvl9pPr marL="3886200" indent="-228600" eaLnBrk="0" fontAlgn="base" hangingPunct="0">
+              <a:spcBef>
+                <a:spcPct val="0"/>
+              </a:spcBef>
+              <a:spcAft>
+                <a:spcPct val="0"/>
+              </a:spcAft>
+              <a:defRPr sz="2400">
+                <a:solidFill>
+                  <a:schemeClr val="tx1"/>
+                </a:solidFill>
+                <a:latin typeface="Verdana" panose="020B0604030504040204" pitchFamily="34" charset="0"/>
+                <a:ea typeface="宋体" panose="02010600030101010101" pitchFamily="2" charset="-122"/>
+              </a:defRPr>
+            </a:lvl9pPr>
+          </a:lstStyle>
+          <a:p>
+            <a:pPr eaLnBrk="1" hangingPunct="1"/>
+            <a:r>
+              <a:rPr lang="zh-CN" altLang="en-US" sz="1600" dirty="0" smtClean="0">
+                <a:ea typeface="华文行楷" panose="02010800040101010101" pitchFamily="2" charset="-122"/>
               </a:rPr>
-              <a:t>展望</a:t>
-            </a:r>
-            <a:endParaRPr lang="zh-CN" altLang="en-US" b="1" dirty="0" smtClean="0">
-              <a:latin typeface="Verdana" panose="020B0604030504040204" pitchFamily="34" charset="0"/>
-              <a:ea typeface="宋体" panose="02010600030101010101" pitchFamily="2" charset="-122"/>
-            </a:endParaRPr>
+              <a:t>武汉大学计算机学院</a:t>
+            </a:r>
+          </a:p>
+        </p:txBody>
+      </p:sp>
+      <p:sp>
+        <p:nvSpPr>
+          <p:cNvPr id="23555" name="Rectangle 3"/>
+          <p:cNvSpPr>
+            <a:spLocks noGrp="1" noChangeArrowheads="1"/>
+          </p:cNvSpPr>
+          <p:nvPr>
+            <p:ph type="body" idx="1"/>
+          </p:nvPr>
+        </p:nvSpPr>
+        <p:spPr bwMode="auto">
+          <a:xfrm>
+            <a:off x="3276600" y="2819400"/>
+            <a:ext cx="3276600" cy="1143000"/>
+          </a:xfrm>
+          <a:noFill/>
+          <a:extLst>
+            <a:ext uri="{909E8E84-426E-40DD-AFC4-6F175D3DCCD1}">
+              <a14:hiddenFill xmlns:a14="http://schemas.microsoft.com/office/drawing/2010/main">
+                <a:solidFill>
+                  <a:srgbClr val="FFFFFF"/>
+                </a:solidFill>
+              </a14:hiddenFill>
+            </a:ext>
+            <a:ext uri="{91240B29-F687-4F45-9708-019B960494DF}">
+              <a14:hiddenLine xmlns:a14="http://schemas.microsoft.com/office/drawing/2010/main" w="9525">
+                <a:solidFill>
+                  <a:srgbClr val="000000"/>
+                </a:solidFill>
+                <a:miter lim="800000"/>
+                <a:headEnd/>
+                <a:tailEnd/>
+              </a14:hiddenLine>
+            </a:ext>
+          </a:extLst>
+        </p:spPr>
+        <p:txBody>
+          <a:bodyPr vert="horz" wrap="square" lIns="91440" tIns="45720" rIns="91440" bIns="45720" numCol="1" anchor="t" anchorCtr="0" compatLnSpc="1">
+            <a:prstTxWarp prst="textNoShape">
+              <a:avLst/>
+            </a:prstTxWarp>
+          </a:bodyPr>
+          <a:lstStyle/>
+          <a:p>
+            <a:pPr eaLnBrk="1" hangingPunct="1">
+              <a:buFont typeface="Wingdings" panose="05000000000000000000" pitchFamily="2" charset="2"/>
+              <a:buNone/>
+            </a:pPr>
+            <a:r>
+              <a:rPr lang="zh-CN" altLang="en-US" sz="5400" smtClean="0">
+                <a:latin typeface="黑体" panose="02010609060101010101" pitchFamily="49" charset="-122"/>
+                <a:ea typeface="黑体" panose="02010609060101010101" pitchFamily="49" charset="-122"/>
+              </a:rPr>
+              <a:t>谢 谢！</a:t>
+            </a:r>
           </a:p>
         </p:txBody>
       </p:sp>
@@ -9232,29 +12687,8 @@
                 <a:latin typeface="黑体" panose="02010609060101010101" pitchFamily="49" charset="-122"/>
                 <a:ea typeface="黑体" panose="02010609060101010101" pitchFamily="49" charset="-122"/>
               </a:rPr>
-              <a:t>研究</a:t>
-            </a:r>
-            <a:r>
-              <a:rPr lang="zh-CN" altLang="en-US" dirty="0" smtClean="0">
-                <a:effectLst>
-                  <a:outerShdw blurRad="38100" dist="38100" dir="2700000" algn="tl">
-                    <a:srgbClr val="C0C0C0"/>
-                  </a:outerShdw>
-                </a:effectLst>
-                <a:latin typeface="黑体" panose="02010609060101010101" pitchFamily="49" charset="-122"/>
-                <a:ea typeface="黑体" panose="02010609060101010101" pitchFamily="49" charset="-122"/>
-              </a:rPr>
-              <a:t>背景</a:t>
-            </a:r>
-            <a:endParaRPr lang="zh-CN" altLang="en-US" dirty="0" smtClean="0">
-              <a:effectLst>
-                <a:outerShdw blurRad="38100" dist="38100" dir="2700000" algn="tl">
-                  <a:srgbClr val="C0C0C0"/>
-                </a:outerShdw>
-              </a:effectLst>
-              <a:latin typeface="黑体" panose="02010609060101010101" pitchFamily="49" charset="-122"/>
-              <a:ea typeface="黑体" panose="02010609060101010101" pitchFamily="49" charset="-122"/>
-            </a:endParaRPr>
+              <a:t>研究背景</a:t>
+            </a:r>
           </a:p>
         </p:txBody>
       </p:sp>
@@ -9561,25 +12995,6 @@
               <a:rPr lang="zh-CN" altLang="en-US" dirty="0"/>
               <a:t>研究背景</a:t>
             </a:r>
-          </a:p>
-        </p:txBody>
-      </p:sp>
-      <p:sp>
-        <p:nvSpPr>
-          <p:cNvPr id="3" name="内容占位符 2"/>
-          <p:cNvSpPr>
-            <a:spLocks noGrp="1"/>
-          </p:cNvSpPr>
-          <p:nvPr>
-            <p:ph idx="1"/>
-          </p:nvPr>
-        </p:nvSpPr>
-        <p:spPr/>
-        <p:txBody>
-          <a:bodyPr/>
-          <a:lstStyle/>
-          <a:p>
-            <a:endParaRPr lang="zh-CN" altLang="en-US" dirty="0"/>
           </a:p>
         </p:txBody>
       </p:sp>
@@ -10104,29 +13519,8 @@
                 <a:latin typeface="黑体" panose="02010609060101010101" pitchFamily="49" charset="-122"/>
                 <a:ea typeface="黑体" panose="02010609060101010101" pitchFamily="49" charset="-122"/>
               </a:rPr>
-              <a:t>相关</a:t>
-            </a:r>
-            <a:r>
-              <a:rPr lang="zh-CN" altLang="en-US" dirty="0" smtClean="0">
-                <a:effectLst>
-                  <a:outerShdw blurRad="38100" dist="38100" dir="2700000" algn="tl">
-                    <a:srgbClr val="C0C0C0"/>
-                  </a:outerShdw>
-                </a:effectLst>
-                <a:latin typeface="黑体" panose="02010609060101010101" pitchFamily="49" charset="-122"/>
-                <a:ea typeface="黑体" panose="02010609060101010101" pitchFamily="49" charset="-122"/>
-              </a:rPr>
-              <a:t>工作</a:t>
-            </a:r>
-            <a:endParaRPr lang="zh-CN" altLang="en-US" dirty="0" smtClean="0">
-              <a:effectLst>
-                <a:outerShdw blurRad="38100" dist="38100" dir="2700000" algn="tl">
-                  <a:srgbClr val="C0C0C0"/>
-                </a:outerShdw>
-              </a:effectLst>
-              <a:latin typeface="黑体" panose="02010609060101010101" pitchFamily="49" charset="-122"/>
-              <a:ea typeface="黑体" panose="02010609060101010101" pitchFamily="49" charset="-122"/>
-            </a:endParaRPr>
+              <a:t>相关工作</a:t>
+            </a:r>
           </a:p>
         </p:txBody>
       </p:sp>
@@ -10215,11 +13609,7 @@
             <a:pPr lvl="1"/>
             <a:r>
               <a:rPr lang="zh-CN" altLang="en-US" sz="2400" dirty="0" smtClean="0"/>
-              <a:t>微软</a:t>
-            </a:r>
-            <a:r>
-              <a:rPr lang="zh-CN" altLang="en-US" sz="2400" dirty="0" smtClean="0"/>
-              <a:t>的</a:t>
+              <a:t>微软的</a:t>
             </a:r>
             <a:r>
               <a:rPr lang="en-US" altLang="zh-CN" dirty="0" smtClean="0"/>
@@ -10488,15 +13878,6 @@
               </a:rPr>
               <a:t>研究框架</a:t>
             </a:r>
-            <a:endParaRPr lang="zh-CN" altLang="en-US" dirty="0" smtClean="0">
-              <a:effectLst>
-                <a:outerShdw blurRad="38100" dist="38100" dir="2700000" algn="tl">
-                  <a:srgbClr val="C0C0C0"/>
-                </a:outerShdw>
-              </a:effectLst>
-              <a:latin typeface="黑体" panose="02010609060101010101" pitchFamily="49" charset="-122"/>
-              <a:ea typeface="黑体" panose="02010609060101010101" pitchFamily="49" charset="-122"/>
-            </a:endParaRPr>
           </a:p>
         </p:txBody>
       </p:sp>
@@ -10672,15 +14053,6 @@
               </a:rPr>
               <a:t>创新点</a:t>
             </a:r>
-            <a:endParaRPr lang="zh-CN" altLang="en-US" dirty="0" smtClean="0">
-              <a:effectLst>
-                <a:outerShdw blurRad="38100" dist="38100" dir="2700000" algn="tl">
-                  <a:srgbClr val="C0C0C0"/>
-                </a:outerShdw>
-              </a:effectLst>
-              <a:latin typeface="黑体" panose="02010609060101010101" pitchFamily="49" charset="-122"/>
-              <a:ea typeface="黑体" panose="02010609060101010101" pitchFamily="49" charset="-122"/>
-            </a:endParaRPr>
           </a:p>
         </p:txBody>
       </p:sp>
@@ -10725,49 +14097,95 @@
           <a:bodyPr/>
           <a:lstStyle/>
           <a:p>
-            <a:pPr lvl="1"/>
-            <a:r>
-              <a:rPr lang="zh-CN" altLang="en-US" sz="2400" dirty="0" smtClean="0"/>
-              <a:t>打破</a:t>
+            <a:r>
+              <a:rPr lang="zh-CN" altLang="zh-CN" sz="2400" dirty="0"/>
+              <a:t>（</a:t>
+            </a:r>
+            <a:r>
+              <a:rPr lang="en-US" altLang="zh-CN" sz="2400" dirty="0"/>
+              <a:t>1</a:t>
+            </a:r>
+            <a:r>
+              <a:rPr lang="zh-CN" altLang="zh-CN" sz="2400" dirty="0"/>
+              <a:t>）</a:t>
             </a:r>
             <a:r>
               <a:rPr lang="zh-CN" altLang="en-US" sz="2400" dirty="0"/>
-              <a:t>了目前广告位投放市场仍保留的传统状态，实现高效的管理机制与投放信息推荐系统，实现房地产商与客户的精准对接，进而实现“去库存化”，符合我国经济发展的战略需求。</a:t>
-            </a:r>
-          </a:p>
-          <a:p>
-            <a:pPr lvl="1"/>
-            <a:r>
-              <a:rPr lang="zh-CN" altLang="en-US" sz="2400" dirty="0" smtClean="0"/>
-              <a:t>实现</a:t>
+              <a:t>运用大数据分析的方法，</a:t>
+            </a:r>
+            <a:r>
+              <a:rPr lang="zh-CN" altLang="zh-CN" sz="2400" dirty="0"/>
+              <a:t>实现了广告商广告的高效投放，减少投放资金，提高投放效果，极具市场价值。</a:t>
+            </a:r>
+          </a:p>
+          <a:p>
+            <a:r>
+              <a:rPr lang="zh-CN" altLang="zh-CN" sz="2400" dirty="0"/>
+              <a:t>（</a:t>
+            </a:r>
+            <a:r>
+              <a:rPr lang="en-US" altLang="zh-CN" sz="2400" dirty="0"/>
+              <a:t>2</a:t>
+            </a:r>
+            <a:r>
+              <a:rPr lang="zh-CN" altLang="zh-CN" sz="2400" dirty="0"/>
+              <a:t>）</a:t>
             </a:r>
             <a:r>
               <a:rPr lang="zh-CN" altLang="en-US" sz="2400" dirty="0"/>
-              <a:t>了广告商广告的高效投放，减少投放资金，提高投放效果，极具市场价值。</a:t>
-            </a:r>
-          </a:p>
-          <a:p>
-            <a:pPr lvl="1"/>
-            <a:r>
-              <a:rPr lang="zh-CN" altLang="en-US" sz="2400" dirty="0" smtClean="0"/>
-              <a:t>建立</a:t>
-            </a:r>
-            <a:r>
-              <a:rPr lang="zh-CN" altLang="en-US" sz="2400" dirty="0"/>
-              <a:t>广告投放的资金分配模型，对于投资策略进行合理化的评估，降低了广告投放低回馈的风险。</a:t>
-            </a:r>
-          </a:p>
-          <a:p>
-            <a:pPr lvl="1"/>
-            <a:r>
-              <a:rPr lang="zh-CN" altLang="en-US" sz="2400" dirty="0" smtClean="0"/>
-              <a:t>通过</a:t>
-            </a:r>
-            <a:r>
-              <a:rPr lang="zh-CN" altLang="en-US" sz="2400" dirty="0"/>
-              <a:t>对受众群体的特征分析与广告商群体的特征分析，建立完整的信息模型，完成“用户画像”与“商家画像”。并基于已获得的数据建立动态立体的知识库，通过进一步研究挖掘用户群体与广告的深层次联系。</a:t>
-            </a:r>
-            <a:endParaRPr lang="zh-CN" altLang="en-US" sz="2400" dirty="0"/>
+              <a:t>通过机器学习</a:t>
+            </a:r>
+            <a:r>
+              <a:rPr lang="zh-CN" altLang="zh-CN" sz="2400" dirty="0"/>
+              <a:t>建立广告投放的资金分配模型，对于投资策略进行合理化的评估，降低了广告投放低回馈的风险。</a:t>
+            </a:r>
+          </a:p>
+          <a:p>
+            <a:r>
+              <a:rPr lang="zh-CN" altLang="zh-CN" sz="2400" dirty="0"/>
+              <a:t>（</a:t>
+            </a:r>
+            <a:r>
+              <a:rPr lang="en-US" altLang="zh-CN" sz="2400" dirty="0"/>
+              <a:t>3</a:t>
+            </a:r>
+            <a:r>
+              <a:rPr lang="zh-CN" altLang="zh-CN" sz="2400" dirty="0"/>
+              <a:t>）通过对受众群体的特征分析与广告商群体的特征分析，建立完整的信息模型，完成</a:t>
+            </a:r>
+            <a:r>
+              <a:rPr lang="en-US" altLang="zh-CN" sz="2400" dirty="0"/>
+              <a:t>“</a:t>
+            </a:r>
+            <a:r>
+              <a:rPr lang="zh-CN" altLang="zh-CN" sz="2400" dirty="0"/>
+              <a:t>用户画像</a:t>
+            </a:r>
+            <a:r>
+              <a:rPr lang="en-US" altLang="zh-CN" sz="2400" dirty="0"/>
+              <a:t>”</a:t>
+            </a:r>
+            <a:r>
+              <a:rPr lang="zh-CN" altLang="zh-CN" sz="2400" dirty="0"/>
+              <a:t>与</a:t>
+            </a:r>
+            <a:r>
+              <a:rPr lang="en-US" altLang="zh-CN" sz="2400" dirty="0"/>
+              <a:t>“</a:t>
+            </a:r>
+            <a:r>
+              <a:rPr lang="zh-CN" altLang="zh-CN" sz="2400" dirty="0"/>
+              <a:t>商家画像</a:t>
+            </a:r>
+            <a:r>
+              <a:rPr lang="en-US" altLang="zh-CN" sz="2400" dirty="0"/>
+              <a:t>”</a:t>
+            </a:r>
+            <a:r>
+              <a:rPr lang="zh-CN" altLang="zh-CN" sz="2400" dirty="0"/>
+              <a:t>。并基于已获得的数据建立动态立体的知识库，通过进一步研究挖掘用户群体与广告的深层次联系。</a:t>
+            </a:r>
+            <a:endParaRPr lang="zh-CN" altLang="zh-CN" sz="2400" dirty="0"/>
           </a:p>
         </p:txBody>
       </p:sp>
@@ -11324,15 +14742,6 @@
               </a:rPr>
               <a:t>数据爬取</a:t>
             </a:r>
-            <a:endParaRPr lang="zh-CN" altLang="en-US" dirty="0" smtClean="0">
-              <a:effectLst>
-                <a:outerShdw blurRad="38100" dist="38100" dir="2700000" algn="tl">
-                  <a:srgbClr val="C0C0C0"/>
-                </a:outerShdw>
-              </a:effectLst>
-              <a:latin typeface="黑体" panose="02010609060101010101" pitchFamily="49" charset="-122"/>
-              <a:ea typeface="黑体" panose="02010609060101010101" pitchFamily="49" charset="-122"/>
-            </a:endParaRPr>
           </a:p>
         </p:txBody>
       </p:sp>
@@ -12433,15 +15842,6 @@
               </a:rPr>
               <a:t>数据爬取</a:t>
             </a:r>
-            <a:endParaRPr lang="zh-CN" altLang="en-US" dirty="0" smtClean="0">
-              <a:effectLst>
-                <a:outerShdw blurRad="38100" dist="38100" dir="2700000" algn="tl">
-                  <a:srgbClr val="C0C0C0"/>
-                </a:outerShdw>
-              </a:effectLst>
-              <a:latin typeface="黑体" panose="02010609060101010101" pitchFamily="49" charset="-122"/>
-              <a:ea typeface="黑体" panose="02010609060101010101" pitchFamily="49" charset="-122"/>
-            </a:endParaRPr>
           </a:p>
         </p:txBody>
       </p:sp>

--- a/wy/王焰硕士论文答辩.pptx
+++ b/wy/王焰硕士论文答辩.pptx
@@ -5,10 +5,10 @@
     <p:sldMasterId id="2147483681" r:id="rId1"/>
   </p:sldMasterIdLst>
   <p:notesMasterIdLst>
-    <p:notesMasterId r:id="rId25"/>
+    <p:notesMasterId r:id="rId24"/>
   </p:notesMasterIdLst>
   <p:handoutMasterIdLst>
-    <p:handoutMasterId r:id="rId26"/>
+    <p:handoutMasterId r:id="rId25"/>
   </p:handoutMasterIdLst>
   <p:sldIdLst>
     <p:sldId id="256" r:id="rId2"/>
@@ -17,23 +17,22 @@
     <p:sldId id="383" r:id="rId5"/>
     <p:sldId id="333" r:id="rId6"/>
     <p:sldId id="352" r:id="rId7"/>
-    <p:sldId id="334" r:id="rId8"/>
-    <p:sldId id="332" r:id="rId9"/>
-    <p:sldId id="384" r:id="rId10"/>
-    <p:sldId id="354" r:id="rId11"/>
-    <p:sldId id="385" r:id="rId12"/>
-    <p:sldId id="386" r:id="rId13"/>
-    <p:sldId id="387" r:id="rId14"/>
-    <p:sldId id="388" r:id="rId15"/>
-    <p:sldId id="389" r:id="rId16"/>
-    <p:sldId id="390" r:id="rId17"/>
-    <p:sldId id="391" r:id="rId18"/>
-    <p:sldId id="392" r:id="rId19"/>
-    <p:sldId id="393" r:id="rId20"/>
-    <p:sldId id="395" r:id="rId21"/>
-    <p:sldId id="349" r:id="rId22"/>
-    <p:sldId id="350" r:id="rId23"/>
-    <p:sldId id="273" r:id="rId24"/>
+    <p:sldId id="332" r:id="rId8"/>
+    <p:sldId id="384" r:id="rId9"/>
+    <p:sldId id="354" r:id="rId10"/>
+    <p:sldId id="385" r:id="rId11"/>
+    <p:sldId id="386" r:id="rId12"/>
+    <p:sldId id="387" r:id="rId13"/>
+    <p:sldId id="388" r:id="rId14"/>
+    <p:sldId id="389" r:id="rId15"/>
+    <p:sldId id="390" r:id="rId16"/>
+    <p:sldId id="391" r:id="rId17"/>
+    <p:sldId id="392" r:id="rId18"/>
+    <p:sldId id="393" r:id="rId19"/>
+    <p:sldId id="395" r:id="rId20"/>
+    <p:sldId id="349" r:id="rId21"/>
+    <p:sldId id="350" r:id="rId22"/>
+    <p:sldId id="273" r:id="rId23"/>
   </p:sldIdLst>
   <p:sldSz cx="9144000" cy="6858000" type="screen4x3"/>
   <p:notesSz cx="6858000" cy="9144000"/>
@@ -948,53 +947,8 @@
               <a:rPr lang="zh-CN" altLang="en-US" dirty="0" smtClean="0">
                 <a:latin typeface="Arial" panose="020B0604020202020204" pitchFamily="34" charset="0"/>
               </a:rPr>
-              <a:t>各位老师，上午好，我的名字</a:t>
-            </a:r>
-            <a:r>
-              <a:rPr lang="zh-CN" altLang="en-US" dirty="0" smtClean="0">
-                <a:latin typeface="Arial" panose="020B0604020202020204" pitchFamily="34" charset="0"/>
-              </a:rPr>
-              <a:t>是王焰，</a:t>
-            </a:r>
-            <a:r>
-              <a:rPr lang="zh-CN" altLang="en-US" dirty="0" smtClean="0">
-                <a:latin typeface="Arial" panose="020B0604020202020204" pitchFamily="34" charset="0"/>
-              </a:rPr>
-              <a:t>是计算机</a:t>
-            </a:r>
-            <a:r>
-              <a:rPr lang="zh-CN" altLang="en-US" dirty="0" smtClean="0">
-                <a:latin typeface="Arial" panose="020B0604020202020204" pitchFamily="34" charset="0"/>
-              </a:rPr>
-              <a:t>学院</a:t>
-            </a:r>
-            <a:r>
-              <a:rPr lang="en-US" altLang="zh-CN" dirty="0" smtClean="0">
-                <a:latin typeface="Arial" panose="020B0604020202020204" pitchFamily="34" charset="0"/>
-              </a:rPr>
-              <a:t>2015</a:t>
-            </a:r>
-            <a:r>
-              <a:rPr lang="zh-CN" altLang="en-US" dirty="0" smtClean="0">
-                <a:latin typeface="Arial" panose="020B0604020202020204" pitchFamily="34" charset="0"/>
-              </a:rPr>
-              <a:t>级</a:t>
-            </a:r>
-            <a:r>
-              <a:rPr lang="zh-CN" altLang="en-US" dirty="0" smtClean="0">
-                <a:latin typeface="Arial" panose="020B0604020202020204" pitchFamily="34" charset="0"/>
-              </a:rPr>
-              <a:t>的硕士，我的论文</a:t>
-            </a:r>
-            <a:r>
-              <a:rPr lang="zh-CN" altLang="en-US" dirty="0" smtClean="0">
-                <a:latin typeface="Arial" panose="020B0604020202020204" pitchFamily="34" charset="0"/>
-              </a:rPr>
-              <a:t>题目是基于大数据分析的广告精准投放研究</a:t>
-            </a:r>
-            <a:endParaRPr lang="zh-CN" altLang="en-US" dirty="0" smtClean="0">
-              <a:latin typeface="Arial" panose="020B0604020202020204" pitchFamily="34" charset="0"/>
-            </a:endParaRPr>
+              <a:t>各位老师，下午好，我的名字是王焰，我的论文题目是基于大数据分析的广告精准投放研究，论文的指导老师是郑宏教授。</a:t>
+            </a:r>
           </a:p>
         </p:txBody>
       </p:sp>
@@ -1025,166 +979,67 @@
       </p:grpSpPr>
       <p:sp>
         <p:nvSpPr>
-          <p:cNvPr id="55298" name="Rectangle 2"/>
+          <p:cNvPr id="2" name="幻灯片图像占位符 1"/>
           <p:cNvSpPr>
-            <a:spLocks noGrp="1" noRot="1" noChangeAspect="1" noChangeArrowheads="1" noTextEdit="1"/>
+            <a:spLocks noGrp="1" noRot="1" noChangeAspect="1"/>
           </p:cNvSpPr>
           <p:nvPr>
             <p:ph type="sldImg"/>
           </p:nvPr>
         </p:nvSpPr>
-        <p:spPr>
-          <a:ln/>
-        </p:spPr>
+        <p:spPr/>
       </p:sp>
       <p:sp>
         <p:nvSpPr>
-          <p:cNvPr id="55299" name="Rectangle 3"/>
+          <p:cNvPr id="3" name="备注占位符 2"/>
           <p:cNvSpPr>
-            <a:spLocks noGrp="1" noChangeArrowheads="1"/>
+            <a:spLocks noGrp="1"/>
           </p:cNvSpPr>
           <p:nvPr>
             <p:ph type="body" idx="1"/>
           </p:nvPr>
         </p:nvSpPr>
-        <p:spPr>
-          <a:noFill/>
-          <a:ln/>
-          <a:extLst>
-            <a:ext uri="{909E8E84-426E-40DD-AFC4-6F175D3DCCD1}">
-              <a14:hiddenFill xmlns:a14="http://schemas.microsoft.com/office/drawing/2010/main">
-                <a:solidFill>
-                  <a:srgbClr val="FFFFFF"/>
-                </a:solidFill>
-              </a14:hiddenFill>
-            </a:ext>
-            <a:ext uri="{91240B29-F687-4F45-9708-019B960494DF}">
-              <a14:hiddenLine xmlns:a14="http://schemas.microsoft.com/office/drawing/2010/main" w="9525">
-                <a:solidFill>
-                  <a:srgbClr val="000000"/>
-                </a:solidFill>
-                <a:miter lim="800000"/>
-                <a:headEnd/>
-                <a:tailEnd/>
-              </a14:hiddenLine>
-            </a:ext>
-          </a:extLst>
-        </p:spPr>
+        <p:spPr/>
         <p:txBody>
           <a:bodyPr/>
           <a:lstStyle/>
           <a:p>
             <a:r>
-              <a:rPr lang="zh-CN" altLang="zh-CN" sz="1200" kern="1200" dirty="0" smtClean="0">
-                <a:solidFill>
-                  <a:schemeClr val="tx1"/>
-                </a:solidFill>
-                <a:effectLst/>
-                <a:latin typeface="Arial" charset="0"/>
-                <a:ea typeface="宋体" pitchFamily="2" charset="-122"/>
-                <a:cs typeface="+mn-cs"/>
-              </a:rPr>
-              <a:t>目前已经完成了对搜房网房天下、安居客、焦点房地产网、</a:t>
-            </a:r>
-            <a:r>
-              <a:rPr lang="en-US" altLang="zh-CN" sz="1200" kern="1200" dirty="0" smtClean="0">
-                <a:solidFill>
-                  <a:schemeClr val="tx1"/>
-                </a:solidFill>
-                <a:effectLst/>
-                <a:latin typeface="Arial" charset="0"/>
-                <a:ea typeface="宋体" pitchFamily="2" charset="-122"/>
-                <a:cs typeface="+mn-cs"/>
-              </a:rPr>
-              <a:t>365</a:t>
-            </a:r>
-            <a:r>
-              <a:rPr lang="zh-CN" altLang="zh-CN" sz="1200" kern="1200" dirty="0" smtClean="0">
-                <a:solidFill>
-                  <a:schemeClr val="tx1"/>
-                </a:solidFill>
-                <a:effectLst/>
-                <a:latin typeface="Arial" charset="0"/>
-                <a:ea typeface="宋体" pitchFamily="2" charset="-122"/>
-                <a:cs typeface="+mn-cs"/>
-              </a:rPr>
-              <a:t>地产家居、吉屋网等国内排名前五的房产网站的数据爬取，数据量达</a:t>
-            </a:r>
-            <a:r>
-              <a:rPr lang="en-US" altLang="zh-CN" sz="1200" kern="1200" dirty="0" smtClean="0">
-                <a:solidFill>
-                  <a:schemeClr val="tx1"/>
-                </a:solidFill>
-                <a:effectLst/>
-                <a:latin typeface="Arial" charset="0"/>
-                <a:ea typeface="宋体" pitchFamily="2" charset="-122"/>
-                <a:cs typeface="+mn-cs"/>
-              </a:rPr>
-              <a:t>20</a:t>
-            </a:r>
-            <a:r>
-              <a:rPr lang="zh-CN" altLang="zh-CN" sz="1200" kern="1200" dirty="0" smtClean="0">
-                <a:solidFill>
-                  <a:schemeClr val="tx1"/>
-                </a:solidFill>
-                <a:effectLst/>
-                <a:latin typeface="Arial" charset="0"/>
-                <a:ea typeface="宋体" pitchFamily="2" charset="-122"/>
-                <a:cs typeface="+mn-cs"/>
-              </a:rPr>
-              <a:t>多</a:t>
-            </a:r>
-            <a:r>
-              <a:rPr lang="en-US" altLang="zh-CN" sz="1200" kern="1200" dirty="0" smtClean="0">
-                <a:solidFill>
-                  <a:schemeClr val="tx1"/>
-                </a:solidFill>
-                <a:effectLst/>
-                <a:latin typeface="Arial" charset="0"/>
-                <a:ea typeface="宋体" pitchFamily="2" charset="-122"/>
-                <a:cs typeface="+mn-cs"/>
-              </a:rPr>
-              <a:t>TB</a:t>
-            </a:r>
-            <a:r>
-              <a:rPr lang="zh-CN" altLang="zh-CN" sz="1200" kern="1200" dirty="0" smtClean="0">
-                <a:solidFill>
-                  <a:schemeClr val="tx1"/>
-                </a:solidFill>
-                <a:effectLst/>
-                <a:latin typeface="Arial" charset="0"/>
-                <a:ea typeface="宋体" pitchFamily="2" charset="-122"/>
-                <a:cs typeface="+mn-cs"/>
-              </a:rPr>
-              <a:t>。对于爬取网站上楼盘信息进行了成分提取与多态化分析，为项目的开展奠定了良好的基础。</a:t>
-            </a:r>
-            <a:endParaRPr lang="en-US" altLang="zh-CN" sz="1200" kern="1200" dirty="0" smtClean="0">
-              <a:solidFill>
-                <a:schemeClr val="tx1"/>
-              </a:solidFill>
-              <a:effectLst/>
-              <a:latin typeface="Arial" charset="0"/>
-              <a:ea typeface="宋体" pitchFamily="2" charset="-122"/>
-              <a:cs typeface="+mn-cs"/>
-            </a:endParaRPr>
-          </a:p>
-          <a:p>
-            <a:endParaRPr lang="zh-CN" altLang="zh-CN" sz="1200" kern="1200" dirty="0">
-              <a:solidFill>
-                <a:schemeClr val="tx1"/>
-              </a:solidFill>
-              <a:effectLst/>
-              <a:latin typeface="Arial" charset="0"/>
-              <a:ea typeface="宋体" pitchFamily="2" charset="-122"/>
-              <a:cs typeface="+mn-cs"/>
-            </a:endParaRPr>
+              <a:rPr lang="zh-CN" altLang="en-US" dirty="0" smtClean="0"/>
+              <a:t>除了前面我们爬取到的地价和商圈信息之外，我们还结合了交通、河流等地理信息，通过对他们进行二值化处理，转化为矩阵，有利于特征提取。</a:t>
+            </a:r>
+            <a:endParaRPr lang="zh-CN" altLang="en-US" dirty="0"/>
+          </a:p>
+        </p:txBody>
+      </p:sp>
+      <p:sp>
+        <p:nvSpPr>
+          <p:cNvPr id="4" name="灯片编号占位符 3"/>
+          <p:cNvSpPr>
+            <a:spLocks noGrp="1"/>
+          </p:cNvSpPr>
+          <p:nvPr>
+            <p:ph type="sldNum" sz="quarter" idx="10"/>
+          </p:nvPr>
+        </p:nvSpPr>
+        <p:spPr/>
+        <p:txBody>
+          <a:bodyPr/>
+          <a:lstStyle/>
+          <a:p>
+            <a:fld id="{C0562D09-F737-41CF-9316-452B7A81F254}" type="slidenum">
+              <a:rPr lang="en-US" altLang="zh-CN" smtClean="0"/>
+              <a:pPr/>
+              <a:t>10</a:t>
+            </a:fld>
+            <a:endParaRPr lang="en-US" altLang="zh-CN"/>
           </a:p>
         </p:txBody>
       </p:sp>
     </p:spTree>
     <p:extLst>
       <p:ext uri="{BB962C8B-B14F-4D97-AF65-F5344CB8AC3E}">
-        <p14:creationId xmlns:p14="http://schemas.microsoft.com/office/powerpoint/2010/main" val="3907596636"/>
+        <p14:creationId xmlns:p14="http://schemas.microsoft.com/office/powerpoint/2010/main" val="1021805589"/>
       </p:ext>
     </p:extLst>
   </p:cSld>
@@ -1213,62 +1068,305 @@
       </p:grpSpPr>
       <p:sp>
         <p:nvSpPr>
-          <p:cNvPr id="80898" name="Rectangle 2"/>
+          <p:cNvPr id="2" name="幻灯片图像占位符 1"/>
           <p:cNvSpPr>
-            <a:spLocks noGrp="1" noRot="1" noChangeAspect="1" noChangeArrowheads="1" noTextEdit="1"/>
+            <a:spLocks noGrp="1" noRot="1" noChangeAspect="1"/>
           </p:cNvSpPr>
           <p:nvPr>
             <p:ph type="sldImg"/>
           </p:nvPr>
         </p:nvSpPr>
-        <p:spPr>
-          <a:ln/>
-        </p:spPr>
+        <p:spPr/>
       </p:sp>
       <p:sp>
         <p:nvSpPr>
-          <p:cNvPr id="80899" name="Rectangle 3"/>
+          <p:cNvPr id="3" name="备注占位符 2"/>
           <p:cNvSpPr>
-            <a:spLocks noGrp="1" noChangeArrowheads="1"/>
+            <a:spLocks noGrp="1"/>
           </p:cNvSpPr>
           <p:nvPr>
             <p:ph type="body" idx="1"/>
           </p:nvPr>
         </p:nvSpPr>
-        <p:spPr>
-          <a:noFill/>
-          <a:ln/>
-          <a:extLst>
-            <a:ext uri="{909E8E84-426E-40DD-AFC4-6F175D3DCCD1}">
-              <a14:hiddenFill xmlns:a14="http://schemas.microsoft.com/office/drawing/2010/main">
-                <a:solidFill>
-                  <a:srgbClr val="FFFFFF"/>
-                </a:solidFill>
-              </a14:hiddenFill>
-            </a:ext>
-            <a:ext uri="{91240B29-F687-4F45-9708-019B960494DF}">
-              <a14:hiddenLine xmlns:a14="http://schemas.microsoft.com/office/drawing/2010/main" w="9525">
-                <a:solidFill>
-                  <a:srgbClr val="000000"/>
-                </a:solidFill>
-                <a:miter lim="800000"/>
-                <a:headEnd/>
-                <a:tailEnd/>
-              </a14:hiddenLine>
-            </a:ext>
-          </a:extLst>
-        </p:spPr>
+        <p:spPr/>
         <p:txBody>
           <a:bodyPr/>
           <a:lstStyle/>
           <a:p>
-            <a:endParaRPr lang="zh-CN" altLang="en-US" sz="1000" dirty="0" smtClean="0">
-              <a:latin typeface="Arial" panose="020B0604020202020204" pitchFamily="34" charset="0"/>
-            </a:endParaRPr>
+            <a:r>
+              <a:rPr lang="zh-CN" altLang="en-US" dirty="0" smtClean="0"/>
+              <a:t>算法的整体结构如图所示。</a:t>
+            </a:r>
+            <a:endParaRPr lang="en-US" altLang="zh-CN" dirty="0" smtClean="0"/>
+          </a:p>
+          <a:p>
+            <a:r>
+              <a:rPr lang="zh-CN" altLang="zh-CN" sz="1200" kern="1200" dirty="0" smtClean="0">
+                <a:solidFill>
+                  <a:schemeClr val="tx1"/>
+                </a:solidFill>
+                <a:effectLst/>
+                <a:latin typeface="Arial" charset="0"/>
+                <a:ea typeface="宋体" pitchFamily="2" charset="-122"/>
+                <a:cs typeface="+mn-cs"/>
+              </a:rPr>
+              <a:t>总体结构为：</a:t>
+            </a:r>
+          </a:p>
+          <a:p>
+            <a:pPr lvl="0"/>
+            <a:r>
+              <a:rPr lang="zh-CN" altLang="zh-CN" sz="1200" kern="1200" dirty="0" smtClean="0">
+                <a:solidFill>
+                  <a:schemeClr val="tx1"/>
+                </a:solidFill>
+                <a:effectLst/>
+                <a:latin typeface="Arial" charset="0"/>
+                <a:ea typeface="宋体" pitchFamily="2" charset="-122"/>
+                <a:cs typeface="+mn-cs"/>
+              </a:rPr>
+              <a:t>训练过程：将80%已标记地段样本的量化数据分离到C1状态（分离出路网，地理信息，POI，人流等量化特征），由多层感知器提取其最显著特征到Sn，在</a:t>
+            </a:r>
+            <a:r>
+              <a:rPr lang="zh-CN" altLang="en-US" sz="1200" u="sng" kern="1200" dirty="0" smtClean="0">
+                <a:solidFill>
+                  <a:schemeClr val="tx1"/>
+                </a:solidFill>
+                <a:effectLst/>
+                <a:latin typeface="Arial" charset="0"/>
+                <a:ea typeface="宋体" pitchFamily="2" charset="-122"/>
+                <a:cs typeface="+mn-cs"/>
+              </a:rPr>
+              <a:t>神经网络</a:t>
+            </a:r>
+            <a:r>
+              <a:rPr lang="zh-CN" altLang="zh-CN" sz="1200" kern="1200" dirty="0" smtClean="0">
+                <a:solidFill>
+                  <a:schemeClr val="tx1"/>
+                </a:solidFill>
+                <a:effectLst/>
+                <a:latin typeface="Arial" charset="0"/>
+                <a:ea typeface="宋体" pitchFamily="2" charset="-122"/>
+                <a:cs typeface="+mn-cs"/>
+              </a:rPr>
+              <a:t>阶段将</a:t>
+            </a:r>
+            <a:r>
+              <a:rPr lang="zh-CN" altLang="zh-CN" sz="1200" u="sng" kern="1200" dirty="0" smtClean="0">
+                <a:solidFill>
+                  <a:schemeClr val="tx1"/>
+                </a:solidFill>
+                <a:effectLst/>
+                <a:latin typeface="Arial" charset="0"/>
+                <a:ea typeface="宋体" pitchFamily="2" charset="-122"/>
+                <a:cs typeface="+mn-cs"/>
+              </a:rPr>
+              <a:t>特征向量</a:t>
+            </a:r>
+            <a:r>
+              <a:rPr lang="zh-CN" altLang="zh-CN" sz="1200" kern="1200" dirty="0" smtClean="0">
+                <a:solidFill>
+                  <a:schemeClr val="tx1"/>
+                </a:solidFill>
+                <a:effectLst/>
+                <a:latin typeface="Arial" charset="0"/>
+                <a:ea typeface="宋体" pitchFamily="2" charset="-122"/>
+                <a:cs typeface="+mn-cs"/>
+              </a:rPr>
+              <a:t>重新连接，计算调整特征</a:t>
+            </a:r>
+            <a:r>
+              <a:rPr lang="en-US" altLang="zh-CN" sz="1200" kern="1200" dirty="0" smtClean="0">
+                <a:solidFill>
+                  <a:schemeClr val="tx1"/>
+                </a:solidFill>
+                <a:effectLst/>
+                <a:latin typeface="Arial" charset="0"/>
+                <a:ea typeface="宋体" pitchFamily="2" charset="-122"/>
+                <a:cs typeface="+mn-cs"/>
+              </a:rPr>
+              <a:t> </a:t>
+            </a:r>
+            <a:r>
+              <a:rPr lang="zh-CN" altLang="zh-CN" sz="1200" kern="1200" dirty="0" smtClean="0">
+                <a:solidFill>
+                  <a:schemeClr val="tx1"/>
+                </a:solidFill>
+                <a:effectLst/>
+                <a:latin typeface="Arial" charset="0"/>
+                <a:ea typeface="宋体" pitchFamily="2" charset="-122"/>
+                <a:cs typeface="+mn-cs"/>
+              </a:rPr>
+              <a:t>输出权重直到标记样本用完或趋近收敛。</a:t>
+            </a:r>
+          </a:p>
+          <a:p>
+            <a:pPr lvl="0"/>
+            <a:r>
+              <a:rPr lang="zh-CN" altLang="zh-CN" sz="1200" kern="1200" dirty="0" smtClean="0">
+                <a:solidFill>
+                  <a:schemeClr val="tx1"/>
+                </a:solidFill>
+                <a:effectLst/>
+                <a:latin typeface="Arial" charset="0"/>
+                <a:ea typeface="宋体" pitchFamily="2" charset="-122"/>
+                <a:cs typeface="+mn-cs"/>
+              </a:rPr>
+              <a:t>验证过程：将20%已标记地段样本的量化数据作为输入，通过NN计算得到Label，计算准确率与召回率。</a:t>
+            </a:r>
+          </a:p>
+          <a:p>
+            <a:pPr lvl="0"/>
+            <a:r>
+              <a:rPr lang="zh-CN" altLang="zh-CN" sz="1200" kern="1200" dirty="0" smtClean="0">
+                <a:solidFill>
+                  <a:schemeClr val="tx1"/>
+                </a:solidFill>
+                <a:effectLst/>
+                <a:latin typeface="Arial" charset="0"/>
+                <a:ea typeface="宋体" pitchFamily="2" charset="-122"/>
+                <a:cs typeface="+mn-cs"/>
+              </a:rPr>
+              <a:t>应用过程：将城市所有未标记数据作为输入，计算得到城市地段价值Label。</a:t>
+            </a:r>
+          </a:p>
+          <a:p>
+            <a:endParaRPr lang="en-US" altLang="zh-CN" dirty="0" smtClean="0"/>
+          </a:p>
+          <a:p>
+            <a:r>
+              <a:rPr lang="zh-CN" altLang="en-US" dirty="0" smtClean="0"/>
+              <a:t>整体步骤为：</a:t>
+            </a:r>
+            <a:endParaRPr lang="en-US" altLang="zh-CN" dirty="0" smtClean="0"/>
+          </a:p>
+          <a:p>
+            <a:r>
+              <a:rPr lang="zh-CN" altLang="en-US" dirty="0" smtClean="0"/>
+              <a:t>输入层：输入为带标签样本量化后的数据集，具体分层表示路网，地理信息，</a:t>
+            </a:r>
+            <a:r>
+              <a:rPr lang="en-US" altLang="zh-CN" dirty="0" smtClean="0"/>
+              <a:t>POI</a:t>
+            </a:r>
+            <a:r>
+              <a:rPr lang="zh-CN" altLang="en-US" dirty="0" smtClean="0"/>
+              <a:t>，人流等。</a:t>
+            </a:r>
+          </a:p>
+          <a:p>
+            <a:r>
+              <a:rPr lang="en-US" altLang="zh-CN" dirty="0" smtClean="0"/>
+              <a:t>C1</a:t>
+            </a:r>
+            <a:r>
+              <a:rPr lang="zh-CN" altLang="en-US" dirty="0" smtClean="0"/>
+              <a:t>：将量化数据集拆分出有效特征（</a:t>
+            </a:r>
+            <a:r>
+              <a:rPr lang="en-US" altLang="zh-CN" dirty="0" smtClean="0"/>
+              <a:t>C1</a:t>
+            </a:r>
+            <a:r>
+              <a:rPr lang="zh-CN" altLang="en-US" dirty="0" smtClean="0"/>
+              <a:t>在处理阶段已量化，将每层拆分）</a:t>
+            </a:r>
+          </a:p>
+          <a:p>
+            <a:r>
+              <a:rPr lang="en-US" altLang="zh-CN" dirty="0" smtClean="0"/>
+              <a:t>S1</a:t>
+            </a:r>
+            <a:r>
+              <a:rPr lang="zh-CN" altLang="en-US" dirty="0" smtClean="0"/>
+              <a:t>：二次滤波提取有效特征</a:t>
+            </a:r>
+          </a:p>
+          <a:p>
+            <a:r>
+              <a:rPr lang="en-US" altLang="zh-CN" dirty="0" smtClean="0"/>
+              <a:t>Sn</a:t>
+            </a:r>
+            <a:r>
+              <a:rPr lang="zh-CN" altLang="en-US" dirty="0" smtClean="0"/>
+              <a:t>：</a:t>
+            </a:r>
+            <a:r>
+              <a:rPr lang="en-US" altLang="zh-CN" dirty="0" smtClean="0"/>
+              <a:t>n</a:t>
+            </a:r>
+            <a:r>
+              <a:rPr lang="zh-CN" altLang="en-US" dirty="0" smtClean="0"/>
+              <a:t>次</a:t>
+            </a:r>
+            <a:r>
+              <a:rPr lang="zh-CN" altLang="en-US" b="1" u="sng" dirty="0" smtClean="0"/>
+              <a:t>卷积</a:t>
+            </a:r>
+            <a:r>
+              <a:rPr lang="zh-CN" altLang="en-US" dirty="0" smtClean="0"/>
+              <a:t>后的结果数据集</a:t>
+            </a:r>
+          </a:p>
+          <a:p>
+            <a:r>
+              <a:rPr lang="en-US" altLang="zh-CN" dirty="0" smtClean="0"/>
+              <a:t>NN</a:t>
+            </a:r>
+            <a:r>
+              <a:rPr lang="zh-CN" altLang="en-US" dirty="0" smtClean="0"/>
+              <a:t>：映射为线性向量后的神经网络分类</a:t>
+            </a:r>
+          </a:p>
+          <a:p>
+            <a:r>
+              <a:rPr lang="en-US" altLang="zh-CN" dirty="0" smtClean="0"/>
+              <a:t>Label</a:t>
+            </a:r>
+            <a:r>
+              <a:rPr lang="zh-CN" altLang="en-US" dirty="0" smtClean="0"/>
+              <a:t>：最终决定分类的</a:t>
+            </a:r>
+            <a:r>
+              <a:rPr lang="en-US" altLang="zh-CN" dirty="0" smtClean="0"/>
+              <a:t>Label</a:t>
+            </a:r>
+          </a:p>
+          <a:p>
+            <a:endParaRPr lang="zh-CN" altLang="en-US" dirty="0"/>
+          </a:p>
+        </p:txBody>
+      </p:sp>
+      <p:sp>
+        <p:nvSpPr>
+          <p:cNvPr id="4" name="灯片编号占位符 3"/>
+          <p:cNvSpPr>
+            <a:spLocks noGrp="1"/>
+          </p:cNvSpPr>
+          <p:nvPr>
+            <p:ph type="sldNum" sz="quarter" idx="10"/>
+          </p:nvPr>
+        </p:nvSpPr>
+        <p:spPr/>
+        <p:txBody>
+          <a:bodyPr/>
+          <a:lstStyle/>
+          <a:p>
+            <a:fld id="{C0562D09-F737-41CF-9316-452B7A81F254}" type="slidenum">
+              <a:rPr lang="en-US" altLang="zh-CN" smtClean="0"/>
+              <a:pPr/>
+              <a:t>11</a:t>
+            </a:fld>
+            <a:endParaRPr lang="en-US" altLang="zh-CN"/>
           </a:p>
         </p:txBody>
       </p:sp>
     </p:spTree>
+    <p:extLst>
+      <p:ext uri="{BB962C8B-B14F-4D97-AF65-F5344CB8AC3E}">
+        <p14:creationId xmlns:p14="http://schemas.microsoft.com/office/powerpoint/2010/main" val="3559511861"/>
+      </p:ext>
+    </p:extLst>
   </p:cSld>
   <p:clrMapOvr>
     <a:masterClrMapping/>
@@ -1295,68 +1393,1147 @@
       </p:grpSpPr>
       <p:sp>
         <p:nvSpPr>
-          <p:cNvPr id="82946" name="Rectangle 2"/>
+          <p:cNvPr id="2" name="幻灯片图像占位符 1"/>
           <p:cNvSpPr>
-            <a:spLocks noGrp="1" noRot="1" noChangeAspect="1" noChangeArrowheads="1" noTextEdit="1"/>
+            <a:spLocks noGrp="1" noRot="1" noChangeAspect="1"/>
           </p:cNvSpPr>
           <p:nvPr>
             <p:ph type="sldImg"/>
           </p:nvPr>
         </p:nvSpPr>
-        <p:spPr>
-          <a:ln/>
-        </p:spPr>
+        <p:spPr/>
       </p:sp>
       <p:sp>
         <p:nvSpPr>
-          <p:cNvPr id="82947" name="Rectangle 3"/>
+          <p:cNvPr id="3" name="备注占位符 2"/>
           <p:cNvSpPr>
-            <a:spLocks noGrp="1" noChangeArrowheads="1"/>
+            <a:spLocks noGrp="1"/>
           </p:cNvSpPr>
           <p:nvPr>
             <p:ph type="body" idx="1"/>
           </p:nvPr>
         </p:nvSpPr>
-        <p:spPr>
-          <a:noFill/>
-          <a:ln/>
-          <a:extLst>
-            <a:ext uri="{909E8E84-426E-40DD-AFC4-6F175D3DCCD1}">
-              <a14:hiddenFill xmlns:a14="http://schemas.microsoft.com/office/drawing/2010/main">
-                <a:solidFill>
-                  <a:srgbClr val="FFFFFF"/>
-                </a:solidFill>
-              </a14:hiddenFill>
-            </a:ext>
-            <a:ext uri="{91240B29-F687-4F45-9708-019B960494DF}">
-              <a14:hiddenLine xmlns:a14="http://schemas.microsoft.com/office/drawing/2010/main" w="9525">
-                <a:solidFill>
-                  <a:srgbClr val="000000"/>
-                </a:solidFill>
-                <a:miter lim="800000"/>
-                <a:headEnd/>
-                <a:tailEnd/>
-              </a14:hiddenLine>
-            </a:ext>
-          </a:extLst>
-        </p:spPr>
+        <p:spPr/>
         <p:txBody>
           <a:bodyPr/>
           <a:lstStyle/>
           <a:p>
-            <a:pPr lvl="1"/>
-            <a:endParaRPr lang="zh-CN" altLang="en-US" dirty="0" smtClean="0">
-              <a:latin typeface="Arial" panose="020B0604020202020204" pitchFamily="34" charset="0"/>
-            </a:endParaRPr>
-          </a:p>
-          <a:p>
-            <a:endParaRPr lang="zh-CN" altLang="en-US" dirty="0" smtClean="0">
-              <a:latin typeface="Arial" panose="020B0604020202020204" pitchFamily="34" charset="0"/>
-            </a:endParaRPr>
+            <a:pPr marL="0" marR="0" lvl="0" indent="0" algn="l" defTabSz="914400" rtl="0" eaLnBrk="0" fontAlgn="base" latinLnBrk="0" hangingPunct="0">
+              <a:lnSpc>
+                <a:spcPct val="100000"/>
+              </a:lnSpc>
+              <a:spcBef>
+                <a:spcPct val="30000"/>
+              </a:spcBef>
+              <a:spcAft>
+                <a:spcPct val="0"/>
+              </a:spcAft>
+              <a:buClrTx/>
+              <a:buSzTx/>
+              <a:buFontTx/>
+              <a:buNone/>
+              <a:tabLst/>
+              <a:defRPr/>
+            </a:pPr>
+            <a:r>
+              <a:rPr lang="zh-CN" altLang="en-US" dirty="0" smtClean="0"/>
+              <a:t>从图中可以看出，</a:t>
+            </a:r>
+            <a:r>
+              <a:rPr lang="zh-CN" altLang="zh-CN" sz="1200" kern="1200" dirty="0" smtClean="0">
+                <a:solidFill>
+                  <a:schemeClr val="tx1"/>
+                </a:solidFill>
+                <a:effectLst/>
+                <a:latin typeface="Arial" charset="0"/>
+                <a:ea typeface="宋体" pitchFamily="2" charset="-122"/>
+                <a:cs typeface="+mn-cs"/>
+              </a:rPr>
+              <a:t>武汉的地段价值指标呈现出沿江为中心的趋势，不同的地段价值</a:t>
+            </a:r>
+            <a:r>
+              <a:rPr lang="en-US" altLang="zh-CN" sz="1200" kern="1200" dirty="0" smtClean="0">
+                <a:solidFill>
+                  <a:schemeClr val="tx1"/>
+                </a:solidFill>
+                <a:effectLst/>
+                <a:latin typeface="Arial" charset="0"/>
+                <a:ea typeface="宋体" pitchFamily="2" charset="-122"/>
+                <a:cs typeface="+mn-cs"/>
+              </a:rPr>
+              <a:t> </a:t>
+            </a:r>
+            <a:r>
+              <a:rPr lang="zh-CN" altLang="zh-CN" sz="1200" kern="1200" dirty="0" smtClean="0">
+                <a:solidFill>
+                  <a:schemeClr val="tx1"/>
+                </a:solidFill>
+                <a:effectLst/>
+                <a:latin typeface="Arial" charset="0"/>
+                <a:ea typeface="宋体" pitchFamily="2" charset="-122"/>
+                <a:cs typeface="+mn-cs"/>
+              </a:rPr>
+              <a:t>由图像中柱形图的高低来表示。柱形图越高，表示该地的地段价值越高，同时也表示该地区的购买能力越高，广告的投放价值也越高，不同的颜色代表了适合不同类型的广告投放建议。</a:t>
+            </a:r>
+          </a:p>
+          <a:p>
+            <a:endParaRPr lang="zh-CN" altLang="en-US" dirty="0"/>
+          </a:p>
+        </p:txBody>
+      </p:sp>
+      <p:sp>
+        <p:nvSpPr>
+          <p:cNvPr id="4" name="灯片编号占位符 3"/>
+          <p:cNvSpPr>
+            <a:spLocks noGrp="1"/>
+          </p:cNvSpPr>
+          <p:nvPr>
+            <p:ph type="sldNum" sz="quarter" idx="10"/>
+          </p:nvPr>
+        </p:nvSpPr>
+        <p:spPr/>
+        <p:txBody>
+          <a:bodyPr/>
+          <a:lstStyle/>
+          <a:p>
+            <a:fld id="{C0562D09-F737-41CF-9316-452B7A81F254}" type="slidenum">
+              <a:rPr lang="en-US" altLang="zh-CN" smtClean="0"/>
+              <a:pPr/>
+              <a:t>12</a:t>
+            </a:fld>
+            <a:endParaRPr lang="en-US" altLang="zh-CN"/>
           </a:p>
         </p:txBody>
       </p:sp>
     </p:spTree>
+    <p:extLst>
+      <p:ext uri="{BB962C8B-B14F-4D97-AF65-F5344CB8AC3E}">
+        <p14:creationId xmlns:p14="http://schemas.microsoft.com/office/powerpoint/2010/main" val="771839465"/>
+      </p:ext>
+    </p:extLst>
+  </p:cSld>
+  <p:clrMapOvr>
+    <a:masterClrMapping/>
+  </p:clrMapOvr>
+</p:notes>
+</file>
+
+<file path=ppt/notesSlides/notesSlide13.xml><?xml version="1.0" encoding="utf-8"?>
+<p:notes xmlns:a="http://schemas.openxmlformats.org/drawingml/2006/main" xmlns:r="http://schemas.openxmlformats.org/officeDocument/2006/relationships" xmlns:p="http://schemas.openxmlformats.org/presentationml/2006/main">
+  <p:cSld>
+    <p:spTree>
+      <p:nvGrpSpPr>
+        <p:cNvPr id="1" name=""/>
+        <p:cNvGrpSpPr/>
+        <p:nvPr/>
+      </p:nvGrpSpPr>
+      <p:grpSpPr>
+        <a:xfrm>
+          <a:off x="0" y="0"/>
+          <a:ext cx="0" cy="0"/>
+          <a:chOff x="0" y="0"/>
+          <a:chExt cx="0" cy="0"/>
+        </a:xfrm>
+      </p:grpSpPr>
+      <p:sp>
+        <p:nvSpPr>
+          <p:cNvPr id="2" name="幻灯片图像占位符 1"/>
+          <p:cNvSpPr>
+            <a:spLocks noGrp="1" noRot="1" noChangeAspect="1"/>
+          </p:cNvSpPr>
+          <p:nvPr>
+            <p:ph type="sldImg"/>
+          </p:nvPr>
+        </p:nvSpPr>
+        <p:spPr/>
+      </p:sp>
+      <p:sp>
+        <p:nvSpPr>
+          <p:cNvPr id="3" name="备注占位符 2"/>
+          <p:cNvSpPr>
+            <a:spLocks noGrp="1"/>
+          </p:cNvSpPr>
+          <p:nvPr>
+            <p:ph type="body" idx="1"/>
+          </p:nvPr>
+        </p:nvSpPr>
+        <p:spPr/>
+        <p:txBody>
+          <a:bodyPr/>
+          <a:lstStyle/>
+          <a:p>
+            <a:pPr marL="0" marR="0" lvl="0" indent="0" algn="l" defTabSz="914400" rtl="0" eaLnBrk="0" fontAlgn="base" latinLnBrk="0" hangingPunct="0">
+              <a:lnSpc>
+                <a:spcPct val="100000"/>
+              </a:lnSpc>
+              <a:spcBef>
+                <a:spcPct val="30000"/>
+              </a:spcBef>
+              <a:spcAft>
+                <a:spcPct val="0"/>
+              </a:spcAft>
+              <a:buClrTx/>
+              <a:buSzTx/>
+              <a:buFontTx/>
+              <a:buNone/>
+              <a:tabLst/>
+              <a:defRPr/>
+            </a:pPr>
+            <a:r>
+              <a:rPr lang="zh-CN" altLang="zh-CN" sz="1200" kern="1200" dirty="0" smtClean="0">
+                <a:solidFill>
+                  <a:schemeClr val="tx1"/>
+                </a:solidFill>
+                <a:effectLst/>
+                <a:latin typeface="Arial" charset="0"/>
+                <a:ea typeface="宋体" pitchFamily="2" charset="-122"/>
+                <a:cs typeface="+mn-cs"/>
+              </a:rPr>
+              <a:t>用户行为是指网络上的用户操作：一般包括：用户经常浏览的网站、在浏览器或者其他搜索引擎中的关键字；用户打开网页的时间段，浏览记录，浏览次数，浏览时长和入口形式等。要从用户的行为和偏好中发现规律，并基于此给予推荐，收集用户的偏好信息</a:t>
+            </a:r>
+            <a:r>
+              <a:rPr lang="zh-CN" altLang="en-US" sz="1200" kern="1200" dirty="0" smtClean="0">
+                <a:solidFill>
+                  <a:schemeClr val="tx1"/>
+                </a:solidFill>
+                <a:effectLst/>
+                <a:latin typeface="Arial" charset="0"/>
+                <a:ea typeface="宋体" pitchFamily="2" charset="-122"/>
+                <a:cs typeface="+mn-cs"/>
+              </a:rPr>
+              <a:t>，非常关键</a:t>
+            </a:r>
+            <a:r>
+              <a:rPr lang="zh-CN" altLang="zh-CN" sz="1200" kern="1200" dirty="0" smtClean="0">
+                <a:solidFill>
+                  <a:schemeClr val="tx1"/>
+                </a:solidFill>
+                <a:effectLst/>
+                <a:latin typeface="Arial" charset="0"/>
+                <a:ea typeface="宋体" pitchFamily="2" charset="-122"/>
+                <a:cs typeface="+mn-cs"/>
+              </a:rPr>
+              <a:t>。</a:t>
+            </a:r>
+            <a:r>
+              <a:rPr lang="zh-CN" altLang="en-US" sz="1200" kern="1200" dirty="0" smtClean="0">
+                <a:solidFill>
+                  <a:schemeClr val="tx1"/>
+                </a:solidFill>
+                <a:effectLst/>
+                <a:latin typeface="Arial" charset="0"/>
+                <a:ea typeface="宋体" pitchFamily="2" charset="-122"/>
+                <a:cs typeface="+mn-cs"/>
+              </a:rPr>
+              <a:t>得到用户行为之后，我们就可以进行用户画像。</a:t>
+            </a:r>
+            <a:endParaRPr lang="en-US" altLang="zh-CN" sz="1200" kern="1200" dirty="0" smtClean="0">
+              <a:solidFill>
+                <a:schemeClr val="tx1"/>
+              </a:solidFill>
+              <a:effectLst/>
+              <a:latin typeface="Arial" charset="0"/>
+              <a:ea typeface="宋体" pitchFamily="2" charset="-122"/>
+              <a:cs typeface="+mn-cs"/>
+            </a:endParaRPr>
+          </a:p>
+          <a:p>
+            <a:pPr marL="0" marR="0" lvl="0" indent="0" algn="l" defTabSz="914400" rtl="0" eaLnBrk="0" fontAlgn="base" latinLnBrk="0" hangingPunct="0">
+              <a:lnSpc>
+                <a:spcPct val="100000"/>
+              </a:lnSpc>
+              <a:spcBef>
+                <a:spcPct val="30000"/>
+              </a:spcBef>
+              <a:spcAft>
+                <a:spcPct val="0"/>
+              </a:spcAft>
+              <a:buClrTx/>
+              <a:buSzTx/>
+              <a:buFontTx/>
+              <a:buNone/>
+              <a:tabLst/>
+              <a:defRPr/>
+            </a:pPr>
+            <a:r>
+              <a:rPr lang="zh-CN" altLang="en-US" sz="1200" kern="1200" dirty="0" smtClean="0">
+                <a:solidFill>
+                  <a:schemeClr val="tx1"/>
+                </a:solidFill>
+                <a:effectLst/>
+                <a:latin typeface="Arial" charset="0"/>
+                <a:ea typeface="宋体" pitchFamily="2" charset="-122"/>
+                <a:cs typeface="+mn-cs"/>
+              </a:rPr>
+              <a:t>左边图上给出的是用户的偏好，右边是根据用户的偏好完成的用户画像。</a:t>
+            </a:r>
+            <a:endParaRPr lang="zh-CN" altLang="zh-CN" sz="1200" kern="1200" dirty="0" smtClean="0">
+              <a:solidFill>
+                <a:schemeClr val="tx1"/>
+              </a:solidFill>
+              <a:effectLst/>
+              <a:latin typeface="Arial" charset="0"/>
+              <a:ea typeface="宋体" pitchFamily="2" charset="-122"/>
+              <a:cs typeface="+mn-cs"/>
+            </a:endParaRPr>
+          </a:p>
+          <a:p>
+            <a:endParaRPr lang="zh-CN" altLang="en-US" dirty="0"/>
+          </a:p>
+        </p:txBody>
+      </p:sp>
+      <p:sp>
+        <p:nvSpPr>
+          <p:cNvPr id="4" name="灯片编号占位符 3"/>
+          <p:cNvSpPr>
+            <a:spLocks noGrp="1"/>
+          </p:cNvSpPr>
+          <p:nvPr>
+            <p:ph type="sldNum" sz="quarter" idx="10"/>
+          </p:nvPr>
+        </p:nvSpPr>
+        <p:spPr/>
+        <p:txBody>
+          <a:bodyPr/>
+          <a:lstStyle/>
+          <a:p>
+            <a:fld id="{C0562D09-F737-41CF-9316-452B7A81F254}" type="slidenum">
+              <a:rPr lang="en-US" altLang="zh-CN" smtClean="0"/>
+              <a:pPr/>
+              <a:t>13</a:t>
+            </a:fld>
+            <a:endParaRPr lang="en-US" altLang="zh-CN"/>
+          </a:p>
+        </p:txBody>
+      </p:sp>
+    </p:spTree>
+    <p:extLst>
+      <p:ext uri="{BB962C8B-B14F-4D97-AF65-F5344CB8AC3E}">
+        <p14:creationId xmlns:p14="http://schemas.microsoft.com/office/powerpoint/2010/main" val="740943757"/>
+      </p:ext>
+    </p:extLst>
+  </p:cSld>
+  <p:clrMapOvr>
+    <a:masterClrMapping/>
+  </p:clrMapOvr>
+</p:notes>
+</file>
+
+<file path=ppt/notesSlides/notesSlide14.xml><?xml version="1.0" encoding="utf-8"?>
+<p:notes xmlns:a="http://schemas.openxmlformats.org/drawingml/2006/main" xmlns:r="http://schemas.openxmlformats.org/officeDocument/2006/relationships" xmlns:p="http://schemas.openxmlformats.org/presentationml/2006/main">
+  <p:cSld>
+    <p:spTree>
+      <p:nvGrpSpPr>
+        <p:cNvPr id="1" name=""/>
+        <p:cNvGrpSpPr/>
+        <p:nvPr/>
+      </p:nvGrpSpPr>
+      <p:grpSpPr>
+        <a:xfrm>
+          <a:off x="0" y="0"/>
+          <a:ext cx="0" cy="0"/>
+          <a:chOff x="0" y="0"/>
+          <a:chExt cx="0" cy="0"/>
+        </a:xfrm>
+      </p:grpSpPr>
+      <p:sp>
+        <p:nvSpPr>
+          <p:cNvPr id="2" name="幻灯片图像占位符 1"/>
+          <p:cNvSpPr>
+            <a:spLocks noGrp="1" noRot="1" noChangeAspect="1"/>
+          </p:cNvSpPr>
+          <p:nvPr>
+            <p:ph type="sldImg"/>
+          </p:nvPr>
+        </p:nvSpPr>
+        <p:spPr/>
+      </p:sp>
+      <p:sp>
+        <p:nvSpPr>
+          <p:cNvPr id="3" name="备注占位符 2"/>
+          <p:cNvSpPr>
+            <a:spLocks noGrp="1"/>
+          </p:cNvSpPr>
+          <p:nvPr>
+            <p:ph type="body" idx="1"/>
+          </p:nvPr>
+        </p:nvSpPr>
+        <p:spPr/>
+        <p:txBody>
+          <a:bodyPr/>
+          <a:lstStyle/>
+          <a:p>
+            <a:r>
+              <a:rPr lang="zh-CN" altLang="en-US" dirty="0" smtClean="0"/>
+              <a:t>得到用户的行为信息之后，我们就可以通过协调过滤对其进行推荐。首先，我们可以通过相似度计算，把用户进行分类。对于相同类型的广告商，推荐相似的广告方案，也可以对相似的普通用户，进行广告推荐。</a:t>
+            </a:r>
+            <a:endParaRPr lang="zh-CN" altLang="en-US" dirty="0"/>
+          </a:p>
+        </p:txBody>
+      </p:sp>
+      <p:sp>
+        <p:nvSpPr>
+          <p:cNvPr id="4" name="灯片编号占位符 3"/>
+          <p:cNvSpPr>
+            <a:spLocks noGrp="1"/>
+          </p:cNvSpPr>
+          <p:nvPr>
+            <p:ph type="sldNum" sz="quarter" idx="10"/>
+          </p:nvPr>
+        </p:nvSpPr>
+        <p:spPr/>
+        <p:txBody>
+          <a:bodyPr/>
+          <a:lstStyle/>
+          <a:p>
+            <a:fld id="{C0562D09-F737-41CF-9316-452B7A81F254}" type="slidenum">
+              <a:rPr lang="en-US" altLang="zh-CN" smtClean="0"/>
+              <a:pPr/>
+              <a:t>14</a:t>
+            </a:fld>
+            <a:endParaRPr lang="en-US" altLang="zh-CN"/>
+          </a:p>
+        </p:txBody>
+      </p:sp>
+    </p:spTree>
+    <p:extLst>
+      <p:ext uri="{BB962C8B-B14F-4D97-AF65-F5344CB8AC3E}">
+        <p14:creationId xmlns:p14="http://schemas.microsoft.com/office/powerpoint/2010/main" val="911135289"/>
+      </p:ext>
+    </p:extLst>
+  </p:cSld>
+  <p:clrMapOvr>
+    <a:masterClrMapping/>
+  </p:clrMapOvr>
+</p:notes>
+</file>
+
+<file path=ppt/notesSlides/notesSlide15.xml><?xml version="1.0" encoding="utf-8"?>
+<p:notes xmlns:a="http://schemas.openxmlformats.org/drawingml/2006/main" xmlns:r="http://schemas.openxmlformats.org/officeDocument/2006/relationships" xmlns:p="http://schemas.openxmlformats.org/presentationml/2006/main">
+  <p:cSld>
+    <p:spTree>
+      <p:nvGrpSpPr>
+        <p:cNvPr id="1" name=""/>
+        <p:cNvGrpSpPr/>
+        <p:nvPr/>
+      </p:nvGrpSpPr>
+      <p:grpSpPr>
+        <a:xfrm>
+          <a:off x="0" y="0"/>
+          <a:ext cx="0" cy="0"/>
+          <a:chOff x="0" y="0"/>
+          <a:chExt cx="0" cy="0"/>
+        </a:xfrm>
+      </p:grpSpPr>
+      <p:sp>
+        <p:nvSpPr>
+          <p:cNvPr id="2" name="幻灯片图像占位符 1"/>
+          <p:cNvSpPr>
+            <a:spLocks noGrp="1" noRot="1" noChangeAspect="1"/>
+          </p:cNvSpPr>
+          <p:nvPr>
+            <p:ph type="sldImg"/>
+          </p:nvPr>
+        </p:nvSpPr>
+        <p:spPr/>
+      </p:sp>
+      <p:sp>
+        <p:nvSpPr>
+          <p:cNvPr id="3" name="备注占位符 2"/>
+          <p:cNvSpPr>
+            <a:spLocks noGrp="1"/>
+          </p:cNvSpPr>
+          <p:nvPr>
+            <p:ph type="body" idx="1"/>
+          </p:nvPr>
+        </p:nvSpPr>
+        <p:spPr/>
+        <p:txBody>
+          <a:bodyPr/>
+          <a:lstStyle/>
+          <a:p>
+            <a:r>
+              <a:rPr lang="zh-CN" altLang="zh-CN" sz="1200" kern="1200" dirty="0" smtClean="0">
+                <a:solidFill>
+                  <a:schemeClr val="tx1"/>
+                </a:solidFill>
+                <a:effectLst/>
+                <a:latin typeface="Arial" charset="0"/>
+                <a:ea typeface="宋体" pitchFamily="2" charset="-122"/>
+                <a:cs typeface="+mn-cs"/>
+              </a:rPr>
+              <a:t>系统模块如图所示</a:t>
+            </a:r>
+            <a:r>
+              <a:rPr lang="zh-CN" altLang="en-US" sz="1200" kern="1200" dirty="0" smtClean="0">
+                <a:solidFill>
+                  <a:schemeClr val="tx1"/>
+                </a:solidFill>
+                <a:effectLst/>
+                <a:latin typeface="Arial" charset="0"/>
+                <a:ea typeface="宋体" pitchFamily="2" charset="-122"/>
+                <a:cs typeface="+mn-cs"/>
+              </a:rPr>
+              <a:t>。</a:t>
+            </a:r>
+            <a:r>
+              <a:rPr lang="zh-CN" altLang="zh-CN" sz="1200" kern="1200" dirty="0" smtClean="0">
+                <a:solidFill>
+                  <a:schemeClr val="tx1"/>
+                </a:solidFill>
+                <a:effectLst/>
+                <a:latin typeface="Arial" charset="0"/>
+                <a:ea typeface="宋体" pitchFamily="2" charset="-122"/>
+                <a:cs typeface="+mn-cs"/>
+              </a:rPr>
+              <a:t>主要分为三层，首先是客户层，也就是展现在用户面前的界面，这一层使用浏览器或微信来展示，通过向后台发起</a:t>
+            </a:r>
+            <a:r>
+              <a:rPr lang="en-US" altLang="zh-CN" sz="1200" kern="1200" dirty="0" smtClean="0">
+                <a:solidFill>
+                  <a:schemeClr val="tx1"/>
+                </a:solidFill>
+                <a:effectLst/>
+                <a:latin typeface="Arial" charset="0"/>
+                <a:ea typeface="宋体" pitchFamily="2" charset="-122"/>
+                <a:cs typeface="+mn-cs"/>
+              </a:rPr>
+              <a:t>HTTP</a:t>
+            </a:r>
+            <a:r>
+              <a:rPr lang="zh-CN" altLang="zh-CN" sz="1200" kern="1200" dirty="0" smtClean="0">
+                <a:solidFill>
+                  <a:schemeClr val="tx1"/>
+                </a:solidFill>
+                <a:effectLst/>
+                <a:latin typeface="Arial" charset="0"/>
+                <a:ea typeface="宋体" pitchFamily="2" charset="-122"/>
+                <a:cs typeface="+mn-cs"/>
+              </a:rPr>
+              <a:t>请求，来获取相关数据并展示，技术上使用</a:t>
+            </a:r>
+            <a:r>
+              <a:rPr lang="en-US" altLang="zh-CN" sz="1200" kern="1200" dirty="0" err="1" smtClean="0">
+                <a:solidFill>
+                  <a:schemeClr val="tx1"/>
+                </a:solidFill>
+                <a:effectLst/>
+                <a:latin typeface="Arial" charset="0"/>
+                <a:ea typeface="宋体" pitchFamily="2" charset="-122"/>
+                <a:cs typeface="+mn-cs"/>
+              </a:rPr>
+              <a:t>Vue</a:t>
+            </a:r>
+            <a:r>
+              <a:rPr lang="en-US" altLang="zh-CN" sz="1200" kern="1200" dirty="0" smtClean="0">
+                <a:solidFill>
+                  <a:schemeClr val="tx1"/>
+                </a:solidFill>
+                <a:effectLst/>
+                <a:latin typeface="Arial" charset="0"/>
+                <a:ea typeface="宋体" pitchFamily="2" charset="-122"/>
+                <a:cs typeface="+mn-cs"/>
+              </a:rPr>
+              <a:t> </a:t>
+            </a:r>
+            <a:r>
+              <a:rPr lang="zh-CN" altLang="zh-CN" sz="1200" kern="1200" dirty="0" smtClean="0">
+                <a:solidFill>
+                  <a:schemeClr val="tx1"/>
+                </a:solidFill>
+                <a:effectLst/>
+                <a:latin typeface="Arial" charset="0"/>
+                <a:ea typeface="宋体" pitchFamily="2" charset="-122"/>
+                <a:cs typeface="+mn-cs"/>
+              </a:rPr>
+              <a:t>来驱动视图的渲染。</a:t>
+            </a:r>
+          </a:p>
+          <a:p>
+            <a:r>
+              <a:rPr lang="zh-CN" altLang="zh-CN" sz="1200" kern="1200" dirty="0" smtClean="0">
+                <a:solidFill>
+                  <a:schemeClr val="tx1"/>
+                </a:solidFill>
+                <a:effectLst/>
+                <a:latin typeface="Arial" charset="0"/>
+                <a:ea typeface="宋体" pitchFamily="2" charset="-122"/>
+                <a:cs typeface="+mn-cs"/>
+              </a:rPr>
+              <a:t>其次为服务层，主要用来响应客户层的请求，处理数据和分析数据。这一层包括</a:t>
+            </a:r>
+            <a:r>
+              <a:rPr lang="zh-CN" altLang="en-US" sz="1200" kern="1200" dirty="0" smtClean="0">
+                <a:solidFill>
+                  <a:schemeClr val="tx1"/>
+                </a:solidFill>
+                <a:effectLst/>
+                <a:latin typeface="Arial" charset="0"/>
+                <a:ea typeface="宋体" pitchFamily="2" charset="-122"/>
+                <a:cs typeface="+mn-cs"/>
+              </a:rPr>
+              <a:t>：</a:t>
+            </a:r>
+            <a:r>
+              <a:rPr lang="zh-CN" altLang="zh-CN" sz="1200" kern="1200" dirty="0" smtClean="0">
+                <a:solidFill>
+                  <a:schemeClr val="tx1"/>
+                </a:solidFill>
+                <a:effectLst/>
+                <a:latin typeface="Arial" charset="0"/>
+                <a:ea typeface="宋体" pitchFamily="2" charset="-122"/>
+                <a:cs typeface="+mn-cs"/>
+              </a:rPr>
+              <a:t>访问控制层，业务逻辑层，数据控制层三部分组成。访问控制层使用</a:t>
+            </a:r>
+            <a:r>
+              <a:rPr lang="en-US" altLang="zh-CN" sz="1200" kern="1200" dirty="0" smtClean="0">
+                <a:solidFill>
+                  <a:schemeClr val="tx1"/>
+                </a:solidFill>
+                <a:effectLst/>
+                <a:latin typeface="Arial" charset="0"/>
+                <a:ea typeface="宋体" pitchFamily="2" charset="-122"/>
+                <a:cs typeface="+mn-cs"/>
+              </a:rPr>
+              <a:t>Spring MVC Controller</a:t>
+            </a:r>
+            <a:r>
+              <a:rPr lang="zh-CN" altLang="zh-CN" sz="1200" kern="1200" dirty="0" smtClean="0">
+                <a:solidFill>
+                  <a:schemeClr val="tx1"/>
+                </a:solidFill>
+                <a:effectLst/>
+                <a:latin typeface="Arial" charset="0"/>
+                <a:ea typeface="宋体" pitchFamily="2" charset="-122"/>
+                <a:cs typeface="+mn-cs"/>
+              </a:rPr>
+              <a:t>来处理与客户层的交互，业务逻辑层使用</a:t>
+            </a:r>
+            <a:r>
+              <a:rPr lang="en-US" altLang="zh-CN" sz="1200" kern="1200" dirty="0" smtClean="0">
+                <a:solidFill>
+                  <a:schemeClr val="tx1"/>
+                </a:solidFill>
+                <a:effectLst/>
+                <a:latin typeface="Arial" charset="0"/>
+                <a:ea typeface="宋体" pitchFamily="2" charset="-122"/>
+                <a:cs typeface="+mn-cs"/>
+              </a:rPr>
+              <a:t>Spring Service</a:t>
+            </a:r>
+            <a:r>
+              <a:rPr lang="zh-CN" altLang="zh-CN" sz="1200" kern="1200" dirty="0" smtClean="0">
+                <a:solidFill>
+                  <a:schemeClr val="tx1"/>
+                </a:solidFill>
+                <a:effectLst/>
+                <a:latin typeface="Arial" charset="0"/>
+                <a:ea typeface="宋体" pitchFamily="2" charset="-122"/>
+                <a:cs typeface="+mn-cs"/>
+              </a:rPr>
+              <a:t>来完成相关业务的实现，包括用户账户、广告位浏览、发布、购买、记录的逻辑操作，数据控制层使用</a:t>
+            </a:r>
+            <a:r>
+              <a:rPr lang="en-US" altLang="zh-CN" sz="1200" kern="1200" dirty="0" smtClean="0">
+                <a:solidFill>
+                  <a:schemeClr val="tx1"/>
+                </a:solidFill>
+                <a:effectLst/>
+                <a:latin typeface="Arial" charset="0"/>
+                <a:ea typeface="宋体" pitchFamily="2" charset="-122"/>
+                <a:cs typeface="+mn-cs"/>
+              </a:rPr>
+              <a:t>Spring Dao</a:t>
+            </a:r>
+            <a:r>
+              <a:rPr lang="zh-CN" altLang="zh-CN" sz="1200" kern="1200" dirty="0" smtClean="0">
+                <a:solidFill>
+                  <a:schemeClr val="tx1"/>
+                </a:solidFill>
+                <a:effectLst/>
+                <a:latin typeface="Arial" charset="0"/>
+                <a:ea typeface="宋体" pitchFamily="2" charset="-122"/>
+                <a:cs typeface="+mn-cs"/>
+              </a:rPr>
+              <a:t>控制管理相关数据，并与数据层进行关联。</a:t>
+            </a:r>
+          </a:p>
+          <a:p>
+            <a:r>
+              <a:rPr lang="zh-CN" altLang="zh-CN" sz="1200" kern="1200" dirty="0" smtClean="0">
+                <a:solidFill>
+                  <a:schemeClr val="tx1"/>
+                </a:solidFill>
+                <a:effectLst/>
+                <a:latin typeface="Arial" charset="0"/>
+                <a:ea typeface="宋体" pitchFamily="2" charset="-122"/>
+                <a:cs typeface="+mn-cs"/>
+              </a:rPr>
+              <a:t>最后是数据层，主要负责数据库驱动管理，包括数据驱动层和数据存储层。数据驱动层用于响应服务层的请求，并通过相关驱动或协议访问数据库或静态文件存储中的信息。</a:t>
+            </a:r>
+            <a:endParaRPr lang="zh-CN" altLang="en-US" dirty="0"/>
+          </a:p>
+        </p:txBody>
+      </p:sp>
+      <p:sp>
+        <p:nvSpPr>
+          <p:cNvPr id="4" name="灯片编号占位符 3"/>
+          <p:cNvSpPr>
+            <a:spLocks noGrp="1"/>
+          </p:cNvSpPr>
+          <p:nvPr>
+            <p:ph type="sldNum" sz="quarter" idx="10"/>
+          </p:nvPr>
+        </p:nvSpPr>
+        <p:spPr/>
+        <p:txBody>
+          <a:bodyPr/>
+          <a:lstStyle/>
+          <a:p>
+            <a:fld id="{C0562D09-F737-41CF-9316-452B7A81F254}" type="slidenum">
+              <a:rPr lang="en-US" altLang="zh-CN" smtClean="0"/>
+              <a:pPr/>
+              <a:t>15</a:t>
+            </a:fld>
+            <a:endParaRPr lang="en-US" altLang="zh-CN"/>
+          </a:p>
+        </p:txBody>
+      </p:sp>
+    </p:spTree>
+    <p:extLst>
+      <p:ext uri="{BB962C8B-B14F-4D97-AF65-F5344CB8AC3E}">
+        <p14:creationId xmlns:p14="http://schemas.microsoft.com/office/powerpoint/2010/main" val="3752409010"/>
+      </p:ext>
+    </p:extLst>
+  </p:cSld>
+  <p:clrMapOvr>
+    <a:masterClrMapping/>
+  </p:clrMapOvr>
+</p:notes>
+</file>
+
+<file path=ppt/notesSlides/notesSlide16.xml><?xml version="1.0" encoding="utf-8"?>
+<p:notes xmlns:a="http://schemas.openxmlformats.org/drawingml/2006/main" xmlns:r="http://schemas.openxmlformats.org/officeDocument/2006/relationships" xmlns:p="http://schemas.openxmlformats.org/presentationml/2006/main">
+  <p:cSld>
+    <p:spTree>
+      <p:nvGrpSpPr>
+        <p:cNvPr id="1" name=""/>
+        <p:cNvGrpSpPr/>
+        <p:nvPr/>
+      </p:nvGrpSpPr>
+      <p:grpSpPr>
+        <a:xfrm>
+          <a:off x="0" y="0"/>
+          <a:ext cx="0" cy="0"/>
+          <a:chOff x="0" y="0"/>
+          <a:chExt cx="0" cy="0"/>
+        </a:xfrm>
+      </p:grpSpPr>
+      <p:sp>
+        <p:nvSpPr>
+          <p:cNvPr id="2" name="幻灯片图像占位符 1"/>
+          <p:cNvSpPr>
+            <a:spLocks noGrp="1" noRot="1" noChangeAspect="1"/>
+          </p:cNvSpPr>
+          <p:nvPr>
+            <p:ph type="sldImg"/>
+          </p:nvPr>
+        </p:nvSpPr>
+        <p:spPr/>
+      </p:sp>
+      <p:sp>
+        <p:nvSpPr>
+          <p:cNvPr id="3" name="备注占位符 2"/>
+          <p:cNvSpPr>
+            <a:spLocks noGrp="1"/>
+          </p:cNvSpPr>
+          <p:nvPr>
+            <p:ph type="body" idx="1"/>
+          </p:nvPr>
+        </p:nvSpPr>
+        <p:spPr/>
+        <p:txBody>
+          <a:bodyPr/>
+          <a:lstStyle/>
+          <a:p>
+            <a:r>
+              <a:rPr lang="zh-CN" altLang="en-US" dirty="0" smtClean="0"/>
+              <a:t>这个是系统选用的云服务器配置和相关环境介绍。</a:t>
+            </a:r>
+            <a:endParaRPr lang="en-US" altLang="zh-CN" dirty="0" smtClean="0"/>
+          </a:p>
+          <a:p>
+            <a:endParaRPr lang="zh-CN" altLang="en-US" dirty="0"/>
+          </a:p>
+        </p:txBody>
+      </p:sp>
+      <p:sp>
+        <p:nvSpPr>
+          <p:cNvPr id="4" name="灯片编号占位符 3"/>
+          <p:cNvSpPr>
+            <a:spLocks noGrp="1"/>
+          </p:cNvSpPr>
+          <p:nvPr>
+            <p:ph type="sldNum" sz="quarter" idx="10"/>
+          </p:nvPr>
+        </p:nvSpPr>
+        <p:spPr/>
+        <p:txBody>
+          <a:bodyPr/>
+          <a:lstStyle/>
+          <a:p>
+            <a:fld id="{C0562D09-F737-41CF-9316-452B7A81F254}" type="slidenum">
+              <a:rPr lang="en-US" altLang="zh-CN" smtClean="0"/>
+              <a:pPr/>
+              <a:t>16</a:t>
+            </a:fld>
+            <a:endParaRPr lang="en-US" altLang="zh-CN"/>
+          </a:p>
+        </p:txBody>
+      </p:sp>
+    </p:spTree>
+    <p:extLst>
+      <p:ext uri="{BB962C8B-B14F-4D97-AF65-F5344CB8AC3E}">
+        <p14:creationId xmlns:p14="http://schemas.microsoft.com/office/powerpoint/2010/main" val="1414365837"/>
+      </p:ext>
+    </p:extLst>
+  </p:cSld>
+  <p:clrMapOvr>
+    <a:masterClrMapping/>
+  </p:clrMapOvr>
+</p:notes>
+</file>
+
+<file path=ppt/notesSlides/notesSlide17.xml><?xml version="1.0" encoding="utf-8"?>
+<p:notes xmlns:a="http://schemas.openxmlformats.org/drawingml/2006/main" xmlns:r="http://schemas.openxmlformats.org/officeDocument/2006/relationships" xmlns:p="http://schemas.openxmlformats.org/presentationml/2006/main">
+  <p:cSld>
+    <p:spTree>
+      <p:nvGrpSpPr>
+        <p:cNvPr id="1" name=""/>
+        <p:cNvGrpSpPr/>
+        <p:nvPr/>
+      </p:nvGrpSpPr>
+      <p:grpSpPr>
+        <a:xfrm>
+          <a:off x="0" y="0"/>
+          <a:ext cx="0" cy="0"/>
+          <a:chOff x="0" y="0"/>
+          <a:chExt cx="0" cy="0"/>
+        </a:xfrm>
+      </p:grpSpPr>
+      <p:sp>
+        <p:nvSpPr>
+          <p:cNvPr id="2" name="幻灯片图像占位符 1"/>
+          <p:cNvSpPr>
+            <a:spLocks noGrp="1" noRot="1" noChangeAspect="1"/>
+          </p:cNvSpPr>
+          <p:nvPr>
+            <p:ph type="sldImg"/>
+          </p:nvPr>
+        </p:nvSpPr>
+        <p:spPr/>
+      </p:sp>
+      <p:sp>
+        <p:nvSpPr>
+          <p:cNvPr id="3" name="备注占位符 2"/>
+          <p:cNvSpPr>
+            <a:spLocks noGrp="1"/>
+          </p:cNvSpPr>
+          <p:nvPr>
+            <p:ph type="body" idx="1"/>
+          </p:nvPr>
+        </p:nvSpPr>
+        <p:spPr/>
+        <p:txBody>
+          <a:bodyPr/>
+          <a:lstStyle/>
+          <a:p>
+            <a:r>
+              <a:rPr lang="zh-CN" altLang="en-US" dirty="0" smtClean="0"/>
+              <a:t>这是用户界面，系统可以根据广告商的需求来推荐最优的广告投放方案，并且分析广告受众的年龄组成、消费层次、购买能力等。</a:t>
+            </a:r>
+            <a:endParaRPr lang="en-US" altLang="zh-CN" dirty="0" smtClean="0"/>
+          </a:p>
+          <a:p>
+            <a:endParaRPr lang="zh-CN" altLang="en-US" dirty="0"/>
+          </a:p>
+        </p:txBody>
+      </p:sp>
+      <p:sp>
+        <p:nvSpPr>
+          <p:cNvPr id="4" name="灯片编号占位符 3"/>
+          <p:cNvSpPr>
+            <a:spLocks noGrp="1"/>
+          </p:cNvSpPr>
+          <p:nvPr>
+            <p:ph type="sldNum" sz="quarter" idx="10"/>
+          </p:nvPr>
+        </p:nvSpPr>
+        <p:spPr/>
+        <p:txBody>
+          <a:bodyPr/>
+          <a:lstStyle/>
+          <a:p>
+            <a:fld id="{C0562D09-F737-41CF-9316-452B7A81F254}" type="slidenum">
+              <a:rPr lang="en-US" altLang="zh-CN" smtClean="0"/>
+              <a:pPr/>
+              <a:t>17</a:t>
+            </a:fld>
+            <a:endParaRPr lang="en-US" altLang="zh-CN"/>
+          </a:p>
+        </p:txBody>
+      </p:sp>
+    </p:spTree>
+    <p:extLst>
+      <p:ext uri="{BB962C8B-B14F-4D97-AF65-F5344CB8AC3E}">
+        <p14:creationId xmlns:p14="http://schemas.microsoft.com/office/powerpoint/2010/main" val="1886314530"/>
+      </p:ext>
+    </p:extLst>
+  </p:cSld>
+  <p:clrMapOvr>
+    <a:masterClrMapping/>
+  </p:clrMapOvr>
+</p:notes>
+</file>
+
+<file path=ppt/notesSlides/notesSlide18.xml><?xml version="1.0" encoding="utf-8"?>
+<p:notes xmlns:a="http://schemas.openxmlformats.org/drawingml/2006/main" xmlns:r="http://schemas.openxmlformats.org/officeDocument/2006/relationships" xmlns:p="http://schemas.openxmlformats.org/presentationml/2006/main">
+  <p:cSld>
+    <p:spTree>
+      <p:nvGrpSpPr>
+        <p:cNvPr id="1" name=""/>
+        <p:cNvGrpSpPr/>
+        <p:nvPr/>
+      </p:nvGrpSpPr>
+      <p:grpSpPr>
+        <a:xfrm>
+          <a:off x="0" y="0"/>
+          <a:ext cx="0" cy="0"/>
+          <a:chOff x="0" y="0"/>
+          <a:chExt cx="0" cy="0"/>
+        </a:xfrm>
+      </p:grpSpPr>
+      <p:sp>
+        <p:nvSpPr>
+          <p:cNvPr id="2" name="幻灯片图像占位符 1"/>
+          <p:cNvSpPr>
+            <a:spLocks noGrp="1" noRot="1" noChangeAspect="1"/>
+          </p:cNvSpPr>
+          <p:nvPr>
+            <p:ph type="sldImg"/>
+          </p:nvPr>
+        </p:nvSpPr>
+        <p:spPr/>
+      </p:sp>
+      <p:sp>
+        <p:nvSpPr>
+          <p:cNvPr id="3" name="备注占位符 2"/>
+          <p:cNvSpPr>
+            <a:spLocks noGrp="1"/>
+          </p:cNvSpPr>
+          <p:nvPr>
+            <p:ph type="body" idx="1"/>
+          </p:nvPr>
+        </p:nvSpPr>
+        <p:spPr/>
+        <p:txBody>
+          <a:bodyPr/>
+          <a:lstStyle/>
+          <a:p>
+            <a:pPr marL="0" marR="0" lvl="0" indent="0" algn="l" defTabSz="914400" rtl="0" eaLnBrk="0" fontAlgn="base" latinLnBrk="0" hangingPunct="0">
+              <a:lnSpc>
+                <a:spcPct val="100000"/>
+              </a:lnSpc>
+              <a:spcBef>
+                <a:spcPct val="30000"/>
+              </a:spcBef>
+              <a:spcAft>
+                <a:spcPct val="0"/>
+              </a:spcAft>
+              <a:buClrTx/>
+              <a:buSzTx/>
+              <a:buFontTx/>
+              <a:buNone/>
+              <a:tabLst/>
+              <a:defRPr/>
+            </a:pPr>
+            <a:r>
+              <a:rPr lang="zh-CN" altLang="zh-CN" sz="1200" kern="1200" dirty="0" smtClean="0">
+                <a:solidFill>
+                  <a:schemeClr val="tx1"/>
+                </a:solidFill>
+                <a:effectLst/>
+                <a:latin typeface="Arial" charset="0"/>
+                <a:ea typeface="宋体" pitchFamily="2" charset="-122"/>
+                <a:cs typeface="+mn-cs"/>
+              </a:rPr>
+              <a:t>现在让我们再次测试原型系统的有效性。由于原型系统尚未投入运行，该系统仍在测试中。因此，暂时使用投资者旗帜下的某个保险业务网站进行广告初步测试，分析用户的行为，并检查原型系统准确广告的有效性。该平台是一个保险业务网站，已经运行多年，拥有庞大的用户行为历史数据。该平台不仅是使用该系统进行广告的广告商，还是广告平台的提供商。我们来看看衡量广告系统有效性的点击率。通过这个系统，我们可以知道广告的数量，点击量等信息，从而获得广告的点击率。我们测试传统营销和精准营销，结果显示在表格中。</a:t>
+            </a:r>
+          </a:p>
+          <a:p>
+            <a:pPr marL="0" marR="0" lvl="0" indent="0" algn="l" defTabSz="914400" rtl="0" eaLnBrk="0" fontAlgn="base" latinLnBrk="0" hangingPunct="0">
+              <a:lnSpc>
+                <a:spcPct val="100000"/>
+              </a:lnSpc>
+              <a:spcBef>
+                <a:spcPct val="30000"/>
+              </a:spcBef>
+              <a:spcAft>
+                <a:spcPct val="0"/>
+              </a:spcAft>
+              <a:buClrTx/>
+              <a:buSzTx/>
+              <a:buFontTx/>
+              <a:buNone/>
+              <a:tabLst/>
+              <a:defRPr/>
+            </a:pPr>
+            <a:r>
+              <a:rPr lang="zh-CN" altLang="zh-CN" sz="1200" kern="1200" dirty="0" smtClean="0">
+                <a:solidFill>
+                  <a:schemeClr val="tx1"/>
+                </a:solidFill>
+                <a:effectLst/>
+                <a:latin typeface="Arial" charset="0"/>
+                <a:ea typeface="宋体" pitchFamily="2" charset="-122"/>
+                <a:cs typeface="+mn-cs"/>
+              </a:rPr>
+              <a:t>通过以上结果我们发现，执行精准广告营销之后，虽广告显示次数下降，但被点击的次数和点击率都提高了。总之，精准广告营销比传统广告营销点击率大多了。</a:t>
+            </a:r>
+          </a:p>
+          <a:p>
+            <a:endParaRPr lang="zh-CN" altLang="en-US" dirty="0"/>
+          </a:p>
+        </p:txBody>
+      </p:sp>
+      <p:sp>
+        <p:nvSpPr>
+          <p:cNvPr id="4" name="灯片编号占位符 3"/>
+          <p:cNvSpPr>
+            <a:spLocks noGrp="1"/>
+          </p:cNvSpPr>
+          <p:nvPr>
+            <p:ph type="sldNum" sz="quarter" idx="10"/>
+          </p:nvPr>
+        </p:nvSpPr>
+        <p:spPr/>
+        <p:txBody>
+          <a:bodyPr/>
+          <a:lstStyle/>
+          <a:p>
+            <a:fld id="{C0562D09-F737-41CF-9316-452B7A81F254}" type="slidenum">
+              <a:rPr lang="en-US" altLang="zh-CN" smtClean="0"/>
+              <a:pPr/>
+              <a:t>18</a:t>
+            </a:fld>
+            <a:endParaRPr lang="en-US" altLang="zh-CN"/>
+          </a:p>
+        </p:txBody>
+      </p:sp>
+    </p:spTree>
+    <p:extLst>
+      <p:ext uri="{BB962C8B-B14F-4D97-AF65-F5344CB8AC3E}">
+        <p14:creationId xmlns:p14="http://schemas.microsoft.com/office/powerpoint/2010/main" val="3440516150"/>
+      </p:ext>
+    </p:extLst>
+  </p:cSld>
+  <p:clrMapOvr>
+    <a:masterClrMapping/>
+  </p:clrMapOvr>
+</p:notes>
+</file>
+
+<file path=ppt/notesSlides/notesSlide19.xml><?xml version="1.0" encoding="utf-8"?>
+<p:notes xmlns:a="http://schemas.openxmlformats.org/drawingml/2006/main" xmlns:r="http://schemas.openxmlformats.org/officeDocument/2006/relationships" xmlns:p="http://schemas.openxmlformats.org/presentationml/2006/main">
+  <p:cSld>
+    <p:spTree>
+      <p:nvGrpSpPr>
+        <p:cNvPr id="1" name=""/>
+        <p:cNvGrpSpPr/>
+        <p:nvPr/>
+      </p:nvGrpSpPr>
+      <p:grpSpPr>
+        <a:xfrm>
+          <a:off x="0" y="0"/>
+          <a:ext cx="0" cy="0"/>
+          <a:chOff x="0" y="0"/>
+          <a:chExt cx="0" cy="0"/>
+        </a:xfrm>
+      </p:grpSpPr>
+      <p:sp>
+        <p:nvSpPr>
+          <p:cNvPr id="2" name="幻灯片图像占位符 1"/>
+          <p:cNvSpPr>
+            <a:spLocks noGrp="1" noRot="1" noChangeAspect="1"/>
+          </p:cNvSpPr>
+          <p:nvPr>
+            <p:ph type="sldImg"/>
+          </p:nvPr>
+        </p:nvSpPr>
+        <p:spPr/>
+      </p:sp>
+      <p:sp>
+        <p:nvSpPr>
+          <p:cNvPr id="3" name="备注占位符 2"/>
+          <p:cNvSpPr>
+            <a:spLocks noGrp="1"/>
+          </p:cNvSpPr>
+          <p:nvPr>
+            <p:ph type="body" idx="1"/>
+          </p:nvPr>
+        </p:nvSpPr>
+        <p:spPr/>
+        <p:txBody>
+          <a:bodyPr/>
+          <a:lstStyle/>
+          <a:p>
+            <a:r>
+              <a:rPr lang="zh-CN" altLang="en-US" dirty="0" smtClean="0"/>
+              <a:t>然后我们将上面表的结果绘成了图，可以</a:t>
+            </a:r>
+            <a:r>
+              <a:rPr lang="zh-CN" altLang="en-US" dirty="0" smtClean="0"/>
+              <a:t>看到广告点击率</a:t>
+            </a:r>
+            <a:r>
+              <a:rPr lang="zh-CN" altLang="en-US" dirty="0" smtClean="0"/>
+              <a:t>明显提高。</a:t>
+            </a:r>
+            <a:endParaRPr lang="zh-CN" altLang="en-US" dirty="0"/>
+          </a:p>
+        </p:txBody>
+      </p:sp>
+      <p:sp>
+        <p:nvSpPr>
+          <p:cNvPr id="4" name="灯片编号占位符 3"/>
+          <p:cNvSpPr>
+            <a:spLocks noGrp="1"/>
+          </p:cNvSpPr>
+          <p:nvPr>
+            <p:ph type="sldNum" sz="quarter" idx="10"/>
+          </p:nvPr>
+        </p:nvSpPr>
+        <p:spPr/>
+        <p:txBody>
+          <a:bodyPr/>
+          <a:lstStyle/>
+          <a:p>
+            <a:fld id="{C0562D09-F737-41CF-9316-452B7A81F254}" type="slidenum">
+              <a:rPr lang="en-US" altLang="zh-CN" smtClean="0"/>
+              <a:pPr/>
+              <a:t>19</a:t>
+            </a:fld>
+            <a:endParaRPr lang="en-US" altLang="zh-CN"/>
+          </a:p>
+        </p:txBody>
+      </p:sp>
+    </p:spTree>
+    <p:extLst>
+      <p:ext uri="{BB962C8B-B14F-4D97-AF65-F5344CB8AC3E}">
+        <p14:creationId xmlns:p14="http://schemas.microsoft.com/office/powerpoint/2010/main" val="3114052645"/>
+      </p:ext>
+    </p:extLst>
   </p:cSld>
   <p:clrMapOvr>
     <a:masterClrMapping/>
@@ -1436,8 +2613,352 @@
               <a:rPr lang="zh-CN" altLang="en-US" dirty="0" smtClean="0">
                 <a:latin typeface="Arial" panose="020B0604020202020204" pitchFamily="34" charset="0"/>
               </a:rPr>
-              <a:t>下面我主要通过六个方面介绍我的论文工作 首先是介绍研究背景和相关工作，然后是研究框架和系统的设计与实验，最后给出本文的总结与展望以及在硕士期间参加的科研项目和发表的论文</a:t>
-            </a:r>
+              <a:t>下面我主要通过五个方面介绍我的论文工作 首先是介绍研究背景和相关工作，然后是研究框架和系统的设计与实验，最后给出本文的总结与展望</a:t>
+            </a:r>
+          </a:p>
+        </p:txBody>
+      </p:sp>
+    </p:spTree>
+  </p:cSld>
+  <p:clrMapOvr>
+    <a:masterClrMapping/>
+  </p:clrMapOvr>
+</p:notes>
+</file>
+
+<file path=ppt/notesSlides/notesSlide20.xml><?xml version="1.0" encoding="utf-8"?>
+<p:notes xmlns:a="http://schemas.openxmlformats.org/drawingml/2006/main" xmlns:r="http://schemas.openxmlformats.org/officeDocument/2006/relationships" xmlns:p="http://schemas.openxmlformats.org/presentationml/2006/main">
+  <p:cSld>
+    <p:spTree>
+      <p:nvGrpSpPr>
+        <p:cNvPr id="1" name=""/>
+        <p:cNvGrpSpPr/>
+        <p:nvPr/>
+      </p:nvGrpSpPr>
+      <p:grpSpPr>
+        <a:xfrm>
+          <a:off x="0" y="0"/>
+          <a:ext cx="0" cy="0"/>
+          <a:chOff x="0" y="0"/>
+          <a:chExt cx="0" cy="0"/>
+        </a:xfrm>
+      </p:grpSpPr>
+      <p:sp>
+        <p:nvSpPr>
+          <p:cNvPr id="80898" name="Rectangle 2"/>
+          <p:cNvSpPr>
+            <a:spLocks noGrp="1" noRot="1" noChangeAspect="1" noChangeArrowheads="1" noTextEdit="1"/>
+          </p:cNvSpPr>
+          <p:nvPr>
+            <p:ph type="sldImg"/>
+          </p:nvPr>
+        </p:nvSpPr>
+        <p:spPr>
+          <a:ln/>
+        </p:spPr>
+      </p:sp>
+      <p:sp>
+        <p:nvSpPr>
+          <p:cNvPr id="80899" name="Rectangle 3"/>
+          <p:cNvSpPr>
+            <a:spLocks noGrp="1" noChangeArrowheads="1"/>
+          </p:cNvSpPr>
+          <p:nvPr>
+            <p:ph type="body" idx="1"/>
+          </p:nvPr>
+        </p:nvSpPr>
+        <p:spPr>
+          <a:noFill/>
+          <a:ln/>
+          <a:extLst>
+            <a:ext uri="{909E8E84-426E-40DD-AFC4-6F175D3DCCD1}">
+              <a14:hiddenFill xmlns:a14="http://schemas.microsoft.com/office/drawing/2010/main">
+                <a:solidFill>
+                  <a:srgbClr val="FFFFFF"/>
+                </a:solidFill>
+              </a14:hiddenFill>
+            </a:ext>
+            <a:ext uri="{91240B29-F687-4F45-9708-019B960494DF}">
+              <a14:hiddenLine xmlns:a14="http://schemas.microsoft.com/office/drawing/2010/main" w="9525">
+                <a:solidFill>
+                  <a:srgbClr val="000000"/>
+                </a:solidFill>
+                <a:miter lim="800000"/>
+                <a:headEnd/>
+                <a:tailEnd/>
+              </a14:hiddenLine>
+            </a:ext>
+          </a:extLst>
+        </p:spPr>
+        <p:txBody>
+          <a:bodyPr/>
+          <a:lstStyle/>
+          <a:p>
+            <a:r>
+              <a:rPr lang="zh-CN" altLang="en-US" sz="1000" dirty="0" smtClean="0"/>
+              <a:t>本文的创新点在于</a:t>
+            </a:r>
+            <a:endParaRPr lang="en-US" altLang="zh-CN" sz="1000" dirty="0" smtClean="0"/>
+          </a:p>
+          <a:p>
+            <a:r>
+              <a:rPr lang="zh-CN" altLang="zh-CN" sz="1000" dirty="0" smtClean="0"/>
+              <a:t>（</a:t>
+            </a:r>
+            <a:r>
+              <a:rPr lang="en-US" altLang="zh-CN" sz="1000" dirty="0" smtClean="0"/>
+              <a:t>1</a:t>
+            </a:r>
+            <a:r>
+              <a:rPr lang="zh-CN" altLang="zh-CN" sz="1000" dirty="0" smtClean="0"/>
+              <a:t>）</a:t>
+            </a:r>
+            <a:r>
+              <a:rPr lang="zh-CN" altLang="en-US" sz="1000" dirty="0" smtClean="0"/>
+              <a:t>运用大数据分析的方法，</a:t>
+            </a:r>
+            <a:r>
+              <a:rPr lang="zh-CN" altLang="zh-CN" sz="1000" dirty="0" smtClean="0"/>
+              <a:t>实现了广告商广告的高效投放，减少投放资金，提高投放效果，极具市场价值。</a:t>
+            </a:r>
+          </a:p>
+          <a:p>
+            <a:r>
+              <a:rPr lang="zh-CN" altLang="zh-CN" sz="1000" dirty="0" smtClean="0"/>
+              <a:t>（</a:t>
+            </a:r>
+            <a:r>
+              <a:rPr lang="en-US" altLang="zh-CN" sz="1000" dirty="0" smtClean="0"/>
+              <a:t>2</a:t>
+            </a:r>
+            <a:r>
+              <a:rPr lang="zh-CN" altLang="zh-CN" sz="1000" dirty="0" smtClean="0"/>
+              <a:t>）</a:t>
+            </a:r>
+            <a:r>
+              <a:rPr lang="zh-CN" altLang="en-US" sz="1000" dirty="0" smtClean="0"/>
+              <a:t>通过机器学习</a:t>
+            </a:r>
+            <a:r>
+              <a:rPr lang="zh-CN" altLang="zh-CN" sz="1000" dirty="0" smtClean="0"/>
+              <a:t>建立广告投放的资金分配模型，对于投资策略进行合理化的评估，降低了广告投放低回馈的风险。</a:t>
+            </a:r>
+          </a:p>
+          <a:p>
+            <a:r>
+              <a:rPr lang="zh-CN" altLang="zh-CN" sz="1000" dirty="0" smtClean="0"/>
+              <a:t>（</a:t>
+            </a:r>
+            <a:r>
+              <a:rPr lang="en-US" altLang="zh-CN" sz="1000" dirty="0" smtClean="0"/>
+              <a:t>3</a:t>
+            </a:r>
+            <a:r>
+              <a:rPr lang="zh-CN" altLang="zh-CN" sz="1000" dirty="0" smtClean="0"/>
+              <a:t>）通过对受众群体的特征分析与广告商群体的特征分析，建立完整的信息模型，完成</a:t>
+            </a:r>
+            <a:r>
+              <a:rPr lang="en-US" altLang="zh-CN" sz="1000" dirty="0" smtClean="0"/>
+              <a:t>“</a:t>
+            </a:r>
+            <a:r>
+              <a:rPr lang="zh-CN" altLang="zh-CN" sz="1000" dirty="0" smtClean="0"/>
+              <a:t>用户画像</a:t>
+            </a:r>
+            <a:r>
+              <a:rPr lang="en-US" altLang="zh-CN" sz="1000" dirty="0" smtClean="0"/>
+              <a:t>”</a:t>
+            </a:r>
+            <a:r>
+              <a:rPr lang="zh-CN" altLang="zh-CN" sz="1000" dirty="0" smtClean="0"/>
+              <a:t>与</a:t>
+            </a:r>
+            <a:r>
+              <a:rPr lang="en-US" altLang="zh-CN" sz="1000" dirty="0" smtClean="0"/>
+              <a:t>“</a:t>
+            </a:r>
+            <a:r>
+              <a:rPr lang="zh-CN" altLang="zh-CN" sz="1000" dirty="0" smtClean="0"/>
+              <a:t>商家画像</a:t>
+            </a:r>
+            <a:r>
+              <a:rPr lang="en-US" altLang="zh-CN" sz="1000" dirty="0" smtClean="0"/>
+              <a:t>”</a:t>
+            </a:r>
+            <a:r>
+              <a:rPr lang="zh-CN" altLang="zh-CN" sz="1000" dirty="0" smtClean="0"/>
+              <a:t>。并基于已获得的数据建立动态立体的知识库，通过进一步研究挖掘用户群体与广告的深层次联系。</a:t>
+            </a:r>
+          </a:p>
+          <a:p>
+            <a:endParaRPr lang="zh-CN" altLang="en-US" sz="1000" dirty="0" smtClean="0">
+              <a:latin typeface="Arial" panose="020B0604020202020204" pitchFamily="34" charset="0"/>
+            </a:endParaRPr>
+          </a:p>
+        </p:txBody>
+      </p:sp>
+    </p:spTree>
+  </p:cSld>
+  <p:clrMapOvr>
+    <a:masterClrMapping/>
+  </p:clrMapOvr>
+</p:notes>
+</file>
+
+<file path=ppt/notesSlides/notesSlide21.xml><?xml version="1.0" encoding="utf-8"?>
+<p:notes xmlns:a="http://schemas.openxmlformats.org/drawingml/2006/main" xmlns:r="http://schemas.openxmlformats.org/officeDocument/2006/relationships" xmlns:p="http://schemas.openxmlformats.org/presentationml/2006/main">
+  <p:cSld>
+    <p:spTree>
+      <p:nvGrpSpPr>
+        <p:cNvPr id="1" name=""/>
+        <p:cNvGrpSpPr/>
+        <p:nvPr/>
+      </p:nvGrpSpPr>
+      <p:grpSpPr>
+        <a:xfrm>
+          <a:off x="0" y="0"/>
+          <a:ext cx="0" cy="0"/>
+          <a:chOff x="0" y="0"/>
+          <a:chExt cx="0" cy="0"/>
+        </a:xfrm>
+      </p:grpSpPr>
+      <p:sp>
+        <p:nvSpPr>
+          <p:cNvPr id="82946" name="Rectangle 2"/>
+          <p:cNvSpPr>
+            <a:spLocks noGrp="1" noRot="1" noChangeAspect="1" noChangeArrowheads="1" noTextEdit="1"/>
+          </p:cNvSpPr>
+          <p:nvPr>
+            <p:ph type="sldImg"/>
+          </p:nvPr>
+        </p:nvSpPr>
+        <p:spPr>
+          <a:ln/>
+        </p:spPr>
+      </p:sp>
+      <p:sp>
+        <p:nvSpPr>
+          <p:cNvPr id="82947" name="Rectangle 3"/>
+          <p:cNvSpPr>
+            <a:spLocks noGrp="1" noChangeArrowheads="1"/>
+          </p:cNvSpPr>
+          <p:nvPr>
+            <p:ph type="body" idx="1"/>
+          </p:nvPr>
+        </p:nvSpPr>
+        <p:spPr>
+          <a:noFill/>
+          <a:ln/>
+          <a:extLst>
+            <a:ext uri="{909E8E84-426E-40DD-AFC4-6F175D3DCCD1}">
+              <a14:hiddenFill xmlns:a14="http://schemas.microsoft.com/office/drawing/2010/main">
+                <a:solidFill>
+                  <a:srgbClr val="FFFFFF"/>
+                </a:solidFill>
+              </a14:hiddenFill>
+            </a:ext>
+            <a:ext uri="{91240B29-F687-4F45-9708-019B960494DF}">
+              <a14:hiddenLine xmlns:a14="http://schemas.microsoft.com/office/drawing/2010/main" w="9525">
+                <a:solidFill>
+                  <a:srgbClr val="000000"/>
+                </a:solidFill>
+                <a:miter lim="800000"/>
+                <a:headEnd/>
+                <a:tailEnd/>
+              </a14:hiddenLine>
+            </a:ext>
+          </a:extLst>
+        </p:spPr>
+        <p:txBody>
+          <a:bodyPr/>
+          <a:lstStyle/>
+          <a:p>
+            <a:pPr lvl="1"/>
+            <a:r>
+              <a:rPr lang="zh-CN" altLang="en-US" dirty="0" smtClean="0">
+                <a:latin typeface="Arial" panose="020B0604020202020204" pitchFamily="34" charset="0"/>
+              </a:rPr>
+              <a:t>还有需要该改的地方：</a:t>
+            </a:r>
+            <a:endParaRPr lang="en-US" altLang="zh-CN" dirty="0" smtClean="0">
+              <a:latin typeface="Arial" panose="020B0604020202020204" pitchFamily="34" charset="0"/>
+            </a:endParaRPr>
+          </a:p>
+          <a:p>
+            <a:r>
+              <a:rPr lang="en-US" altLang="zh-CN" sz="3400" dirty="0" smtClean="0">
+                <a:latin typeface="黑体" panose="02010609060101010101" pitchFamily="49" charset="-122"/>
+                <a:ea typeface="黑体" panose="02010609060101010101" pitchFamily="49" charset="-122"/>
+              </a:rPr>
+              <a:t>1</a:t>
+            </a:r>
+            <a:r>
+              <a:rPr lang="en-US" altLang="zh-CN" sz="3400" dirty="0" smtClean="0">
+                <a:latin typeface="黑体" panose="02010609060101010101" pitchFamily="49" charset="-122"/>
+                <a:ea typeface="黑体" panose="02010609060101010101" pitchFamily="49" charset="-122"/>
+              </a:rPr>
+              <a:t>.</a:t>
+            </a:r>
+            <a:r>
+              <a:rPr lang="zh-CN" altLang="en-US" sz="3400" dirty="0" smtClean="0">
+                <a:latin typeface="黑体" panose="02010609060101010101" pitchFamily="49" charset="-122"/>
+                <a:ea typeface="黑体" panose="02010609060101010101" pitchFamily="49" charset="-122"/>
+              </a:rPr>
+              <a:t>本系统所采用的协同</a:t>
+            </a:r>
+            <a:r>
+              <a:rPr lang="zh-CN" altLang="en-US" sz="3400" dirty="0" smtClean="0">
+                <a:latin typeface="黑体" panose="02010609060101010101" pitchFamily="49" charset="-122"/>
+                <a:ea typeface="黑体" panose="02010609060101010101" pitchFamily="49" charset="-122"/>
+              </a:rPr>
+              <a:t>过滤算法精度有待提高，需要结合其他算法，以提高推荐的精度</a:t>
+            </a:r>
+            <a:endParaRPr lang="en-US" altLang="zh-CN" sz="3400" dirty="0" smtClean="0">
+              <a:latin typeface="黑体" panose="02010609060101010101" pitchFamily="49" charset="-122"/>
+              <a:ea typeface="黑体" panose="02010609060101010101" pitchFamily="49" charset="-122"/>
+            </a:endParaRPr>
+          </a:p>
+          <a:p>
+            <a:r>
+              <a:rPr lang="en-US" altLang="zh-CN" sz="3400" dirty="0" smtClean="0">
+                <a:latin typeface="黑体" panose="02010609060101010101" pitchFamily="49" charset="-122"/>
+                <a:ea typeface="黑体" panose="02010609060101010101" pitchFamily="49" charset="-122"/>
+              </a:rPr>
+              <a:t>2.</a:t>
+            </a:r>
+            <a:r>
+              <a:rPr lang="zh-CN" altLang="en-US" sz="3400" dirty="0" smtClean="0">
+                <a:latin typeface="黑体" panose="02010609060101010101" pitchFamily="49" charset="-122"/>
+                <a:ea typeface="黑体" panose="02010609060101010101" pitchFamily="49" charset="-122"/>
+              </a:rPr>
+              <a:t>用户行为数据集采集不够全面</a:t>
+            </a:r>
+            <a:endParaRPr lang="en-US" altLang="zh-CN" sz="3400" dirty="0" smtClean="0">
+              <a:latin typeface="黑体" panose="02010609060101010101" pitchFamily="49" charset="-122"/>
+              <a:ea typeface="黑体" panose="02010609060101010101" pitchFamily="49" charset="-122"/>
+            </a:endParaRPr>
+          </a:p>
+          <a:p>
+            <a:r>
+              <a:rPr lang="en-US" altLang="zh-CN" sz="3400" dirty="0" smtClean="0">
+                <a:latin typeface="黑体" panose="02010609060101010101" pitchFamily="49" charset="-122"/>
+                <a:ea typeface="黑体" panose="02010609060101010101" pitchFamily="49" charset="-122"/>
+              </a:rPr>
+              <a:t>3.</a:t>
+            </a:r>
+            <a:r>
+              <a:rPr lang="zh-CN" altLang="en-US" sz="3400" dirty="0" smtClean="0">
+                <a:latin typeface="黑体" panose="02010609060101010101" pitchFamily="49" charset="-122"/>
+                <a:ea typeface="黑体" panose="02010609060101010101" pitchFamily="49" charset="-122"/>
+              </a:rPr>
+              <a:t>冷启动系统虽然可以给系统提供推荐的基础，但是数据的更新和同部同样非常重要</a:t>
+            </a:r>
+          </a:p>
+          <a:p>
+            <a:pPr lvl="1"/>
+            <a:endParaRPr lang="zh-CN" altLang="en-US" dirty="0" smtClean="0">
+              <a:latin typeface="Arial" panose="020B0604020202020204" pitchFamily="34" charset="0"/>
+            </a:endParaRPr>
           </a:p>
         </p:txBody>
       </p:sp>
@@ -1527,12 +3048,117 @@
                 <a:ea typeface="宋体" pitchFamily="2" charset="-122"/>
                 <a:cs typeface="+mn-cs"/>
               </a:rPr>
-              <a:t>随着经济的进步与发展，有效的广告投放越来越成为企业发展的重要部分。实现房地产商与客户之间信息的精准交互是解决这一问题的关键。对于其他需要进行广告投放的商业公司，若想要用最小的广告投入实现最大的信息传递效果（用户数量、产品知名度的提高），与客户之间进行精准的信息交互依然是实现的关键。目前城市中所用的广告位招商，仍采用过去广告投放商自主选择（投放位置），然后广告制作商进行广告印制，再然后由物业进行定点投放广告的传统方式。这种广告招商方式存在很明显的问题：</a:t>
-            </a:r>
-          </a:p>
-          <a:p>
+              <a:t>随着经济的进步与发展，有效的广告投放越来越成为企业发展的重要部分。对于公司</a:t>
+            </a:r>
+            <a:r>
+              <a:rPr lang="zh-CN" altLang="en-US" sz="1200" kern="1200" dirty="0" smtClean="0">
+                <a:solidFill>
+                  <a:schemeClr val="tx1"/>
+                </a:solidFill>
+                <a:effectLst/>
+                <a:latin typeface="Arial" charset="0"/>
+                <a:ea typeface="宋体" pitchFamily="2" charset="-122"/>
+                <a:cs typeface="+mn-cs"/>
+              </a:rPr>
+              <a:t>来说</a:t>
+            </a:r>
             <a:r>
               <a:rPr lang="zh-CN" altLang="zh-CN" sz="1200" kern="1200" dirty="0" smtClean="0">
+                <a:solidFill>
+                  <a:schemeClr val="tx1"/>
+                </a:solidFill>
+                <a:effectLst/>
+                <a:latin typeface="Arial" charset="0"/>
+                <a:ea typeface="宋体" pitchFamily="2" charset="-122"/>
+                <a:cs typeface="+mn-cs"/>
+              </a:rPr>
+              <a:t>，若想要用最小的广告投入实现最大的信息传递效果</a:t>
+            </a:r>
+            <a:r>
+              <a:rPr lang="zh-CN" altLang="en-US" sz="1200" kern="1200" dirty="0" smtClean="0">
+                <a:solidFill>
+                  <a:schemeClr val="tx1"/>
+                </a:solidFill>
+                <a:effectLst/>
+                <a:latin typeface="Arial" charset="0"/>
+                <a:ea typeface="宋体" pitchFamily="2" charset="-122"/>
+                <a:cs typeface="+mn-cs"/>
+              </a:rPr>
+              <a:t>、</a:t>
+            </a:r>
+            <a:r>
+              <a:rPr lang="zh-CN" altLang="zh-CN" sz="1200" kern="1200" dirty="0" smtClean="0">
+                <a:solidFill>
+                  <a:schemeClr val="tx1"/>
+                </a:solidFill>
+                <a:effectLst/>
+                <a:latin typeface="Arial" charset="0"/>
+                <a:ea typeface="宋体" pitchFamily="2" charset="-122"/>
+                <a:cs typeface="+mn-cs"/>
+              </a:rPr>
+              <a:t>用户数量</a:t>
+            </a:r>
+            <a:r>
+              <a:rPr lang="zh-CN" altLang="en-US" sz="1200" kern="1200" dirty="0" smtClean="0">
+                <a:solidFill>
+                  <a:schemeClr val="tx1"/>
+                </a:solidFill>
+                <a:effectLst/>
+                <a:latin typeface="Arial" charset="0"/>
+                <a:ea typeface="宋体" pitchFamily="2" charset="-122"/>
+                <a:cs typeface="+mn-cs"/>
+              </a:rPr>
+              <a:t>增加</a:t>
+            </a:r>
+            <a:r>
+              <a:rPr lang="zh-CN" altLang="zh-CN" sz="1200" kern="1200" dirty="0" smtClean="0">
+                <a:solidFill>
+                  <a:schemeClr val="tx1"/>
+                </a:solidFill>
+                <a:effectLst/>
+                <a:latin typeface="Arial" charset="0"/>
+                <a:ea typeface="宋体" pitchFamily="2" charset="-122"/>
+                <a:cs typeface="+mn-cs"/>
+              </a:rPr>
+              <a:t>、产品知名度的提高，与客户之间进行精准的信息交互</a:t>
+            </a:r>
+            <a:r>
+              <a:rPr lang="zh-CN" altLang="en-US" sz="1200" kern="1200" dirty="0" smtClean="0">
+                <a:solidFill>
+                  <a:schemeClr val="tx1"/>
+                </a:solidFill>
+                <a:effectLst/>
+                <a:latin typeface="Arial" charset="0"/>
+                <a:ea typeface="宋体" pitchFamily="2" charset="-122"/>
+                <a:cs typeface="+mn-cs"/>
+              </a:rPr>
+              <a:t>显得特别重要</a:t>
+            </a:r>
+            <a:r>
+              <a:rPr lang="zh-CN" altLang="zh-CN" sz="1200" kern="1200" dirty="0" smtClean="0">
+                <a:solidFill>
+                  <a:schemeClr val="tx1"/>
+                </a:solidFill>
+                <a:effectLst/>
+                <a:latin typeface="Arial" charset="0"/>
+                <a:ea typeface="宋体" pitchFamily="2" charset="-122"/>
+                <a:cs typeface="+mn-cs"/>
+              </a:rPr>
+              <a:t>。目前城市中所用的广告位招商，仍采用过去广告投放商自主选择（投放位置），然后广告制作商进行广告印制，再然后由物业投放广告的传统方式。这种广告招商方式存在很明显的问题：</a:t>
+            </a:r>
+            <a:endParaRPr lang="en-US" altLang="zh-CN" sz="1200" kern="1200" dirty="0" smtClean="0">
+              <a:solidFill>
+                <a:schemeClr val="tx1"/>
+              </a:solidFill>
+              <a:effectLst/>
+              <a:latin typeface="Arial" charset="0"/>
+              <a:ea typeface="宋体" pitchFamily="2" charset="-122"/>
+              <a:cs typeface="+mn-cs"/>
+            </a:endParaRPr>
+          </a:p>
+          <a:p>
+            <a:r>
+              <a:rPr lang="zh-CN" altLang="en-US" sz="1200" kern="1200" dirty="0" smtClean="0">
                 <a:solidFill>
                   <a:schemeClr val="tx1"/>
                 </a:solidFill>
@@ -1556,7 +3182,7 @@
               <a:t>1</a:t>
             </a:r>
             <a:r>
-              <a:rPr lang="zh-CN" altLang="zh-CN" sz="1200" kern="1200" dirty="0" smtClean="0">
+              <a:rPr lang="zh-CN" altLang="en-US" sz="1200" kern="1200" dirty="0" smtClean="0">
                 <a:solidFill>
                   <a:schemeClr val="tx1"/>
                 </a:solidFill>
@@ -1565,121 +3191,57 @@
                 <a:ea typeface="宋体" pitchFamily="2" charset="-122"/>
                 <a:cs typeface="+mn-cs"/>
               </a:rPr>
-              <a:t>）商家选择广告投放位置具有盲目性。</a:t>
-            </a:r>
-          </a:p>
-          <a:p>
-            <a:r>
-              <a:rPr lang="zh-CN" altLang="zh-CN" sz="1200" kern="1200" dirty="0" smtClean="0">
-                <a:solidFill>
-                  <a:schemeClr val="tx1"/>
-                </a:solidFill>
-                <a:effectLst/>
-                <a:latin typeface="Arial" charset="0"/>
-                <a:ea typeface="宋体" pitchFamily="2" charset="-122"/>
-                <a:cs typeface="+mn-cs"/>
-              </a:rPr>
+              <a:t>）</a:t>
+            </a:r>
+            <a:r>
+              <a:rPr lang="zh-CN" altLang="zh-CN" dirty="0" smtClean="0"/>
+              <a:t>商家选择广告投放位置具有盲目性</a:t>
+            </a:r>
+            <a:r>
+              <a:rPr lang="zh-CN" altLang="en-US" dirty="0" smtClean="0"/>
+              <a:t>，</a:t>
+            </a:r>
+            <a:r>
+              <a:rPr lang="zh-CN" altLang="zh-CN" dirty="0" smtClean="0"/>
+              <a:t>位置没有经过详细调研，这种行为严重降低了广告投放的有效性。</a:t>
+            </a:r>
+            <a:endParaRPr lang="en-US" altLang="zh-CN" dirty="0" smtClean="0"/>
+          </a:p>
+          <a:p>
+            <a:r>
+              <a:rPr lang="zh-CN" altLang="en-US" dirty="0" smtClean="0"/>
               <a:t>（</a:t>
             </a:r>
             <a:r>
-              <a:rPr lang="en-US" altLang="zh-CN" sz="1200" kern="1200" dirty="0" smtClean="0">
-                <a:solidFill>
-                  <a:schemeClr val="tx1"/>
-                </a:solidFill>
-                <a:effectLst/>
-                <a:latin typeface="Arial" charset="0"/>
-                <a:ea typeface="宋体" pitchFamily="2" charset="-122"/>
-                <a:cs typeface="+mn-cs"/>
-              </a:rPr>
+              <a:rPr lang="en-US" altLang="zh-CN" dirty="0" smtClean="0"/>
               <a:t>2</a:t>
             </a:r>
             <a:r>
-              <a:rPr lang="zh-CN" altLang="zh-CN" sz="1200" kern="1200" dirty="0" smtClean="0">
-                <a:solidFill>
-                  <a:schemeClr val="tx1"/>
-                </a:solidFill>
-                <a:effectLst/>
-                <a:latin typeface="Arial" charset="0"/>
-                <a:ea typeface="宋体" pitchFamily="2" charset="-122"/>
-                <a:cs typeface="+mn-cs"/>
-              </a:rPr>
-              <a:t>）位置没有经过详细调研，这种行为严重降低了广告投放的有效性。</a:t>
-            </a:r>
-          </a:p>
-          <a:p>
-            <a:r>
-              <a:rPr lang="zh-CN" altLang="zh-CN" sz="1200" kern="1200" dirty="0" smtClean="0">
-                <a:solidFill>
-                  <a:schemeClr val="tx1"/>
-                </a:solidFill>
-                <a:effectLst/>
-                <a:latin typeface="Arial" charset="0"/>
-                <a:ea typeface="宋体" pitchFamily="2" charset="-122"/>
-                <a:cs typeface="+mn-cs"/>
-              </a:rPr>
+              <a:rPr lang="zh-CN" altLang="en-US" dirty="0" smtClean="0"/>
+              <a:t>）</a:t>
+            </a:r>
+            <a:r>
+              <a:rPr lang="zh-CN" altLang="zh-CN" dirty="0" smtClean="0"/>
+              <a:t>没有构建足够简单的广告发布网络，商家的广告发布流程复杂化。</a:t>
+            </a:r>
+            <a:endParaRPr lang="en-US" altLang="zh-CN" dirty="0" smtClean="0"/>
+          </a:p>
+          <a:p>
+            <a:r>
+              <a:rPr lang="zh-CN" altLang="en-US" dirty="0" smtClean="0"/>
               <a:t>（</a:t>
             </a:r>
             <a:r>
-              <a:rPr lang="en-US" altLang="zh-CN" sz="1200" kern="1200" dirty="0" smtClean="0">
-                <a:solidFill>
-                  <a:schemeClr val="tx1"/>
-                </a:solidFill>
-                <a:effectLst/>
-                <a:latin typeface="Arial" charset="0"/>
-                <a:ea typeface="宋体" pitchFamily="2" charset="-122"/>
-                <a:cs typeface="+mn-cs"/>
-              </a:rPr>
+              <a:rPr lang="en-US" altLang="zh-CN" dirty="0" smtClean="0"/>
               <a:t>3</a:t>
             </a:r>
             <a:r>
-              <a:rPr lang="zh-CN" altLang="zh-CN" sz="1200" kern="1200" dirty="0" smtClean="0">
-                <a:solidFill>
-                  <a:schemeClr val="tx1"/>
-                </a:solidFill>
-                <a:effectLst/>
-                <a:latin typeface="Arial" charset="0"/>
-                <a:ea typeface="宋体" pitchFamily="2" charset="-122"/>
-                <a:cs typeface="+mn-cs"/>
-              </a:rPr>
-              <a:t>）没有构建足够简单的广告发布网络，商家的广告发布流程复杂化。</a:t>
-            </a:r>
-          </a:p>
-          <a:p>
-            <a:r>
-              <a:rPr lang="zh-CN" altLang="zh-CN" sz="1200" kern="1200" dirty="0" smtClean="0">
-                <a:solidFill>
-                  <a:schemeClr val="tx1"/>
-                </a:solidFill>
-                <a:effectLst/>
-                <a:latin typeface="Arial" charset="0"/>
-                <a:ea typeface="宋体" pitchFamily="2" charset="-122"/>
-                <a:cs typeface="+mn-cs"/>
-              </a:rPr>
-              <a:t>（</a:t>
-            </a:r>
-            <a:r>
-              <a:rPr lang="en-US" altLang="zh-CN" sz="1200" kern="1200" dirty="0" smtClean="0">
-                <a:solidFill>
-                  <a:schemeClr val="tx1"/>
-                </a:solidFill>
-                <a:effectLst/>
-                <a:latin typeface="Arial" charset="0"/>
-                <a:ea typeface="宋体" pitchFamily="2" charset="-122"/>
-                <a:cs typeface="+mn-cs"/>
-              </a:rPr>
-              <a:t>4</a:t>
-            </a:r>
-            <a:r>
-              <a:rPr lang="zh-CN" altLang="zh-CN" sz="1200" kern="1200" dirty="0" smtClean="0">
-                <a:solidFill>
-                  <a:schemeClr val="tx1"/>
-                </a:solidFill>
-                <a:effectLst/>
-                <a:latin typeface="Arial" charset="0"/>
-                <a:ea typeface="宋体" pitchFamily="2" charset="-122"/>
-                <a:cs typeface="+mn-cs"/>
-              </a:rPr>
-              <a:t>）商家投放广告的资金分配没有建立适当的经济学模型，对投资策略进行合理化评估，从而得到用户回馈与投入资金的最优匹配。</a:t>
+              <a:rPr lang="zh-CN" altLang="en-US" dirty="0" smtClean="0"/>
+              <a:t>）</a:t>
+            </a:r>
+            <a:r>
+              <a:rPr lang="zh-CN" altLang="zh-CN" dirty="0" smtClean="0"/>
+              <a:t>商家投放广告的资金分配没有建立适当的经济学模型，对投资策略进行合理化评估，从而得到用户回馈与投入资金的最优匹配。</a:t>
             </a:r>
           </a:p>
           <a:p>
@@ -1750,7 +3312,7 @@
           <a:p>
             <a:r>
               <a:rPr lang="zh-CN" altLang="en-US" dirty="0" smtClean="0"/>
-              <a:t>亚马逊会根据我们的购买记录，为我们推荐下一本挚爱读物</a:t>
+              <a:t>亚马逊会根据我们的图书购买记录，为我们推荐下一本挚爱读物。</a:t>
             </a:r>
             <a:endParaRPr lang="en-US" altLang="zh-CN" dirty="0" smtClean="0"/>
           </a:p>
@@ -1765,14 +3327,14 @@
             </a:r>
             <a:r>
               <a:rPr lang="zh-CN" altLang="en-US" dirty="0" smtClean="0"/>
-              <a:t>，更是打出了你关心的才是头条</a:t>
+              <a:t>，强调你关心的才是头条。</a:t>
             </a:r>
             <a:endParaRPr lang="en-US" altLang="zh-CN" dirty="0" smtClean="0"/>
           </a:p>
           <a:p>
             <a:r>
               <a:rPr lang="zh-CN" altLang="en-US" dirty="0" smtClean="0"/>
-              <a:t>他们都是根据用户的行为来做精准的推荐</a:t>
+              <a:t>他们都是根据用户的行为来做精准的推荐，我们能否在广告领域做精准推荐呢？</a:t>
             </a:r>
             <a:endParaRPr lang="zh-CN" altLang="en-US" dirty="0"/>
           </a:p>
@@ -2047,10 +3609,38 @@
           <a:bodyPr/>
           <a:lstStyle/>
           <a:p>
-            <a:pPr marL="742950" lvl="1" indent="-285750"/>
-            <a:endParaRPr lang="zh-CN" altLang="zh-CN" dirty="0" smtClean="0">
-              <a:latin typeface="Arial" panose="020B0604020202020204" pitchFamily="34" charset="0"/>
-            </a:endParaRPr>
+            <a:pPr marL="742950" marR="0" lvl="1" indent="-285750" algn="l" defTabSz="914400" rtl="0" eaLnBrk="0" fontAlgn="base" latinLnBrk="0" hangingPunct="0">
+              <a:lnSpc>
+                <a:spcPct val="100000"/>
+              </a:lnSpc>
+              <a:spcBef>
+                <a:spcPct val="30000"/>
+              </a:spcBef>
+              <a:spcAft>
+                <a:spcPct val="0"/>
+              </a:spcAft>
+              <a:buClrTx/>
+              <a:buSzTx/>
+              <a:buFontTx/>
+              <a:buNone/>
+              <a:tabLst/>
+              <a:defRPr/>
+            </a:pPr>
+            <a:r>
+              <a:rPr lang="zh-CN" altLang="en-US" dirty="0" smtClean="0">
+                <a:latin typeface="Arial" panose="020B0604020202020204" pitchFamily="34" charset="0"/>
+              </a:rPr>
+              <a:t>国外的谷歌和微软也有相关的研究，他们都可以</a:t>
+            </a:r>
+            <a:r>
+              <a:rPr lang="zh-CN" altLang="zh-CN" dirty="0" smtClean="0"/>
+              <a:t>通过跟踪用户的消费行为，选取有价值的关键词和目标网站，更好的为广告主寻找潜在目标</a:t>
+            </a:r>
+            <a:r>
+              <a:rPr lang="zh-CN" altLang="en-US" dirty="0" smtClean="0"/>
+              <a:t>客户。</a:t>
+            </a:r>
+            <a:endParaRPr lang="en-US" altLang="zh-CN" dirty="0" smtClean="0"/>
           </a:p>
         </p:txBody>
       </p:sp>
@@ -2295,7 +3885,7 @@
           <a:lstStyle/>
           <a:p>
             <a:r>
-              <a:rPr lang="zh-CN" altLang="zh-CN" sz="1200" kern="1200" dirty="0" smtClean="0">
+              <a:rPr lang="zh-CN" altLang="en-US" sz="1200" kern="1200" dirty="0" smtClean="0">
                 <a:solidFill>
                   <a:schemeClr val="tx1"/>
                 </a:solidFill>
@@ -2304,10 +3894,10 @@
                 <a:ea typeface="宋体" pitchFamily="2" charset="-122"/>
                 <a:cs typeface="+mn-cs"/>
               </a:rPr>
-              <a:t>如图</a:t>
-            </a:r>
-            <a:r>
-              <a:rPr lang="en-US" altLang="zh-CN" sz="1200" kern="1200" dirty="0" smtClean="0">
+              <a:t>为了解决这一问题，</a:t>
+            </a:r>
+            <a:r>
+              <a:rPr lang="zh-CN" altLang="zh-CN" sz="1200" kern="1200" dirty="0" smtClean="0">
                 <a:solidFill>
                   <a:schemeClr val="tx1"/>
                 </a:solidFill>
@@ -2316,10 +3906,10 @@
                 <a:ea typeface="宋体" pitchFamily="2" charset="-122"/>
                 <a:cs typeface="+mn-cs"/>
               </a:rPr>
-              <a:t>1-3</a:t>
-            </a:r>
-            <a:r>
-              <a:rPr lang="zh-CN" altLang="zh-CN" sz="1200" kern="1200" dirty="0" smtClean="0">
+              <a:t>如图所示，</a:t>
+            </a:r>
+            <a:r>
+              <a:rPr lang="zh-CN" altLang="en-US" sz="1200" kern="1200" dirty="0" smtClean="0">
                 <a:solidFill>
                   <a:schemeClr val="tx1"/>
                 </a:solidFill>
@@ -2328,9 +3918,117 @@
                 <a:ea typeface="宋体" pitchFamily="2" charset="-122"/>
                 <a:cs typeface="+mn-cs"/>
               </a:rPr>
-              <a:t>所示，本推荐系统共有三个模块构成，即冷启动数据系统模块、广告位推荐系统模块、人物画像系统模块。</a:t>
-            </a:r>
-            <a:endParaRPr lang="zh-CN" altLang="zh-CN" sz="1050" kern="1200" dirty="0" smtClean="0">
+              <a:t>我们为广告商设计了一个推荐系统，</a:t>
+            </a:r>
+            <a:r>
+              <a:rPr lang="zh-CN" altLang="zh-CN" sz="1200" kern="1200" dirty="0" smtClean="0">
+                <a:solidFill>
+                  <a:schemeClr val="tx1"/>
+                </a:solidFill>
+                <a:effectLst/>
+                <a:latin typeface="Arial" charset="0"/>
+                <a:ea typeface="宋体" pitchFamily="2" charset="-122"/>
+                <a:cs typeface="+mn-cs"/>
+              </a:rPr>
+              <a:t>本推荐系统共有三</a:t>
+            </a:r>
+            <a:r>
+              <a:rPr lang="zh-CN" altLang="en-US" sz="1200" kern="1200" dirty="0" smtClean="0">
+                <a:solidFill>
+                  <a:schemeClr val="tx1"/>
+                </a:solidFill>
+                <a:effectLst/>
+                <a:latin typeface="Arial" charset="0"/>
+                <a:ea typeface="宋体" pitchFamily="2" charset="-122"/>
+                <a:cs typeface="+mn-cs"/>
+              </a:rPr>
+              <a:t>部分</a:t>
+            </a:r>
+            <a:r>
+              <a:rPr lang="zh-CN" altLang="zh-CN" sz="1200" kern="1200" dirty="0" smtClean="0">
+                <a:solidFill>
+                  <a:schemeClr val="tx1"/>
+                </a:solidFill>
+                <a:effectLst/>
+                <a:latin typeface="Arial" charset="0"/>
+                <a:ea typeface="宋体" pitchFamily="2" charset="-122"/>
+                <a:cs typeface="+mn-cs"/>
+              </a:rPr>
+              <a:t>构成，即</a:t>
+            </a:r>
+            <a:r>
+              <a:rPr lang="zh-CN" altLang="zh-CN" sz="1200" b="1" u="sng" kern="1200" dirty="0" smtClean="0">
+                <a:solidFill>
+                  <a:schemeClr val="tx1"/>
+                </a:solidFill>
+                <a:effectLst/>
+                <a:latin typeface="Arial" charset="0"/>
+                <a:ea typeface="宋体" pitchFamily="2" charset="-122"/>
+                <a:cs typeface="+mn-cs"/>
+              </a:rPr>
+              <a:t>冷启动</a:t>
+            </a:r>
+            <a:r>
+              <a:rPr lang="zh-CN" altLang="zh-CN" sz="1200" kern="1200" dirty="0" smtClean="0">
+                <a:solidFill>
+                  <a:schemeClr val="tx1"/>
+                </a:solidFill>
+                <a:effectLst/>
+                <a:latin typeface="Arial" charset="0"/>
+                <a:ea typeface="宋体" pitchFamily="2" charset="-122"/>
+                <a:cs typeface="+mn-cs"/>
+              </a:rPr>
+              <a:t>数据系统、</a:t>
+            </a:r>
+            <a:r>
+              <a:rPr lang="zh-CN" altLang="zh-CN" sz="1200" b="1" kern="1200" dirty="0" smtClean="0">
+                <a:solidFill>
+                  <a:schemeClr val="tx1"/>
+                </a:solidFill>
+                <a:effectLst/>
+                <a:latin typeface="Arial" charset="0"/>
+                <a:ea typeface="宋体" pitchFamily="2" charset="-122"/>
+                <a:cs typeface="+mn-cs"/>
+              </a:rPr>
+              <a:t>广告位</a:t>
+            </a:r>
+            <a:r>
+              <a:rPr lang="zh-CN" altLang="zh-CN" sz="1200" kern="1200" dirty="0" smtClean="0">
+                <a:solidFill>
+                  <a:schemeClr val="tx1"/>
+                </a:solidFill>
+                <a:effectLst/>
+                <a:latin typeface="Arial" charset="0"/>
+                <a:ea typeface="宋体" pitchFamily="2" charset="-122"/>
+                <a:cs typeface="+mn-cs"/>
+              </a:rPr>
+              <a:t>推荐系统、</a:t>
+            </a:r>
+            <a:r>
+              <a:rPr lang="zh-CN" altLang="zh-CN" sz="1200" b="1" kern="1200" dirty="0" smtClean="0">
+                <a:solidFill>
+                  <a:schemeClr val="tx1"/>
+                </a:solidFill>
+                <a:effectLst/>
+                <a:latin typeface="Arial" charset="0"/>
+                <a:ea typeface="宋体" pitchFamily="2" charset="-122"/>
+                <a:cs typeface="+mn-cs"/>
+              </a:rPr>
+              <a:t>人物画像</a:t>
+            </a:r>
+            <a:r>
+              <a:rPr lang="zh-CN" altLang="zh-CN" sz="1200" kern="1200" dirty="0" smtClean="0">
+                <a:solidFill>
+                  <a:schemeClr val="tx1"/>
+                </a:solidFill>
+                <a:effectLst/>
+                <a:latin typeface="Arial" charset="0"/>
+                <a:ea typeface="宋体" pitchFamily="2" charset="-122"/>
+                <a:cs typeface="+mn-cs"/>
+              </a:rPr>
+              <a:t>系统。</a:t>
+            </a:r>
+            <a:endParaRPr lang="en-US" altLang="zh-CN" sz="1200" kern="1200" dirty="0" smtClean="0">
               <a:solidFill>
                 <a:schemeClr val="tx1"/>
               </a:solidFill>
@@ -2351,7 +4049,31 @@
                 <a:ea typeface="宋体" pitchFamily="2" charset="-122"/>
                 <a:cs typeface="+mn-cs"/>
               </a:rPr>
-              <a:t>冷启动数据模块主要作用是数据收集、清晰和分析。数据采集的工作主要靠</a:t>
+              <a:t>冷启动数据模块主要作用是数据收集、</a:t>
+            </a:r>
+            <a:r>
+              <a:rPr lang="zh-CN" altLang="en-US" sz="1200" kern="1200" dirty="0" smtClean="0">
+                <a:solidFill>
+                  <a:schemeClr val="tx1"/>
+                </a:solidFill>
+                <a:effectLst/>
+                <a:latin typeface="Arial" charset="0"/>
+                <a:ea typeface="宋体" pitchFamily="2" charset="-122"/>
+                <a:cs typeface="+mn-cs"/>
+              </a:rPr>
+              <a:t>清洗</a:t>
+            </a:r>
+            <a:r>
+              <a:rPr lang="zh-CN" altLang="zh-CN" sz="1200" kern="1200" dirty="0" smtClean="0">
+                <a:solidFill>
+                  <a:schemeClr val="tx1"/>
+                </a:solidFill>
+                <a:effectLst/>
+                <a:latin typeface="Arial" charset="0"/>
+                <a:ea typeface="宋体" pitchFamily="2" charset="-122"/>
+                <a:cs typeface="+mn-cs"/>
+              </a:rPr>
+              <a:t>和分析。数据采集的工作主要靠</a:t>
             </a:r>
             <a:r>
               <a:rPr lang="en-US" altLang="zh-CN" sz="1200" kern="1200" dirty="0" smtClean="0">
@@ -2375,7 +4097,125 @@
                 <a:ea typeface="宋体" pitchFamily="2" charset="-122"/>
                 <a:cs typeface="+mn-cs"/>
               </a:rPr>
-              <a:t>爬虫，从各大网站上爬取数据，比如从搜房网、房天下、链家网、地产网等房产数据，这些房产数据主要包括地理位置信息、房价信息、交通信息、户型信息、建筑年代、配套属性等信息。同时要对数据进行清洗，失效数据需要通过正则匹配等方式进行清洗。然后对缺失值进行评估，重点是对数据进行特征提取。广告位推荐系统主要工作是设计定价模型，根据已知小区房价水平，似然评估其消费水平，不要求绝对准确，用作推荐系统冷启动数据基础，根据广告位所在小区房价水平和周边商圈密集程度，为广告位价格做初始评估。人物画像系统的主要作用是分析用户行为，根据房价信息和商圈信息对用户的消费能力进行评价</a:t>
+              <a:t>爬虫，从各大网站上爬取数据，比如从搜房网、房天下、链家网、地产网等房产</a:t>
+            </a:r>
+            <a:r>
+              <a:rPr lang="zh-CN" altLang="en-US" sz="1200" kern="1200" dirty="0" smtClean="0">
+                <a:solidFill>
+                  <a:schemeClr val="tx1"/>
+                </a:solidFill>
+                <a:effectLst/>
+                <a:latin typeface="Arial" charset="0"/>
+                <a:ea typeface="宋体" pitchFamily="2" charset="-122"/>
+                <a:cs typeface="+mn-cs"/>
+              </a:rPr>
+              <a:t>商获取</a:t>
+            </a:r>
+            <a:r>
+              <a:rPr lang="zh-CN" altLang="zh-CN" sz="1200" kern="1200" dirty="0" smtClean="0">
+                <a:solidFill>
+                  <a:schemeClr val="tx1"/>
+                </a:solidFill>
+                <a:effectLst/>
+                <a:latin typeface="Arial" charset="0"/>
+                <a:ea typeface="宋体" pitchFamily="2" charset="-122"/>
+                <a:cs typeface="+mn-cs"/>
+              </a:rPr>
+              <a:t>数据，这些数据主要包括地理位置信息、房价信息、交通信息、户型信息、建筑年代、配套属性等信息。同时要对数据进行清洗，</a:t>
+            </a:r>
+            <a:r>
+              <a:rPr lang="zh-CN" altLang="en-US" sz="1200" kern="1200" dirty="0" smtClean="0">
+                <a:solidFill>
+                  <a:schemeClr val="tx1"/>
+                </a:solidFill>
+                <a:effectLst/>
+                <a:latin typeface="Arial" charset="0"/>
+                <a:ea typeface="宋体" pitchFamily="2" charset="-122"/>
+                <a:cs typeface="+mn-cs"/>
+              </a:rPr>
+              <a:t>并且</a:t>
+            </a:r>
+            <a:r>
+              <a:rPr lang="zh-CN" altLang="zh-CN" sz="1200" kern="1200" dirty="0" smtClean="0">
+                <a:solidFill>
+                  <a:schemeClr val="tx1"/>
+                </a:solidFill>
+                <a:effectLst/>
+                <a:latin typeface="Arial" charset="0"/>
+                <a:ea typeface="宋体" pitchFamily="2" charset="-122"/>
+                <a:cs typeface="+mn-cs"/>
+              </a:rPr>
+              <a:t>对数据进行特征提取。</a:t>
+            </a:r>
+            <a:endParaRPr lang="en-US" altLang="zh-CN" sz="1200" kern="1200" dirty="0" smtClean="0">
+              <a:solidFill>
+                <a:schemeClr val="tx1"/>
+              </a:solidFill>
+              <a:effectLst/>
+              <a:latin typeface="Arial" charset="0"/>
+              <a:ea typeface="宋体" pitchFamily="2" charset="-122"/>
+              <a:cs typeface="+mn-cs"/>
+            </a:endParaRPr>
+          </a:p>
+          <a:p>
+            <a:r>
+              <a:rPr lang="zh-CN" altLang="zh-CN" sz="1200" kern="1200" dirty="0" smtClean="0">
+                <a:solidFill>
+                  <a:schemeClr val="tx1"/>
+                </a:solidFill>
+                <a:effectLst/>
+                <a:latin typeface="Arial" charset="0"/>
+                <a:ea typeface="宋体" pitchFamily="2" charset="-122"/>
+                <a:cs typeface="+mn-cs"/>
+              </a:rPr>
+              <a:t>广告位推荐系统主要工作是设计定价模型，根据已知小区房价水平，似然评估其消费水平，不要求绝对准确，用作推荐系统</a:t>
+            </a:r>
+            <a:r>
+              <a:rPr lang="en-US" altLang="zh-CN" sz="1200" kern="1200" dirty="0" smtClean="0">
+                <a:solidFill>
+                  <a:schemeClr val="tx1"/>
+                </a:solidFill>
+                <a:effectLst/>
+                <a:latin typeface="Arial" charset="0"/>
+                <a:ea typeface="宋体" pitchFamily="2" charset="-122"/>
+                <a:cs typeface="+mn-cs"/>
+              </a:rPr>
+              <a:t> </a:t>
+            </a:r>
+            <a:r>
+              <a:rPr lang="zh-CN" altLang="zh-CN" sz="1200" kern="1200" dirty="0" smtClean="0">
+                <a:solidFill>
+                  <a:schemeClr val="tx1"/>
+                </a:solidFill>
+                <a:effectLst/>
+                <a:latin typeface="Arial" charset="0"/>
+                <a:ea typeface="宋体" pitchFamily="2" charset="-122"/>
+                <a:cs typeface="+mn-cs"/>
+              </a:rPr>
+              <a:t>冷启动数据基础，根据广告位所在小区房价水平和周边商圈密集程度，为广告位价格做初始评估。</a:t>
+            </a:r>
+            <a:endParaRPr lang="en-US" altLang="zh-CN" sz="1200" kern="1200" dirty="0" smtClean="0">
+              <a:solidFill>
+                <a:schemeClr val="tx1"/>
+              </a:solidFill>
+              <a:effectLst/>
+              <a:latin typeface="Arial" charset="0"/>
+              <a:ea typeface="宋体" pitchFamily="2" charset="-122"/>
+              <a:cs typeface="+mn-cs"/>
+            </a:endParaRPr>
+          </a:p>
+          <a:p>
+            <a:r>
+              <a:rPr lang="zh-CN" altLang="zh-CN" sz="1200" kern="1200" dirty="0" smtClean="0">
+                <a:solidFill>
+                  <a:schemeClr val="tx1"/>
+                </a:solidFill>
+                <a:effectLst/>
+                <a:latin typeface="Arial" charset="0"/>
+                <a:ea typeface="宋体" pitchFamily="2" charset="-122"/>
+                <a:cs typeface="+mn-cs"/>
+              </a:rPr>
+              <a:t>人物画像系统的主要作用是分析用户行为，根据房价信息和商圈信息对用户的消费能力进行评价</a:t>
             </a:r>
             <a:r>
               <a:rPr lang="zh-CN" altLang="en-US" sz="1200" kern="1200" dirty="0" smtClean="0">
@@ -2427,171 +4267,7 @@
       </p:grpSpPr>
       <p:sp>
         <p:nvSpPr>
-          <p:cNvPr id="59394" name="Rectangle 7"/>
-          <p:cNvSpPr txBox="1">
-            <a:spLocks noGrp="1" noChangeArrowheads="1"/>
-          </p:cNvSpPr>
-          <p:nvPr/>
-        </p:nvSpPr>
-        <p:spPr bwMode="auto">
-          <a:xfrm>
-            <a:off x="3884613" y="8685213"/>
-            <a:ext cx="2971800" cy="457200"/>
-          </a:xfrm>
-          <a:prstGeom prst="rect">
-            <a:avLst/>
-          </a:prstGeom>
-          <a:noFill/>
-          <a:ln>
-            <a:noFill/>
-          </a:ln>
-          <a:extLst>
-            <a:ext uri="{909E8E84-426E-40DD-AFC4-6F175D3DCCD1}">
-              <a14:hiddenFill xmlns:a14="http://schemas.microsoft.com/office/drawing/2010/main">
-                <a:solidFill>
-                  <a:srgbClr val="FFFFFF"/>
-                </a:solidFill>
-              </a14:hiddenFill>
-            </a:ext>
-            <a:ext uri="{91240B29-F687-4F45-9708-019B960494DF}">
-              <a14:hiddenLine xmlns:a14="http://schemas.microsoft.com/office/drawing/2010/main" w="9525">
-                <a:solidFill>
-                  <a:srgbClr val="000000"/>
-                </a:solidFill>
-                <a:miter lim="800000"/>
-                <a:headEnd/>
-                <a:tailEnd/>
-              </a14:hiddenLine>
-            </a:ext>
-          </a:extLst>
-        </p:spPr>
-        <p:txBody>
-          <a:bodyPr anchor="b"/>
-          <a:lstStyle>
-            <a:lvl1pPr eaLnBrk="0" hangingPunct="0">
-              <a:defRPr sz="2400">
-                <a:solidFill>
-                  <a:schemeClr val="tx1"/>
-                </a:solidFill>
-                <a:latin typeface="Verdana" panose="020B0604030504040204" pitchFamily="34" charset="0"/>
-                <a:ea typeface="宋体" panose="02010600030101010101" pitchFamily="2" charset="-122"/>
-              </a:defRPr>
-            </a:lvl1pPr>
-            <a:lvl2pPr marL="742950" indent="-285750" eaLnBrk="0" hangingPunct="0">
-              <a:defRPr sz="2400">
-                <a:solidFill>
-                  <a:schemeClr val="tx1"/>
-                </a:solidFill>
-                <a:latin typeface="Verdana" panose="020B0604030504040204" pitchFamily="34" charset="0"/>
-                <a:ea typeface="宋体" panose="02010600030101010101" pitchFamily="2" charset="-122"/>
-              </a:defRPr>
-            </a:lvl2pPr>
-            <a:lvl3pPr marL="1143000" indent="-228600" eaLnBrk="0" hangingPunct="0">
-              <a:defRPr sz="2400">
-                <a:solidFill>
-                  <a:schemeClr val="tx1"/>
-                </a:solidFill>
-                <a:latin typeface="Verdana" panose="020B0604030504040204" pitchFamily="34" charset="0"/>
-                <a:ea typeface="宋体" panose="02010600030101010101" pitchFamily="2" charset="-122"/>
-              </a:defRPr>
-            </a:lvl3pPr>
-            <a:lvl4pPr marL="1600200" indent="-228600" eaLnBrk="0" hangingPunct="0">
-              <a:defRPr sz="2400">
-                <a:solidFill>
-                  <a:schemeClr val="tx1"/>
-                </a:solidFill>
-                <a:latin typeface="Verdana" panose="020B0604030504040204" pitchFamily="34" charset="0"/>
-                <a:ea typeface="宋体" panose="02010600030101010101" pitchFamily="2" charset="-122"/>
-              </a:defRPr>
-            </a:lvl4pPr>
-            <a:lvl5pPr marL="2057400" indent="-228600" eaLnBrk="0" hangingPunct="0">
-              <a:defRPr sz="2400">
-                <a:solidFill>
-                  <a:schemeClr val="tx1"/>
-                </a:solidFill>
-                <a:latin typeface="Verdana" panose="020B0604030504040204" pitchFamily="34" charset="0"/>
-                <a:ea typeface="宋体" panose="02010600030101010101" pitchFamily="2" charset="-122"/>
-              </a:defRPr>
-            </a:lvl5pPr>
-            <a:lvl6pPr marL="2514600" indent="-228600" eaLnBrk="0" fontAlgn="base" hangingPunct="0">
-              <a:spcBef>
-                <a:spcPct val="0"/>
-              </a:spcBef>
-              <a:spcAft>
-                <a:spcPct val="0"/>
-              </a:spcAft>
-              <a:defRPr sz="2400">
-                <a:solidFill>
-                  <a:schemeClr val="tx1"/>
-                </a:solidFill>
-                <a:latin typeface="Verdana" panose="020B0604030504040204" pitchFamily="34" charset="0"/>
-                <a:ea typeface="宋体" panose="02010600030101010101" pitchFamily="2" charset="-122"/>
-              </a:defRPr>
-            </a:lvl6pPr>
-            <a:lvl7pPr marL="2971800" indent="-228600" eaLnBrk="0" fontAlgn="base" hangingPunct="0">
-              <a:spcBef>
-                <a:spcPct val="0"/>
-              </a:spcBef>
-              <a:spcAft>
-                <a:spcPct val="0"/>
-              </a:spcAft>
-              <a:defRPr sz="2400">
-                <a:solidFill>
-                  <a:schemeClr val="tx1"/>
-                </a:solidFill>
-                <a:latin typeface="Verdana" panose="020B0604030504040204" pitchFamily="34" charset="0"/>
-                <a:ea typeface="宋体" panose="02010600030101010101" pitchFamily="2" charset="-122"/>
-              </a:defRPr>
-            </a:lvl7pPr>
-            <a:lvl8pPr marL="3429000" indent="-228600" eaLnBrk="0" fontAlgn="base" hangingPunct="0">
-              <a:spcBef>
-                <a:spcPct val="0"/>
-              </a:spcBef>
-              <a:spcAft>
-                <a:spcPct val="0"/>
-              </a:spcAft>
-              <a:defRPr sz="2400">
-                <a:solidFill>
-                  <a:schemeClr val="tx1"/>
-                </a:solidFill>
-                <a:latin typeface="Verdana" panose="020B0604030504040204" pitchFamily="34" charset="0"/>
-                <a:ea typeface="宋体" panose="02010600030101010101" pitchFamily="2" charset="-122"/>
-              </a:defRPr>
-            </a:lvl8pPr>
-            <a:lvl9pPr marL="3886200" indent="-228600" eaLnBrk="0" fontAlgn="base" hangingPunct="0">
-              <a:spcBef>
-                <a:spcPct val="0"/>
-              </a:spcBef>
-              <a:spcAft>
-                <a:spcPct val="0"/>
-              </a:spcAft>
-              <a:defRPr sz="2400">
-                <a:solidFill>
-                  <a:schemeClr val="tx1"/>
-                </a:solidFill>
-                <a:latin typeface="Verdana" panose="020B0604030504040204" pitchFamily="34" charset="0"/>
-                <a:ea typeface="宋体" panose="02010600030101010101" pitchFamily="2" charset="-122"/>
-              </a:defRPr>
-            </a:lvl9pPr>
-          </a:lstStyle>
-          <a:p>
-            <a:pPr algn="r" eaLnBrk="1" hangingPunct="1"/>
-            <a:fld id="{AE443297-D593-4C1A-A319-655495BFEFB0}" type="slidenum">
-              <a:rPr lang="en-US" altLang="zh-CN" sz="1200">
-                <a:latin typeface="Arial" panose="020B0604020202020204" pitchFamily="34" charset="0"/>
-              </a:rPr>
-              <a:pPr algn="r" eaLnBrk="1" hangingPunct="1"/>
-              <a:t>7</a:t>
-            </a:fld>
-            <a:endParaRPr lang="en-US" altLang="zh-CN" sz="1200">
-              <a:latin typeface="Arial" panose="020B0604020202020204" pitchFamily="34" charset="0"/>
-            </a:endParaRPr>
-          </a:p>
-        </p:txBody>
-      </p:sp>
-      <p:sp>
-        <p:nvSpPr>
-          <p:cNvPr id="59395" name="Rectangle 2"/>
+          <p:cNvPr id="55298" name="Rectangle 2"/>
           <p:cNvSpPr>
             <a:spLocks noGrp="1" noRot="1" noChangeAspect="1" noChangeArrowheads="1" noTextEdit="1"/>
           </p:cNvSpPr>
@@ -2605,7 +4281,7 @@
       </p:sp>
       <p:sp>
         <p:nvSpPr>
-          <p:cNvPr id="59396" name="Rectangle 3"/>
+          <p:cNvPr id="55299" name="Rectangle 3"/>
           <p:cNvSpPr>
             <a:spLocks noGrp="1" noChangeArrowheads="1"/>
           </p:cNvSpPr>
@@ -2640,8 +4316,98 @@
           <a:bodyPr/>
           <a:lstStyle/>
           <a:p>
-            <a:pPr eaLnBrk="1" hangingPunct="1"/>
-            <a:endParaRPr lang="zh-CN" altLang="zh-CN" dirty="0" smtClean="0">
+            <a:pPr marL="0" marR="0" lvl="0" indent="0" algn="l" defTabSz="914400" rtl="0" eaLnBrk="0" fontAlgn="base" latinLnBrk="0" hangingPunct="0">
+              <a:lnSpc>
+                <a:spcPct val="100000"/>
+              </a:lnSpc>
+              <a:spcBef>
+                <a:spcPct val="30000"/>
+              </a:spcBef>
+              <a:spcAft>
+                <a:spcPct val="0"/>
+              </a:spcAft>
+              <a:buClrTx/>
+              <a:buSzTx/>
+              <a:buFontTx/>
+              <a:buNone/>
+              <a:tabLst/>
+              <a:defRPr/>
+            </a:pPr>
+            <a:r>
+              <a:rPr lang="zh-CN" altLang="en-US" sz="1200" kern="1200" dirty="0" smtClean="0">
+                <a:solidFill>
+                  <a:schemeClr val="tx1"/>
+                </a:solidFill>
+                <a:effectLst/>
+                <a:latin typeface="Arial" charset="0"/>
+                <a:ea typeface="宋体" pitchFamily="2" charset="-122"/>
+                <a:cs typeface="+mn-cs"/>
+              </a:rPr>
+              <a:t>我们通过爬虫收集数据，</a:t>
+            </a:r>
+            <a:r>
+              <a:rPr lang="zh-CN" altLang="zh-CN" sz="1200" kern="1200" dirty="0" smtClean="0">
+                <a:solidFill>
+                  <a:schemeClr val="tx1"/>
+                </a:solidFill>
+                <a:effectLst/>
+                <a:latin typeface="Arial" charset="0"/>
+                <a:ea typeface="宋体" pitchFamily="2" charset="-122"/>
+                <a:cs typeface="+mn-cs"/>
+              </a:rPr>
+              <a:t>通用网络爬虫的主程序主要由调度器，解析器和资源库三部分组成。调度器主要负责给主程序中的各个爬虫线程分配工作任务。调度器是网络爬虫的中央控制器，它根据系统传过来的</a:t>
+            </a:r>
+            <a:r>
+              <a:rPr lang="en-US" altLang="zh-CN" sz="1200" kern="1200" dirty="0" smtClean="0">
+                <a:solidFill>
+                  <a:schemeClr val="tx1"/>
+                </a:solidFill>
+                <a:effectLst/>
+                <a:latin typeface="Arial" charset="0"/>
+                <a:ea typeface="宋体" pitchFamily="2" charset="-122"/>
+                <a:cs typeface="+mn-cs"/>
+              </a:rPr>
+              <a:t>URL</a:t>
+            </a:r>
+            <a:r>
+              <a:rPr lang="zh-CN" altLang="zh-CN" sz="1200" kern="1200" dirty="0" smtClean="0">
+                <a:solidFill>
+                  <a:schemeClr val="tx1"/>
+                </a:solidFill>
+                <a:effectLst/>
+                <a:latin typeface="Arial" charset="0"/>
+                <a:ea typeface="宋体" pitchFamily="2" charset="-122"/>
+                <a:cs typeface="+mn-cs"/>
+              </a:rPr>
+              <a:t>，分配线程，启动此线程以调用爬虫爬取网页。解析器负责下载网页，</a:t>
+            </a:r>
+            <a:r>
+              <a:rPr lang="zh-CN" altLang="en-US" sz="1200" kern="1200" dirty="0" smtClean="0">
+                <a:solidFill>
+                  <a:schemeClr val="tx1"/>
+                </a:solidFill>
+                <a:effectLst/>
+                <a:latin typeface="Arial" charset="0"/>
+                <a:ea typeface="宋体" pitchFamily="2" charset="-122"/>
+                <a:cs typeface="+mn-cs"/>
+              </a:rPr>
+              <a:t>解析</a:t>
+            </a:r>
+            <a:r>
+              <a:rPr lang="zh-CN" altLang="zh-CN" sz="1200" kern="1200" dirty="0" smtClean="0">
+                <a:solidFill>
+                  <a:schemeClr val="tx1"/>
+                </a:solidFill>
+                <a:effectLst/>
+                <a:latin typeface="Arial" charset="0"/>
+                <a:ea typeface="宋体" pitchFamily="2" charset="-122"/>
+                <a:cs typeface="+mn-cs"/>
+              </a:rPr>
+              <a:t>页面，处理网页的内容，爬虫的基本工作是由解析器完成的。资源库用于存储下载的网页等资源。</a:t>
+            </a:r>
+          </a:p>
+          <a:p>
+            <a:endParaRPr lang="zh-CN" altLang="en-US" dirty="0" smtClean="0">
               <a:latin typeface="Arial" panose="020B0604020202020204" pitchFamily="34" charset="0"/>
             </a:endParaRPr>
           </a:p>
@@ -2723,25 +4489,8 @@
           <a:bodyPr/>
           <a:lstStyle/>
           <a:p>
-            <a:pPr marL="0" marR="0" lvl="0" indent="0" algn="l" defTabSz="914400" rtl="0" eaLnBrk="0" fontAlgn="base" latinLnBrk="0" hangingPunct="0">
-              <a:lnSpc>
-                <a:spcPct val="100000"/>
-              </a:lnSpc>
-              <a:spcBef>
-                <a:spcPct val="30000"/>
-              </a:spcBef>
-              <a:spcAft>
-                <a:spcPct val="0"/>
-              </a:spcAft>
-              <a:buClrTx/>
-              <a:buSzTx/>
-              <a:buFontTx/>
-              <a:buNone/>
-              <a:tabLst/>
-              <a:defRPr/>
-            </a:pPr>
-            <a:r>
-              <a:rPr lang="zh-CN" altLang="zh-CN" sz="1200" kern="1200" dirty="0" smtClean="0">
+            <a:r>
+              <a:rPr lang="zh-CN" altLang="en-US" sz="1200" kern="1200" dirty="0" smtClean="0">
                 <a:solidFill>
                   <a:schemeClr val="tx1"/>
                 </a:solidFill>
@@ -2750,10 +4499,10 @@
                 <a:ea typeface="宋体" pitchFamily="2" charset="-122"/>
                 <a:cs typeface="+mn-cs"/>
               </a:rPr>
-              <a:t>通用网络爬虫的主程序主要由调度器，解析器和资源库三部分组成。调度器主要负责给主程序中的各个爬虫线程分配工作任务。调度器是网络爬虫的中央控制器，它根据系统传过来的</a:t>
-            </a:r>
-            <a:r>
-              <a:rPr lang="en-US" altLang="zh-CN" sz="1200" kern="1200" dirty="0" smtClean="0">
+              <a:t>我们爬取到的数据其实是杂乱无章的，包含非常多的无关信息。为了获取我们想要的信息，采用图中所示的方式，对数据进行清洗和分析。主要通过网页解析器来完成。</a:t>
+            </a:r>
+            <a:r>
+              <a:rPr lang="zh-CN" altLang="zh-CN" sz="1200" kern="1200" dirty="0" smtClean="0">
                 <a:solidFill>
                   <a:schemeClr val="tx1"/>
                 </a:solidFill>
@@ -2762,10 +4511,10 @@
                 <a:ea typeface="宋体" pitchFamily="2" charset="-122"/>
                 <a:cs typeface="+mn-cs"/>
               </a:rPr>
-              <a:t>URL</a:t>
-            </a:r>
-            <a:r>
-              <a:rPr lang="zh-CN" altLang="zh-CN" sz="1200" kern="1200" dirty="0" smtClean="0">
+              <a:t>如图所示，网页解析器主要经过词法分析和语法分析。对由爬取模块爬取的每个网页，词法分析器对其进行分词，保存为一个个的词法单元。</a:t>
+            </a:r>
+            <a:r>
+              <a:rPr lang="zh-CN" altLang="en-US" sz="1200" kern="1200" dirty="0" smtClean="0">
                 <a:solidFill>
                   <a:schemeClr val="tx1"/>
                 </a:solidFill>
@@ -2774,17 +4523,26 @@
                 <a:ea typeface="宋体" pitchFamily="2" charset="-122"/>
                 <a:cs typeface="+mn-cs"/>
               </a:rPr>
-              <a:t>，分配线程，启动此线程以调用爬虫爬取网页。解析器负责下载网页，解页面，处理析网页的内容，爬虫的基本工作是由解析器完成的。资源库用于存储下载的网页等资源。</a:t>
-            </a:r>
-          </a:p>
-          <a:p>
-            <a:endParaRPr lang="zh-CN" altLang="en-US" dirty="0" smtClean="0">
-              <a:latin typeface="Arial" panose="020B0604020202020204" pitchFamily="34" charset="0"/>
+              <a:t>这样来得到想要的信息。</a:t>
+            </a:r>
+            <a:endParaRPr lang="zh-CN" altLang="zh-CN" sz="1200" kern="1200" dirty="0">
+              <a:solidFill>
+                <a:schemeClr val="tx1"/>
+              </a:solidFill>
+              <a:effectLst/>
+              <a:latin typeface="Arial" charset="0"/>
+              <a:ea typeface="宋体" pitchFamily="2" charset="-122"/>
+              <a:cs typeface="+mn-cs"/>
             </a:endParaRPr>
           </a:p>
         </p:txBody>
       </p:sp>
     </p:spTree>
+    <p:extLst>
+      <p:ext uri="{BB962C8B-B14F-4D97-AF65-F5344CB8AC3E}">
+        <p14:creationId xmlns:p14="http://schemas.microsoft.com/office/powerpoint/2010/main" val="165771815"/>
+      </p:ext>
+    </p:extLst>
   </p:cSld>
   <p:clrMapOvr>
     <a:masterClrMapping/>
@@ -2870,10 +4628,10 @@
                 <a:ea typeface="宋体" pitchFamily="2" charset="-122"/>
                 <a:cs typeface="+mn-cs"/>
               </a:rPr>
-              <a:t>如图</a:t>
-            </a:r>
-            <a:r>
-              <a:rPr lang="en-US" altLang="zh-CN" sz="1200" kern="1200" dirty="0" smtClean="0">
+              <a:t>目前已经完成了对搜房网</a:t>
+            </a:r>
+            <a:r>
+              <a:rPr lang="zh-CN" altLang="en-US" sz="1200" kern="1200" dirty="0" smtClean="0">
                 <a:solidFill>
                   <a:schemeClr val="tx1"/>
                 </a:solidFill>
@@ -2882,7 +4640,7 @@
                 <a:ea typeface="宋体" pitchFamily="2" charset="-122"/>
                 <a:cs typeface="+mn-cs"/>
               </a:rPr>
-              <a:t>3-4</a:t>
+              <a:t>、</a:t>
             </a:r>
             <a:r>
               <a:rPr lang="zh-CN" altLang="zh-CN" sz="1200" kern="1200" dirty="0" smtClean="0">
@@ -2894,8 +4652,67 @@
                 <a:ea typeface="宋体" pitchFamily="2" charset="-122"/>
                 <a:cs typeface="+mn-cs"/>
               </a:rPr>
-              <a:t>所示，网页解析器主要经过词法分析和语法分析。对由爬取模块爬取的每个网页，词法分析器对其进行分词，保存为一个个的词法单元。</a:t>
-            </a:r>
+              <a:t>房天下、安居客、焦点房地产网、</a:t>
+            </a:r>
+            <a:r>
+              <a:rPr lang="en-US" altLang="zh-CN" sz="1200" kern="1200" dirty="0" smtClean="0">
+                <a:solidFill>
+                  <a:schemeClr val="tx1"/>
+                </a:solidFill>
+                <a:effectLst/>
+                <a:latin typeface="Arial" charset="0"/>
+                <a:ea typeface="宋体" pitchFamily="2" charset="-122"/>
+                <a:cs typeface="+mn-cs"/>
+              </a:rPr>
+              <a:t>365</a:t>
+            </a:r>
+            <a:r>
+              <a:rPr lang="zh-CN" altLang="zh-CN" sz="1200" kern="1200" dirty="0" smtClean="0">
+                <a:solidFill>
+                  <a:schemeClr val="tx1"/>
+                </a:solidFill>
+                <a:effectLst/>
+                <a:latin typeface="Arial" charset="0"/>
+                <a:ea typeface="宋体" pitchFamily="2" charset="-122"/>
+                <a:cs typeface="+mn-cs"/>
+              </a:rPr>
+              <a:t>地产家居</a:t>
+            </a:r>
+            <a:r>
+              <a:rPr lang="zh-CN" altLang="en-US" sz="1200" kern="1200" baseline="0" dirty="0" smtClean="0">
+                <a:solidFill>
+                  <a:schemeClr val="tx1"/>
+                </a:solidFill>
+                <a:effectLst/>
+                <a:latin typeface="Arial" charset="0"/>
+                <a:ea typeface="宋体" pitchFamily="2" charset="-122"/>
+                <a:cs typeface="+mn-cs"/>
+              </a:rPr>
+              <a:t>等 </a:t>
+            </a:r>
+            <a:r>
+              <a:rPr lang="zh-CN" altLang="zh-CN" sz="1200" kern="1200" dirty="0" smtClean="0">
+                <a:solidFill>
+                  <a:schemeClr val="tx1"/>
+                </a:solidFill>
+                <a:effectLst/>
+                <a:latin typeface="Arial" charset="0"/>
+                <a:ea typeface="宋体" pitchFamily="2" charset="-122"/>
+                <a:cs typeface="+mn-cs"/>
+              </a:rPr>
+              <a:t>房产网站的数据爬取。对于爬取网站上楼盘信息进行了成分提取与多态化分析，为项目的开展奠定了良好的基础。</a:t>
+            </a:r>
+            <a:endParaRPr lang="en-US" altLang="zh-CN" sz="1200" kern="1200" dirty="0" smtClean="0">
+              <a:solidFill>
+                <a:schemeClr val="tx1"/>
+              </a:solidFill>
+              <a:effectLst/>
+              <a:latin typeface="Arial" charset="0"/>
+              <a:ea typeface="宋体" pitchFamily="2" charset="-122"/>
+              <a:cs typeface="+mn-cs"/>
+            </a:endParaRPr>
+          </a:p>
+          <a:p>
             <a:endParaRPr lang="zh-CN" altLang="zh-CN" sz="1200" kern="1200" dirty="0">
               <a:solidFill>
                 <a:schemeClr val="tx1"/>
@@ -2911,7 +4728,7 @@
     </p:spTree>
     <p:extLst>
       <p:ext uri="{BB962C8B-B14F-4D97-AF65-F5344CB8AC3E}">
-        <p14:creationId xmlns:p14="http://schemas.microsoft.com/office/powerpoint/2010/main" val="165771815"/>
+        <p14:creationId xmlns:p14="http://schemas.microsoft.com/office/powerpoint/2010/main" val="3907596636"/>
       </p:ext>
     </p:extLst>
   </p:cSld>
@@ -6687,21 +8504,7 @@
                 <a:latin typeface="黑体" panose="02010609060101010101" pitchFamily="49" charset="-122"/>
                 <a:ea typeface="黑体" panose="02010609060101010101" pitchFamily="49" charset="-122"/>
               </a:rPr>
-              <a:t>学生姓名： </a:t>
-            </a:r>
-            <a:r>
-              <a:rPr lang="zh-CN" altLang="en-US" dirty="0" smtClean="0">
-                <a:latin typeface="黑体" panose="02010609060101010101" pitchFamily="49" charset="-122"/>
-                <a:ea typeface="黑体" panose="02010609060101010101" pitchFamily="49" charset="-122"/>
-              </a:rPr>
-              <a:t>  王</a:t>
-            </a:r>
-            <a:r>
-              <a:rPr lang="zh-CN" altLang="en-US" dirty="0">
-                <a:latin typeface="黑体" panose="02010609060101010101" pitchFamily="49" charset="-122"/>
-                <a:ea typeface="黑体" panose="02010609060101010101" pitchFamily="49" charset="-122"/>
-              </a:rPr>
-              <a:t>焰</a:t>
+              <a:t>学生姓名：  王 焰</a:t>
             </a:r>
             <a:endParaRPr lang="zh-CN" altLang="en-US" sz="1200" dirty="0" smtClean="0">
               <a:latin typeface="黑体" panose="02010609060101010101" pitchFamily="49" charset="-122"/>
@@ -6768,484 +8571,6 @@
       </p:grpSpPr>
       <p:sp>
         <p:nvSpPr>
-          <p:cNvPr id="9219" name="Rectangle 6"/>
-          <p:cNvSpPr>
-            <a:spLocks noGrp="1" noChangeArrowheads="1"/>
-          </p:cNvSpPr>
-          <p:nvPr>
-            <p:ph type="title" idx="4294967295"/>
-          </p:nvPr>
-        </p:nvSpPr>
-        <p:spPr>
-          <a:xfrm>
-            <a:off x="0" y="0"/>
-            <a:ext cx="0" cy="0"/>
-          </a:xfrm>
-        </p:spPr>
-        <p:txBody>
-          <a:bodyPr anchor="ctr"/>
-          <a:lstStyle/>
-          <a:p>
-            <a:r>
-              <a:rPr lang="en-US" altLang="zh-CN" dirty="0" smtClean="0">
-                <a:effectLst>
-                  <a:outerShdw blurRad="38100" dist="38100" dir="2700000" algn="tl">
-                    <a:srgbClr val="C0C0C0"/>
-                  </a:outerShdw>
-                </a:effectLst>
-                <a:latin typeface="黑体" panose="02010609060101010101" pitchFamily="49" charset="-122"/>
-                <a:ea typeface="黑体" panose="02010609060101010101" pitchFamily="49" charset="-122"/>
-              </a:rPr>
-              <a:t/>
-            </a:r>
-            <a:br>
-              <a:rPr lang="en-US" altLang="zh-CN" dirty="0" smtClean="0">
-                <a:effectLst>
-                  <a:outerShdw blurRad="38100" dist="38100" dir="2700000" algn="tl">
-                    <a:srgbClr val="C0C0C0"/>
-                  </a:outerShdw>
-                </a:effectLst>
-                <a:latin typeface="黑体" panose="02010609060101010101" pitchFamily="49" charset="-122"/>
-                <a:ea typeface="黑体" panose="02010609060101010101" pitchFamily="49" charset="-122"/>
-              </a:rPr>
-            </a:br>
-            <a:r>
-              <a:rPr lang="en-US" altLang="zh-CN" dirty="0">
-                <a:effectLst>
-                  <a:outerShdw blurRad="38100" dist="38100" dir="2700000" algn="tl">
-                    <a:srgbClr val="C0C0C0"/>
-                  </a:outerShdw>
-                </a:effectLst>
-                <a:latin typeface="黑体" panose="02010609060101010101" pitchFamily="49" charset="-122"/>
-                <a:ea typeface="黑体" panose="02010609060101010101" pitchFamily="49" charset="-122"/>
-              </a:rPr>
-              <a:t/>
-            </a:r>
-            <a:br>
-              <a:rPr lang="en-US" altLang="zh-CN" dirty="0">
-                <a:effectLst>
-                  <a:outerShdw blurRad="38100" dist="38100" dir="2700000" algn="tl">
-                    <a:srgbClr val="C0C0C0"/>
-                  </a:outerShdw>
-                </a:effectLst>
-                <a:latin typeface="黑体" panose="02010609060101010101" pitchFamily="49" charset="-122"/>
-                <a:ea typeface="黑体" panose="02010609060101010101" pitchFamily="49" charset="-122"/>
-              </a:rPr>
-            </a:br>
-            <a:r>
-              <a:rPr lang="en-US" altLang="zh-CN" dirty="0" smtClean="0">
-                <a:effectLst>
-                  <a:outerShdw blurRad="38100" dist="38100" dir="2700000" algn="tl">
-                    <a:srgbClr val="C0C0C0"/>
-                  </a:outerShdw>
-                </a:effectLst>
-                <a:latin typeface="黑体" panose="02010609060101010101" pitchFamily="49" charset="-122"/>
-                <a:ea typeface="黑体" panose="02010609060101010101" pitchFamily="49" charset="-122"/>
-              </a:rPr>
-              <a:t/>
-            </a:r>
-            <a:br>
-              <a:rPr lang="en-US" altLang="zh-CN" dirty="0" smtClean="0">
-                <a:effectLst>
-                  <a:outerShdw blurRad="38100" dist="38100" dir="2700000" algn="tl">
-                    <a:srgbClr val="C0C0C0"/>
-                  </a:outerShdw>
-                </a:effectLst>
-                <a:latin typeface="黑体" panose="02010609060101010101" pitchFamily="49" charset="-122"/>
-                <a:ea typeface="黑体" panose="02010609060101010101" pitchFamily="49" charset="-122"/>
-              </a:rPr>
-            </a:br>
-            <a:r>
-              <a:rPr lang="en-US" altLang="zh-CN" dirty="0">
-                <a:effectLst>
-                  <a:outerShdw blurRad="38100" dist="38100" dir="2700000" algn="tl">
-                    <a:srgbClr val="C0C0C0"/>
-                  </a:outerShdw>
-                </a:effectLst>
-                <a:latin typeface="黑体" panose="02010609060101010101" pitchFamily="49" charset="-122"/>
-                <a:ea typeface="黑体" panose="02010609060101010101" pitchFamily="49" charset="-122"/>
-              </a:rPr>
-              <a:t> </a:t>
-            </a:r>
-            <a:endParaRPr lang="zh-CN" altLang="en-US" dirty="0" smtClean="0">
-              <a:effectLst>
-                <a:outerShdw blurRad="38100" dist="38100" dir="2700000" algn="tl">
-                  <a:srgbClr val="C0C0C0"/>
-                </a:outerShdw>
-              </a:effectLst>
-              <a:latin typeface="黑体" panose="02010609060101010101" pitchFamily="49" charset="-122"/>
-              <a:ea typeface="黑体" panose="02010609060101010101" pitchFamily="49" charset="-122"/>
-            </a:endParaRPr>
-          </a:p>
-        </p:txBody>
-      </p:sp>
-      <p:sp>
-        <p:nvSpPr>
-          <p:cNvPr id="54275" name="Rectangle 6"/>
-          <p:cNvSpPr txBox="1">
-            <a:spLocks noGrp="1" noChangeArrowheads="1"/>
-          </p:cNvSpPr>
-          <p:nvPr/>
-        </p:nvSpPr>
-        <p:spPr bwMode="auto">
-          <a:xfrm>
-            <a:off x="457200" y="6453188"/>
-            <a:ext cx="2133600" cy="268287"/>
-          </a:xfrm>
-          <a:prstGeom prst="rect">
-            <a:avLst/>
-          </a:prstGeom>
-          <a:noFill/>
-          <a:ln>
-            <a:noFill/>
-          </a:ln>
-          <a:extLst>
-            <a:ext uri="{909E8E84-426E-40DD-AFC4-6F175D3DCCD1}">
-              <a14:hiddenFill xmlns:a14="http://schemas.microsoft.com/office/drawing/2010/main">
-                <a:solidFill>
-                  <a:srgbClr val="FFFFFF"/>
-                </a:solidFill>
-              </a14:hiddenFill>
-            </a:ext>
-            <a:ext uri="{91240B29-F687-4F45-9708-019B960494DF}">
-              <a14:hiddenLine xmlns:a14="http://schemas.microsoft.com/office/drawing/2010/main" w="9525">
-                <a:solidFill>
-                  <a:srgbClr val="000000"/>
-                </a:solidFill>
-                <a:miter lim="800000"/>
-                <a:headEnd/>
-                <a:tailEnd/>
-              </a14:hiddenLine>
-            </a:ext>
-          </a:extLst>
-        </p:spPr>
-        <p:txBody>
-          <a:bodyPr anchor="b"/>
-          <a:lstStyle>
-            <a:lvl1pPr eaLnBrk="0" hangingPunct="0">
-              <a:defRPr sz="2400">
-                <a:solidFill>
-                  <a:schemeClr val="tx1"/>
-                </a:solidFill>
-                <a:latin typeface="Verdana" panose="020B0604030504040204" pitchFamily="34" charset="0"/>
-                <a:ea typeface="宋体" panose="02010600030101010101" pitchFamily="2" charset="-122"/>
-              </a:defRPr>
-            </a:lvl1pPr>
-            <a:lvl2pPr marL="742950" indent="-285750" eaLnBrk="0" hangingPunct="0">
-              <a:defRPr sz="2400">
-                <a:solidFill>
-                  <a:schemeClr val="tx1"/>
-                </a:solidFill>
-                <a:latin typeface="Verdana" panose="020B0604030504040204" pitchFamily="34" charset="0"/>
-                <a:ea typeface="宋体" panose="02010600030101010101" pitchFamily="2" charset="-122"/>
-              </a:defRPr>
-            </a:lvl2pPr>
-            <a:lvl3pPr marL="1143000" indent="-228600" eaLnBrk="0" hangingPunct="0">
-              <a:defRPr sz="2400">
-                <a:solidFill>
-                  <a:schemeClr val="tx1"/>
-                </a:solidFill>
-                <a:latin typeface="Verdana" panose="020B0604030504040204" pitchFamily="34" charset="0"/>
-                <a:ea typeface="宋体" panose="02010600030101010101" pitchFamily="2" charset="-122"/>
-              </a:defRPr>
-            </a:lvl3pPr>
-            <a:lvl4pPr marL="1600200" indent="-228600" eaLnBrk="0" hangingPunct="0">
-              <a:defRPr sz="2400">
-                <a:solidFill>
-                  <a:schemeClr val="tx1"/>
-                </a:solidFill>
-                <a:latin typeface="Verdana" panose="020B0604030504040204" pitchFamily="34" charset="0"/>
-                <a:ea typeface="宋体" panose="02010600030101010101" pitchFamily="2" charset="-122"/>
-              </a:defRPr>
-            </a:lvl4pPr>
-            <a:lvl5pPr marL="2057400" indent="-228600" eaLnBrk="0" hangingPunct="0">
-              <a:defRPr sz="2400">
-                <a:solidFill>
-                  <a:schemeClr val="tx1"/>
-                </a:solidFill>
-                <a:latin typeface="Verdana" panose="020B0604030504040204" pitchFamily="34" charset="0"/>
-                <a:ea typeface="宋体" panose="02010600030101010101" pitchFamily="2" charset="-122"/>
-              </a:defRPr>
-            </a:lvl5pPr>
-            <a:lvl6pPr marL="2514600" indent="-228600" eaLnBrk="0" fontAlgn="base" hangingPunct="0">
-              <a:spcBef>
-                <a:spcPct val="0"/>
-              </a:spcBef>
-              <a:spcAft>
-                <a:spcPct val="0"/>
-              </a:spcAft>
-              <a:defRPr sz="2400">
-                <a:solidFill>
-                  <a:schemeClr val="tx1"/>
-                </a:solidFill>
-                <a:latin typeface="Verdana" panose="020B0604030504040204" pitchFamily="34" charset="0"/>
-                <a:ea typeface="宋体" panose="02010600030101010101" pitchFamily="2" charset="-122"/>
-              </a:defRPr>
-            </a:lvl6pPr>
-            <a:lvl7pPr marL="2971800" indent="-228600" eaLnBrk="0" fontAlgn="base" hangingPunct="0">
-              <a:spcBef>
-                <a:spcPct val="0"/>
-              </a:spcBef>
-              <a:spcAft>
-                <a:spcPct val="0"/>
-              </a:spcAft>
-              <a:defRPr sz="2400">
-                <a:solidFill>
-                  <a:schemeClr val="tx1"/>
-                </a:solidFill>
-                <a:latin typeface="Verdana" panose="020B0604030504040204" pitchFamily="34" charset="0"/>
-                <a:ea typeface="宋体" panose="02010600030101010101" pitchFamily="2" charset="-122"/>
-              </a:defRPr>
-            </a:lvl7pPr>
-            <a:lvl8pPr marL="3429000" indent="-228600" eaLnBrk="0" fontAlgn="base" hangingPunct="0">
-              <a:spcBef>
-                <a:spcPct val="0"/>
-              </a:spcBef>
-              <a:spcAft>
-                <a:spcPct val="0"/>
-              </a:spcAft>
-              <a:defRPr sz="2400">
-                <a:solidFill>
-                  <a:schemeClr val="tx1"/>
-                </a:solidFill>
-                <a:latin typeface="Verdana" panose="020B0604030504040204" pitchFamily="34" charset="0"/>
-                <a:ea typeface="宋体" panose="02010600030101010101" pitchFamily="2" charset="-122"/>
-              </a:defRPr>
-            </a:lvl8pPr>
-            <a:lvl9pPr marL="3886200" indent="-228600" eaLnBrk="0" fontAlgn="base" hangingPunct="0">
-              <a:spcBef>
-                <a:spcPct val="0"/>
-              </a:spcBef>
-              <a:spcAft>
-                <a:spcPct val="0"/>
-              </a:spcAft>
-              <a:defRPr sz="2400">
-                <a:solidFill>
-                  <a:schemeClr val="tx1"/>
-                </a:solidFill>
-                <a:latin typeface="Verdana" panose="020B0604030504040204" pitchFamily="34" charset="0"/>
-                <a:ea typeface="宋体" panose="02010600030101010101" pitchFamily="2" charset="-122"/>
-              </a:defRPr>
-            </a:lvl9pPr>
-          </a:lstStyle>
-          <a:p>
-            <a:pPr eaLnBrk="1" hangingPunct="1"/>
-            <a:fld id="{1E9FE7B9-E983-427D-BAEE-77F4641B7D82}" type="slidenum">
-              <a:rPr lang="en-US" altLang="zh-CN" sz="1200">
-                <a:latin typeface="Arial" panose="020B0604020202020204" pitchFamily="34" charset="0"/>
-              </a:rPr>
-              <a:pPr eaLnBrk="1" hangingPunct="1"/>
-              <a:t>10</a:t>
-            </a:fld>
-            <a:endParaRPr lang="en-US" altLang="zh-CN" sz="1200">
-              <a:latin typeface="Arial" panose="020B0604020202020204" pitchFamily="34" charset="0"/>
-            </a:endParaRPr>
-          </a:p>
-        </p:txBody>
-      </p:sp>
-      <p:sp>
-        <p:nvSpPr>
-          <p:cNvPr id="6" name="Rectangle 2"/>
-          <p:cNvSpPr>
-            <a:spLocks noGrp="1" noChangeArrowheads="1"/>
-          </p:cNvSpPr>
-          <p:nvPr>
-            <p:ph type="title" idx="4294967295"/>
-          </p:nvPr>
-        </p:nvSpPr>
-        <p:spPr bwMode="auto">
-          <a:xfrm>
-            <a:off x="457200" y="533400"/>
-            <a:ext cx="8229600" cy="884238"/>
-          </a:xfrm>
-          <a:prstGeom prst="rect">
-            <a:avLst/>
-          </a:prstGeom>
-          <a:noFill/>
-          <a:extLst>
-            <a:ext uri="{909E8E84-426E-40DD-AFC4-6F175D3DCCD1}">
-              <a14:hiddenFill xmlns:a14="http://schemas.microsoft.com/office/drawing/2010/main">
-                <a:solidFill>
-                  <a:srgbClr val="FFFFFF"/>
-                </a:solidFill>
-              </a14:hiddenFill>
-            </a:ext>
-            <a:ext uri="{91240B29-F687-4F45-9708-019B960494DF}">
-              <a14:hiddenLine xmlns:a14="http://schemas.microsoft.com/office/drawing/2010/main" w="9525">
-                <a:solidFill>
-                  <a:srgbClr val="000000"/>
-                </a:solidFill>
-                <a:miter lim="800000"/>
-                <a:headEnd/>
-                <a:tailEnd/>
-              </a14:hiddenLine>
-            </a:ext>
-          </a:extLst>
-        </p:spPr>
-        <p:txBody>
-          <a:bodyPr/>
-          <a:lstStyle/>
-          <a:p>
-            <a:pPr eaLnBrk="1" hangingPunct="1"/>
-            <a:r>
-              <a:rPr lang="zh-CN" altLang="en-US" dirty="0">
-                <a:effectLst>
-                  <a:outerShdw blurRad="38100" dist="38100" dir="2700000" algn="tl">
-                    <a:srgbClr val="C0C0C0"/>
-                  </a:outerShdw>
-                </a:effectLst>
-                <a:latin typeface="黑体" panose="02010609060101010101" pitchFamily="49" charset="-122"/>
-                <a:ea typeface="黑体" panose="02010609060101010101" pitchFamily="49" charset="-122"/>
-              </a:rPr>
-              <a:t>数据</a:t>
-            </a:r>
-            <a:r>
-              <a:rPr lang="zh-CN" altLang="en-US" dirty="0" smtClean="0">
-                <a:effectLst>
-                  <a:outerShdw blurRad="38100" dist="38100" dir="2700000" algn="tl">
-                    <a:srgbClr val="C0C0C0"/>
-                  </a:outerShdw>
-                </a:effectLst>
-                <a:latin typeface="黑体" panose="02010609060101010101" pitchFamily="49" charset="-122"/>
-                <a:ea typeface="黑体" panose="02010609060101010101" pitchFamily="49" charset="-122"/>
-              </a:rPr>
-              <a:t>挖掘</a:t>
-            </a:r>
-            <a:r>
-              <a:rPr lang="en-US" altLang="zh-CN" dirty="0" smtClean="0">
-                <a:effectLst>
-                  <a:outerShdw blurRad="38100" dist="38100" dir="2700000" algn="tl">
-                    <a:srgbClr val="C0C0C0"/>
-                  </a:outerShdw>
-                </a:effectLst>
-                <a:latin typeface="黑体" panose="02010609060101010101" pitchFamily="49" charset="-122"/>
-                <a:ea typeface="黑体" panose="02010609060101010101" pitchFamily="49" charset="-122"/>
-              </a:rPr>
-              <a:t>—</a:t>
-            </a:r>
-            <a:r>
-              <a:rPr lang="zh-CN" altLang="en-US" dirty="0" smtClean="0">
-                <a:effectLst>
-                  <a:outerShdw blurRad="38100" dist="38100" dir="2700000" algn="tl">
-                    <a:srgbClr val="C0C0C0"/>
-                  </a:outerShdw>
-                </a:effectLst>
-                <a:latin typeface="黑体" panose="02010609060101010101" pitchFamily="49" charset="-122"/>
-                <a:ea typeface="黑体" panose="02010609060101010101" pitchFamily="49" charset="-122"/>
-              </a:rPr>
-              <a:t>结果展示</a:t>
-            </a:r>
-          </a:p>
-        </p:txBody>
-      </p:sp>
-      <p:pic>
-        <p:nvPicPr>
-          <p:cNvPr id="8" name="图片 7" descr="爬取数据统计"/>
-          <p:cNvPicPr/>
-          <p:nvPr/>
-        </p:nvPicPr>
-        <p:blipFill>
-          <a:blip r:embed="rId3">
-            <a:extLst>
-              <a:ext uri="{28A0092B-C50C-407E-A947-70E740481C1C}">
-                <a14:useLocalDpi xmlns:a14="http://schemas.microsoft.com/office/drawing/2010/main" val="0"/>
-              </a:ext>
-            </a:extLst>
-          </a:blip>
-          <a:srcRect/>
-          <a:stretch>
-            <a:fillRect/>
-          </a:stretch>
-        </p:blipFill>
-        <p:spPr bwMode="auto">
-          <a:xfrm>
-            <a:off x="219075" y="1981200"/>
-            <a:ext cx="4276725" cy="3429000"/>
-          </a:xfrm>
-          <a:prstGeom prst="rect">
-            <a:avLst/>
-          </a:prstGeom>
-          <a:noFill/>
-          <a:ln>
-            <a:noFill/>
-          </a:ln>
-        </p:spPr>
-      </p:pic>
-      <p:pic>
-        <p:nvPicPr>
-          <p:cNvPr id="9" name="图片 8" descr="武汉房价分布"/>
-          <p:cNvPicPr/>
-          <p:nvPr/>
-        </p:nvPicPr>
-        <p:blipFill rotWithShape="1">
-          <a:blip r:embed="rId4">
-            <a:extLst>
-              <a:ext uri="{28A0092B-C50C-407E-A947-70E740481C1C}">
-                <a14:useLocalDpi xmlns:a14="http://schemas.microsoft.com/office/drawing/2010/main" val="0"/>
-              </a:ext>
-            </a:extLst>
-          </a:blip>
-          <a:srcRect t="9460"/>
-          <a:stretch/>
-        </p:blipFill>
-        <p:spPr bwMode="auto">
-          <a:xfrm>
-            <a:off x="4724401" y="2095500"/>
-            <a:ext cx="4114800" cy="3314700"/>
-          </a:xfrm>
-          <a:prstGeom prst="rect">
-            <a:avLst/>
-          </a:prstGeom>
-          <a:noFill/>
-          <a:ln>
-            <a:noFill/>
-          </a:ln>
-          <a:extLst>
-            <a:ext uri="{53640926-AAD7-44D8-BBD7-CCE9431645EC}">
-              <a14:shadowObscured xmlns:a14="http://schemas.microsoft.com/office/drawing/2010/main"/>
-            </a:ext>
-          </a:extLst>
-        </p:spPr>
-      </p:pic>
-    </p:spTree>
-    <p:extLst>
-      <p:ext uri="{BB962C8B-B14F-4D97-AF65-F5344CB8AC3E}">
-        <p14:creationId xmlns:p14="http://schemas.microsoft.com/office/powerpoint/2010/main" val="1219525103"/>
-      </p:ext>
-    </p:extLst>
-  </p:cSld>
-  <p:clrMapOvr>
-    <a:masterClrMapping/>
-  </p:clrMapOvr>
-  <p:timing>
-    <p:tnLst>
-      <p:par>
-        <p:cTn id="1" dur="indefinite" restart="never" nodeType="tmRoot"/>
-      </p:par>
-    </p:tnLst>
-  </p:timing>
-</p:sld>
-</file>
-
-<file path=ppt/slides/slide11.xml><?xml version="1.0" encoding="utf-8"?>
-<p:sld xmlns:a="http://schemas.openxmlformats.org/drawingml/2006/main" xmlns:r="http://schemas.openxmlformats.org/officeDocument/2006/relationships" xmlns:p="http://schemas.openxmlformats.org/presentationml/2006/main">
-  <p:cSld>
-    <p:spTree>
-      <p:nvGrpSpPr>
-        <p:cNvPr id="1" name=""/>
-        <p:cNvGrpSpPr/>
-        <p:nvPr/>
-      </p:nvGrpSpPr>
-      <p:grpSpPr>
-        <a:xfrm>
-          <a:off x="0" y="0"/>
-          <a:ext cx="0" cy="0"/>
-          <a:chOff x="0" y="0"/>
-          <a:chExt cx="0" cy="0"/>
-        </a:xfrm>
-      </p:grpSpPr>
-      <p:sp>
-        <p:nvSpPr>
           <p:cNvPr id="2" name="标题 1"/>
           <p:cNvSpPr>
             <a:spLocks noGrp="1"/>
@@ -7319,7 +8644,7 @@
           <p:nvPr/>
         </p:nvPicPr>
         <p:blipFill>
-          <a:blip r:embed="rId2">
+          <a:blip r:embed="rId3">
             <a:extLst>
               <a:ext uri="{28A0092B-C50C-407E-A947-70E740481C1C}">
                 <a14:useLocalDpi xmlns:a14="http://schemas.microsoft.com/office/drawing/2010/main" val="0"/>
@@ -7352,7 +8677,7 @@
           <p:nvPr/>
         </p:nvPicPr>
         <p:blipFill>
-          <a:blip r:embed="rId3">
+          <a:blip r:embed="rId4">
             <a:extLst>
               <a:ext uri="{28A0092B-C50C-407E-A947-70E740481C1C}">
                 <a14:useLocalDpi xmlns:a14="http://schemas.microsoft.com/office/drawing/2010/main" val="0"/>
@@ -7385,7 +8710,7 @@
           <p:nvPr/>
         </p:nvPicPr>
         <p:blipFill rotWithShape="1">
-          <a:blip r:embed="rId4">
+          <a:blip r:embed="rId5">
             <a:extLst>
               <a:ext uri="{28A0092B-C50C-407E-A947-70E740481C1C}">
                 <a14:useLocalDpi xmlns:a14="http://schemas.microsoft.com/office/drawing/2010/main" val="0"/>
@@ -7513,7 +8838,7 @@
           <p:nvPr/>
         </p:nvPicPr>
         <p:blipFill>
-          <a:blip r:embed="rId5">
+          <a:blip r:embed="rId6">
             <a:extLst>
               <a:ext uri="{28A0092B-C50C-407E-A947-70E740481C1C}">
                 <a14:useLocalDpi xmlns:a14="http://schemas.microsoft.com/office/drawing/2010/main" val="0"/>
@@ -7605,7 +8930,7 @@
 </p:sld>
 </file>
 
-<file path=ppt/slides/slide12.xml><?xml version="1.0" encoding="utf-8"?>
+<file path=ppt/slides/slide11.xml><?xml version="1.0" encoding="utf-8"?>
 <p:sld xmlns:a="http://schemas.openxmlformats.org/drawingml/2006/main" xmlns:r="http://schemas.openxmlformats.org/officeDocument/2006/relationships" xmlns:p="http://schemas.openxmlformats.org/presentationml/2006/main">
   <p:cSld>
     <p:spTree>
@@ -7744,7 +9069,7 @@
           <p:nvPr/>
         </p:nvPicPr>
         <p:blipFill>
-          <a:blip r:embed="rId2">
+          <a:blip r:embed="rId3">
             <a:extLst>
               <a:ext uri="{28A0092B-C50C-407E-A947-70E740481C1C}">
                 <a14:useLocalDpi xmlns:a14="http://schemas.microsoft.com/office/drawing/2010/main" val="0"/>
@@ -7914,7 +9239,7 @@
 </p:sld>
 </file>
 
-<file path=ppt/slides/slide13.xml><?xml version="1.0" encoding="utf-8"?>
+<file path=ppt/slides/slide12.xml><?xml version="1.0" encoding="utf-8"?>
 <p:sld xmlns:a="http://schemas.openxmlformats.org/drawingml/2006/main" xmlns:r="http://schemas.openxmlformats.org/officeDocument/2006/relationships" xmlns:p="http://schemas.openxmlformats.org/presentationml/2006/main">
   <p:cSld>
     <p:spTree>
@@ -7992,7 +9317,7 @@
               <a:defRPr/>
             </a:pPr>
             <a:r>
-              <a:rPr lang="zh-CN" altLang="en-US" smtClean="0"/>
+              <a:rPr lang="zh-CN" altLang="en-US" dirty="0" smtClean="0"/>
               <a:t>武汉大学计算机学院</a:t>
             </a:r>
             <a:endParaRPr lang="zh-CN" altLang="en-US" dirty="0"/>
@@ -8006,7 +9331,7 @@
           <p:nvPr/>
         </p:nvPicPr>
         <p:blipFill>
-          <a:blip r:embed="rId2">
+          <a:blip r:embed="rId3">
             <a:extLst>
               <a:ext uri="{28A0092B-C50C-407E-A947-70E740481C1C}">
                 <a14:useLocalDpi xmlns:a14="http://schemas.microsoft.com/office/drawing/2010/main" val="0"/>
@@ -8052,7 +9377,7 @@
 </p:sld>
 </file>
 
-<file path=ppt/slides/slide14.xml><?xml version="1.0" encoding="utf-8"?>
+<file path=ppt/slides/slide13.xml><?xml version="1.0" encoding="utf-8"?>
 <p:sld xmlns:a="http://schemas.openxmlformats.org/drawingml/2006/main" xmlns:r="http://schemas.openxmlformats.org/officeDocument/2006/relationships" xmlns:p="http://schemas.openxmlformats.org/presentationml/2006/main">
   <p:cSld>
     <p:spTree>
@@ -9470,7 +10795,7 @@
             <p:nvPr/>
           </p:nvPicPr>
           <p:blipFill>
-            <a:blip r:embed="rId2">
+            <a:blip r:embed="rId3">
               <a:extLst>
                 <a:ext uri="{28A0092B-C50C-407E-A947-70E740481C1C}">
                   <a14:useLocalDpi xmlns:a14="http://schemas.microsoft.com/office/drawing/2010/main" val="0"/>
@@ -9569,7 +10894,7 @@
 </p:sld>
 </file>
 
-<file path=ppt/slides/slide15.xml><?xml version="1.0" encoding="utf-8"?>
+<file path=ppt/slides/slide14.xml><?xml version="1.0" encoding="utf-8"?>
 <p:sld xmlns:a="http://schemas.openxmlformats.org/drawingml/2006/main" xmlns:r="http://schemas.openxmlformats.org/officeDocument/2006/relationships" xmlns:p="http://schemas.openxmlformats.org/presentationml/2006/main">
   <p:cSld>
     <p:spTree>
@@ -9661,7 +10986,7 @@
           <p:nvPr/>
         </p:nvPicPr>
         <p:blipFill>
-          <a:blip r:embed="rId2">
+          <a:blip r:embed="rId3">
             <a:extLst>
               <a:ext uri="{28A0092B-C50C-407E-A947-70E740481C1C}">
                 <a14:useLocalDpi xmlns:a14="http://schemas.microsoft.com/office/drawing/2010/main" val="0"/>
@@ -9694,7 +11019,7 @@
           <p:nvPr/>
         </p:nvPicPr>
         <p:blipFill rotWithShape="1">
-          <a:blip r:embed="rId3">
+          <a:blip r:embed="rId4">
             <a:extLst>
               <a:ext uri="{28A0092B-C50C-407E-A947-70E740481C1C}">
                 <a14:useLocalDpi xmlns:a14="http://schemas.microsoft.com/office/drawing/2010/main" val="0"/>
@@ -9848,7 +11173,7 @@
 </p:sld>
 </file>
 
-<file path=ppt/slides/slide16.xml><?xml version="1.0" encoding="utf-8"?>
+<file path=ppt/slides/slide15.xml><?xml version="1.0" encoding="utf-8"?>
 <p:sld xmlns:a="http://schemas.openxmlformats.org/drawingml/2006/main" xmlns:r="http://schemas.openxmlformats.org/officeDocument/2006/relationships" xmlns:p="http://schemas.openxmlformats.org/presentationml/2006/main">
   <p:cSld>
     <p:spTree>
@@ -9940,7 +11265,7 @@
           <p:nvPr/>
         </p:nvPicPr>
         <p:blipFill>
-          <a:blip r:embed="rId2" cstate="print">
+          <a:blip r:embed="rId3" cstate="print">
             <a:extLst>
               <a:ext uri="{28A0092B-C50C-407E-A947-70E740481C1C}">
                 <a14:useLocalDpi xmlns:a14="http://schemas.microsoft.com/office/drawing/2010/main" val="0"/>
@@ -9976,10 +11301,17 @@
   <p:clrMapOvr>
     <a:masterClrMapping/>
   </p:clrMapOvr>
+  <p:timing>
+    <p:tnLst>
+      <p:par>
+        <p:cTn id="1" dur="indefinite" restart="never" nodeType="tmRoot"/>
+      </p:par>
+    </p:tnLst>
+  </p:timing>
 </p:sld>
 </file>
 
-<file path=ppt/slides/slide17.xml><?xml version="1.0" encoding="utf-8"?>
+<file path=ppt/slides/slide16.xml><?xml version="1.0" encoding="utf-8"?>
 <p:sld xmlns:a="http://schemas.openxmlformats.org/drawingml/2006/main" xmlns:r="http://schemas.openxmlformats.org/officeDocument/2006/relationships" xmlns:p="http://schemas.openxmlformats.org/presentationml/2006/main">
   <p:cSld>
     <p:spTree>
@@ -11039,7 +12371,7 @@
 </p:sld>
 </file>
 
-<file path=ppt/slides/slide18.xml><?xml version="1.0" encoding="utf-8"?>
+<file path=ppt/slides/slide17.xml><?xml version="1.0" encoding="utf-8"?>
 <p:sld xmlns:a="http://schemas.openxmlformats.org/drawingml/2006/main" xmlns:r="http://schemas.openxmlformats.org/officeDocument/2006/relationships" xmlns:p="http://schemas.openxmlformats.org/presentationml/2006/main">
   <p:cSld>
     <p:spTree>
@@ -11131,7 +12463,7 @@
           <p:nvPr/>
         </p:nvPicPr>
         <p:blipFill>
-          <a:blip r:embed="rId2"/>
+          <a:blip r:embed="rId3"/>
           <a:stretch>
             <a:fillRect/>
           </a:stretch>
@@ -11153,7 +12485,7 @@
           <p:nvPr/>
         </p:nvPicPr>
         <p:blipFill rotWithShape="1">
-          <a:blip r:embed="rId3"/>
+          <a:blip r:embed="rId4"/>
           <a:srcRect b="4680"/>
           <a:stretch/>
         </p:blipFill>
@@ -11271,6 +12603,161 @@
 </p:sld>
 </file>
 
+<file path=ppt/slides/slide18.xml><?xml version="1.0" encoding="utf-8"?>
+<p:sld xmlns:a="http://schemas.openxmlformats.org/drawingml/2006/main" xmlns:r="http://schemas.openxmlformats.org/officeDocument/2006/relationships" xmlns:p="http://schemas.openxmlformats.org/presentationml/2006/main">
+  <p:cSld>
+    <p:spTree>
+      <p:nvGrpSpPr>
+        <p:cNvPr id="1" name=""/>
+        <p:cNvGrpSpPr/>
+        <p:nvPr/>
+      </p:nvGrpSpPr>
+      <p:grpSpPr>
+        <a:xfrm>
+          <a:off x="0" y="0"/>
+          <a:ext cx="0" cy="0"/>
+          <a:chOff x="0" y="0"/>
+          <a:chExt cx="0" cy="0"/>
+        </a:xfrm>
+      </p:grpSpPr>
+      <p:sp>
+        <p:nvSpPr>
+          <p:cNvPr id="2" name="标题 1"/>
+          <p:cNvSpPr>
+            <a:spLocks noGrp="1"/>
+          </p:cNvSpPr>
+          <p:nvPr>
+            <p:ph type="title"/>
+          </p:nvPr>
+        </p:nvSpPr>
+        <p:spPr/>
+        <p:txBody>
+          <a:bodyPr/>
+          <a:lstStyle/>
+          <a:p>
+            <a:r>
+              <a:rPr lang="zh-CN" altLang="en-US" dirty="0" smtClean="0"/>
+              <a:t>实验结果评估（</a:t>
+            </a:r>
+            <a:r>
+              <a:rPr lang="en-US" altLang="zh-CN" dirty="0" smtClean="0"/>
+              <a:t>1/2</a:t>
+            </a:r>
+            <a:r>
+              <a:rPr lang="zh-CN" altLang="en-US" dirty="0" smtClean="0"/>
+              <a:t>）</a:t>
+            </a:r>
+            <a:endParaRPr lang="zh-CN" altLang="en-US" dirty="0"/>
+          </a:p>
+        </p:txBody>
+      </p:sp>
+      <p:pic>
+        <p:nvPicPr>
+          <p:cNvPr id="5" name="内容占位符 4"/>
+          <p:cNvPicPr>
+            <a:picLocks noGrp="1" noChangeAspect="1"/>
+          </p:cNvPicPr>
+          <p:nvPr>
+            <p:ph idx="1"/>
+          </p:nvPr>
+        </p:nvPicPr>
+        <p:blipFill>
+          <a:blip r:embed="rId3"/>
+          <a:stretch>
+            <a:fillRect/>
+          </a:stretch>
+        </p:blipFill>
+        <p:spPr>
+          <a:xfrm>
+            <a:off x="1828800" y="2163853"/>
+            <a:ext cx="6073897" cy="4081372"/>
+          </a:xfrm>
+          <a:prstGeom prst="rect">
+            <a:avLst/>
+          </a:prstGeom>
+        </p:spPr>
+      </p:pic>
+      <p:sp>
+        <p:nvSpPr>
+          <p:cNvPr id="4" name="页脚占位符 3"/>
+          <p:cNvSpPr>
+            <a:spLocks noGrp="1"/>
+          </p:cNvSpPr>
+          <p:nvPr>
+            <p:ph type="ftr" sz="quarter" idx="10"/>
+          </p:nvPr>
+        </p:nvSpPr>
+        <p:spPr/>
+        <p:txBody>
+          <a:bodyPr/>
+          <a:lstStyle/>
+          <a:p>
+            <a:pPr>
+              <a:defRPr/>
+            </a:pPr>
+            <a:r>
+              <a:rPr lang="zh-CN" altLang="en-US" smtClean="0"/>
+              <a:t>武汉大学计算机学院</a:t>
+            </a:r>
+            <a:endParaRPr lang="zh-CN" altLang="en-US" dirty="0"/>
+          </a:p>
+        </p:txBody>
+      </p:sp>
+      <p:sp>
+        <p:nvSpPr>
+          <p:cNvPr id="6" name="文本框 5"/>
+          <p:cNvSpPr txBox="1"/>
+          <p:nvPr/>
+        </p:nvSpPr>
+        <p:spPr>
+          <a:xfrm>
+            <a:off x="2541648" y="1706653"/>
+            <a:ext cx="4648200" cy="369332"/>
+          </a:xfrm>
+          <a:prstGeom prst="rect">
+            <a:avLst/>
+          </a:prstGeom>
+          <a:noFill/>
+        </p:spPr>
+        <p:txBody>
+          <a:bodyPr wrap="square" rtlCol="0">
+            <a:spAutoFit/>
+          </a:bodyPr>
+          <a:lstStyle/>
+          <a:p>
+            <a:pPr algn="ctr"/>
+            <a:r>
+              <a:rPr lang="zh-CN" altLang="en-US" sz="1800" dirty="0"/>
+              <a:t>精</a:t>
+            </a:r>
+            <a:r>
+              <a:rPr lang="zh-CN" altLang="en-US" sz="1800" dirty="0" smtClean="0"/>
+              <a:t>准广告营销与传统广告营销点击率比较</a:t>
+            </a:r>
+            <a:endParaRPr lang="zh-CN" altLang="en-US" sz="1800" dirty="0"/>
+          </a:p>
+        </p:txBody>
+      </p:sp>
+    </p:spTree>
+    <p:extLst>
+      <p:ext uri="{BB962C8B-B14F-4D97-AF65-F5344CB8AC3E}">
+        <p14:creationId xmlns:p14="http://schemas.microsoft.com/office/powerpoint/2010/main" val="1531761465"/>
+      </p:ext>
+    </p:extLst>
+  </p:cSld>
+  <p:clrMapOvr>
+    <a:masterClrMapping/>
+  </p:clrMapOvr>
+  <p:timing>
+    <p:tnLst>
+      <p:par>
+        <p:cTn id="1" dur="indefinite" restart="never" nodeType="tmRoot"/>
+      </p:par>
+    </p:tnLst>
+  </p:timing>
+</p:sld>
+</file>
+
 <file path=ppt/slides/slide19.xml><?xml version="1.0" encoding="utf-8"?>
 <p:sld xmlns:a="http://schemas.openxmlformats.org/drawingml/2006/main" xmlns:r="http://schemas.openxmlformats.org/officeDocument/2006/relationships" xmlns:p="http://schemas.openxmlformats.org/presentationml/2006/main">
   <p:cSld>
@@ -11308,8 +12795,12 @@
               <a:t>实验结果评估（</a:t>
             </a:r>
             <a:r>
+              <a:rPr lang="en-US" altLang="zh-CN" dirty="0"/>
+              <a:t>2</a:t>
+            </a:r>
+            <a:r>
               <a:rPr lang="en-US" altLang="zh-CN" dirty="0" smtClean="0"/>
-              <a:t>1/2</a:t>
+              <a:t>/2</a:t>
             </a:r>
             <a:r>
               <a:rPr lang="zh-CN" altLang="en-US" dirty="0" smtClean="0"/>
@@ -11319,32 +12810,6 @@
           </a:p>
         </p:txBody>
       </p:sp>
-      <p:pic>
-        <p:nvPicPr>
-          <p:cNvPr id="5" name="内容占位符 4"/>
-          <p:cNvPicPr>
-            <a:picLocks noGrp="1" noChangeAspect="1"/>
-          </p:cNvPicPr>
-          <p:nvPr>
-            <p:ph idx="1"/>
-          </p:nvPr>
-        </p:nvPicPr>
-        <p:blipFill>
-          <a:blip r:embed="rId2"/>
-          <a:stretch>
-            <a:fillRect/>
-          </a:stretch>
-        </p:blipFill>
-        <p:spPr>
-          <a:xfrm>
-            <a:off x="1828800" y="2163853"/>
-            <a:ext cx="6073897" cy="4081372"/>
-          </a:xfrm>
-          <a:prstGeom prst="rect">
-            <a:avLst/>
-          </a:prstGeom>
-        </p:spPr>
-      </p:pic>
       <p:sp>
         <p:nvSpPr>
           <p:cNvPr id="4" name="页脚占位符 3"/>
@@ -11406,10 +12871,32 @@
           </a:p>
         </p:txBody>
       </p:sp>
+      <p:pic>
+        <p:nvPicPr>
+          <p:cNvPr id="7" name="图片 6"/>
+          <p:cNvPicPr/>
+          <p:nvPr/>
+        </p:nvPicPr>
+        <p:blipFill>
+          <a:blip r:embed="rId3"/>
+          <a:stretch>
+            <a:fillRect/>
+          </a:stretch>
+        </p:blipFill>
+        <p:spPr>
+          <a:xfrm>
+            <a:off x="1489770" y="2075985"/>
+            <a:ext cx="6751955" cy="3503613"/>
+          </a:xfrm>
+          <a:prstGeom prst="rect">
+            <a:avLst/>
+          </a:prstGeom>
+        </p:spPr>
+      </p:pic>
     </p:spTree>
     <p:extLst>
       <p:ext uri="{BB962C8B-B14F-4D97-AF65-F5344CB8AC3E}">
-        <p14:creationId xmlns:p14="http://schemas.microsoft.com/office/powerpoint/2010/main" val="1531761465"/>
+        <p14:creationId xmlns:p14="http://schemas.microsoft.com/office/powerpoint/2010/main" val="294787355"/>
       </p:ext>
     </p:extLst>
   </p:cSld>
@@ -11779,161 +13266,6 @@
       </p:grpSpPr>
       <p:sp>
         <p:nvSpPr>
-          <p:cNvPr id="2" name="标题 1"/>
-          <p:cNvSpPr>
-            <a:spLocks noGrp="1"/>
-          </p:cNvSpPr>
-          <p:nvPr>
-            <p:ph type="title"/>
-          </p:nvPr>
-        </p:nvSpPr>
-        <p:spPr/>
-        <p:txBody>
-          <a:bodyPr/>
-          <a:lstStyle/>
-          <a:p>
-            <a:r>
-              <a:rPr lang="zh-CN" altLang="en-US" dirty="0" smtClean="0"/>
-              <a:t>实验结果评估（</a:t>
-            </a:r>
-            <a:r>
-              <a:rPr lang="en-US" altLang="zh-CN" dirty="0"/>
-              <a:t>2</a:t>
-            </a:r>
-            <a:r>
-              <a:rPr lang="en-US" altLang="zh-CN" dirty="0" smtClean="0"/>
-              <a:t>/2</a:t>
-            </a:r>
-            <a:r>
-              <a:rPr lang="zh-CN" altLang="en-US" dirty="0" smtClean="0"/>
-              <a:t>）</a:t>
-            </a:r>
-            <a:endParaRPr lang="zh-CN" altLang="en-US" dirty="0"/>
-          </a:p>
-        </p:txBody>
-      </p:sp>
-      <p:sp>
-        <p:nvSpPr>
-          <p:cNvPr id="4" name="页脚占位符 3"/>
-          <p:cNvSpPr>
-            <a:spLocks noGrp="1"/>
-          </p:cNvSpPr>
-          <p:nvPr>
-            <p:ph type="ftr" sz="quarter" idx="10"/>
-          </p:nvPr>
-        </p:nvSpPr>
-        <p:spPr/>
-        <p:txBody>
-          <a:bodyPr/>
-          <a:lstStyle/>
-          <a:p>
-            <a:pPr>
-              <a:defRPr/>
-            </a:pPr>
-            <a:r>
-              <a:rPr lang="zh-CN" altLang="en-US" smtClean="0"/>
-              <a:t>武汉大学计算机学院</a:t>
-            </a:r>
-            <a:endParaRPr lang="zh-CN" altLang="en-US" dirty="0"/>
-          </a:p>
-        </p:txBody>
-      </p:sp>
-      <p:sp>
-        <p:nvSpPr>
-          <p:cNvPr id="6" name="文本框 5"/>
-          <p:cNvSpPr txBox="1"/>
-          <p:nvPr/>
-        </p:nvSpPr>
-        <p:spPr>
-          <a:xfrm>
-            <a:off x="2541648" y="1706653"/>
-            <a:ext cx="4648200" cy="369332"/>
-          </a:xfrm>
-          <a:prstGeom prst="rect">
-            <a:avLst/>
-          </a:prstGeom>
-          <a:noFill/>
-        </p:spPr>
-        <p:txBody>
-          <a:bodyPr wrap="square" rtlCol="0">
-            <a:spAutoFit/>
-          </a:bodyPr>
-          <a:lstStyle/>
-          <a:p>
-            <a:pPr algn="ctr"/>
-            <a:r>
-              <a:rPr lang="zh-CN" altLang="en-US" sz="1800" dirty="0"/>
-              <a:t>精</a:t>
-            </a:r>
-            <a:r>
-              <a:rPr lang="zh-CN" altLang="en-US" sz="1800" dirty="0" smtClean="0"/>
-              <a:t>准广告营销与传统广告营销点击率比较</a:t>
-            </a:r>
-            <a:endParaRPr lang="zh-CN" altLang="en-US" sz="1800" dirty="0"/>
-          </a:p>
-        </p:txBody>
-      </p:sp>
-      <p:pic>
-        <p:nvPicPr>
-          <p:cNvPr id="7" name="图片 6"/>
-          <p:cNvPicPr/>
-          <p:nvPr/>
-        </p:nvPicPr>
-        <p:blipFill>
-          <a:blip r:embed="rId2"/>
-          <a:stretch>
-            <a:fillRect/>
-          </a:stretch>
-        </p:blipFill>
-        <p:spPr>
-          <a:xfrm>
-            <a:off x="1489770" y="2075985"/>
-            <a:ext cx="6751955" cy="3503613"/>
-          </a:xfrm>
-          <a:prstGeom prst="rect">
-            <a:avLst/>
-          </a:prstGeom>
-        </p:spPr>
-      </p:pic>
-    </p:spTree>
-    <p:extLst>
-      <p:ext uri="{BB962C8B-B14F-4D97-AF65-F5344CB8AC3E}">
-        <p14:creationId xmlns:p14="http://schemas.microsoft.com/office/powerpoint/2010/main" val="294787355"/>
-      </p:ext>
-    </p:extLst>
-  </p:cSld>
-  <p:clrMapOvr>
-    <a:masterClrMapping/>
-  </p:clrMapOvr>
-  <p:timing>
-    <p:tnLst>
-      <p:par>
-        <p:cTn id="1" dur="indefinite" restart="never" nodeType="tmRoot"/>
-      </p:par>
-    </p:tnLst>
-  </p:timing>
-</p:sld>
-</file>
-
-<file path=ppt/slides/slide21.xml><?xml version="1.0" encoding="utf-8"?>
-<p:sld xmlns:a="http://schemas.openxmlformats.org/drawingml/2006/main" xmlns:r="http://schemas.openxmlformats.org/officeDocument/2006/relationships" xmlns:p="http://schemas.openxmlformats.org/presentationml/2006/main">
-  <p:cSld>
-    <p:spTree>
-      <p:nvGrpSpPr>
-        <p:cNvPr id="1" name=""/>
-        <p:cNvGrpSpPr/>
-        <p:nvPr/>
-      </p:nvGrpSpPr>
-      <p:grpSpPr>
-        <a:xfrm>
-          <a:off x="0" y="0"/>
-          <a:ext cx="0" cy="0"/>
-          <a:chOff x="0" y="0"/>
-          <a:chExt cx="0" cy="0"/>
-        </a:xfrm>
-      </p:grpSpPr>
-      <p:sp>
-        <p:nvSpPr>
           <p:cNvPr id="79874" name="Rectangle 2"/>
           <p:cNvSpPr>
             <a:spLocks noGrp="1" noChangeArrowheads="1"/>
@@ -12006,8 +13338,12 @@
                 <a:latin typeface="黑体" panose="02010609060101010101" pitchFamily="49" charset="-122"/>
                 <a:ea typeface="黑体" panose="02010609060101010101" pitchFamily="49" charset="-122"/>
               </a:rPr>
-              <a:t>总结</a:t>
-            </a:r>
+              <a:t>总结（创新点）</a:t>
+            </a:r>
+            <a:endParaRPr lang="zh-CN" altLang="en-US" dirty="0" smtClean="0">
+              <a:latin typeface="黑体" panose="02010609060101010101" pitchFamily="49" charset="-122"/>
+              <a:ea typeface="黑体" panose="02010609060101010101" pitchFamily="49" charset="-122"/>
+            </a:endParaRPr>
           </a:p>
         </p:txBody>
       </p:sp>
@@ -12053,103 +13389,103 @@
           <a:lstStyle/>
           <a:p>
             <a:r>
-              <a:rPr lang="zh-CN" altLang="zh-CN" sz="2400" dirty="0" smtClean="0"/>
+              <a:rPr lang="zh-CN" altLang="zh-CN" sz="2400" b="1" dirty="0" smtClean="0"/>
               <a:t>（</a:t>
             </a:r>
             <a:r>
-              <a:rPr lang="en-US" altLang="zh-CN" sz="2400" dirty="0" smtClean="0"/>
+              <a:rPr lang="en-US" altLang="zh-CN" sz="2400" b="1" dirty="0" smtClean="0"/>
               <a:t>1</a:t>
             </a:r>
             <a:r>
-              <a:rPr lang="zh-CN" altLang="zh-CN" sz="2400" dirty="0" smtClean="0"/>
+              <a:rPr lang="zh-CN" altLang="zh-CN" sz="2400" b="1" dirty="0" smtClean="0"/>
               <a:t>）</a:t>
             </a:r>
             <a:r>
-              <a:rPr lang="zh-CN" altLang="en-US" sz="2400" dirty="0" smtClean="0"/>
+              <a:rPr lang="zh-CN" altLang="en-US" sz="2400" b="1" dirty="0" smtClean="0"/>
               <a:t>运用大数据分析的方法，</a:t>
             </a:r>
             <a:r>
-              <a:rPr lang="zh-CN" altLang="zh-CN" sz="2400" dirty="0" smtClean="0"/>
+              <a:rPr lang="zh-CN" altLang="zh-CN" sz="2400" b="1" dirty="0" smtClean="0"/>
               <a:t>实现</a:t>
             </a:r>
             <a:r>
-              <a:rPr lang="zh-CN" altLang="zh-CN" sz="2400" dirty="0"/>
+              <a:rPr lang="zh-CN" altLang="zh-CN" sz="2400" b="1" dirty="0"/>
               <a:t>了广告商广告的高效投放，减少投放资金，提高投放效果，极具市场价值。</a:t>
             </a:r>
           </a:p>
           <a:p>
             <a:r>
-              <a:rPr lang="zh-CN" altLang="zh-CN" sz="2400" dirty="0" smtClean="0"/>
+              <a:rPr lang="zh-CN" altLang="zh-CN" sz="2400" b="1" dirty="0" smtClean="0"/>
               <a:t>（</a:t>
             </a:r>
             <a:r>
-              <a:rPr lang="en-US" altLang="zh-CN" sz="2400" dirty="0" smtClean="0"/>
+              <a:rPr lang="en-US" altLang="zh-CN" sz="2400" b="1" dirty="0" smtClean="0"/>
               <a:t>2</a:t>
             </a:r>
             <a:r>
-              <a:rPr lang="zh-CN" altLang="zh-CN" sz="2400" dirty="0" smtClean="0"/>
+              <a:rPr lang="zh-CN" altLang="zh-CN" sz="2400" b="1" dirty="0" smtClean="0"/>
               <a:t>）</a:t>
             </a:r>
             <a:r>
-              <a:rPr lang="zh-CN" altLang="en-US" sz="2400" dirty="0" smtClean="0"/>
+              <a:rPr lang="zh-CN" altLang="en-US" sz="2400" b="1" dirty="0" smtClean="0"/>
               <a:t>通过机器学习</a:t>
             </a:r>
             <a:r>
-              <a:rPr lang="zh-CN" altLang="zh-CN" sz="2400" dirty="0" smtClean="0"/>
+              <a:rPr lang="zh-CN" altLang="zh-CN" sz="2400" b="1" dirty="0" smtClean="0"/>
               <a:t>建立</a:t>
             </a:r>
             <a:r>
-              <a:rPr lang="zh-CN" altLang="zh-CN" sz="2400" dirty="0"/>
+              <a:rPr lang="zh-CN" altLang="zh-CN" sz="2400" b="1" dirty="0"/>
               <a:t>广告投放的资金分配模型，对于投资策略进行合理化的评估，降低了广告投放低回馈的风险。</a:t>
             </a:r>
           </a:p>
           <a:p>
             <a:r>
-              <a:rPr lang="zh-CN" altLang="zh-CN" sz="2400" dirty="0" smtClean="0"/>
+              <a:rPr lang="zh-CN" altLang="zh-CN" sz="2400" b="1" dirty="0" smtClean="0"/>
               <a:t>（</a:t>
             </a:r>
             <a:r>
-              <a:rPr lang="en-US" altLang="zh-CN" sz="2400" dirty="0" smtClean="0"/>
+              <a:rPr lang="en-US" altLang="zh-CN" sz="2400" b="1" dirty="0" smtClean="0"/>
               <a:t>3</a:t>
             </a:r>
             <a:r>
-              <a:rPr lang="zh-CN" altLang="zh-CN" sz="2400" dirty="0" smtClean="0"/>
+              <a:rPr lang="zh-CN" altLang="zh-CN" sz="2400" b="1" dirty="0" smtClean="0"/>
               <a:t>）</a:t>
             </a:r>
             <a:r>
-              <a:rPr lang="zh-CN" altLang="zh-CN" sz="2400" dirty="0"/>
+              <a:rPr lang="zh-CN" altLang="zh-CN" sz="2400" b="1" dirty="0"/>
               <a:t>通过对受众群体的特征分析与广告商群体的特征分析，建立完整的信息模型，完成</a:t>
             </a:r>
             <a:r>
-              <a:rPr lang="en-US" altLang="zh-CN" sz="2400" dirty="0"/>
+              <a:rPr lang="en-US" altLang="zh-CN" sz="2400" b="1" dirty="0"/>
               <a:t>“</a:t>
             </a:r>
             <a:r>
-              <a:rPr lang="zh-CN" altLang="zh-CN" sz="2400" dirty="0"/>
+              <a:rPr lang="zh-CN" altLang="zh-CN" sz="2400" b="1" dirty="0"/>
               <a:t>用户画像</a:t>
             </a:r>
             <a:r>
-              <a:rPr lang="en-US" altLang="zh-CN" sz="2400" dirty="0"/>
+              <a:rPr lang="en-US" altLang="zh-CN" sz="2400" b="1" dirty="0"/>
               <a:t>”</a:t>
             </a:r>
             <a:r>
-              <a:rPr lang="zh-CN" altLang="zh-CN" sz="2400" dirty="0"/>
+              <a:rPr lang="zh-CN" altLang="zh-CN" sz="2400" b="1" dirty="0"/>
               <a:t>与</a:t>
             </a:r>
             <a:r>
-              <a:rPr lang="en-US" altLang="zh-CN" sz="2400" dirty="0"/>
+              <a:rPr lang="en-US" altLang="zh-CN" sz="2400" b="1" dirty="0"/>
               <a:t>“</a:t>
             </a:r>
             <a:r>
-              <a:rPr lang="zh-CN" altLang="zh-CN" sz="2400" dirty="0"/>
+              <a:rPr lang="zh-CN" altLang="zh-CN" sz="2400" b="1" dirty="0"/>
               <a:t>商家画像</a:t>
             </a:r>
             <a:r>
-              <a:rPr lang="en-US" altLang="zh-CN" sz="2400" dirty="0"/>
+              <a:rPr lang="en-US" altLang="zh-CN" sz="2400" b="1" dirty="0"/>
               <a:t>”</a:t>
             </a:r>
             <a:r>
-              <a:rPr lang="zh-CN" altLang="zh-CN" sz="2400" dirty="0"/>
+              <a:rPr lang="zh-CN" altLang="zh-CN" sz="2400" b="1" dirty="0"/>
               <a:t>。并基于已获得的数据建立动态立体的知识库，通过进一步研究挖掘用户群体与广告的深层次联系。</a:t>
             </a:r>
           </a:p>
@@ -12170,7 +13506,7 @@
 </p:sld>
 </file>
 
-<file path=ppt/slides/slide22.xml><?xml version="1.0" encoding="utf-8"?>
+<file path=ppt/slides/slide21.xml><?xml version="1.0" encoding="utf-8"?>
 <p:sld xmlns:a="http://schemas.openxmlformats.org/drawingml/2006/main" xmlns:r="http://schemas.openxmlformats.org/officeDocument/2006/relationships" xmlns:p="http://schemas.openxmlformats.org/presentationml/2006/main">
   <p:cSld>
     <p:spTree>
@@ -12345,14 +13681,35 @@
                 <a:latin typeface="黑体" panose="02010609060101010101" pitchFamily="49" charset="-122"/>
                 <a:ea typeface="黑体" panose="02010609060101010101" pitchFamily="49" charset="-122"/>
               </a:rPr>
-              <a:t>更新和同</a:t>
+              <a:t>更新和</a:t>
+            </a:r>
+            <a:r>
+              <a:rPr lang="zh-CN" altLang="en-US" sz="3400" dirty="0" smtClean="0">
+                <a:latin typeface="黑体" panose="02010609060101010101" pitchFamily="49" charset="-122"/>
+                <a:ea typeface="黑体" panose="02010609060101010101" pitchFamily="49" charset="-122"/>
+              </a:rPr>
+              <a:t>同</a:t>
             </a:r>
             <a:r>
               <a:rPr lang="zh-CN" altLang="en-US" sz="3400" dirty="0">
                 <a:latin typeface="黑体" panose="02010609060101010101" pitchFamily="49" charset="-122"/>
                 <a:ea typeface="黑体" panose="02010609060101010101" pitchFamily="49" charset="-122"/>
               </a:rPr>
-              <a:t>部同样非常重要</a:t>
+              <a:t>步</a:t>
+            </a:r>
+            <a:r>
+              <a:rPr lang="zh-CN" altLang="en-US" sz="3400" dirty="0" smtClean="0">
+                <a:latin typeface="黑体" panose="02010609060101010101" pitchFamily="49" charset="-122"/>
+                <a:ea typeface="黑体" panose="02010609060101010101" pitchFamily="49" charset="-122"/>
+              </a:rPr>
+              <a:t>同样</a:t>
+            </a:r>
+            <a:r>
+              <a:rPr lang="zh-CN" altLang="en-US" sz="3400" dirty="0">
+                <a:latin typeface="黑体" panose="02010609060101010101" pitchFamily="49" charset="-122"/>
+                <a:ea typeface="黑体" panose="02010609060101010101" pitchFamily="49" charset="-122"/>
+              </a:rPr>
+              <a:t>非常重要</a:t>
             </a:r>
             <a:endParaRPr lang="zh-CN" altLang="en-US" sz="3400" dirty="0" smtClean="0">
               <a:latin typeface="黑体" panose="02010609060101010101" pitchFamily="49" charset="-122"/>
@@ -12376,7 +13733,7 @@
 </p:sld>
 </file>
 
-<file path=ppt/slides/slide23.xml><?xml version="1.0" encoding="utf-8"?>
+<file path=ppt/slides/slide22.xml><?xml version="1.0" encoding="utf-8"?>
 <p:sld xmlns:a="http://schemas.openxmlformats.org/drawingml/2006/main" xmlns:r="http://schemas.openxmlformats.org/officeDocument/2006/relationships" xmlns:p="http://schemas.openxmlformats.org/presentationml/2006/main">
   <p:cSld>
     <p:spTree>
@@ -12753,7 +14110,15 @@
             </a:r>
             <a:r>
               <a:rPr lang="zh-CN" altLang="zh-CN" dirty="0" smtClean="0"/>
-              <a:t>盲目性位置</a:t>
+              <a:t>盲目性</a:t>
+            </a:r>
+            <a:r>
+              <a:rPr lang="zh-CN" altLang="en-US" dirty="0" smtClean="0"/>
+              <a:t>，</a:t>
+            </a:r>
+            <a:r>
+              <a:rPr lang="zh-CN" altLang="zh-CN" dirty="0" smtClean="0"/>
+              <a:t>位置</a:t>
             </a:r>
             <a:r>
               <a:rPr lang="zh-CN" altLang="zh-CN" dirty="0"/>
@@ -13588,20 +14953,40 @@
           <a:p>
             <a:pPr lvl="2"/>
             <a:r>
+              <a:rPr lang="zh-CN" altLang="en-US" dirty="0" smtClean="0"/>
+              <a:t>他们将自己的广告系统</a:t>
+            </a:r>
+            <a:r>
               <a:rPr lang="zh-CN" altLang="zh-CN" dirty="0" smtClean="0"/>
-              <a:t>广告</a:t>
+              <a:t>提供</a:t>
             </a:r>
             <a:r>
               <a:rPr lang="zh-CN" altLang="zh-CN" dirty="0"/>
-              <a:t>商网络提供给第三方使用，如果用户通过</a:t>
-            </a:r>
-            <a:r>
-              <a:rPr lang="en-US" altLang="zh-CN" dirty="0" err="1"/>
+              <a:t>给第三方使用，如果用户通过</a:t>
+            </a:r>
+            <a:r>
+              <a:rPr lang="en-US" altLang="zh-CN" dirty="0" err="1" smtClean="0"/>
               <a:t>Adsense</a:t>
             </a:r>
             <a:r>
+              <a:rPr lang="zh-CN" altLang="en-US" dirty="0" smtClean="0"/>
+              <a:t>的推荐</a:t>
+            </a:r>
+            <a:r>
+              <a:rPr lang="zh-CN" altLang="zh-CN" dirty="0" smtClean="0"/>
+              <a:t>点击</a:t>
+            </a:r>
+            <a:r>
               <a:rPr lang="zh-CN" altLang="zh-CN" dirty="0"/>
-              <a:t>点击了广告，那么广告商将根据点击情况向谷歌付费</a:t>
+              <a:t>了广告</a:t>
+            </a:r>
+            <a:r>
+              <a:rPr lang="zh-CN" altLang="zh-CN" dirty="0" smtClean="0"/>
+              <a:t>，</a:t>
+            </a:r>
+            <a:r>
+              <a:rPr lang="zh-CN" altLang="en-US" dirty="0" smtClean="0"/>
+              <a:t>那么谷歌就能够从中获利。</a:t>
             </a:r>
             <a:endParaRPr lang="en-US" altLang="zh-CN" dirty="0" smtClean="0"/>
           </a:p>
@@ -14001,392 +15386,6 @@
       </p:grpSpPr>
       <p:sp>
         <p:nvSpPr>
-          <p:cNvPr id="393218" name="Rectangle 2"/>
-          <p:cNvSpPr>
-            <a:spLocks noGrp="1" noChangeArrowheads="1"/>
-          </p:cNvSpPr>
-          <p:nvPr>
-            <p:ph type="title" idx="4294967295"/>
-          </p:nvPr>
-        </p:nvSpPr>
-        <p:spPr bwMode="auto">
-          <a:xfrm>
-            <a:off x="457200" y="274638"/>
-            <a:ext cx="8229600" cy="1143000"/>
-          </a:xfrm>
-          <a:prstGeom prst="rect">
-            <a:avLst/>
-          </a:prstGeom>
-          <a:noFill/>
-          <a:ln>
-            <a:solidFill>
-              <a:srgbClr val="000000"/>
-            </a:solidFill>
-            <a:miter lim="800000"/>
-            <a:headEnd/>
-            <a:tailEnd/>
-          </a:ln>
-          <a:extLst>
-            <a:ext uri="{909E8E84-426E-40DD-AFC4-6F175D3DCCD1}">
-              <a14:hiddenFill xmlns:a14="http://schemas.microsoft.com/office/drawing/2010/main">
-                <a:solidFill>
-                  <a:srgbClr val="FFFFFF"/>
-                </a:solidFill>
-              </a14:hiddenFill>
-            </a:ext>
-          </a:extLst>
-        </p:spPr>
-        <p:txBody>
-          <a:bodyPr anchor="ctr"/>
-          <a:lstStyle/>
-          <a:p>
-            <a:pPr eaLnBrk="1" hangingPunct="1"/>
-            <a:r>
-              <a:rPr lang="zh-CN" altLang="en-US" dirty="0" smtClean="0">
-                <a:effectLst>
-                  <a:outerShdw blurRad="38100" dist="38100" dir="2700000" algn="tl">
-                    <a:srgbClr val="C0C0C0"/>
-                  </a:outerShdw>
-                </a:effectLst>
-                <a:latin typeface="黑体" panose="02010609060101010101" pitchFamily="49" charset="-122"/>
-                <a:ea typeface="黑体" panose="02010609060101010101" pitchFamily="49" charset="-122"/>
-              </a:rPr>
-              <a:t>创新点</a:t>
-            </a:r>
-          </a:p>
-        </p:txBody>
-      </p:sp>
-      <p:sp>
-        <p:nvSpPr>
-          <p:cNvPr id="58371" name="Rectangle 35"/>
-          <p:cNvSpPr>
-            <a:spLocks noGrp="1" noChangeArrowheads="1"/>
-          </p:cNvSpPr>
-          <p:nvPr>
-            <p:ph idx="4294967295"/>
-          </p:nvPr>
-        </p:nvSpPr>
-        <p:spPr bwMode="auto">
-          <a:xfrm>
-            <a:off x="457200" y="1600200"/>
-            <a:ext cx="8229600" cy="4525963"/>
-          </a:xfrm>
-          <a:prstGeom prst="rect">
-            <a:avLst/>
-          </a:prstGeom>
-          <a:noFill/>
-          <a:ln>
-            <a:solidFill>
-              <a:srgbClr val="000000"/>
-            </a:solidFill>
-            <a:miter lim="800000"/>
-            <a:headEnd/>
-            <a:tailEnd/>
-          </a:ln>
-          <a:extLst>
-            <a:ext uri="{909E8E84-426E-40DD-AFC4-6F175D3DCCD1}">
-              <a14:hiddenFill xmlns:a14="http://schemas.microsoft.com/office/drawing/2010/main">
-                <a:solidFill>
-                  <a:srgbClr val="FFFFFF"/>
-                </a:solidFill>
-              </a14:hiddenFill>
-            </a:ext>
-          </a:extLst>
-        </p:spPr>
-        <p:txBody>
-          <a:bodyPr/>
-          <a:lstStyle/>
-          <a:p>
-            <a:r>
-              <a:rPr lang="zh-CN" altLang="zh-CN" sz="2400" dirty="0"/>
-              <a:t>（</a:t>
-            </a:r>
-            <a:r>
-              <a:rPr lang="en-US" altLang="zh-CN" sz="2400" dirty="0"/>
-              <a:t>1</a:t>
-            </a:r>
-            <a:r>
-              <a:rPr lang="zh-CN" altLang="zh-CN" sz="2400" dirty="0"/>
-              <a:t>）</a:t>
-            </a:r>
-            <a:r>
-              <a:rPr lang="zh-CN" altLang="en-US" sz="2400" dirty="0"/>
-              <a:t>运用大数据分析的方法，</a:t>
-            </a:r>
-            <a:r>
-              <a:rPr lang="zh-CN" altLang="zh-CN" sz="2400" dirty="0"/>
-              <a:t>实现了广告商广告的高效投放，减少投放资金，提高投放效果，极具市场价值。</a:t>
-            </a:r>
-          </a:p>
-          <a:p>
-            <a:r>
-              <a:rPr lang="zh-CN" altLang="zh-CN" sz="2400" dirty="0"/>
-              <a:t>（</a:t>
-            </a:r>
-            <a:r>
-              <a:rPr lang="en-US" altLang="zh-CN" sz="2400" dirty="0"/>
-              <a:t>2</a:t>
-            </a:r>
-            <a:r>
-              <a:rPr lang="zh-CN" altLang="zh-CN" sz="2400" dirty="0"/>
-              <a:t>）</a:t>
-            </a:r>
-            <a:r>
-              <a:rPr lang="zh-CN" altLang="en-US" sz="2400" dirty="0"/>
-              <a:t>通过机器学习</a:t>
-            </a:r>
-            <a:r>
-              <a:rPr lang="zh-CN" altLang="zh-CN" sz="2400" dirty="0"/>
-              <a:t>建立广告投放的资金分配模型，对于投资策略进行合理化的评估，降低了广告投放低回馈的风险。</a:t>
-            </a:r>
-          </a:p>
-          <a:p>
-            <a:r>
-              <a:rPr lang="zh-CN" altLang="zh-CN" sz="2400" dirty="0"/>
-              <a:t>（</a:t>
-            </a:r>
-            <a:r>
-              <a:rPr lang="en-US" altLang="zh-CN" sz="2400" dirty="0"/>
-              <a:t>3</a:t>
-            </a:r>
-            <a:r>
-              <a:rPr lang="zh-CN" altLang="zh-CN" sz="2400" dirty="0"/>
-              <a:t>）通过对受众群体的特征分析与广告商群体的特征分析，建立完整的信息模型，完成</a:t>
-            </a:r>
-            <a:r>
-              <a:rPr lang="en-US" altLang="zh-CN" sz="2400" dirty="0"/>
-              <a:t>“</a:t>
-            </a:r>
-            <a:r>
-              <a:rPr lang="zh-CN" altLang="zh-CN" sz="2400" dirty="0"/>
-              <a:t>用户画像</a:t>
-            </a:r>
-            <a:r>
-              <a:rPr lang="en-US" altLang="zh-CN" sz="2400" dirty="0"/>
-              <a:t>”</a:t>
-            </a:r>
-            <a:r>
-              <a:rPr lang="zh-CN" altLang="zh-CN" sz="2400" dirty="0"/>
-              <a:t>与</a:t>
-            </a:r>
-            <a:r>
-              <a:rPr lang="en-US" altLang="zh-CN" sz="2400" dirty="0"/>
-              <a:t>“</a:t>
-            </a:r>
-            <a:r>
-              <a:rPr lang="zh-CN" altLang="zh-CN" sz="2400" dirty="0"/>
-              <a:t>商家画像</a:t>
-            </a:r>
-            <a:r>
-              <a:rPr lang="en-US" altLang="zh-CN" sz="2400" dirty="0"/>
-              <a:t>”</a:t>
-            </a:r>
-            <a:r>
-              <a:rPr lang="zh-CN" altLang="zh-CN" sz="2400" dirty="0"/>
-              <a:t>。并基于已获得的数据建立动态立体的知识库，通过进一步研究挖掘用户群体与广告的深层次联系。</a:t>
-            </a:r>
-            <a:endParaRPr lang="zh-CN" altLang="zh-CN" sz="2400" dirty="0"/>
-          </a:p>
-        </p:txBody>
-      </p:sp>
-      <p:sp>
-        <p:nvSpPr>
-          <p:cNvPr id="58372" name="灯片编号占位符 5"/>
-          <p:cNvSpPr txBox="1">
-            <a:spLocks noGrp="1"/>
-          </p:cNvSpPr>
-          <p:nvPr/>
-        </p:nvSpPr>
-        <p:spPr bwMode="auto">
-          <a:xfrm>
-            <a:off x="7956550" y="6597650"/>
-            <a:ext cx="1187450" cy="260350"/>
-          </a:xfrm>
-          <a:prstGeom prst="rect">
-            <a:avLst/>
-          </a:prstGeom>
-          <a:noFill/>
-          <a:ln>
-            <a:noFill/>
-          </a:ln>
-          <a:extLst>
-            <a:ext uri="{909E8E84-426E-40DD-AFC4-6F175D3DCCD1}">
-              <a14:hiddenFill xmlns:a14="http://schemas.microsoft.com/office/drawing/2010/main">
-                <a:solidFill>
-                  <a:srgbClr val="FFFFFF"/>
-                </a:solidFill>
-              </a14:hiddenFill>
-            </a:ext>
-            <a:ext uri="{91240B29-F687-4F45-9708-019B960494DF}">
-              <a14:hiddenLine xmlns:a14="http://schemas.microsoft.com/office/drawing/2010/main" w="9525">
-                <a:solidFill>
-                  <a:srgbClr val="000000"/>
-                </a:solidFill>
-                <a:miter lim="800000"/>
-                <a:headEnd/>
-                <a:tailEnd/>
-              </a14:hiddenLine>
-            </a:ext>
-          </a:extLst>
-        </p:spPr>
-        <p:txBody>
-          <a:bodyPr anchor="b"/>
-          <a:lstStyle>
-            <a:lvl1pPr eaLnBrk="0" hangingPunct="0">
-              <a:defRPr sz="2400">
-                <a:solidFill>
-                  <a:schemeClr val="tx1"/>
-                </a:solidFill>
-                <a:latin typeface="Verdana" panose="020B0604030504040204" pitchFamily="34" charset="0"/>
-                <a:ea typeface="宋体" panose="02010600030101010101" pitchFamily="2" charset="-122"/>
-              </a:defRPr>
-            </a:lvl1pPr>
-            <a:lvl2pPr marL="742950" indent="-285750" eaLnBrk="0" hangingPunct="0">
-              <a:defRPr sz="2400">
-                <a:solidFill>
-                  <a:schemeClr val="tx1"/>
-                </a:solidFill>
-                <a:latin typeface="Verdana" panose="020B0604030504040204" pitchFamily="34" charset="0"/>
-                <a:ea typeface="宋体" panose="02010600030101010101" pitchFamily="2" charset="-122"/>
-              </a:defRPr>
-            </a:lvl2pPr>
-            <a:lvl3pPr marL="1143000" indent="-228600" eaLnBrk="0" hangingPunct="0">
-              <a:defRPr sz="2400">
-                <a:solidFill>
-                  <a:schemeClr val="tx1"/>
-                </a:solidFill>
-                <a:latin typeface="Verdana" panose="020B0604030504040204" pitchFamily="34" charset="0"/>
-                <a:ea typeface="宋体" panose="02010600030101010101" pitchFamily="2" charset="-122"/>
-              </a:defRPr>
-            </a:lvl3pPr>
-            <a:lvl4pPr marL="1600200" indent="-228600" eaLnBrk="0" hangingPunct="0">
-              <a:defRPr sz="2400">
-                <a:solidFill>
-                  <a:schemeClr val="tx1"/>
-                </a:solidFill>
-                <a:latin typeface="Verdana" panose="020B0604030504040204" pitchFamily="34" charset="0"/>
-                <a:ea typeface="宋体" panose="02010600030101010101" pitchFamily="2" charset="-122"/>
-              </a:defRPr>
-            </a:lvl4pPr>
-            <a:lvl5pPr marL="2057400" indent="-228600" eaLnBrk="0" hangingPunct="0">
-              <a:defRPr sz="2400">
-                <a:solidFill>
-                  <a:schemeClr val="tx1"/>
-                </a:solidFill>
-                <a:latin typeface="Verdana" panose="020B0604030504040204" pitchFamily="34" charset="0"/>
-                <a:ea typeface="宋体" panose="02010600030101010101" pitchFamily="2" charset="-122"/>
-              </a:defRPr>
-            </a:lvl5pPr>
-            <a:lvl6pPr marL="2514600" indent="-228600" eaLnBrk="0" fontAlgn="base" hangingPunct="0">
-              <a:spcBef>
-                <a:spcPct val="0"/>
-              </a:spcBef>
-              <a:spcAft>
-                <a:spcPct val="0"/>
-              </a:spcAft>
-              <a:defRPr sz="2400">
-                <a:solidFill>
-                  <a:schemeClr val="tx1"/>
-                </a:solidFill>
-                <a:latin typeface="Verdana" panose="020B0604030504040204" pitchFamily="34" charset="0"/>
-                <a:ea typeface="宋体" panose="02010600030101010101" pitchFamily="2" charset="-122"/>
-              </a:defRPr>
-            </a:lvl6pPr>
-            <a:lvl7pPr marL="2971800" indent="-228600" eaLnBrk="0" fontAlgn="base" hangingPunct="0">
-              <a:spcBef>
-                <a:spcPct val="0"/>
-              </a:spcBef>
-              <a:spcAft>
-                <a:spcPct val="0"/>
-              </a:spcAft>
-              <a:defRPr sz="2400">
-                <a:solidFill>
-                  <a:schemeClr val="tx1"/>
-                </a:solidFill>
-                <a:latin typeface="Verdana" panose="020B0604030504040204" pitchFamily="34" charset="0"/>
-                <a:ea typeface="宋体" panose="02010600030101010101" pitchFamily="2" charset="-122"/>
-              </a:defRPr>
-            </a:lvl7pPr>
-            <a:lvl8pPr marL="3429000" indent="-228600" eaLnBrk="0" fontAlgn="base" hangingPunct="0">
-              <a:spcBef>
-                <a:spcPct val="0"/>
-              </a:spcBef>
-              <a:spcAft>
-                <a:spcPct val="0"/>
-              </a:spcAft>
-              <a:defRPr sz="2400">
-                <a:solidFill>
-                  <a:schemeClr val="tx1"/>
-                </a:solidFill>
-                <a:latin typeface="Verdana" panose="020B0604030504040204" pitchFamily="34" charset="0"/>
-                <a:ea typeface="宋体" panose="02010600030101010101" pitchFamily="2" charset="-122"/>
-              </a:defRPr>
-            </a:lvl8pPr>
-            <a:lvl9pPr marL="3886200" indent="-228600" eaLnBrk="0" fontAlgn="base" hangingPunct="0">
-              <a:spcBef>
-                <a:spcPct val="0"/>
-              </a:spcBef>
-              <a:spcAft>
-                <a:spcPct val="0"/>
-              </a:spcAft>
-              <a:defRPr sz="2400">
-                <a:solidFill>
-                  <a:schemeClr val="tx1"/>
-                </a:solidFill>
-                <a:latin typeface="Verdana" panose="020B0604030504040204" pitchFamily="34" charset="0"/>
-                <a:ea typeface="宋体" panose="02010600030101010101" pitchFamily="2" charset="-122"/>
-              </a:defRPr>
-            </a:lvl9pPr>
-          </a:lstStyle>
-          <a:p>
-            <a:pPr algn="r" eaLnBrk="1" hangingPunct="1"/>
-            <a:fld id="{8DABFFFC-9C73-49AC-B391-B8AF32DF88BA}" type="slidenum">
-              <a:rPr lang="en-US" altLang="zh-CN" sz="1400">
-                <a:latin typeface="Arial Black" panose="020B0A04020102020204" pitchFamily="34" charset="0"/>
-              </a:rPr>
-              <a:pPr algn="r" eaLnBrk="1" hangingPunct="1"/>
-              <a:t>7</a:t>
-            </a:fld>
-            <a:endParaRPr lang="en-US" altLang="zh-CN" sz="1400">
-              <a:latin typeface="Arial Black" panose="020B0A04020102020204" pitchFamily="34" charset="0"/>
-            </a:endParaRPr>
-          </a:p>
-        </p:txBody>
-      </p:sp>
-    </p:spTree>
-  </p:cSld>
-  <p:clrMapOvr>
-    <a:masterClrMapping/>
-  </p:clrMapOvr>
-  <p:timing>
-    <p:tnLst>
-      <p:par>
-        <p:cTn id="1" dur="indefinite" restart="never" nodeType="tmRoot"/>
-      </p:par>
-    </p:tnLst>
-  </p:timing>
-</p:sld>
-</file>
-
-<file path=ppt/slides/slide8.xml><?xml version="1.0" encoding="utf-8"?>
-<p:sld xmlns:a="http://schemas.openxmlformats.org/drawingml/2006/main" xmlns:r="http://schemas.openxmlformats.org/officeDocument/2006/relationships" xmlns:p="http://schemas.openxmlformats.org/presentationml/2006/main">
-  <p:cSld>
-    <p:spTree>
-      <p:nvGrpSpPr>
-        <p:cNvPr id="1" name=""/>
-        <p:cNvGrpSpPr/>
-        <p:nvPr/>
-      </p:nvGrpSpPr>
-      <p:grpSpPr>
-        <a:xfrm>
-          <a:off x="0" y="0"/>
-          <a:ext cx="0" cy="0"/>
-          <a:chOff x="0" y="0"/>
-          <a:chExt cx="0" cy="0"/>
-        </a:xfrm>
-      </p:grpSpPr>
-      <p:sp>
-        <p:nvSpPr>
           <p:cNvPr id="9219" name="Rectangle 6"/>
           <p:cNvSpPr>
             <a:spLocks noGrp="1" noChangeArrowheads="1"/>
@@ -14654,7 +15653,7 @@
                 <a:latin typeface="Arial" panose="020B0604020202020204" pitchFamily="34" charset="0"/>
               </a:rPr>
               <a:pPr eaLnBrk="1" hangingPunct="1"/>
-              <a:t>8</a:t>
+              <a:t>7</a:t>
             </a:fld>
             <a:endParaRPr lang="en-US" altLang="zh-CN" sz="1200">
               <a:latin typeface="Arial" panose="020B0604020202020204" pitchFamily="34" charset="0"/>
@@ -14755,7 +15754,7 @@
         </p:nvGrpSpPr>
         <p:grpSpPr bwMode="auto">
           <a:xfrm>
-            <a:off x="1447800" y="2057400"/>
+            <a:off x="1524000" y="2291761"/>
             <a:ext cx="6019800" cy="2971800"/>
             <a:chOff x="3120" y="726"/>
             <a:chExt cx="5278" cy="2488"/>
@@ -15410,7 +16409,7 @@
         </p:nvSpPr>
         <p:spPr>
           <a:xfrm>
-            <a:off x="461664" y="3058270"/>
+            <a:off x="636278" y="3438247"/>
             <a:ext cx="1775444" cy="1015663"/>
           </a:xfrm>
           <a:prstGeom prst="rect">
@@ -15468,7 +16467,7 @@
 </p:sld>
 </file>
 
-<file path=ppt/slides/slide9.xml><?xml version="1.0" encoding="utf-8"?>
+<file path=ppt/slides/slide8.xml><?xml version="1.0" encoding="utf-8"?>
 <p:sld xmlns:a="http://schemas.openxmlformats.org/drawingml/2006/main" xmlns:r="http://schemas.openxmlformats.org/officeDocument/2006/relationships" xmlns:p="http://schemas.openxmlformats.org/presentationml/2006/main">
   <p:cSld>
     <p:spTree>
@@ -15754,7 +16753,7 @@
                 <a:latin typeface="Arial" panose="020B0604020202020204" pitchFamily="34" charset="0"/>
               </a:rPr>
               <a:pPr eaLnBrk="1" hangingPunct="1"/>
-              <a:t>9</a:t>
+              <a:t>8</a:t>
             </a:fld>
             <a:endParaRPr lang="en-US" altLang="zh-CN" sz="1200">
               <a:latin typeface="Arial" panose="020B0604020202020204" pitchFamily="34" charset="0"/>
@@ -15855,10 +16854,10 @@
         </p:nvGrpSpPr>
         <p:grpSpPr bwMode="auto">
           <a:xfrm>
-            <a:off x="2233612" y="1527814"/>
-            <a:ext cx="4676775" cy="4644386"/>
-            <a:chOff x="2265" y="1590"/>
-            <a:chExt cx="7365" cy="5707"/>
+            <a:off x="1891030" y="1524000"/>
+            <a:ext cx="5562600" cy="4644386"/>
+            <a:chOff x="1763" y="1590"/>
+            <a:chExt cx="8760" cy="5707"/>
           </a:xfrm>
         </p:grpSpPr>
         <p:sp>
@@ -15871,7 +16870,7 @@
           </p:nvSpPr>
           <p:spPr bwMode="auto">
             <a:xfrm>
-              <a:off x="7973" y="4471"/>
+              <a:off x="8469" y="4491"/>
               <a:ext cx="570" cy="405"/>
             </a:xfrm>
             <a:prstGeom prst="rect">
@@ -15929,7 +16928,7 @@
           </p:nvSpPr>
           <p:spPr bwMode="auto">
             <a:xfrm>
-              <a:off x="7973" y="2536"/>
+              <a:off x="8793" y="2517"/>
               <a:ext cx="570" cy="405"/>
             </a:xfrm>
             <a:prstGeom prst="rect">
@@ -15966,7 +16965,7 @@
                 </a:spcAft>
               </a:pPr>
               <a:r>
-                <a:rPr lang="zh-CN" sz="1200" kern="100">
+                <a:rPr lang="zh-CN" sz="1200" kern="100" dirty="0">
                   <a:effectLst/>
                   <a:latin typeface="微软雅黑" panose="020B0503020204020204" pitchFamily="34" charset="-122"/>
                   <a:ea typeface="微软雅黑" panose="020B0503020204020204" pitchFamily="34" charset="-122"/>
@@ -15987,7 +16986,7 @@
           </p:nvSpPr>
           <p:spPr bwMode="auto">
             <a:xfrm>
-              <a:off x="7973" y="6616"/>
+              <a:off x="8896" y="6618"/>
               <a:ext cx="570" cy="405"/>
             </a:xfrm>
             <a:prstGeom prst="rect">
@@ -16024,7 +17023,7 @@
                 </a:spcAft>
               </a:pPr>
               <a:r>
-                <a:rPr lang="zh-CN" sz="1200" kern="100">
+                <a:rPr lang="zh-CN" sz="1200" kern="100" dirty="0">
                   <a:effectLst/>
                   <a:latin typeface="微软雅黑" panose="020B0503020204020204" pitchFamily="34" charset="-122"/>
                   <a:ea typeface="微软雅黑" panose="020B0503020204020204" pitchFamily="34" charset="-122"/>
@@ -16045,7 +17044,7 @@
           </p:nvSpPr>
           <p:spPr bwMode="auto">
             <a:xfrm>
-              <a:off x="3555" y="6601"/>
+              <a:off x="2540" y="6582"/>
               <a:ext cx="570" cy="405"/>
             </a:xfrm>
             <a:prstGeom prst="rect">
@@ -16082,7 +17081,7 @@
                 </a:spcAft>
               </a:pPr>
               <a:r>
-                <a:rPr lang="zh-CN" sz="1200" kern="100">
+                <a:rPr lang="zh-CN" sz="1200" kern="100" dirty="0">
                   <a:effectLst/>
                   <a:latin typeface="微软雅黑" panose="020B0503020204020204" pitchFamily="34" charset="-122"/>
                   <a:ea typeface="微软雅黑" panose="020B0503020204020204" pitchFamily="34" charset="-122"/>
@@ -16103,7 +17102,7 @@
           </p:nvSpPr>
           <p:spPr bwMode="auto">
             <a:xfrm>
-              <a:off x="5520" y="5128"/>
+              <a:off x="5525" y="5228"/>
               <a:ext cx="570" cy="405"/>
             </a:xfrm>
             <a:prstGeom prst="rect">
@@ -16140,7 +17139,7 @@
                 </a:spcAft>
               </a:pPr>
               <a:r>
-                <a:rPr lang="zh-CN" sz="1200" kern="100">
+                <a:rPr lang="zh-CN" sz="1200" kern="100" dirty="0">
                   <a:effectLst/>
                   <a:latin typeface="微软雅黑" panose="020B0503020204020204" pitchFamily="34" charset="-122"/>
                   <a:ea typeface="微软雅黑" panose="020B0503020204020204" pitchFamily="34" charset="-122"/>
@@ -16161,7 +17160,7 @@
           </p:nvSpPr>
           <p:spPr bwMode="auto">
             <a:xfrm>
-              <a:off x="5603" y="3166"/>
+              <a:off x="5572" y="3298"/>
               <a:ext cx="570" cy="405"/>
             </a:xfrm>
             <a:prstGeom prst="rect">
@@ -16198,7 +17197,7 @@
                 </a:spcAft>
               </a:pPr>
               <a:r>
-                <a:rPr lang="zh-CN" sz="1200" kern="100">
+                <a:rPr lang="zh-CN" sz="1200" kern="100" dirty="0">
                   <a:effectLst/>
                   <a:latin typeface="微软雅黑" panose="020B0503020204020204" pitchFamily="34" charset="-122"/>
                   <a:ea typeface="微软雅黑" panose="020B0503020204020204" pitchFamily="34" charset="-122"/>
@@ -16214,13 +17213,14 @@
             <p:cNvPr id="28" name="AutoShape 89"/>
             <p:cNvCxnSpPr>
               <a:cxnSpLocks noChangeShapeType="1"/>
+              <a:endCxn id="33" idx="0"/>
             </p:cNvCxnSpPr>
             <p:nvPr/>
           </p:nvCxnSpPr>
           <p:spPr bwMode="auto">
-            <a:xfrm>
-              <a:off x="6090" y="5128"/>
-              <a:ext cx="1" cy="453"/>
+            <a:xfrm flipH="1">
+              <a:off x="6068" y="5128"/>
+              <a:ext cx="22" cy="704"/>
             </a:xfrm>
             <a:prstGeom prst="straightConnector1">
               <a:avLst/>
@@ -16248,13 +17248,14 @@
             <p:cNvPr id="29" name="AutoShape 90"/>
             <p:cNvCxnSpPr>
               <a:cxnSpLocks noChangeShapeType="1"/>
+              <a:endCxn id="30" idx="0"/>
             </p:cNvCxnSpPr>
             <p:nvPr/>
           </p:nvCxnSpPr>
           <p:spPr bwMode="auto">
-            <a:xfrm>
-              <a:off x="6090" y="3181"/>
-              <a:ext cx="1" cy="390"/>
+            <a:xfrm flipH="1">
+              <a:off x="6068" y="3223"/>
+              <a:ext cx="22" cy="506"/>
             </a:xfrm>
             <a:prstGeom prst="straightConnector1">
               <a:avLst/>
@@ -16287,8 +17288,8 @@
           </p:nvSpPr>
           <p:spPr bwMode="auto">
             <a:xfrm>
-              <a:off x="5079" y="3571"/>
-              <a:ext cx="2021" cy="510"/>
+              <a:off x="4868" y="3729"/>
+              <a:ext cx="2400" cy="377"/>
             </a:xfrm>
             <a:prstGeom prst="flowChartProcess">
               <a:avLst/>
@@ -16317,7 +17318,7 @@
                 </a:spcAft>
               </a:pPr>
               <a:r>
-                <a:rPr lang="zh-CN" sz="1200" kern="100">
+                <a:rPr lang="zh-CN" sz="1200" kern="100" dirty="0">
                   <a:effectLst/>
                   <a:latin typeface="微软雅黑" panose="020B0503020204020204" pitchFamily="34" charset="-122"/>
                   <a:ea typeface="微软雅黑" panose="020B0503020204020204" pitchFamily="34" charset="-122"/>
@@ -16423,8 +17424,8 @@
           </p:nvSpPr>
           <p:spPr bwMode="auto">
             <a:xfrm>
-              <a:off x="5079" y="5581"/>
-              <a:ext cx="2021" cy="510"/>
+              <a:off x="4868" y="5832"/>
+              <a:ext cx="2400" cy="336"/>
             </a:xfrm>
             <a:prstGeom prst="flowChartProcess">
               <a:avLst/>
@@ -16469,13 +17470,14 @@
             <p:cNvPr id="34" name="AutoShape 95"/>
             <p:cNvCxnSpPr>
               <a:cxnSpLocks noChangeShapeType="1"/>
+              <a:endCxn id="37" idx="0"/>
             </p:cNvCxnSpPr>
             <p:nvPr/>
           </p:nvCxnSpPr>
           <p:spPr bwMode="auto">
-            <a:xfrm>
-              <a:off x="6090" y="4081"/>
-              <a:ext cx="1" cy="372"/>
+            <a:xfrm flipH="1">
+              <a:off x="6089" y="4081"/>
+              <a:ext cx="1" cy="432"/>
             </a:xfrm>
             <a:prstGeom prst="straightConnector1">
               <a:avLst/>
@@ -16559,7 +17561,7 @@
           </p:nvSpPr>
           <p:spPr bwMode="auto">
             <a:xfrm>
-              <a:off x="3188" y="2506"/>
+              <a:off x="3333" y="2538"/>
               <a:ext cx="5512" cy="675"/>
             </a:xfrm>
             <a:prstGeom prst="flowChartDecision">
@@ -16610,8 +17612,8 @@
           </p:nvSpPr>
           <p:spPr bwMode="auto">
             <a:xfrm>
-              <a:off x="3555" y="4453"/>
-              <a:ext cx="5145" cy="675"/>
+              <a:off x="3333" y="4513"/>
+              <a:ext cx="5512" cy="675"/>
             </a:xfrm>
             <a:prstGeom prst="flowChartDecision">
               <a:avLst/>
@@ -16656,13 +17658,14 @@
             <p:cNvPr id="38" name="AutoShape 99"/>
             <p:cNvCxnSpPr>
               <a:cxnSpLocks noChangeShapeType="1"/>
+              <a:stCxn id="33" idx="2"/>
             </p:cNvCxnSpPr>
             <p:nvPr/>
           </p:nvCxnSpPr>
           <p:spPr bwMode="auto">
             <a:xfrm>
-              <a:off x="6090" y="6091"/>
-              <a:ext cx="1" cy="531"/>
+              <a:off x="6068" y="6168"/>
+              <a:ext cx="23" cy="454"/>
             </a:xfrm>
             <a:prstGeom prst="straightConnector1">
               <a:avLst/>
@@ -16690,13 +17693,14 @@
             <p:cNvPr id="39" name="AutoShape 100"/>
             <p:cNvCxnSpPr>
               <a:cxnSpLocks noChangeShapeType="1"/>
+              <a:stCxn id="35" idx="1"/>
             </p:cNvCxnSpPr>
             <p:nvPr/>
           </p:nvCxnSpPr>
           <p:spPr bwMode="auto">
             <a:xfrm rot="10800000">
-              <a:off x="2955" y="4546"/>
-              <a:ext cx="1251" cy="2414"/>
+              <a:off x="2553" y="4590"/>
+              <a:ext cx="635" cy="2370"/>
             </a:xfrm>
             <a:prstGeom prst="bentConnector2">
               <a:avLst/>
@@ -16729,8 +17733,8 @@
           </p:nvSpPr>
           <p:spPr bwMode="auto">
             <a:xfrm>
-              <a:off x="2265" y="3481"/>
-              <a:ext cx="1860" cy="1170"/>
+              <a:off x="1763" y="3491"/>
+              <a:ext cx="2053" cy="1170"/>
             </a:xfrm>
             <a:prstGeom prst="cloudCallout">
               <a:avLst>
@@ -16761,14 +17765,36 @@
                   <a:spcPts val="0"/>
                 </a:spcAft>
               </a:pPr>
+              <a:endParaRPr lang="en-US" altLang="zh-CN" sz="1200" kern="100" dirty="0" smtClean="0">
+                <a:effectLst/>
+                <a:latin typeface="微软雅黑" panose="020B0503020204020204" pitchFamily="34" charset="-122"/>
+                <a:ea typeface="微软雅黑" panose="020B0503020204020204" pitchFamily="34" charset="-122"/>
+                <a:cs typeface="Times New Roman" panose="02020603050405020304" pitchFamily="18" charset="0"/>
+              </a:endParaRPr>
+            </a:p>
+            <a:p>
+              <a:pPr algn="ctr">
+                <a:spcAft>
+                  <a:spcPts val="0"/>
+                </a:spcAft>
+              </a:pPr>
               <a:r>
-                <a:rPr lang="zh-CN" sz="1200" kern="100">
+                <a:rPr lang="zh-CN" sz="1200" kern="100" dirty="0" smtClean="0">
                   <a:effectLst/>
                   <a:latin typeface="微软雅黑" panose="020B0503020204020204" pitchFamily="34" charset="-122"/>
                   <a:ea typeface="微软雅黑" panose="020B0503020204020204" pitchFamily="34" charset="-122"/>
                   <a:cs typeface="Times New Roman" panose="02020603050405020304" pitchFamily="18" charset="0"/>
                 </a:rPr>
-                <a:t>过滤模块</a:t>
+                <a:t>过滤</a:t>
+              </a:r>
+              <a:r>
+                <a:rPr lang="zh-CN" sz="1200" kern="100" dirty="0">
+                  <a:effectLst/>
+                  <a:latin typeface="微软雅黑" panose="020B0503020204020204" pitchFamily="34" charset="-122"/>
+                  <a:ea typeface="微软雅黑" panose="020B0503020204020204" pitchFamily="34" charset="-122"/>
+                  <a:cs typeface="Times New Roman" panose="02020603050405020304" pitchFamily="18" charset="0"/>
+                </a:rPr>
+                <a:t>模块</a:t>
               </a:r>
             </a:p>
           </p:txBody>
@@ -16778,13 +17804,14 @@
             <p:cNvPr id="41" name="AutoShape 102"/>
             <p:cNvCxnSpPr>
               <a:cxnSpLocks noChangeShapeType="1"/>
+              <a:stCxn id="35" idx="3"/>
             </p:cNvCxnSpPr>
             <p:nvPr/>
           </p:nvCxnSpPr>
           <p:spPr bwMode="auto">
             <a:xfrm flipV="1">
-              <a:off x="7973" y="5056"/>
-              <a:ext cx="1192" cy="1904"/>
+              <a:off x="8948" y="5128"/>
+              <a:ext cx="1072" cy="1831"/>
             </a:xfrm>
             <a:prstGeom prst="bentConnector2">
               <a:avLst/>
@@ -16812,13 +17839,15 @@
             <p:cNvPr id="42" name="AutoShape 103"/>
             <p:cNvCxnSpPr>
               <a:cxnSpLocks noChangeShapeType="1"/>
+              <a:stCxn id="36" idx="3"/>
+              <a:endCxn id="43" idx="0"/>
             </p:cNvCxnSpPr>
             <p:nvPr/>
           </p:nvCxnSpPr>
           <p:spPr bwMode="auto">
             <a:xfrm>
-              <a:off x="7973" y="2844"/>
-              <a:ext cx="1192" cy="1702"/>
+              <a:off x="8845" y="2875"/>
+              <a:ext cx="1176" cy="1741"/>
             </a:xfrm>
             <a:prstGeom prst="bentConnector2">
               <a:avLst/>
@@ -16851,8 +17880,8 @@
           </p:nvSpPr>
           <p:spPr bwMode="auto">
             <a:xfrm>
-              <a:off x="8700" y="4546"/>
-              <a:ext cx="930" cy="510"/>
+              <a:off x="9518" y="4616"/>
+              <a:ext cx="1005" cy="428"/>
             </a:xfrm>
             <a:prstGeom prst="flowChartProcess">
               <a:avLst/>
@@ -16881,7 +17910,7 @@
                 </a:spcAft>
               </a:pPr>
               <a:r>
-                <a:rPr lang="zh-CN" sz="1200" kern="100">
+                <a:rPr lang="zh-CN" sz="1200" kern="100" dirty="0">
                   <a:effectLst/>
                   <a:latin typeface="微软雅黑" panose="020B0503020204020204" pitchFamily="34" charset="-122"/>
                   <a:ea typeface="微软雅黑" panose="020B0503020204020204" pitchFamily="34" charset="-122"/>
@@ -16897,13 +17926,15 @@
             <p:cNvPr id="44" name="AutoShape 105"/>
             <p:cNvCxnSpPr>
               <a:cxnSpLocks noChangeShapeType="1"/>
+              <a:stCxn id="37" idx="3"/>
+              <a:endCxn id="43" idx="1"/>
             </p:cNvCxnSpPr>
             <p:nvPr/>
           </p:nvCxnSpPr>
           <p:spPr bwMode="auto">
-            <a:xfrm>
-              <a:off x="7973" y="4791"/>
-              <a:ext cx="727" cy="10"/>
+            <a:xfrm flipV="1">
+              <a:off x="8845" y="4830"/>
+              <a:ext cx="673" cy="20"/>
             </a:xfrm>
             <a:prstGeom prst="straightConnector1">
               <a:avLst/>
@@ -16931,6 +17962,484 @@
     <p:extLst>
       <p:ext uri="{BB962C8B-B14F-4D97-AF65-F5344CB8AC3E}">
         <p14:creationId xmlns:p14="http://schemas.microsoft.com/office/powerpoint/2010/main" val="1572339106"/>
+      </p:ext>
+    </p:extLst>
+  </p:cSld>
+  <p:clrMapOvr>
+    <a:masterClrMapping/>
+  </p:clrMapOvr>
+  <p:timing>
+    <p:tnLst>
+      <p:par>
+        <p:cTn id="1" dur="indefinite" restart="never" nodeType="tmRoot"/>
+      </p:par>
+    </p:tnLst>
+  </p:timing>
+</p:sld>
+</file>
+
+<file path=ppt/slides/slide9.xml><?xml version="1.0" encoding="utf-8"?>
+<p:sld xmlns:a="http://schemas.openxmlformats.org/drawingml/2006/main" xmlns:r="http://schemas.openxmlformats.org/officeDocument/2006/relationships" xmlns:p="http://schemas.openxmlformats.org/presentationml/2006/main">
+  <p:cSld>
+    <p:spTree>
+      <p:nvGrpSpPr>
+        <p:cNvPr id="1" name=""/>
+        <p:cNvGrpSpPr/>
+        <p:nvPr/>
+      </p:nvGrpSpPr>
+      <p:grpSpPr>
+        <a:xfrm>
+          <a:off x="0" y="0"/>
+          <a:ext cx="0" cy="0"/>
+          <a:chOff x="0" y="0"/>
+          <a:chExt cx="0" cy="0"/>
+        </a:xfrm>
+      </p:grpSpPr>
+      <p:sp>
+        <p:nvSpPr>
+          <p:cNvPr id="9219" name="Rectangle 6"/>
+          <p:cNvSpPr>
+            <a:spLocks noGrp="1" noChangeArrowheads="1"/>
+          </p:cNvSpPr>
+          <p:nvPr>
+            <p:ph type="title" idx="4294967295"/>
+          </p:nvPr>
+        </p:nvSpPr>
+        <p:spPr>
+          <a:xfrm>
+            <a:off x="0" y="0"/>
+            <a:ext cx="0" cy="0"/>
+          </a:xfrm>
+        </p:spPr>
+        <p:txBody>
+          <a:bodyPr anchor="ctr"/>
+          <a:lstStyle/>
+          <a:p>
+            <a:r>
+              <a:rPr lang="en-US" altLang="zh-CN" dirty="0" smtClean="0">
+                <a:effectLst>
+                  <a:outerShdw blurRad="38100" dist="38100" dir="2700000" algn="tl">
+                    <a:srgbClr val="C0C0C0"/>
+                  </a:outerShdw>
+                </a:effectLst>
+                <a:latin typeface="黑体" panose="02010609060101010101" pitchFamily="49" charset="-122"/>
+                <a:ea typeface="黑体" panose="02010609060101010101" pitchFamily="49" charset="-122"/>
+              </a:rPr>
+              <a:t/>
+            </a:r>
+            <a:br>
+              <a:rPr lang="en-US" altLang="zh-CN" dirty="0" smtClean="0">
+                <a:effectLst>
+                  <a:outerShdw blurRad="38100" dist="38100" dir="2700000" algn="tl">
+                    <a:srgbClr val="C0C0C0"/>
+                  </a:outerShdw>
+                </a:effectLst>
+                <a:latin typeface="黑体" panose="02010609060101010101" pitchFamily="49" charset="-122"/>
+                <a:ea typeface="黑体" panose="02010609060101010101" pitchFamily="49" charset="-122"/>
+              </a:rPr>
+            </a:br>
+            <a:r>
+              <a:rPr lang="en-US" altLang="zh-CN" dirty="0">
+                <a:effectLst>
+                  <a:outerShdw blurRad="38100" dist="38100" dir="2700000" algn="tl">
+                    <a:srgbClr val="C0C0C0"/>
+                  </a:outerShdw>
+                </a:effectLst>
+                <a:latin typeface="黑体" panose="02010609060101010101" pitchFamily="49" charset="-122"/>
+                <a:ea typeface="黑体" panose="02010609060101010101" pitchFamily="49" charset="-122"/>
+              </a:rPr>
+              <a:t/>
+            </a:r>
+            <a:br>
+              <a:rPr lang="en-US" altLang="zh-CN" dirty="0">
+                <a:effectLst>
+                  <a:outerShdw blurRad="38100" dist="38100" dir="2700000" algn="tl">
+                    <a:srgbClr val="C0C0C0"/>
+                  </a:outerShdw>
+                </a:effectLst>
+                <a:latin typeface="黑体" panose="02010609060101010101" pitchFamily="49" charset="-122"/>
+                <a:ea typeface="黑体" panose="02010609060101010101" pitchFamily="49" charset="-122"/>
+              </a:rPr>
+            </a:br>
+            <a:r>
+              <a:rPr lang="en-US" altLang="zh-CN" dirty="0" smtClean="0">
+                <a:effectLst>
+                  <a:outerShdw blurRad="38100" dist="38100" dir="2700000" algn="tl">
+                    <a:srgbClr val="C0C0C0"/>
+                  </a:outerShdw>
+                </a:effectLst>
+                <a:latin typeface="黑体" panose="02010609060101010101" pitchFamily="49" charset="-122"/>
+                <a:ea typeface="黑体" panose="02010609060101010101" pitchFamily="49" charset="-122"/>
+              </a:rPr>
+              <a:t/>
+            </a:r>
+            <a:br>
+              <a:rPr lang="en-US" altLang="zh-CN" dirty="0" smtClean="0">
+                <a:effectLst>
+                  <a:outerShdw blurRad="38100" dist="38100" dir="2700000" algn="tl">
+                    <a:srgbClr val="C0C0C0"/>
+                  </a:outerShdw>
+                </a:effectLst>
+                <a:latin typeface="黑体" panose="02010609060101010101" pitchFamily="49" charset="-122"/>
+                <a:ea typeface="黑体" panose="02010609060101010101" pitchFamily="49" charset="-122"/>
+              </a:rPr>
+            </a:br>
+            <a:r>
+              <a:rPr lang="en-US" altLang="zh-CN" dirty="0">
+                <a:effectLst>
+                  <a:outerShdw blurRad="38100" dist="38100" dir="2700000" algn="tl">
+                    <a:srgbClr val="C0C0C0"/>
+                  </a:outerShdw>
+                </a:effectLst>
+                <a:latin typeface="黑体" panose="02010609060101010101" pitchFamily="49" charset="-122"/>
+                <a:ea typeface="黑体" panose="02010609060101010101" pitchFamily="49" charset="-122"/>
+              </a:rPr>
+              <a:t> </a:t>
+            </a:r>
+            <a:endParaRPr lang="zh-CN" altLang="en-US" dirty="0" smtClean="0">
+              <a:effectLst>
+                <a:outerShdw blurRad="38100" dist="38100" dir="2700000" algn="tl">
+                  <a:srgbClr val="C0C0C0"/>
+                </a:outerShdw>
+              </a:effectLst>
+              <a:latin typeface="黑体" panose="02010609060101010101" pitchFamily="49" charset="-122"/>
+              <a:ea typeface="黑体" panose="02010609060101010101" pitchFamily="49" charset="-122"/>
+            </a:endParaRPr>
+          </a:p>
+        </p:txBody>
+      </p:sp>
+      <p:sp>
+        <p:nvSpPr>
+          <p:cNvPr id="54275" name="Rectangle 6"/>
+          <p:cNvSpPr txBox="1">
+            <a:spLocks noGrp="1" noChangeArrowheads="1"/>
+          </p:cNvSpPr>
+          <p:nvPr/>
+        </p:nvSpPr>
+        <p:spPr bwMode="auto">
+          <a:xfrm>
+            <a:off x="457200" y="6453188"/>
+            <a:ext cx="2133600" cy="268287"/>
+          </a:xfrm>
+          <a:prstGeom prst="rect">
+            <a:avLst/>
+          </a:prstGeom>
+          <a:noFill/>
+          <a:ln>
+            <a:noFill/>
+          </a:ln>
+          <a:extLst>
+            <a:ext uri="{909E8E84-426E-40DD-AFC4-6F175D3DCCD1}">
+              <a14:hiddenFill xmlns:a14="http://schemas.microsoft.com/office/drawing/2010/main">
+                <a:solidFill>
+                  <a:srgbClr val="FFFFFF"/>
+                </a:solidFill>
+              </a14:hiddenFill>
+            </a:ext>
+            <a:ext uri="{91240B29-F687-4F45-9708-019B960494DF}">
+              <a14:hiddenLine xmlns:a14="http://schemas.microsoft.com/office/drawing/2010/main" w="9525">
+                <a:solidFill>
+                  <a:srgbClr val="000000"/>
+                </a:solidFill>
+                <a:miter lim="800000"/>
+                <a:headEnd/>
+                <a:tailEnd/>
+              </a14:hiddenLine>
+            </a:ext>
+          </a:extLst>
+        </p:spPr>
+        <p:txBody>
+          <a:bodyPr anchor="b"/>
+          <a:lstStyle>
+            <a:lvl1pPr eaLnBrk="0" hangingPunct="0">
+              <a:defRPr sz="2400">
+                <a:solidFill>
+                  <a:schemeClr val="tx1"/>
+                </a:solidFill>
+                <a:latin typeface="Verdana" panose="020B0604030504040204" pitchFamily="34" charset="0"/>
+                <a:ea typeface="宋体" panose="02010600030101010101" pitchFamily="2" charset="-122"/>
+              </a:defRPr>
+            </a:lvl1pPr>
+            <a:lvl2pPr marL="742950" indent="-285750" eaLnBrk="0" hangingPunct="0">
+              <a:defRPr sz="2400">
+                <a:solidFill>
+                  <a:schemeClr val="tx1"/>
+                </a:solidFill>
+                <a:latin typeface="Verdana" panose="020B0604030504040204" pitchFamily="34" charset="0"/>
+                <a:ea typeface="宋体" panose="02010600030101010101" pitchFamily="2" charset="-122"/>
+              </a:defRPr>
+            </a:lvl2pPr>
+            <a:lvl3pPr marL="1143000" indent="-228600" eaLnBrk="0" hangingPunct="0">
+              <a:defRPr sz="2400">
+                <a:solidFill>
+                  <a:schemeClr val="tx1"/>
+                </a:solidFill>
+                <a:latin typeface="Verdana" panose="020B0604030504040204" pitchFamily="34" charset="0"/>
+                <a:ea typeface="宋体" panose="02010600030101010101" pitchFamily="2" charset="-122"/>
+              </a:defRPr>
+            </a:lvl3pPr>
+            <a:lvl4pPr marL="1600200" indent="-228600" eaLnBrk="0" hangingPunct="0">
+              <a:defRPr sz="2400">
+                <a:solidFill>
+                  <a:schemeClr val="tx1"/>
+                </a:solidFill>
+                <a:latin typeface="Verdana" panose="020B0604030504040204" pitchFamily="34" charset="0"/>
+                <a:ea typeface="宋体" panose="02010600030101010101" pitchFamily="2" charset="-122"/>
+              </a:defRPr>
+            </a:lvl4pPr>
+            <a:lvl5pPr marL="2057400" indent="-228600" eaLnBrk="0" hangingPunct="0">
+              <a:defRPr sz="2400">
+                <a:solidFill>
+                  <a:schemeClr val="tx1"/>
+                </a:solidFill>
+                <a:latin typeface="Verdana" panose="020B0604030504040204" pitchFamily="34" charset="0"/>
+                <a:ea typeface="宋体" panose="02010600030101010101" pitchFamily="2" charset="-122"/>
+              </a:defRPr>
+            </a:lvl5pPr>
+            <a:lvl6pPr marL="2514600" indent="-228600" eaLnBrk="0" fontAlgn="base" hangingPunct="0">
+              <a:spcBef>
+                <a:spcPct val="0"/>
+              </a:spcBef>
+              <a:spcAft>
+                <a:spcPct val="0"/>
+              </a:spcAft>
+              <a:defRPr sz="2400">
+                <a:solidFill>
+                  <a:schemeClr val="tx1"/>
+                </a:solidFill>
+                <a:latin typeface="Verdana" panose="020B0604030504040204" pitchFamily="34" charset="0"/>
+                <a:ea typeface="宋体" panose="02010600030101010101" pitchFamily="2" charset="-122"/>
+              </a:defRPr>
+            </a:lvl6pPr>
+            <a:lvl7pPr marL="2971800" indent="-228600" eaLnBrk="0" fontAlgn="base" hangingPunct="0">
+              <a:spcBef>
+                <a:spcPct val="0"/>
+              </a:spcBef>
+              <a:spcAft>
+                <a:spcPct val="0"/>
+              </a:spcAft>
+              <a:defRPr sz="2400">
+                <a:solidFill>
+                  <a:schemeClr val="tx1"/>
+                </a:solidFill>
+                <a:latin typeface="Verdana" panose="020B0604030504040204" pitchFamily="34" charset="0"/>
+                <a:ea typeface="宋体" panose="02010600030101010101" pitchFamily="2" charset="-122"/>
+              </a:defRPr>
+            </a:lvl7pPr>
+            <a:lvl8pPr marL="3429000" indent="-228600" eaLnBrk="0" fontAlgn="base" hangingPunct="0">
+              <a:spcBef>
+                <a:spcPct val="0"/>
+              </a:spcBef>
+              <a:spcAft>
+                <a:spcPct val="0"/>
+              </a:spcAft>
+              <a:defRPr sz="2400">
+                <a:solidFill>
+                  <a:schemeClr val="tx1"/>
+                </a:solidFill>
+                <a:latin typeface="Verdana" panose="020B0604030504040204" pitchFamily="34" charset="0"/>
+                <a:ea typeface="宋体" panose="02010600030101010101" pitchFamily="2" charset="-122"/>
+              </a:defRPr>
+            </a:lvl8pPr>
+            <a:lvl9pPr marL="3886200" indent="-228600" eaLnBrk="0" fontAlgn="base" hangingPunct="0">
+              <a:spcBef>
+                <a:spcPct val="0"/>
+              </a:spcBef>
+              <a:spcAft>
+                <a:spcPct val="0"/>
+              </a:spcAft>
+              <a:defRPr sz="2400">
+                <a:solidFill>
+                  <a:schemeClr val="tx1"/>
+                </a:solidFill>
+                <a:latin typeface="Verdana" panose="020B0604030504040204" pitchFamily="34" charset="0"/>
+                <a:ea typeface="宋体" panose="02010600030101010101" pitchFamily="2" charset="-122"/>
+              </a:defRPr>
+            </a:lvl9pPr>
+          </a:lstStyle>
+          <a:p>
+            <a:pPr eaLnBrk="1" hangingPunct="1"/>
+            <a:fld id="{1E9FE7B9-E983-427D-BAEE-77F4641B7D82}" type="slidenum">
+              <a:rPr lang="en-US" altLang="zh-CN" sz="1200">
+                <a:latin typeface="Arial" panose="020B0604020202020204" pitchFamily="34" charset="0"/>
+              </a:rPr>
+              <a:pPr eaLnBrk="1" hangingPunct="1"/>
+              <a:t>9</a:t>
+            </a:fld>
+            <a:endParaRPr lang="en-US" altLang="zh-CN" sz="1200">
+              <a:latin typeface="Arial" panose="020B0604020202020204" pitchFamily="34" charset="0"/>
+            </a:endParaRPr>
+          </a:p>
+        </p:txBody>
+      </p:sp>
+      <p:sp>
+        <p:nvSpPr>
+          <p:cNvPr id="6" name="Rectangle 2"/>
+          <p:cNvSpPr>
+            <a:spLocks noGrp="1" noChangeArrowheads="1"/>
+          </p:cNvSpPr>
+          <p:nvPr>
+            <p:ph type="title" idx="4294967295"/>
+          </p:nvPr>
+        </p:nvSpPr>
+        <p:spPr bwMode="auto">
+          <a:xfrm>
+            <a:off x="457200" y="533400"/>
+            <a:ext cx="8229600" cy="884238"/>
+          </a:xfrm>
+          <a:prstGeom prst="rect">
+            <a:avLst/>
+          </a:prstGeom>
+          <a:noFill/>
+          <a:extLst>
+            <a:ext uri="{909E8E84-426E-40DD-AFC4-6F175D3DCCD1}">
+              <a14:hiddenFill xmlns:a14="http://schemas.microsoft.com/office/drawing/2010/main">
+                <a:solidFill>
+                  <a:srgbClr val="FFFFFF"/>
+                </a:solidFill>
+              </a14:hiddenFill>
+            </a:ext>
+            <a:ext uri="{91240B29-F687-4F45-9708-019B960494DF}">
+              <a14:hiddenLine xmlns:a14="http://schemas.microsoft.com/office/drawing/2010/main" w="9525">
+                <a:solidFill>
+                  <a:srgbClr val="000000"/>
+                </a:solidFill>
+                <a:miter lim="800000"/>
+                <a:headEnd/>
+                <a:tailEnd/>
+              </a14:hiddenLine>
+            </a:ext>
+          </a:extLst>
+        </p:spPr>
+        <p:txBody>
+          <a:bodyPr/>
+          <a:lstStyle/>
+          <a:p>
+            <a:pPr eaLnBrk="1" hangingPunct="1"/>
+            <a:r>
+              <a:rPr lang="zh-CN" altLang="en-US" dirty="0">
+                <a:effectLst>
+                  <a:outerShdw blurRad="38100" dist="38100" dir="2700000" algn="tl">
+                    <a:srgbClr val="C0C0C0"/>
+                  </a:outerShdw>
+                </a:effectLst>
+                <a:latin typeface="黑体" panose="02010609060101010101" pitchFamily="49" charset="-122"/>
+                <a:ea typeface="黑体" panose="02010609060101010101" pitchFamily="49" charset="-122"/>
+              </a:rPr>
+              <a:t>数据</a:t>
+            </a:r>
+            <a:r>
+              <a:rPr lang="zh-CN" altLang="en-US" dirty="0" smtClean="0">
+                <a:effectLst>
+                  <a:outerShdw blurRad="38100" dist="38100" dir="2700000" algn="tl">
+                    <a:srgbClr val="C0C0C0"/>
+                  </a:outerShdw>
+                </a:effectLst>
+                <a:latin typeface="黑体" panose="02010609060101010101" pitchFamily="49" charset="-122"/>
+                <a:ea typeface="黑体" panose="02010609060101010101" pitchFamily="49" charset="-122"/>
+              </a:rPr>
+              <a:t>挖掘</a:t>
+            </a:r>
+            <a:r>
+              <a:rPr lang="en-US" altLang="zh-CN" dirty="0" smtClean="0">
+                <a:effectLst>
+                  <a:outerShdw blurRad="38100" dist="38100" dir="2700000" algn="tl">
+                    <a:srgbClr val="C0C0C0"/>
+                  </a:outerShdw>
+                </a:effectLst>
+                <a:latin typeface="黑体" panose="02010609060101010101" pitchFamily="49" charset="-122"/>
+                <a:ea typeface="黑体" panose="02010609060101010101" pitchFamily="49" charset="-122"/>
+              </a:rPr>
+              <a:t>—</a:t>
+            </a:r>
+            <a:r>
+              <a:rPr lang="zh-CN" altLang="en-US" dirty="0" smtClean="0">
+                <a:effectLst>
+                  <a:outerShdw blurRad="38100" dist="38100" dir="2700000" algn="tl">
+                    <a:srgbClr val="C0C0C0"/>
+                  </a:outerShdw>
+                </a:effectLst>
+                <a:latin typeface="黑体" panose="02010609060101010101" pitchFamily="49" charset="-122"/>
+                <a:ea typeface="黑体" panose="02010609060101010101" pitchFamily="49" charset="-122"/>
+              </a:rPr>
+              <a:t>结果展示</a:t>
+            </a:r>
+          </a:p>
+        </p:txBody>
+      </p:sp>
+      <p:pic>
+        <p:nvPicPr>
+          <p:cNvPr id="8" name="图片 7" descr="爬取数据统计"/>
+          <p:cNvPicPr/>
+          <p:nvPr/>
+        </p:nvPicPr>
+        <p:blipFill>
+          <a:blip r:embed="rId3">
+            <a:extLst>
+              <a:ext uri="{28A0092B-C50C-407E-A947-70E740481C1C}">
+                <a14:useLocalDpi xmlns:a14="http://schemas.microsoft.com/office/drawing/2010/main" val="0"/>
+              </a:ext>
+            </a:extLst>
+          </a:blip>
+          <a:srcRect/>
+          <a:stretch>
+            <a:fillRect/>
+          </a:stretch>
+        </p:blipFill>
+        <p:spPr bwMode="auto">
+          <a:xfrm>
+            <a:off x="219075" y="1981200"/>
+            <a:ext cx="4276725" cy="3429000"/>
+          </a:xfrm>
+          <a:prstGeom prst="rect">
+            <a:avLst/>
+          </a:prstGeom>
+          <a:noFill/>
+          <a:ln>
+            <a:noFill/>
+          </a:ln>
+        </p:spPr>
+      </p:pic>
+      <p:pic>
+        <p:nvPicPr>
+          <p:cNvPr id="9" name="图片 8" descr="武汉房价分布"/>
+          <p:cNvPicPr/>
+          <p:nvPr/>
+        </p:nvPicPr>
+        <p:blipFill rotWithShape="1">
+          <a:blip r:embed="rId4">
+            <a:extLst>
+              <a:ext uri="{28A0092B-C50C-407E-A947-70E740481C1C}">
+                <a14:useLocalDpi xmlns:a14="http://schemas.microsoft.com/office/drawing/2010/main" val="0"/>
+              </a:ext>
+            </a:extLst>
+          </a:blip>
+          <a:srcRect t="9460"/>
+          <a:stretch/>
+        </p:blipFill>
+        <p:spPr bwMode="auto">
+          <a:xfrm>
+            <a:off x="4724401" y="2095500"/>
+            <a:ext cx="4114800" cy="3314700"/>
+          </a:xfrm>
+          <a:prstGeom prst="rect">
+            <a:avLst/>
+          </a:prstGeom>
+          <a:noFill/>
+          <a:ln>
+            <a:noFill/>
+          </a:ln>
+          <a:extLst>
+            <a:ext uri="{53640926-AAD7-44D8-BBD7-CCE9431645EC}">
+              <a14:shadowObscured xmlns:a14="http://schemas.microsoft.com/office/drawing/2010/main"/>
+            </a:ext>
+          </a:extLst>
+        </p:spPr>
+      </p:pic>
+    </p:spTree>
+    <p:extLst>
+      <p:ext uri="{BB962C8B-B14F-4D97-AF65-F5344CB8AC3E}">
+        <p14:creationId xmlns:p14="http://schemas.microsoft.com/office/powerpoint/2010/main" val="1219525103"/>
       </p:ext>
     </p:extLst>
   </p:cSld>
